--- a/RETRIEVE.pptx
+++ b/RETRIEVE.pptx
@@ -10,12 +10,12 @@
     <p:sldId id="259" r:id="rId4"/>
     <p:sldId id="267" r:id="rId5"/>
     <p:sldId id="260" r:id="rId6"/>
-    <p:sldId id="261" r:id="rId7"/>
-    <p:sldId id="262" r:id="rId8"/>
-    <p:sldId id="263" r:id="rId9"/>
-    <p:sldId id="264" r:id="rId10"/>
-    <p:sldId id="265" r:id="rId11"/>
-    <p:sldId id="266" r:id="rId12"/>
+    <p:sldId id="262" r:id="rId7"/>
+    <p:sldId id="263" r:id="rId8"/>
+    <p:sldId id="264" r:id="rId9"/>
+    <p:sldId id="265" r:id="rId10"/>
+    <p:sldId id="268" r:id="rId11"/>
+    <p:sldId id="269" r:id="rId12"/>
   </p:sldIdLst>
   <p:sldSz cx="9144000" cy="6858000" type="screen4x3"/>
   <p:notesSz cx="6858000" cy="9144000"/>
@@ -253,7 +253,7 @@
           <a:p>
             <a:fld id="{C3CCBED5-E521-454A-BF83-5B4F8DB8B540}" type="datetimeFigureOut">
               <a:rPr kumimoji="1" lang="ja-JP" altLang="en-US" smtClean="0"/>
-              <a:t>2022/11/21</a:t>
+              <a:t>2022/11/23</a:t>
             </a:fld>
             <a:endParaRPr kumimoji="1" lang="ja-JP" altLang="en-US"/>
           </a:p>
@@ -455,7 +455,7 @@
           <a:p>
             <a:fld id="{C3CCBED5-E521-454A-BF83-5B4F8DB8B540}" type="datetimeFigureOut">
               <a:rPr kumimoji="1" lang="ja-JP" altLang="en-US" smtClean="0"/>
-              <a:t>2022/11/21</a:t>
+              <a:t>2022/11/23</a:t>
             </a:fld>
             <a:endParaRPr kumimoji="1" lang="ja-JP" altLang="en-US"/>
           </a:p>
@@ -667,7 +667,7 @@
           <a:p>
             <a:fld id="{C3CCBED5-E521-454A-BF83-5B4F8DB8B540}" type="datetimeFigureOut">
               <a:rPr kumimoji="1" lang="ja-JP" altLang="en-US" smtClean="0"/>
-              <a:t>2022/11/21</a:t>
+              <a:t>2022/11/23</a:t>
             </a:fld>
             <a:endParaRPr kumimoji="1" lang="ja-JP" altLang="en-US"/>
           </a:p>
@@ -869,7 +869,7 @@
           <a:p>
             <a:fld id="{C3CCBED5-E521-454A-BF83-5B4F8DB8B540}" type="datetimeFigureOut">
               <a:rPr kumimoji="1" lang="ja-JP" altLang="en-US" smtClean="0"/>
-              <a:t>2022/11/21</a:t>
+              <a:t>2022/11/23</a:t>
             </a:fld>
             <a:endParaRPr kumimoji="1" lang="ja-JP" altLang="en-US"/>
           </a:p>
@@ -1113,7 +1113,7 @@
           <a:p>
             <a:fld id="{C3CCBED5-E521-454A-BF83-5B4F8DB8B540}" type="datetimeFigureOut">
               <a:rPr kumimoji="1" lang="ja-JP" altLang="en-US" smtClean="0"/>
-              <a:t>2022/11/21</a:t>
+              <a:t>2022/11/23</a:t>
             </a:fld>
             <a:endParaRPr kumimoji="1" lang="ja-JP" altLang="en-US"/>
           </a:p>
@@ -1409,7 +1409,7 @@
           <a:p>
             <a:fld id="{C3CCBED5-E521-454A-BF83-5B4F8DB8B540}" type="datetimeFigureOut">
               <a:rPr kumimoji="1" lang="ja-JP" altLang="en-US" smtClean="0"/>
-              <a:t>2022/11/21</a:t>
+              <a:t>2022/11/23</a:t>
             </a:fld>
             <a:endParaRPr kumimoji="1" lang="ja-JP" altLang="en-US"/>
           </a:p>
@@ -1840,7 +1840,7 @@
           <a:p>
             <a:fld id="{C3CCBED5-E521-454A-BF83-5B4F8DB8B540}" type="datetimeFigureOut">
               <a:rPr kumimoji="1" lang="ja-JP" altLang="en-US" smtClean="0"/>
-              <a:t>2022/11/21</a:t>
+              <a:t>2022/11/23</a:t>
             </a:fld>
             <a:endParaRPr kumimoji="1" lang="ja-JP" altLang="en-US"/>
           </a:p>
@@ -1958,7 +1958,7 @@
           <a:p>
             <a:fld id="{C3CCBED5-E521-454A-BF83-5B4F8DB8B540}" type="datetimeFigureOut">
               <a:rPr kumimoji="1" lang="ja-JP" altLang="en-US" smtClean="0"/>
-              <a:t>2022/11/21</a:t>
+              <a:t>2022/11/23</a:t>
             </a:fld>
             <a:endParaRPr kumimoji="1" lang="ja-JP" altLang="en-US"/>
           </a:p>
@@ -2053,7 +2053,7 @@
           <a:p>
             <a:fld id="{C3CCBED5-E521-454A-BF83-5B4F8DB8B540}" type="datetimeFigureOut">
               <a:rPr kumimoji="1" lang="ja-JP" altLang="en-US" smtClean="0"/>
-              <a:t>2022/11/21</a:t>
+              <a:t>2022/11/23</a:t>
             </a:fld>
             <a:endParaRPr kumimoji="1" lang="ja-JP" altLang="en-US"/>
           </a:p>
@@ -2362,7 +2362,7 @@
           <a:p>
             <a:fld id="{C3CCBED5-E521-454A-BF83-5B4F8DB8B540}" type="datetimeFigureOut">
               <a:rPr kumimoji="1" lang="ja-JP" altLang="en-US" smtClean="0"/>
-              <a:t>2022/11/21</a:t>
+              <a:t>2022/11/23</a:t>
             </a:fld>
             <a:endParaRPr kumimoji="1" lang="ja-JP" altLang="en-US"/>
           </a:p>
@@ -2619,7 +2619,7 @@
           <a:p>
             <a:fld id="{C3CCBED5-E521-454A-BF83-5B4F8DB8B540}" type="datetimeFigureOut">
               <a:rPr kumimoji="1" lang="ja-JP" altLang="en-US" smtClean="0"/>
-              <a:t>2022/11/21</a:t>
+              <a:t>2022/11/23</a:t>
             </a:fld>
             <a:endParaRPr kumimoji="1" lang="ja-JP" altLang="en-US"/>
           </a:p>
@@ -2864,7 +2864,7 @@
           <a:p>
             <a:fld id="{C3CCBED5-E521-454A-BF83-5B4F8DB8B540}" type="datetimeFigureOut">
               <a:rPr kumimoji="1" lang="ja-JP" altLang="en-US" smtClean="0"/>
-              <a:t>2022/11/21</a:t>
+              <a:t>2022/11/23</a:t>
             </a:fld>
             <a:endParaRPr kumimoji="1" lang="ja-JP" altLang="en-US"/>
           </a:p>
@@ -3401,7 +3401,7 @@
                 <a:latin typeface="メイリオ" panose="020B0604030504040204" pitchFamily="50" charset="-128"/>
                 <a:ea typeface="メイリオ" panose="020B0604030504040204" pitchFamily="50" charset="-128"/>
               </a:rPr>
-              <a:t>５</a:t>
+              <a:t>７</a:t>
             </a:r>
             <a:r>
               <a:rPr lang="en-US" altLang="ja-JP" sz="3200" dirty="0" smtClean="0">
@@ -3411,18 +3411,32 @@
               <a:t>-</a:t>
             </a:r>
             <a:r>
-              <a:rPr lang="ja-JP" altLang="en-US" sz="3200" dirty="0">
-                <a:latin typeface="メイリオ" panose="020B0604030504040204" pitchFamily="50" charset="-128"/>
-                <a:ea typeface="メイリオ" panose="020B0604030504040204" pitchFamily="50" charset="-128"/>
-              </a:rPr>
-              <a:t>２</a:t>
-            </a:r>
-            <a:r>
               <a:rPr lang="ja-JP" altLang="en-US" sz="3200" dirty="0" smtClean="0">
                 <a:latin typeface="メイリオ" panose="020B0604030504040204" pitchFamily="50" charset="-128"/>
                 <a:ea typeface="メイリオ" panose="020B0604030504040204" pitchFamily="50" charset="-128"/>
               </a:rPr>
-              <a:t>．アクティブラーニングの実験結果</a:t>
+              <a:t>１</a:t>
+            </a:r>
+            <a:r>
+              <a:rPr lang="ja-JP" altLang="en-US" sz="3200" dirty="0" smtClean="0">
+                <a:latin typeface="メイリオ" panose="020B0604030504040204" pitchFamily="50" charset="-128"/>
+                <a:ea typeface="メイリオ" panose="020B0604030504040204" pitchFamily="50" charset="-128"/>
+              </a:rPr>
+              <a:t>．不均衡</a:t>
+            </a:r>
+            <a:r>
+              <a:rPr lang="ja-JP" altLang="en-US" sz="3200" dirty="0" smtClean="0">
+                <a:latin typeface="メイリオ" panose="020B0604030504040204" pitchFamily="50" charset="-128"/>
+                <a:ea typeface="メイリオ" panose="020B0604030504040204" pitchFamily="50" charset="-128"/>
+              </a:rPr>
+              <a:t>データの</a:t>
+            </a:r>
+            <a:r>
+              <a:rPr lang="ja-JP" altLang="en-US" sz="3200" dirty="0" smtClean="0">
+                <a:latin typeface="メイリオ" panose="020B0604030504040204" pitchFamily="50" charset="-128"/>
+                <a:ea typeface="メイリオ" panose="020B0604030504040204" pitchFamily="50" charset="-128"/>
+              </a:rPr>
+              <a:t>半教師有り学習の実験</a:t>
             </a:r>
             <a:endParaRPr lang="ja-JP" altLang="en-US" sz="3200" dirty="0">
               <a:latin typeface="メイリオ" panose="020B0604030504040204" pitchFamily="50" charset="-128"/>
@@ -3431,6 +3445,581 @@
           </a:p>
         </p:txBody>
       </p:sp>
+      <p:sp>
+        <p:nvSpPr>
+          <p:cNvPr id="14" name="タイトル 1"/>
+          <p:cNvSpPr txBox="1">
+            <a:spLocks/>
+          </p:cNvSpPr>
+          <p:nvPr/>
+        </p:nvSpPr>
+        <p:spPr>
+          <a:xfrm>
+            <a:off x="571167" y="877756"/>
+            <a:ext cx="5845399" cy="1984714"/>
+          </a:xfrm>
+          <a:prstGeom prst="rect">
+            <a:avLst/>
+          </a:prstGeom>
+        </p:spPr>
+        <p:txBody>
+          <a:bodyPr vert="horz" lIns="91440" tIns="45720" rIns="91440" bIns="45720" rtlCol="0" anchor="t">
+            <a:noAutofit/>
+          </a:bodyPr>
+          <a:lstStyle>
+            <a:lvl1pPr algn="ctr" defTabSz="914400" rtl="0" eaLnBrk="1" latinLnBrk="0" hangingPunct="1">
+              <a:lnSpc>
+                <a:spcPct val="90000"/>
+              </a:lnSpc>
+              <a:spcBef>
+                <a:spcPct val="0"/>
+              </a:spcBef>
+              <a:buNone/>
+              <a:defRPr kumimoji="1" sz="6000" kern="1200">
+                <a:solidFill>
+                  <a:schemeClr val="tx1"/>
+                </a:solidFill>
+                <a:latin typeface="+mj-lt"/>
+                <a:ea typeface="+mj-ea"/>
+                <a:cs typeface="+mj-cs"/>
+              </a:defRPr>
+            </a:lvl1pPr>
+          </a:lstStyle>
+          <a:p>
+            <a:pPr marL="285750" indent="-285750" algn="l">
+              <a:lnSpc>
+                <a:spcPct val="150000"/>
+              </a:lnSpc>
+              <a:buFont typeface="Arial" panose="020B0604020202020204" pitchFamily="34" charset="0"/>
+              <a:buChar char="•"/>
+            </a:pPr>
+            <a:r>
+              <a:rPr lang="ja-JP" altLang="en-US" sz="2000" dirty="0" smtClean="0">
+                <a:latin typeface="メイリオ" panose="020B0604030504040204" pitchFamily="50" charset="-128"/>
+                <a:ea typeface="メイリオ" panose="020B0604030504040204" pitchFamily="50" charset="-128"/>
+              </a:rPr>
+              <a:t>データセットは</a:t>
+            </a:r>
+            <a:r>
+              <a:rPr lang="ja-JP" altLang="en-US" sz="2000" dirty="0" smtClean="0">
+                <a:latin typeface="メイリオ" panose="020B0604030504040204" pitchFamily="50" charset="-128"/>
+                <a:ea typeface="メイリオ" panose="020B0604030504040204" pitchFamily="50" charset="-128"/>
+              </a:rPr>
+              <a:t>、</a:t>
+            </a:r>
+            <a:r>
+              <a:rPr lang="en-US" altLang="ja-JP" sz="2000" dirty="0" smtClean="0">
+                <a:latin typeface="メイリオ" panose="020B0604030504040204" pitchFamily="50" charset="-128"/>
+                <a:ea typeface="メイリオ" panose="020B0604030504040204" pitchFamily="50" charset="-128"/>
+              </a:rPr>
+              <a:t>Cifar10</a:t>
+            </a:r>
+            <a:r>
+              <a:rPr lang="ja-JP" altLang="en-US" sz="2000" dirty="0" smtClean="0">
+                <a:latin typeface="メイリオ" panose="020B0604030504040204" pitchFamily="50" charset="-128"/>
+                <a:ea typeface="メイリオ" panose="020B0604030504040204" pitchFamily="50" charset="-128"/>
+              </a:rPr>
+              <a:t>と</a:t>
+            </a:r>
+            <a:r>
+              <a:rPr lang="en-US" altLang="ja-JP" sz="2000" dirty="0" smtClean="0">
+                <a:latin typeface="メイリオ" panose="020B0604030504040204" pitchFamily="50" charset="-128"/>
+                <a:ea typeface="メイリオ" panose="020B0604030504040204" pitchFamily="50" charset="-128"/>
+              </a:rPr>
+              <a:t>MNIST</a:t>
+            </a:r>
+          </a:p>
+          <a:p>
+            <a:pPr marL="285750" indent="-285750" algn="l">
+              <a:lnSpc>
+                <a:spcPct val="150000"/>
+              </a:lnSpc>
+              <a:buFont typeface="Arial" panose="020B0604020202020204" pitchFamily="34" charset="0"/>
+              <a:buChar char="•"/>
+            </a:pPr>
+            <a:r>
+              <a:rPr lang="en-US" altLang="ja-JP" sz="2000" dirty="0" smtClean="0">
+                <a:latin typeface="メイリオ" panose="020B0604030504040204" pitchFamily="50" charset="-128"/>
+                <a:ea typeface="メイリオ" panose="020B0604030504040204" pitchFamily="50" charset="-128"/>
+              </a:rPr>
+              <a:t>1~5</a:t>
+            </a:r>
+            <a:r>
+              <a:rPr lang="ja-JP" altLang="en-US" sz="2000" dirty="0" smtClean="0">
+                <a:latin typeface="メイリオ" panose="020B0604030504040204" pitchFamily="50" charset="-128"/>
+                <a:ea typeface="メイリオ" panose="020B0604030504040204" pitchFamily="50" charset="-128"/>
+              </a:rPr>
+              <a:t>クラスの合計数を</a:t>
+            </a:r>
+            <a:r>
+              <a:rPr lang="en-US" altLang="ja-JP" sz="2000" dirty="0" smtClean="0">
+                <a:latin typeface="メイリオ" panose="020B0604030504040204" pitchFamily="50" charset="-128"/>
+                <a:ea typeface="メイリオ" panose="020B0604030504040204" pitchFamily="50" charset="-128"/>
+              </a:rPr>
+              <a:t>m</a:t>
+            </a:r>
+            <a:r>
+              <a:rPr lang="ja-JP" altLang="en-US" sz="2000" dirty="0" err="1" smtClean="0">
+                <a:latin typeface="メイリオ" panose="020B0604030504040204" pitchFamily="50" charset="-128"/>
+                <a:ea typeface="メイリオ" panose="020B0604030504040204" pitchFamily="50" charset="-128"/>
+              </a:rPr>
+              <a:t>、</a:t>
+            </a:r>
+            <a:r>
+              <a:rPr lang="en-US" altLang="ja-JP" sz="2000" dirty="0" smtClean="0">
+                <a:latin typeface="メイリオ" panose="020B0604030504040204" pitchFamily="50" charset="-128"/>
+                <a:ea typeface="メイリオ" panose="020B0604030504040204" pitchFamily="50" charset="-128"/>
+              </a:rPr>
+              <a:t>6~10</a:t>
+            </a:r>
+            <a:r>
+              <a:rPr lang="ja-JP" altLang="en-US" sz="2000" dirty="0" smtClean="0">
+                <a:latin typeface="メイリオ" panose="020B0604030504040204" pitchFamily="50" charset="-128"/>
+                <a:ea typeface="メイリオ" panose="020B0604030504040204" pitchFamily="50" charset="-128"/>
+              </a:rPr>
+              <a:t>クラスの合計数</a:t>
+            </a:r>
+            <a:r>
+              <a:rPr lang="en-US" altLang="ja-JP" sz="2000" dirty="0" smtClean="0">
+                <a:latin typeface="メイリオ" panose="020B0604030504040204" pitchFamily="50" charset="-128"/>
+                <a:ea typeface="メイリオ" panose="020B0604030504040204" pitchFamily="50" charset="-128"/>
+              </a:rPr>
+              <a:t>n</a:t>
+            </a:r>
+            <a:r>
+              <a:rPr lang="ja-JP" altLang="en-US" sz="2000" dirty="0" smtClean="0">
+                <a:latin typeface="メイリオ" panose="020B0604030504040204" pitchFamily="50" charset="-128"/>
+                <a:ea typeface="メイリオ" panose="020B0604030504040204" pitchFamily="50" charset="-128"/>
+              </a:rPr>
+              <a:t>とすると、不均衡比率ｒは</a:t>
+            </a:r>
+            <a:r>
+              <a:rPr lang="ja-JP" altLang="en-US" sz="2000" dirty="0">
+                <a:latin typeface="メイリオ" panose="020B0604030504040204" pitchFamily="50" charset="-128"/>
+                <a:ea typeface="メイリオ" panose="020B0604030504040204" pitchFamily="50" charset="-128"/>
+              </a:rPr>
+              <a:t>　</a:t>
+            </a:r>
+            <a:r>
+              <a:rPr lang="en-US" altLang="ja-JP" sz="2000" dirty="0" smtClean="0">
+                <a:latin typeface="メイリオ" panose="020B0604030504040204" pitchFamily="50" charset="-128"/>
+                <a:ea typeface="メイリオ" panose="020B0604030504040204" pitchFamily="50" charset="-128"/>
+              </a:rPr>
+              <a:t>r=m/(</a:t>
+            </a:r>
+            <a:r>
+              <a:rPr lang="en-US" altLang="ja-JP" sz="2000" dirty="0" err="1" smtClean="0">
+                <a:latin typeface="メイリオ" panose="020B0604030504040204" pitchFamily="50" charset="-128"/>
+                <a:ea typeface="メイリオ" panose="020B0604030504040204" pitchFamily="50" charset="-128"/>
+              </a:rPr>
+              <a:t>n+m</a:t>
+            </a:r>
+            <a:r>
+              <a:rPr lang="en-US" altLang="ja-JP" sz="2000" dirty="0" smtClean="0">
+                <a:latin typeface="メイリオ" panose="020B0604030504040204" pitchFamily="50" charset="-128"/>
+                <a:ea typeface="メイリオ" panose="020B0604030504040204" pitchFamily="50" charset="-128"/>
+              </a:rPr>
+              <a:t>)</a:t>
+            </a:r>
+            <a:endParaRPr lang="en-US" altLang="ja-JP" sz="2000" dirty="0">
+              <a:latin typeface="メイリオ" panose="020B0604030504040204" pitchFamily="50" charset="-128"/>
+              <a:ea typeface="メイリオ" panose="020B0604030504040204" pitchFamily="50" charset="-128"/>
+            </a:endParaRPr>
+          </a:p>
+        </p:txBody>
+      </p:sp>
+      <p:graphicFrame>
+        <p:nvGraphicFramePr>
+          <p:cNvPr id="6" name="表 5"/>
+          <p:cNvGraphicFramePr>
+            <a:graphicFrameLocks noGrp="1"/>
+          </p:cNvGraphicFramePr>
+          <p:nvPr>
+            <p:extLst/>
+          </p:nvPr>
+        </p:nvGraphicFramePr>
+        <p:xfrm>
+          <a:off x="720916" y="3462665"/>
+          <a:ext cx="7851916" cy="2768600"/>
+        </p:xfrm>
+        <a:graphic>
+          <a:graphicData uri="http://schemas.openxmlformats.org/drawingml/2006/table">
+            <a:tbl>
+              <a:tblPr firstRow="1" bandRow="1">
+                <a:tableStyleId>{7DF18680-E054-41AD-8BC1-D1AEF772440D}</a:tableStyleId>
+              </a:tblPr>
+              <a:tblGrid>
+                <a:gridCol w="3096385"/>
+                <a:gridCol w="4755531"/>
+              </a:tblGrid>
+              <a:tr h="0">
+                <a:tc>
+                  <a:txBody>
+                    <a:bodyPr/>
+                    <a:lstStyle/>
+                    <a:p>
+                      <a:pPr algn="ctr"/>
+                      <a:r>
+                        <a:rPr kumimoji="1" lang="ja-JP" altLang="en-US" sz="1600" dirty="0" smtClean="0">
+                          <a:latin typeface="メイリオ" panose="020B0604030504040204" pitchFamily="50" charset="-128"/>
+                          <a:ea typeface="メイリオ" panose="020B0604030504040204" pitchFamily="50" charset="-128"/>
+                        </a:rPr>
+                        <a:t>アルゴリズム名</a:t>
+                      </a:r>
+                      <a:endParaRPr kumimoji="1" lang="ja-JP" altLang="en-US" sz="1600" dirty="0">
+                        <a:latin typeface="メイリオ" panose="020B0604030504040204" pitchFamily="50" charset="-128"/>
+                        <a:ea typeface="メイリオ" panose="020B0604030504040204" pitchFamily="50" charset="-128"/>
+                      </a:endParaRPr>
+                    </a:p>
+                  </a:txBody>
+                  <a:tcPr anchor="ctr"/>
+                </a:tc>
+                <a:tc>
+                  <a:txBody>
+                    <a:bodyPr/>
+                    <a:lstStyle/>
+                    <a:p>
+                      <a:pPr algn="l"/>
+                      <a:r>
+                        <a:rPr kumimoji="1" lang="ja-JP" altLang="en-US" sz="1600" dirty="0" smtClean="0">
+                          <a:latin typeface="メイリオ" panose="020B0604030504040204" pitchFamily="50" charset="-128"/>
+                          <a:ea typeface="メイリオ" panose="020B0604030504040204" pitchFamily="50" charset="-128"/>
+                        </a:rPr>
+                        <a:t>説明</a:t>
+                      </a:r>
+                      <a:endParaRPr kumimoji="1" lang="ja-JP" altLang="en-US" sz="1600" dirty="0">
+                        <a:latin typeface="メイリオ" panose="020B0604030504040204" pitchFamily="50" charset="-128"/>
+                        <a:ea typeface="メイリオ" panose="020B0604030504040204" pitchFamily="50" charset="-128"/>
+                      </a:endParaRPr>
+                    </a:p>
+                  </a:txBody>
+                  <a:tcPr anchor="ctr"/>
+                </a:tc>
+              </a:tr>
+              <a:tr h="370840">
+                <a:tc>
+                  <a:txBody>
+                    <a:bodyPr/>
+                    <a:lstStyle/>
+                    <a:p>
+                      <a:pPr algn="ctr"/>
+                      <a:r>
+                        <a:rPr kumimoji="1" lang="en-US" altLang="ja-JP" sz="1600" dirty="0" smtClean="0">
+                          <a:latin typeface="メイリオ" panose="020B0604030504040204" pitchFamily="50" charset="-128"/>
+                          <a:ea typeface="メイリオ" panose="020B0604030504040204" pitchFamily="50" charset="-128"/>
+                        </a:rPr>
+                        <a:t>VAT</a:t>
+                      </a:r>
+                      <a:endParaRPr kumimoji="1" lang="ja-JP" altLang="en-US" sz="1600" dirty="0">
+                        <a:latin typeface="メイリオ" panose="020B0604030504040204" pitchFamily="50" charset="-128"/>
+                        <a:ea typeface="メイリオ" panose="020B0604030504040204" pitchFamily="50" charset="-128"/>
+                      </a:endParaRPr>
+                    </a:p>
+                  </a:txBody>
+                  <a:tcPr anchor="ctr"/>
+                </a:tc>
+                <a:tc>
+                  <a:txBody>
+                    <a:bodyPr/>
+                    <a:lstStyle/>
+                    <a:p>
+                      <a:pPr algn="l"/>
+                      <a:r>
+                        <a:rPr kumimoji="1" lang="ja-JP" altLang="en-US" sz="1600" dirty="0" smtClean="0">
+                          <a:latin typeface="メイリオ" panose="020B0604030504040204" pitchFamily="50" charset="-128"/>
+                          <a:ea typeface="メイリオ" panose="020B0604030504040204" pitchFamily="50" charset="-128"/>
+                        </a:rPr>
+                        <a:t>仮想敵対的学習（</a:t>
+                      </a:r>
+                      <a:r>
+                        <a:rPr kumimoji="1" lang="en-US" altLang="ja-JP" sz="1600" dirty="0" smtClean="0">
+                          <a:latin typeface="メイリオ" panose="020B0604030504040204" pitchFamily="50" charset="-128"/>
+                          <a:ea typeface="メイリオ" panose="020B0604030504040204" pitchFamily="50" charset="-128"/>
+                        </a:rPr>
+                        <a:t>2017</a:t>
+                      </a:r>
+                      <a:r>
+                        <a:rPr kumimoji="1" lang="ja-JP" altLang="en-US" sz="1600" dirty="0" smtClean="0">
+                          <a:latin typeface="メイリオ" panose="020B0604030504040204" pitchFamily="50" charset="-128"/>
+                          <a:ea typeface="メイリオ" panose="020B0604030504040204" pitchFamily="50" charset="-128"/>
+                        </a:rPr>
+                        <a:t>）</a:t>
+                      </a:r>
+                      <a:endParaRPr kumimoji="1" lang="ja-JP" altLang="en-US" sz="1600" dirty="0">
+                        <a:latin typeface="メイリオ" panose="020B0604030504040204" pitchFamily="50" charset="-128"/>
+                        <a:ea typeface="メイリオ" panose="020B0604030504040204" pitchFamily="50" charset="-128"/>
+                      </a:endParaRPr>
+                    </a:p>
+                  </a:txBody>
+                  <a:tcPr anchor="ctr"/>
+                </a:tc>
+              </a:tr>
+              <a:tr h="370840">
+                <a:tc>
+                  <a:txBody>
+                    <a:bodyPr/>
+                    <a:lstStyle/>
+                    <a:p>
+                      <a:pPr algn="ctr"/>
+                      <a:r>
+                        <a:rPr kumimoji="1" lang="en-US" altLang="ja-JP" sz="1600" dirty="0" smtClean="0">
+                          <a:latin typeface="メイリオ" panose="020B0604030504040204" pitchFamily="50" charset="-128"/>
+                          <a:ea typeface="メイリオ" panose="020B0604030504040204" pitchFamily="50" charset="-128"/>
+                        </a:rPr>
+                        <a:t>DS3L</a:t>
+                      </a:r>
+                      <a:endParaRPr kumimoji="1" lang="ja-JP" altLang="en-US" sz="1600" dirty="0">
+                        <a:latin typeface="メイリオ" panose="020B0604030504040204" pitchFamily="50" charset="-128"/>
+                        <a:ea typeface="メイリオ" panose="020B0604030504040204" pitchFamily="50" charset="-128"/>
+                      </a:endParaRPr>
+                    </a:p>
+                  </a:txBody>
+                  <a:tcPr anchor="ctr"/>
+                </a:tc>
+                <a:tc>
+                  <a:txBody>
+                    <a:bodyPr/>
+                    <a:lstStyle/>
+                    <a:p>
+                      <a:pPr algn="l"/>
+                      <a:r>
+                        <a:rPr kumimoji="1" lang="ja-JP" altLang="en-US" sz="1600" dirty="0" smtClean="0">
+                          <a:latin typeface="メイリオ" panose="020B0604030504040204" pitchFamily="50" charset="-128"/>
+                          <a:ea typeface="メイリオ" panose="020B0604030504040204" pitchFamily="50" charset="-128"/>
+                        </a:rPr>
+                        <a:t>教師ありの場合の再重み付けと同様に、ラベルなし集合の</a:t>
+                      </a:r>
+                      <a:r>
+                        <a:rPr kumimoji="1" lang="en-US" altLang="ja-JP" sz="1600" dirty="0" smtClean="0">
+                          <a:latin typeface="メイリオ" panose="020B0604030504040204" pitchFamily="50" charset="-128"/>
+                          <a:ea typeface="メイリオ" panose="020B0604030504040204" pitchFamily="50" charset="-128"/>
+                        </a:rPr>
+                        <a:t>OOD</a:t>
+                      </a:r>
+                      <a:r>
+                        <a:rPr kumimoji="1" lang="ja-JP" altLang="en-US" sz="1600" dirty="0" smtClean="0">
+                          <a:latin typeface="メイリオ" panose="020B0604030504040204" pitchFamily="50" charset="-128"/>
+                          <a:ea typeface="メイリオ" panose="020B0604030504040204" pitchFamily="50" charset="-128"/>
+                        </a:rPr>
+                        <a:t>データを扱う再重み付け </a:t>
+                      </a:r>
+                      <a:r>
+                        <a:rPr kumimoji="1" lang="en-US" altLang="ja-JP" sz="1600" dirty="0" smtClean="0">
+                          <a:latin typeface="メイリオ" panose="020B0604030504040204" pitchFamily="50" charset="-128"/>
+                          <a:ea typeface="メイリオ" panose="020B0604030504040204" pitchFamily="50" charset="-128"/>
+                        </a:rPr>
+                        <a:t>(2020)</a:t>
+                      </a:r>
+                      <a:endParaRPr kumimoji="1" lang="ja-JP" altLang="en-US" sz="1600" dirty="0">
+                        <a:latin typeface="メイリオ" panose="020B0604030504040204" pitchFamily="50" charset="-128"/>
+                        <a:ea typeface="メイリオ" panose="020B0604030504040204" pitchFamily="50" charset="-128"/>
+                      </a:endParaRPr>
+                    </a:p>
+                  </a:txBody>
+                  <a:tcPr anchor="ctr"/>
+                </a:tc>
+              </a:tr>
+              <a:tr h="370840">
+                <a:tc>
+                  <a:txBody>
+                    <a:bodyPr/>
+                    <a:lstStyle/>
+                    <a:p>
+                      <a:pPr algn="ctr"/>
+                      <a:r>
+                        <a:rPr kumimoji="1" lang="en-US" altLang="ja-JP" sz="1600" dirty="0" smtClean="0">
+                          <a:latin typeface="メイリオ" panose="020B0604030504040204" pitchFamily="50" charset="-128"/>
+                          <a:ea typeface="メイリオ" panose="020B0604030504040204" pitchFamily="50" charset="-128"/>
+                        </a:rPr>
+                        <a:t>L2RW</a:t>
+                      </a:r>
+                      <a:endParaRPr kumimoji="1" lang="ja-JP" altLang="en-US" sz="1600" dirty="0">
+                        <a:latin typeface="メイリオ" panose="020B0604030504040204" pitchFamily="50" charset="-128"/>
+                        <a:ea typeface="メイリオ" panose="020B0604030504040204" pitchFamily="50" charset="-128"/>
+                      </a:endParaRPr>
+                    </a:p>
+                  </a:txBody>
+                  <a:tcPr anchor="ctr"/>
+                </a:tc>
+                <a:tc>
+                  <a:txBody>
+                    <a:bodyPr/>
+                    <a:lstStyle/>
+                    <a:p>
+                      <a:pPr algn="l"/>
+                      <a:r>
+                        <a:rPr kumimoji="1" lang="ja-JP" altLang="en-US" sz="1600" dirty="0" smtClean="0">
+                          <a:latin typeface="メイリオ" panose="020B0604030504040204" pitchFamily="50" charset="-128"/>
+                          <a:ea typeface="メイリオ" panose="020B0604030504040204" pitchFamily="50" charset="-128"/>
+                        </a:rPr>
+                        <a:t>上と同じ</a:t>
+                      </a:r>
+                      <a:endParaRPr kumimoji="1" lang="en-US" altLang="ja-JP" sz="1600" dirty="0" smtClean="0">
+                        <a:latin typeface="メイリオ" panose="020B0604030504040204" pitchFamily="50" charset="-128"/>
+                        <a:ea typeface="メイリオ" panose="020B0604030504040204" pitchFamily="50" charset="-128"/>
+                      </a:endParaRPr>
+                    </a:p>
+                  </a:txBody>
+                  <a:tcPr anchor="ctr"/>
+                </a:tc>
+              </a:tr>
+              <a:tr h="370840">
+                <a:tc>
+                  <a:txBody>
+                    <a:bodyPr/>
+                    <a:lstStyle/>
+                    <a:p>
+                      <a:pPr algn="ctr"/>
+                      <a:r>
+                        <a:rPr kumimoji="1" lang="en-US" altLang="ja-JP" sz="1600" dirty="0" smtClean="0">
+                          <a:latin typeface="メイリオ" panose="020B0604030504040204" pitchFamily="50" charset="-128"/>
+                          <a:ea typeface="メイリオ" panose="020B0604030504040204" pitchFamily="50" charset="-128"/>
+                        </a:rPr>
+                        <a:t>SUPERVISED</a:t>
+                      </a:r>
+                      <a:endParaRPr kumimoji="1" lang="ja-JP" altLang="en-US" sz="1600" dirty="0">
+                        <a:latin typeface="メイリオ" panose="020B0604030504040204" pitchFamily="50" charset="-128"/>
+                        <a:ea typeface="メイリオ" panose="020B0604030504040204" pitchFamily="50" charset="-128"/>
+                      </a:endParaRPr>
+                    </a:p>
+                  </a:txBody>
+                  <a:tcPr anchor="ctr"/>
+                </a:tc>
+                <a:tc>
+                  <a:txBody>
+                    <a:bodyPr/>
+                    <a:lstStyle/>
+                    <a:p>
+                      <a:pPr algn="l"/>
+                      <a:r>
+                        <a:rPr kumimoji="1" lang="ja-JP" altLang="en-US" sz="1600" dirty="0" smtClean="0">
+                          <a:latin typeface="メイリオ" panose="020B0604030504040204" pitchFamily="50" charset="-128"/>
+                          <a:ea typeface="メイリオ" panose="020B0604030504040204" pitchFamily="50" charset="-128"/>
+                        </a:rPr>
+                        <a:t>教師有りの場合</a:t>
+                      </a:r>
+                      <a:endParaRPr kumimoji="1" lang="en-US" altLang="ja-JP" sz="1600" dirty="0" smtClean="0">
+                        <a:latin typeface="メイリオ" panose="020B0604030504040204" pitchFamily="50" charset="-128"/>
+                        <a:ea typeface="メイリオ" panose="020B0604030504040204" pitchFamily="50" charset="-128"/>
+                      </a:endParaRPr>
+                    </a:p>
+                  </a:txBody>
+                  <a:tcPr anchor="ctr"/>
+                </a:tc>
+              </a:tr>
+              <a:tr h="370840">
+                <a:tc>
+                  <a:txBody>
+                    <a:bodyPr/>
+                    <a:lstStyle/>
+                    <a:p>
+                      <a:pPr algn="ctr"/>
+                      <a:r>
+                        <a:rPr kumimoji="1" lang="en-US" altLang="ja-JP" sz="1600" dirty="0" smtClean="0">
+                          <a:latin typeface="メイリオ" panose="020B0604030504040204" pitchFamily="50" charset="-128"/>
+                          <a:ea typeface="メイリオ" panose="020B0604030504040204" pitchFamily="50" charset="-128"/>
+                        </a:rPr>
+                        <a:t>CRUST</a:t>
+                      </a:r>
+                      <a:endParaRPr kumimoji="1" lang="ja-JP" altLang="en-US" sz="1600" dirty="0">
+                        <a:latin typeface="メイリオ" panose="020B0604030504040204" pitchFamily="50" charset="-128"/>
+                        <a:ea typeface="メイリオ" panose="020B0604030504040204" pitchFamily="50" charset="-128"/>
+                      </a:endParaRPr>
+                    </a:p>
+                  </a:txBody>
+                  <a:tcPr anchor="ctr"/>
+                </a:tc>
+                <a:tc>
+                  <a:txBody>
+                    <a:bodyPr/>
+                    <a:lstStyle/>
+                    <a:p>
+                      <a:pPr algn="l"/>
+                      <a:r>
+                        <a:rPr kumimoji="1" lang="ja-JP" altLang="en-US" sz="1600" dirty="0" smtClean="0">
+                          <a:latin typeface="メイリオ" panose="020B0604030504040204" pitchFamily="50" charset="-128"/>
+                          <a:ea typeface="メイリオ" panose="020B0604030504040204" pitchFamily="50" charset="-128"/>
+                        </a:rPr>
+                        <a:t>ロバストなコアセット選択手法</a:t>
+                      </a:r>
+                      <a:endParaRPr kumimoji="1" lang="en-US" altLang="ja-JP" sz="1600" dirty="0" smtClean="0">
+                        <a:latin typeface="メイリオ" panose="020B0604030504040204" pitchFamily="50" charset="-128"/>
+                        <a:ea typeface="メイリオ" panose="020B0604030504040204" pitchFamily="50" charset="-128"/>
+                      </a:endParaRPr>
+                    </a:p>
+                  </a:txBody>
+                  <a:tcPr anchor="ctr"/>
+                </a:tc>
+              </a:tr>
+              <a:tr h="370840">
+                <a:tc>
+                  <a:txBody>
+                    <a:bodyPr/>
+                    <a:lstStyle/>
+                    <a:p>
+                      <a:pPr algn="ctr"/>
+                      <a:r>
+                        <a:rPr kumimoji="1" lang="en-US" altLang="ja-JP" sz="1600" dirty="0" smtClean="0">
+                          <a:latin typeface="メイリオ" panose="020B0604030504040204" pitchFamily="50" charset="-128"/>
+                          <a:ea typeface="メイリオ" panose="020B0604030504040204" pitchFamily="50" charset="-128"/>
+                        </a:rPr>
+                        <a:t>RETRIEVE</a:t>
+                      </a:r>
+                      <a:endParaRPr kumimoji="1" lang="ja-JP" altLang="en-US" sz="1600" dirty="0">
+                        <a:latin typeface="メイリオ" panose="020B0604030504040204" pitchFamily="50" charset="-128"/>
+                        <a:ea typeface="メイリオ" panose="020B0604030504040204" pitchFamily="50" charset="-128"/>
+                      </a:endParaRPr>
+                    </a:p>
+                  </a:txBody>
+                  <a:tcPr anchor="ctr"/>
+                </a:tc>
+                <a:tc>
+                  <a:txBody>
+                    <a:bodyPr/>
+                    <a:lstStyle/>
+                    <a:p>
+                      <a:pPr algn="l"/>
+                      <a:r>
+                        <a:rPr kumimoji="1" lang="en-US" altLang="ja-JP" sz="1600" dirty="0" smtClean="0">
+                          <a:latin typeface="メイリオ" panose="020B0604030504040204" pitchFamily="50" charset="-128"/>
+                          <a:ea typeface="メイリオ" panose="020B0604030504040204" pitchFamily="50" charset="-128"/>
+                        </a:rPr>
+                        <a:t>GLISTER</a:t>
+                      </a:r>
+                      <a:r>
+                        <a:rPr kumimoji="1" lang="ja-JP" altLang="en-US" sz="1600" dirty="0" smtClean="0">
+                          <a:latin typeface="メイリオ" panose="020B0604030504040204" pitchFamily="50" charset="-128"/>
+                          <a:ea typeface="メイリオ" panose="020B0604030504040204" pitchFamily="50" charset="-128"/>
+                        </a:rPr>
+                        <a:t>を半教師有り学習に適用（</a:t>
+                      </a:r>
+                      <a:r>
+                        <a:rPr kumimoji="1" lang="en-US" altLang="ja-JP" sz="1600" dirty="0" smtClean="0">
+                          <a:latin typeface="メイリオ" panose="020B0604030504040204" pitchFamily="50" charset="-128"/>
+                          <a:ea typeface="メイリオ" panose="020B0604030504040204" pitchFamily="50" charset="-128"/>
+                        </a:rPr>
+                        <a:t>2022</a:t>
+                      </a:r>
+                      <a:r>
+                        <a:rPr kumimoji="1" lang="ja-JP" altLang="en-US" sz="1600" dirty="0" smtClean="0">
+                          <a:latin typeface="メイリオ" panose="020B0604030504040204" pitchFamily="50" charset="-128"/>
+                          <a:ea typeface="メイリオ" panose="020B0604030504040204" pitchFamily="50" charset="-128"/>
+                        </a:rPr>
+                        <a:t>）</a:t>
+                      </a:r>
+                      <a:endParaRPr kumimoji="1" lang="en-US" altLang="ja-JP" sz="1600" dirty="0" smtClean="0">
+                        <a:latin typeface="メイリオ" panose="020B0604030504040204" pitchFamily="50" charset="-128"/>
+                        <a:ea typeface="メイリオ" panose="020B0604030504040204" pitchFamily="50" charset="-128"/>
+                      </a:endParaRPr>
+                    </a:p>
+                  </a:txBody>
+                  <a:tcPr anchor="ctr"/>
+                </a:tc>
+              </a:tr>
+            </a:tbl>
+          </a:graphicData>
+        </a:graphic>
+      </p:graphicFrame>
       <p:pic>
         <p:nvPicPr>
           <p:cNvPr id="4" name="図 3"/>
@@ -3447,8 +4036,62 @@
         </p:blipFill>
         <p:spPr>
           <a:xfrm>
-            <a:off x="477078" y="1352749"/>
-            <a:ext cx="7999012" cy="2897475"/>
+            <a:off x="6836956" y="877756"/>
+            <a:ext cx="1676423" cy="2377834"/>
+          </a:xfrm>
+          <a:prstGeom prst="rect">
+            <a:avLst/>
+          </a:prstGeom>
+        </p:spPr>
+      </p:pic>
+    </p:spTree>
+    <p:extLst>
+      <p:ext uri="{BB962C8B-B14F-4D97-AF65-F5344CB8AC3E}">
+        <p14:creationId xmlns:p14="http://schemas.microsoft.com/office/powerpoint/2010/main" val="4033397692"/>
+      </p:ext>
+    </p:extLst>
+  </p:cSld>
+  <p:clrMapOvr>
+    <a:masterClrMapping/>
+  </p:clrMapOvr>
+</p:sld>
+</file>
+
+<file path=ppt/slides/slide11.xml><?xml version="1.0" encoding="utf-8"?>
+<p:sld xmlns:a="http://schemas.openxmlformats.org/drawingml/2006/main" xmlns:r="http://schemas.openxmlformats.org/officeDocument/2006/relationships" xmlns:p="http://schemas.openxmlformats.org/presentationml/2006/main">
+  <p:cSld>
+    <p:spTree>
+      <p:nvGrpSpPr>
+        <p:cNvPr id="1" name=""/>
+        <p:cNvGrpSpPr/>
+        <p:nvPr/>
+      </p:nvGrpSpPr>
+      <p:grpSpPr>
+        <a:xfrm>
+          <a:off x="0" y="0"/>
+          <a:ext cx="0" cy="0"/>
+          <a:chOff x="0" y="0"/>
+          <a:chExt cx="0" cy="0"/>
+        </a:xfrm>
+      </p:grpSpPr>
+      <p:pic>
+        <p:nvPicPr>
+          <p:cNvPr id="4" name="図 3"/>
+          <p:cNvPicPr>
+            <a:picLocks noChangeAspect="1"/>
+          </p:cNvPicPr>
+          <p:nvPr/>
+        </p:nvPicPr>
+        <p:blipFill>
+          <a:blip r:embed="rId2"/>
+          <a:stretch>
+            <a:fillRect/>
+          </a:stretch>
+        </p:blipFill>
+        <p:spPr>
+          <a:xfrm>
+            <a:off x="1088910" y="1759963"/>
+            <a:ext cx="7102366" cy="3135937"/>
           </a:xfrm>
           <a:prstGeom prst="rect">
             <a:avLst/>
@@ -3457,13 +4100,126 @@
       </p:pic>
       <p:sp>
         <p:nvSpPr>
-          <p:cNvPr id="5" name="円/楕円 4"/>
+          <p:cNvPr id="2" name="タイトル 1"/>
+          <p:cNvSpPr>
+            <a:spLocks noGrp="1"/>
+          </p:cNvSpPr>
+          <p:nvPr>
+            <p:ph type="ctrTitle"/>
+          </p:nvPr>
+        </p:nvSpPr>
+        <p:spPr>
+          <a:xfrm>
+            <a:off x="0" y="0"/>
+            <a:ext cx="9144000" cy="727305"/>
+          </a:xfrm>
+        </p:spPr>
+        <p:txBody>
+          <a:bodyPr anchor="b">
+            <a:noAutofit/>
+          </a:bodyPr>
+          <a:lstStyle/>
+          <a:p>
+            <a:pPr algn="l">
+              <a:lnSpc>
+                <a:spcPct val="100000"/>
+              </a:lnSpc>
+            </a:pPr>
+            <a:r>
+              <a:rPr lang="ja-JP" altLang="en-US" sz="2800" dirty="0" smtClean="0">
+                <a:latin typeface="メイリオ" panose="020B0604030504040204" pitchFamily="50" charset="-128"/>
+                <a:ea typeface="メイリオ" panose="020B0604030504040204" pitchFamily="50" charset="-128"/>
+              </a:rPr>
+              <a:t>７</a:t>
+            </a:r>
+            <a:r>
+              <a:rPr lang="en-US" altLang="ja-JP" sz="2800" dirty="0" smtClean="0">
+                <a:latin typeface="メイリオ" panose="020B0604030504040204" pitchFamily="50" charset="-128"/>
+                <a:ea typeface="メイリオ" panose="020B0604030504040204" pitchFamily="50" charset="-128"/>
+              </a:rPr>
+              <a:t>-</a:t>
+            </a:r>
+            <a:r>
+              <a:rPr lang="ja-JP" altLang="en-US" sz="2800" dirty="0">
+                <a:latin typeface="メイリオ" panose="020B0604030504040204" pitchFamily="50" charset="-128"/>
+                <a:ea typeface="メイリオ" panose="020B0604030504040204" pitchFamily="50" charset="-128"/>
+              </a:rPr>
+              <a:t>２</a:t>
+            </a:r>
+            <a:r>
+              <a:rPr lang="ja-JP" altLang="en-US" sz="2800" dirty="0" smtClean="0">
+                <a:latin typeface="メイリオ" panose="020B0604030504040204" pitchFamily="50" charset="-128"/>
+                <a:ea typeface="メイリオ" panose="020B0604030504040204" pitchFamily="50" charset="-128"/>
+              </a:rPr>
+              <a:t>．</a:t>
+            </a:r>
+            <a:r>
+              <a:rPr lang="ja-JP" altLang="en-US" sz="2800" dirty="0">
+                <a:latin typeface="メイリオ" panose="020B0604030504040204" pitchFamily="50" charset="-128"/>
+                <a:ea typeface="メイリオ" panose="020B0604030504040204" pitchFamily="50" charset="-128"/>
+              </a:rPr>
+              <a:t>不均衡</a:t>
+            </a:r>
+            <a:r>
+              <a:rPr lang="ja-JP" altLang="en-US" sz="2800" dirty="0" smtClean="0">
+                <a:latin typeface="メイリオ" panose="020B0604030504040204" pitchFamily="50" charset="-128"/>
+                <a:ea typeface="メイリオ" panose="020B0604030504040204" pitchFamily="50" charset="-128"/>
+              </a:rPr>
+              <a:t>データの</a:t>
+            </a:r>
+            <a:r>
+              <a:rPr lang="ja-JP" altLang="en-US" sz="2800" dirty="0">
+                <a:latin typeface="メイリオ" panose="020B0604030504040204" pitchFamily="50" charset="-128"/>
+                <a:ea typeface="メイリオ" panose="020B0604030504040204" pitchFamily="50" charset="-128"/>
+              </a:rPr>
+              <a:t>半教師有り学習の</a:t>
+            </a:r>
+            <a:r>
+              <a:rPr lang="ja-JP" altLang="en-US" sz="2800" dirty="0" smtClean="0">
+                <a:latin typeface="メイリオ" panose="020B0604030504040204" pitchFamily="50" charset="-128"/>
+                <a:ea typeface="メイリオ" panose="020B0604030504040204" pitchFamily="50" charset="-128"/>
+              </a:rPr>
+              <a:t>実験結果</a:t>
+            </a:r>
+            <a:endParaRPr lang="ja-JP" altLang="en-US" sz="2800" dirty="0">
+              <a:latin typeface="メイリオ" panose="020B0604030504040204" pitchFamily="50" charset="-128"/>
+              <a:ea typeface="メイリオ" panose="020B0604030504040204" pitchFamily="50" charset="-128"/>
+            </a:endParaRPr>
+          </a:p>
+        </p:txBody>
+      </p:sp>
+      <p:pic>
+        <p:nvPicPr>
+          <p:cNvPr id="8" name="図 7"/>
+          <p:cNvPicPr>
+            <a:picLocks noChangeAspect="1"/>
+          </p:cNvPicPr>
+          <p:nvPr/>
+        </p:nvPicPr>
+        <p:blipFill rotWithShape="1">
+          <a:blip r:embed="rId3"/>
+          <a:srcRect l="4342" t="488" r="8795" b="86070"/>
+          <a:stretch/>
+        </p:blipFill>
+        <p:spPr>
+          <a:xfrm>
+            <a:off x="780278" y="1282512"/>
+            <a:ext cx="7382479" cy="332954"/>
+          </a:xfrm>
+          <a:prstGeom prst="rect">
+            <a:avLst/>
+          </a:prstGeom>
+        </p:spPr>
+      </p:pic>
+      <p:sp>
+        <p:nvSpPr>
+          <p:cNvPr id="14" name="円/楕円 13"/>
           <p:cNvSpPr/>
           <p:nvPr/>
         </p:nvSpPr>
         <p:spPr>
           <a:xfrm>
-            <a:off x="3228824" y="1750611"/>
+            <a:off x="1761806" y="2648124"/>
             <a:ext cx="357809" cy="373711"/>
           </a:xfrm>
           <a:prstGeom prst="ellipse">
@@ -3512,8 +4268,134 @@
         </p:nvSpPr>
         <p:spPr>
           <a:xfrm>
-            <a:off x="4826441" y="4391358"/>
-            <a:ext cx="4029987" cy="1176679"/>
+            <a:off x="1388455" y="3957145"/>
+            <a:ext cx="2892461" cy="524282"/>
+          </a:xfrm>
+          <a:prstGeom prst="rect">
+            <a:avLst/>
+          </a:prstGeom>
+          <a:solidFill>
+            <a:schemeClr val="bg1"/>
+          </a:solidFill>
+        </p:spPr>
+        <p:txBody>
+          <a:bodyPr vert="horz" lIns="91440" tIns="45720" rIns="91440" bIns="45720" rtlCol="0" anchor="t">
+            <a:noAutofit/>
+          </a:bodyPr>
+          <a:lstStyle>
+            <a:lvl1pPr algn="ctr" defTabSz="914400" rtl="0" eaLnBrk="1" latinLnBrk="0" hangingPunct="1">
+              <a:lnSpc>
+                <a:spcPct val="90000"/>
+              </a:lnSpc>
+              <a:spcBef>
+                <a:spcPct val="0"/>
+              </a:spcBef>
+              <a:buNone/>
+              <a:defRPr kumimoji="1" sz="6000" kern="1200">
+                <a:solidFill>
+                  <a:schemeClr val="tx1"/>
+                </a:solidFill>
+                <a:latin typeface="+mj-lt"/>
+                <a:ea typeface="+mj-ea"/>
+                <a:cs typeface="+mj-cs"/>
+              </a:defRPr>
+            </a:lvl1pPr>
+          </a:lstStyle>
+          <a:p>
+            <a:pPr>
+              <a:lnSpc>
+                <a:spcPct val="150000"/>
+              </a:lnSpc>
+            </a:pPr>
+            <a:r>
+              <a:rPr lang="ja-JP" altLang="en-US" sz="1600" dirty="0" smtClean="0">
+                <a:latin typeface="メイリオ" panose="020B0604030504040204" pitchFamily="50" charset="-128"/>
+                <a:ea typeface="メイリオ" panose="020B0604030504040204" pitchFamily="50" charset="-128"/>
+              </a:rPr>
+              <a:t>不均衡比率</a:t>
+            </a:r>
+            <a:endParaRPr lang="en-US" altLang="ja-JP" sz="1600" dirty="0" smtClean="0">
+              <a:latin typeface="メイリオ" panose="020B0604030504040204" pitchFamily="50" charset="-128"/>
+              <a:ea typeface="メイリオ" panose="020B0604030504040204" pitchFamily="50" charset="-128"/>
+            </a:endParaRPr>
+          </a:p>
+        </p:txBody>
+      </p:sp>
+      <p:sp>
+        <p:nvSpPr>
+          <p:cNvPr id="15" name="タイトル 1"/>
+          <p:cNvSpPr txBox="1">
+            <a:spLocks/>
+          </p:cNvSpPr>
+          <p:nvPr/>
+        </p:nvSpPr>
+        <p:spPr>
+          <a:xfrm>
+            <a:off x="4939220" y="4189097"/>
+            <a:ext cx="2892461" cy="394648"/>
+          </a:xfrm>
+          <a:prstGeom prst="rect">
+            <a:avLst/>
+          </a:prstGeom>
+          <a:solidFill>
+            <a:schemeClr val="bg1"/>
+          </a:solidFill>
+        </p:spPr>
+        <p:txBody>
+          <a:bodyPr vert="horz" lIns="91440" tIns="45720" rIns="91440" bIns="45720" rtlCol="0" anchor="t">
+            <a:noAutofit/>
+          </a:bodyPr>
+          <a:lstStyle>
+            <a:lvl1pPr algn="ctr" defTabSz="914400" rtl="0" eaLnBrk="1" latinLnBrk="0" hangingPunct="1">
+              <a:lnSpc>
+                <a:spcPct val="90000"/>
+              </a:lnSpc>
+              <a:spcBef>
+                <a:spcPct val="0"/>
+              </a:spcBef>
+              <a:buNone/>
+              <a:defRPr kumimoji="1" sz="6000" kern="1200">
+                <a:solidFill>
+                  <a:schemeClr val="tx1"/>
+                </a:solidFill>
+                <a:latin typeface="+mj-lt"/>
+                <a:ea typeface="+mj-ea"/>
+                <a:cs typeface="+mj-cs"/>
+              </a:defRPr>
+            </a:lvl1pPr>
+          </a:lstStyle>
+          <a:p>
+            <a:pPr>
+              <a:lnSpc>
+                <a:spcPct val="150000"/>
+              </a:lnSpc>
+            </a:pPr>
+            <a:r>
+              <a:rPr lang="ja-JP" altLang="en-US" sz="1600" dirty="0">
+                <a:latin typeface="メイリオ" panose="020B0604030504040204" pitchFamily="50" charset="-128"/>
+                <a:ea typeface="メイリオ" panose="020B0604030504040204" pitchFamily="50" charset="-128"/>
+              </a:rPr>
+              <a:t>計算時間</a:t>
+            </a:r>
+            <a:endParaRPr lang="en-US" altLang="ja-JP" sz="1600" dirty="0" smtClean="0">
+              <a:latin typeface="メイリオ" panose="020B0604030504040204" pitchFamily="50" charset="-128"/>
+              <a:ea typeface="メイリオ" panose="020B0604030504040204" pitchFamily="50" charset="-128"/>
+            </a:endParaRPr>
+          </a:p>
+        </p:txBody>
+      </p:sp>
+      <p:sp>
+        <p:nvSpPr>
+          <p:cNvPr id="16" name="タイトル 1"/>
+          <p:cNvSpPr txBox="1">
+            <a:spLocks/>
+          </p:cNvSpPr>
+          <p:nvPr/>
+        </p:nvSpPr>
+        <p:spPr>
+          <a:xfrm>
+            <a:off x="874986" y="5369588"/>
+            <a:ext cx="7401911" cy="1217055"/>
           </a:xfrm>
           <a:prstGeom prst="rect">
             <a:avLst/>
@@ -3549,26 +4431,36 @@
               </a:lnSpc>
             </a:pPr>
             <a:r>
-              <a:rPr lang="en-US" altLang="ja-JP" sz="1600" dirty="0" smtClean="0">
+              <a:rPr lang="ja-JP" altLang="en-US" sz="1400" dirty="0" smtClean="0">
                 <a:solidFill>
                   <a:srgbClr val="FF0000"/>
                 </a:solidFill>
                 <a:latin typeface="メイリオ" panose="020B0604030504040204" pitchFamily="50" charset="-128"/>
                 <a:ea typeface="メイリオ" panose="020B0604030504040204" pitchFamily="50" charset="-128"/>
               </a:rPr>
-              <a:t>GLISTER</a:t>
-            </a:r>
-            <a:r>
-              <a:rPr lang="ja-JP" altLang="en-US" sz="1600" dirty="0" smtClean="0">
+              <a:t>教師なしデータが不均衡である場合にも、</a:t>
+            </a:r>
+            <a:r>
+              <a:rPr lang="en-US" altLang="ja-JP" sz="1400" dirty="0" smtClean="0">
                 <a:solidFill>
                   <a:srgbClr val="FF0000"/>
                 </a:solidFill>
                 <a:latin typeface="メイリオ" panose="020B0604030504040204" pitchFamily="50" charset="-128"/>
                 <a:ea typeface="メイリオ" panose="020B0604030504040204" pitchFamily="50" charset="-128"/>
               </a:rPr>
-              <a:t>はインバランスデータにも強い</a:t>
-            </a:r>
-            <a:endParaRPr lang="en-US" altLang="ja-JP" sz="1600" dirty="0" smtClean="0">
+              <a:t>RETRIEVE</a:t>
+            </a:r>
+            <a:r>
+              <a:rPr lang="ja-JP" altLang="en-US" sz="1400" dirty="0" smtClean="0">
+                <a:solidFill>
+                  <a:srgbClr val="FF0000"/>
+                </a:solidFill>
+                <a:latin typeface="メイリオ" panose="020B0604030504040204" pitchFamily="50" charset="-128"/>
+                <a:ea typeface="メイリオ" panose="020B0604030504040204" pitchFamily="50" charset="-128"/>
+              </a:rPr>
+              <a:t>は高速かつ高精度な半教師有り学習が可能である。</a:t>
+            </a:r>
+            <a:endParaRPr lang="en-US" altLang="ja-JP" sz="1400" dirty="0" smtClean="0">
               <a:solidFill>
                 <a:srgbClr val="FF0000"/>
               </a:solidFill>
@@ -3578,153 +4470,104 @@
           </a:p>
         </p:txBody>
       </p:sp>
+      <p:sp>
+        <p:nvSpPr>
+          <p:cNvPr id="17" name="円/楕円 16"/>
+          <p:cNvSpPr/>
+          <p:nvPr/>
+        </p:nvSpPr>
+        <p:spPr>
+          <a:xfrm>
+            <a:off x="2797076" y="2043799"/>
+            <a:ext cx="357809" cy="373711"/>
+          </a:xfrm>
+          <a:prstGeom prst="ellipse">
+            <a:avLst/>
+          </a:prstGeom>
+          <a:noFill/>
+          <a:ln w="31750">
+            <a:solidFill>
+              <a:srgbClr val="FF0000"/>
+            </a:solidFill>
+            <a:prstDash val="sysDot"/>
+          </a:ln>
+        </p:spPr>
+        <p:style>
+          <a:lnRef idx="2">
+            <a:schemeClr val="accent1">
+              <a:shade val="50000"/>
+            </a:schemeClr>
+          </a:lnRef>
+          <a:fillRef idx="1">
+            <a:schemeClr val="accent1"/>
+          </a:fillRef>
+          <a:effectRef idx="0">
+            <a:schemeClr val="accent1"/>
+          </a:effectRef>
+          <a:fontRef idx="minor">
+            <a:schemeClr val="lt1"/>
+          </a:fontRef>
+        </p:style>
+        <p:txBody>
+          <a:bodyPr rtlCol="0" anchor="ctr"/>
+          <a:lstStyle/>
+          <a:p>
+            <a:pPr algn="ctr"/>
+            <a:endParaRPr kumimoji="1" lang="ja-JP" altLang="en-US"/>
+          </a:p>
+        </p:txBody>
+      </p:sp>
+      <p:sp>
+        <p:nvSpPr>
+          <p:cNvPr id="18" name="円/楕円 17"/>
+          <p:cNvSpPr/>
+          <p:nvPr/>
+        </p:nvSpPr>
+        <p:spPr>
+          <a:xfrm>
+            <a:off x="4817690" y="3516978"/>
+            <a:ext cx="779069" cy="779125"/>
+          </a:xfrm>
+          <a:prstGeom prst="ellipse">
+            <a:avLst/>
+          </a:prstGeom>
+          <a:noFill/>
+          <a:ln w="31750">
+            <a:solidFill>
+              <a:srgbClr val="FF0000"/>
+            </a:solidFill>
+            <a:prstDash val="sysDot"/>
+          </a:ln>
+        </p:spPr>
+        <p:style>
+          <a:lnRef idx="2">
+            <a:schemeClr val="accent1">
+              <a:shade val="50000"/>
+            </a:schemeClr>
+          </a:lnRef>
+          <a:fillRef idx="1">
+            <a:schemeClr val="accent1"/>
+          </a:fillRef>
+          <a:effectRef idx="0">
+            <a:schemeClr val="accent1"/>
+          </a:effectRef>
+          <a:fontRef idx="minor">
+            <a:schemeClr val="lt1"/>
+          </a:fontRef>
+        </p:style>
+        <p:txBody>
+          <a:bodyPr rtlCol="0" anchor="ctr"/>
+          <a:lstStyle/>
+          <a:p>
+            <a:pPr algn="ctr"/>
+            <a:endParaRPr kumimoji="1" lang="ja-JP" altLang="en-US"/>
+          </a:p>
+        </p:txBody>
+      </p:sp>
     </p:spTree>
     <p:extLst>
       <p:ext uri="{BB962C8B-B14F-4D97-AF65-F5344CB8AC3E}">
-        <p14:creationId xmlns:p14="http://schemas.microsoft.com/office/powerpoint/2010/main" val="3499640904"/>
-      </p:ext>
-    </p:extLst>
-  </p:cSld>
-  <p:clrMapOvr>
-    <a:masterClrMapping/>
-  </p:clrMapOvr>
-</p:sld>
-</file>
-
-<file path=ppt/slides/slide11.xml><?xml version="1.0" encoding="utf-8"?>
-<p:sld xmlns:a="http://schemas.openxmlformats.org/drawingml/2006/main" xmlns:r="http://schemas.openxmlformats.org/officeDocument/2006/relationships" xmlns:p="http://schemas.openxmlformats.org/presentationml/2006/main">
-  <p:cSld>
-    <p:spTree>
-      <p:nvGrpSpPr>
-        <p:cNvPr id="1" name=""/>
-        <p:cNvGrpSpPr/>
-        <p:nvPr/>
-      </p:nvGrpSpPr>
-      <p:grpSpPr>
-        <a:xfrm>
-          <a:off x="0" y="0"/>
-          <a:ext cx="0" cy="0"/>
-          <a:chOff x="0" y="0"/>
-          <a:chExt cx="0" cy="0"/>
-        </a:xfrm>
-      </p:grpSpPr>
-      <p:sp>
-        <p:nvSpPr>
-          <p:cNvPr id="2" name="タイトル 1"/>
-          <p:cNvSpPr>
-            <a:spLocks noGrp="1"/>
-          </p:cNvSpPr>
-          <p:nvPr>
-            <p:ph type="ctrTitle"/>
-          </p:nvPr>
-        </p:nvSpPr>
-        <p:spPr>
-          <a:xfrm>
-            <a:off x="0" y="0"/>
-            <a:ext cx="9144000" cy="727305"/>
-          </a:xfrm>
-        </p:spPr>
-        <p:txBody>
-          <a:bodyPr anchor="b">
-            <a:noAutofit/>
-          </a:bodyPr>
-          <a:lstStyle/>
-          <a:p>
-            <a:pPr algn="l">
-              <a:lnSpc>
-                <a:spcPct val="100000"/>
-              </a:lnSpc>
-            </a:pPr>
-            <a:r>
-              <a:rPr lang="ja-JP" altLang="en-US" sz="3200" dirty="0" smtClean="0">
-                <a:latin typeface="メイリオ" panose="020B0604030504040204" pitchFamily="50" charset="-128"/>
-                <a:ea typeface="メイリオ" panose="020B0604030504040204" pitchFamily="50" charset="-128"/>
-              </a:rPr>
-              <a:t>６．追加検証</a:t>
-            </a:r>
-            <a:endParaRPr lang="ja-JP" altLang="en-US" sz="3200" dirty="0">
-              <a:latin typeface="メイリオ" panose="020B0604030504040204" pitchFamily="50" charset="-128"/>
-              <a:ea typeface="メイリオ" panose="020B0604030504040204" pitchFamily="50" charset="-128"/>
-            </a:endParaRPr>
-          </a:p>
-        </p:txBody>
-      </p:sp>
-      <p:pic>
-        <p:nvPicPr>
-          <p:cNvPr id="3" name="図 2"/>
-          <p:cNvPicPr>
-            <a:picLocks noChangeAspect="1"/>
-          </p:cNvPicPr>
-          <p:nvPr/>
-        </p:nvPicPr>
-        <p:blipFill>
-          <a:blip r:embed="rId2"/>
-          <a:stretch>
-            <a:fillRect/>
-          </a:stretch>
-        </p:blipFill>
-        <p:spPr>
-          <a:xfrm>
-            <a:off x="947230" y="774936"/>
-            <a:ext cx="7249537" cy="2019582"/>
-          </a:xfrm>
-          <a:prstGeom prst="rect">
-            <a:avLst/>
-          </a:prstGeom>
-        </p:spPr>
-      </p:pic>
-      <p:pic>
-        <p:nvPicPr>
-          <p:cNvPr id="6" name="図 5"/>
-          <p:cNvPicPr>
-            <a:picLocks noChangeAspect="1"/>
-          </p:cNvPicPr>
-          <p:nvPr/>
-        </p:nvPicPr>
-        <p:blipFill>
-          <a:blip r:embed="rId3"/>
-          <a:stretch>
-            <a:fillRect/>
-          </a:stretch>
-        </p:blipFill>
-        <p:spPr>
-          <a:xfrm>
-            <a:off x="866256" y="2681691"/>
-            <a:ext cx="7411484" cy="2067213"/>
-          </a:xfrm>
-          <a:prstGeom prst="rect">
-            <a:avLst/>
-          </a:prstGeom>
-        </p:spPr>
-      </p:pic>
-      <p:pic>
-        <p:nvPicPr>
-          <p:cNvPr id="8" name="図 7"/>
-          <p:cNvPicPr>
-            <a:picLocks noChangeAspect="1"/>
-          </p:cNvPicPr>
-          <p:nvPr/>
-        </p:nvPicPr>
-        <p:blipFill>
-          <a:blip r:embed="rId4"/>
-          <a:stretch>
-            <a:fillRect/>
-          </a:stretch>
-        </p:blipFill>
-        <p:spPr>
-          <a:xfrm>
-            <a:off x="928178" y="4764806"/>
-            <a:ext cx="7268589" cy="1971950"/>
-          </a:xfrm>
-          <a:prstGeom prst="rect">
-            <a:avLst/>
-          </a:prstGeom>
-        </p:spPr>
-      </p:pic>
-    </p:spTree>
-    <p:extLst>
-      <p:ext uri="{BB962C8B-B14F-4D97-AF65-F5344CB8AC3E}">
-        <p14:creationId xmlns:p14="http://schemas.microsoft.com/office/powerpoint/2010/main" val="3035503926"/>
+        <p14:creationId xmlns:p14="http://schemas.microsoft.com/office/powerpoint/2010/main" val="410925845"/>
       </p:ext>
     </p:extLst>
   </p:cSld>
@@ -3800,10 +4643,10 @@
         </p:nvGrpSpPr>
         <p:grpSpPr>
           <a:xfrm>
-            <a:off x="1455804" y="3388094"/>
-            <a:ext cx="6029446" cy="3031145"/>
-            <a:chOff x="1455805" y="2911016"/>
-            <a:chExt cx="6029446" cy="3031145"/>
+            <a:off x="1455804" y="3401026"/>
+            <a:ext cx="7175817" cy="3018213"/>
+            <a:chOff x="1455805" y="2923948"/>
+            <a:chExt cx="7175817" cy="3018213"/>
           </a:xfrm>
         </p:grpSpPr>
         <p:sp>
@@ -6325,15 +7168,7 @@
             <a:p>
               <a:r>
                 <a:rPr lang="en-US" altLang="ja-JP" dirty="0" smtClean="0"/>
-                <a:t>Unlabeled</a:t>
-              </a:r>
-              <a:r>
-                <a:rPr lang="en-US" altLang="ja-JP" dirty="0" smtClean="0"/>
-                <a:t> </a:t>
-              </a:r>
-              <a:r>
-                <a:rPr lang="en-US" altLang="ja-JP" dirty="0" smtClean="0"/>
-                <a:t>data</a:t>
+                <a:t>Unlabeled data</a:t>
               </a:r>
               <a:endParaRPr lang="ja-JP" altLang="en-US" dirty="0"/>
             </a:p>
@@ -6362,15 +7197,7 @@
             <a:p>
               <a:r>
                 <a:rPr lang="en-US" altLang="ja-JP" dirty="0" smtClean="0"/>
-                <a:t>Unlabeled</a:t>
-              </a:r>
-              <a:r>
-                <a:rPr lang="en-US" altLang="ja-JP" dirty="0" smtClean="0"/>
-                <a:t> </a:t>
-              </a:r>
-              <a:r>
-                <a:rPr lang="en-US" altLang="ja-JP" dirty="0" smtClean="0"/>
-                <a:t>data</a:t>
+                <a:t>Unlabeled data</a:t>
               </a:r>
               <a:endParaRPr lang="ja-JP" altLang="en-US" dirty="0"/>
             </a:p>
@@ -6383,16 +7210,16 @@
             <p:nvPr/>
           </p:nvSpPr>
           <p:spPr>
-            <a:xfrm>
-              <a:off x="4801529" y="2911016"/>
-              <a:ext cx="993157" cy="369332"/>
+            <a:xfrm flipH="1">
+              <a:off x="7485250" y="2923948"/>
+              <a:ext cx="1146372" cy="369332"/>
             </a:xfrm>
             <a:prstGeom prst="rect">
               <a:avLst/>
             </a:prstGeom>
           </p:spPr>
           <p:txBody>
-            <a:bodyPr wrap="none">
+            <a:bodyPr wrap="square">
               <a:spAutoFit/>
             </a:bodyPr>
             <a:lstStyle/>
@@ -6426,9 +7253,9 @@
             <p:nvPr/>
           </p:nvCxnSpPr>
           <p:spPr>
-            <a:xfrm>
-              <a:off x="5794686" y="3095682"/>
-              <a:ext cx="692879" cy="827777"/>
+            <a:xfrm flipH="1">
+              <a:off x="6501760" y="3108614"/>
+              <a:ext cx="983490" cy="827777"/>
             </a:xfrm>
             <a:prstGeom prst="straightConnector1">
               <a:avLst/>
@@ -6466,9 +7293,9 @@
             <p:nvPr/>
           </p:nvCxnSpPr>
           <p:spPr>
-            <a:xfrm>
-              <a:off x="5794686" y="3095682"/>
-              <a:ext cx="235236" cy="1323584"/>
+            <a:xfrm flipH="1">
+              <a:off x="6044118" y="3108614"/>
+              <a:ext cx="1441132" cy="1323584"/>
             </a:xfrm>
             <a:prstGeom prst="straightConnector1">
               <a:avLst/>
@@ -6506,9 +7333,9 @@
             <p:nvPr/>
           </p:nvCxnSpPr>
           <p:spPr>
-            <a:xfrm>
-              <a:off x="5794686" y="3095682"/>
-              <a:ext cx="1199701" cy="1693259"/>
+            <a:xfrm flipH="1">
+              <a:off x="7008582" y="3108614"/>
+              <a:ext cx="476668" cy="1693259"/>
             </a:xfrm>
             <a:prstGeom prst="straightConnector1">
               <a:avLst/>
@@ -6637,73 +7464,63 @@
                 <a:latin typeface="メイリオ" panose="020B0604030504040204" pitchFamily="50" charset="-128"/>
                 <a:ea typeface="メイリオ" panose="020B0604030504040204" pitchFamily="50" charset="-128"/>
               </a:rPr>
-              <a:t>通常</a:t>
+              <a:t>通常の半教師有り学習では、大量の</a:t>
+            </a:r>
+            <a:r>
+              <a:rPr lang="ja-JP" altLang="en-US" sz="1800" dirty="0">
+                <a:latin typeface="メイリオ" panose="020B0604030504040204" pitchFamily="50" charset="-128"/>
+                <a:ea typeface="メイリオ" panose="020B0604030504040204" pitchFamily="50" charset="-128"/>
+              </a:rPr>
+              <a:t>ラベル</a:t>
             </a:r>
             <a:r>
               <a:rPr lang="ja-JP" altLang="en-US" sz="1800" dirty="0" smtClean="0">
                 <a:latin typeface="メイリオ" panose="020B0604030504040204" pitchFamily="50" charset="-128"/>
                 <a:ea typeface="メイリオ" panose="020B0604030504040204" pitchFamily="50" charset="-128"/>
               </a:rPr>
-              <a:t>の半教師有り学習では</a:t>
+              <a:t>データを使用し学習するために</a:t>
             </a:r>
             <a:r>
               <a:rPr lang="ja-JP" altLang="en-US" sz="1800" dirty="0" smtClean="0">
                 <a:latin typeface="メイリオ" panose="020B0604030504040204" pitchFamily="50" charset="-128"/>
                 <a:ea typeface="メイリオ" panose="020B0604030504040204" pitchFamily="50" charset="-128"/>
               </a:rPr>
-              <a:t>、大量</a:t>
+              <a:t>、学習</a:t>
             </a:r>
             <a:r>
               <a:rPr lang="ja-JP" altLang="en-US" sz="1800" dirty="0" smtClean="0">
                 <a:latin typeface="メイリオ" panose="020B0604030504040204" pitchFamily="50" charset="-128"/>
                 <a:ea typeface="メイリオ" panose="020B0604030504040204" pitchFamily="50" charset="-128"/>
               </a:rPr>
-              <a:t>の</a:t>
-            </a:r>
-            <a:r>
-              <a:rPr lang="ja-JP" altLang="en-US" sz="1800" dirty="0">
-                <a:latin typeface="メイリオ" panose="020B0604030504040204" pitchFamily="50" charset="-128"/>
-                <a:ea typeface="メイリオ" panose="020B0604030504040204" pitchFamily="50" charset="-128"/>
-              </a:rPr>
-              <a:t>ラベル</a:t>
+              <a:t>に膨大</a:t>
             </a:r>
             <a:r>
               <a:rPr lang="ja-JP" altLang="en-US" sz="1800" dirty="0" smtClean="0">
                 <a:latin typeface="メイリオ" panose="020B0604030504040204" pitchFamily="50" charset="-128"/>
                 <a:ea typeface="メイリオ" panose="020B0604030504040204" pitchFamily="50" charset="-128"/>
               </a:rPr>
-              <a:t>データ</a:t>
+              <a:t>な</a:t>
             </a:r>
             <a:r>
               <a:rPr lang="ja-JP" altLang="en-US" sz="1800" dirty="0" smtClean="0">
                 <a:latin typeface="メイリオ" panose="020B0604030504040204" pitchFamily="50" charset="-128"/>
                 <a:ea typeface="メイリオ" panose="020B0604030504040204" pitchFamily="50" charset="-128"/>
               </a:rPr>
-              <a:t>を使用し学習するために、</a:t>
-            </a:r>
-            <a:r>
-              <a:rPr lang="ja-JP" altLang="en-US" sz="1800" strike="sngStrike" dirty="0" smtClean="0">
-                <a:solidFill>
-                  <a:srgbClr val="FF0000"/>
-                </a:solidFill>
-                <a:latin typeface="メイリオ" panose="020B0604030504040204" pitchFamily="50" charset="-128"/>
-                <a:ea typeface="メイリオ" panose="020B0604030504040204" pitchFamily="50" charset="-128"/>
-              </a:rPr>
-              <a:t>データの用意と</a:t>
+              <a:t>時間と計算量</a:t>
             </a:r>
             <a:r>
               <a:rPr lang="ja-JP" altLang="en-US" sz="1800" dirty="0" smtClean="0">
                 <a:latin typeface="メイリオ" panose="020B0604030504040204" pitchFamily="50" charset="-128"/>
                 <a:ea typeface="メイリオ" panose="020B0604030504040204" pitchFamily="50" charset="-128"/>
               </a:rPr>
-              <a:t>学習に膨大なコストを要する</a:t>
+              <a:t>を</a:t>
             </a:r>
             <a:r>
               <a:rPr lang="ja-JP" altLang="en-US" sz="1800" dirty="0" smtClean="0">
                 <a:latin typeface="メイリオ" panose="020B0604030504040204" pitchFamily="50" charset="-128"/>
                 <a:ea typeface="メイリオ" panose="020B0604030504040204" pitchFamily="50" charset="-128"/>
               </a:rPr>
-              <a:t>。</a:t>
+              <a:t>要する。</a:t>
             </a:r>
             <a:endParaRPr lang="en-US" altLang="ja-JP" sz="1800" dirty="0" smtClean="0">
               <a:latin typeface="メイリオ" panose="020B0604030504040204" pitchFamily="50" charset="-128"/>
@@ -6732,56 +7549,7 @@
                 <a:latin typeface="メイリオ" panose="020B0604030504040204" pitchFamily="50" charset="-128"/>
                 <a:ea typeface="メイリオ" panose="020B0604030504040204" pitchFamily="50" charset="-128"/>
               </a:rPr>
-              <a:t>大量</a:t>
-            </a:r>
-            <a:r>
-              <a:rPr lang="ja-JP" altLang="en-US" sz="1800" dirty="0" smtClean="0">
-                <a:latin typeface="メイリオ" panose="020B0604030504040204" pitchFamily="50" charset="-128"/>
-                <a:ea typeface="メイリオ" panose="020B0604030504040204" pitchFamily="50" charset="-128"/>
-              </a:rPr>
-              <a:t>の</a:t>
-            </a:r>
-            <a:r>
-              <a:rPr lang="ja-JP" altLang="en-US" sz="1800" dirty="0" smtClean="0">
-                <a:latin typeface="メイリオ" panose="020B0604030504040204" pitchFamily="50" charset="-128"/>
-                <a:ea typeface="メイリオ" panose="020B0604030504040204" pitchFamily="50" charset="-128"/>
-              </a:rPr>
-              <a:t>ラベル無し</a:t>
-            </a:r>
-            <a:r>
-              <a:rPr lang="ja-JP" altLang="en-US" sz="1800" dirty="0" smtClean="0">
-                <a:latin typeface="メイリオ" panose="020B0604030504040204" pitchFamily="50" charset="-128"/>
-                <a:ea typeface="メイリオ" panose="020B0604030504040204" pitchFamily="50" charset="-128"/>
-              </a:rPr>
-              <a:t>データ</a:t>
-            </a:r>
-            <a:r>
-              <a:rPr lang="ja-JP" altLang="en-US" sz="1800" dirty="0" smtClean="0">
-                <a:latin typeface="メイリオ" panose="020B0604030504040204" pitchFamily="50" charset="-128"/>
-                <a:ea typeface="メイリオ" panose="020B0604030504040204" pitchFamily="50" charset="-128"/>
-              </a:rPr>
-              <a:t>から、より効果的</a:t>
-            </a:r>
-            <a:r>
-              <a:rPr lang="ja-JP" altLang="en-US" sz="1800" dirty="0" smtClean="0">
-                <a:latin typeface="メイリオ" panose="020B0604030504040204" pitchFamily="50" charset="-128"/>
-                <a:ea typeface="メイリオ" panose="020B0604030504040204" pitchFamily="50" charset="-128"/>
-              </a:rPr>
-              <a:t>な</a:t>
-            </a:r>
-            <a:r>
-              <a:rPr lang="ja-JP" altLang="en-US" sz="1800" dirty="0" smtClean="0">
-                <a:latin typeface="メイリオ" panose="020B0604030504040204" pitchFamily="50" charset="-128"/>
-                <a:ea typeface="メイリオ" panose="020B0604030504040204" pitchFamily="50" charset="-128"/>
-              </a:rPr>
-              <a:t>ラベル無し</a:t>
-            </a:r>
-            <a:r>
-              <a:rPr lang="ja-JP" altLang="en-US" sz="1800" dirty="0" smtClean="0">
-                <a:latin typeface="メイリオ" panose="020B0604030504040204" pitchFamily="50" charset="-128"/>
-                <a:ea typeface="メイリオ" panose="020B0604030504040204" pitchFamily="50" charset="-128"/>
-              </a:rPr>
-              <a:t>データ</a:t>
+              <a:t>大量のラベル無しデータから、より効果的なラベル無しデータ</a:t>
             </a:r>
             <a:r>
               <a:rPr lang="ja-JP" altLang="en-US" sz="1800" dirty="0" smtClean="0">
@@ -7126,8 +7894,39 @@
                   </a:schemeClr>
                 </a:solidFill>
               </a:rPr>
-              <a:t>labeled</a:t>
-            </a:r>
+              <a:t>labeled data</a:t>
+            </a:r>
+            <a:endParaRPr lang="ja-JP" altLang="en-US" dirty="0">
+              <a:solidFill>
+                <a:schemeClr val="accent6">
+                  <a:lumMod val="75000"/>
+                </a:schemeClr>
+              </a:solidFill>
+            </a:endParaRPr>
+          </a:p>
+        </p:txBody>
+      </p:sp>
+      <p:sp>
+        <p:nvSpPr>
+          <p:cNvPr id="80" name="正方形/長方形 79"/>
+          <p:cNvSpPr/>
+          <p:nvPr/>
+        </p:nvSpPr>
+        <p:spPr>
+          <a:xfrm>
+            <a:off x="4511086" y="3407717"/>
+            <a:ext cx="1343509" cy="369332"/>
+          </a:xfrm>
+          <a:prstGeom prst="rect">
+            <a:avLst/>
+          </a:prstGeom>
+        </p:spPr>
+        <p:txBody>
+          <a:bodyPr wrap="none">
+            <a:spAutoFit/>
+          </a:bodyPr>
+          <a:lstStyle/>
+          <a:p>
             <a:r>
               <a:rPr lang="en-US" altLang="ja-JP" dirty="0" smtClean="0">
                 <a:solidFill>
@@ -7136,17 +7935,7 @@
                   </a:schemeClr>
                 </a:solidFill>
               </a:rPr>
-              <a:t> </a:t>
-            </a:r>
-            <a:r>
-              <a:rPr lang="en-US" altLang="ja-JP" dirty="0" smtClean="0">
-                <a:solidFill>
-                  <a:schemeClr val="accent6">
-                    <a:lumMod val="75000"/>
-                  </a:schemeClr>
-                </a:solidFill>
-              </a:rPr>
-              <a:t>data</a:t>
+              <a:t>labeled data</a:t>
             </a:r>
             <a:endParaRPr lang="ja-JP" altLang="en-US" dirty="0">
               <a:solidFill>
@@ -7294,14 +8083,7 @@
                 <a:latin typeface="メイリオ" panose="020B0604030504040204" pitchFamily="50" charset="-128"/>
                 <a:ea typeface="メイリオ" panose="020B0604030504040204" pitchFamily="50" charset="-128"/>
               </a:rPr>
-              <a:t>は</a:t>
-            </a:r>
-            <a:r>
-              <a:rPr lang="ja-JP" altLang="en-US" sz="1800" dirty="0" smtClean="0">
-                <a:latin typeface="メイリオ" panose="020B0604030504040204" pitchFamily="50" charset="-128"/>
-                <a:ea typeface="メイリオ" panose="020B0604030504040204" pitchFamily="50" charset="-128"/>
-              </a:rPr>
-              <a:t>、以下の４点を目的とし、</a:t>
+              <a:t>は、以下の４点を目的とし、</a:t>
             </a:r>
             <a:r>
               <a:rPr lang="en-US" altLang="ja-JP" sz="1800" dirty="0" smtClean="0">
@@ -7395,31 +8177,7 @@
                 <a:latin typeface="メイリオ" panose="020B0604030504040204" pitchFamily="50" charset="-128"/>
                 <a:ea typeface="メイリオ" panose="020B0604030504040204" pitchFamily="50" charset="-128"/>
               </a:rPr>
-              <a:t>精度を犠牲にすることの</a:t>
-            </a:r>
-            <a:r>
-              <a:rPr lang="ja-JP" altLang="en-US" sz="2400" dirty="0" smtClean="0">
-                <a:solidFill>
-                  <a:schemeClr val="accent2">
-                    <a:lumMod val="75000"/>
-                  </a:schemeClr>
-                </a:solidFill>
-                <a:latin typeface="メイリオ" panose="020B0604030504040204" pitchFamily="50" charset="-128"/>
-                <a:ea typeface="メイリオ" panose="020B0604030504040204" pitchFamily="50" charset="-128"/>
-              </a:rPr>
-              <a:t>ない半教師あり学習</a:t>
-            </a:r>
-            <a:r>
-              <a:rPr lang="ja-JP" altLang="en-US" sz="2400" dirty="0" smtClean="0">
-                <a:solidFill>
-                  <a:schemeClr val="accent2">
-                    <a:lumMod val="75000"/>
-                  </a:schemeClr>
-                </a:solidFill>
-                <a:latin typeface="メイリオ" panose="020B0604030504040204" pitchFamily="50" charset="-128"/>
-                <a:ea typeface="メイリオ" panose="020B0604030504040204" pitchFamily="50" charset="-128"/>
-              </a:rPr>
-              <a:t>時間の短縮</a:t>
+              <a:t>精度を犠牲にすることのない半教師あり学習時間の短縮</a:t>
             </a:r>
             <a:endParaRPr lang="en-US" altLang="ja-JP" sz="2400" dirty="0" smtClean="0">
               <a:solidFill>
@@ -8123,14 +8881,7 @@
                 <a:latin typeface="メイリオ" panose="020B0604030504040204" pitchFamily="50" charset="-128"/>
                 <a:ea typeface="メイリオ" panose="020B0604030504040204" pitchFamily="50" charset="-128"/>
               </a:rPr>
-              <a:t>．</a:t>
-            </a:r>
-            <a:r>
-              <a:rPr lang="ja-JP" altLang="en-US" sz="3200" dirty="0" smtClean="0">
-                <a:latin typeface="メイリオ" panose="020B0604030504040204" pitchFamily="50" charset="-128"/>
-                <a:ea typeface="メイリオ" panose="020B0604030504040204" pitchFamily="50" charset="-128"/>
-              </a:rPr>
-              <a:t>方法</a:t>
+              <a:t>．方法</a:t>
             </a:r>
             <a:endParaRPr lang="ja-JP" altLang="en-US" sz="3200" dirty="0">
               <a:latin typeface="メイリオ" panose="020B0604030504040204" pitchFamily="50" charset="-128"/>
@@ -8197,28 +8948,7 @@
                 <a:latin typeface="メイリオ" panose="020B0604030504040204" pitchFamily="50" charset="-128"/>
                 <a:ea typeface="メイリオ" panose="020B0604030504040204" pitchFamily="50" charset="-128"/>
               </a:rPr>
-              <a:t>は、半教師有り学習のラベル無しデータの、コアセット</a:t>
-            </a:r>
-            <a:r>
-              <a:rPr lang="ja-JP" altLang="en-US" sz="1800" dirty="0" smtClean="0">
-                <a:latin typeface="メイリオ" panose="020B0604030504040204" pitchFamily="50" charset="-128"/>
-                <a:ea typeface="メイリオ" panose="020B0604030504040204" pitchFamily="50" charset="-128"/>
-              </a:rPr>
-              <a:t>の探索と、</a:t>
-            </a:r>
-            <a:r>
-              <a:rPr lang="ja-JP" altLang="en-US" sz="1800" dirty="0" smtClean="0">
-                <a:latin typeface="メイリオ" panose="020B0604030504040204" pitchFamily="50" charset="-128"/>
-                <a:ea typeface="メイリオ" panose="020B0604030504040204" pitchFamily="50" charset="-128"/>
-              </a:rPr>
-              <a:t>コアセットと教師有りデータを</a:t>
-            </a:r>
-            <a:r>
-              <a:rPr lang="ja-JP" altLang="en-US" sz="1800" dirty="0" smtClean="0">
-                <a:latin typeface="メイリオ" panose="020B0604030504040204" pitchFamily="50" charset="-128"/>
-                <a:ea typeface="メイリオ" panose="020B0604030504040204" pitchFamily="50" charset="-128"/>
-              </a:rPr>
-              <a:t>用いたモデルのパラメータ更新を交互に行う</a:t>
+              <a:t>は、半教師有り学習のラベル無しデータの、コアセットの探索と、コアセットと教師有りデータを用いたモデルのパラメータ更新を交互に行う</a:t>
             </a:r>
             <a:endParaRPr lang="ja-JP" altLang="en-US" sz="1800" dirty="0">
               <a:latin typeface="メイリオ" panose="020B0604030504040204" pitchFamily="50" charset="-128"/>
@@ -8241,8 +8971,8 @@
             <a:chExt cx="5871896" cy="4444121"/>
           </a:xfrm>
         </p:grpSpPr>
-        <mc:AlternateContent xmlns:mc="http://schemas.openxmlformats.org/markup-compatibility/2006">
-          <mc:Choice xmlns:a14="http://schemas.microsoft.com/office/drawing/2010/main" Requires="a14">
+        <mc:AlternateContent xmlns:mc="http://schemas.openxmlformats.org/markup-compatibility/2006" xmlns:a14="http://schemas.microsoft.com/office/drawing/2010/main">
+          <mc:Choice Requires="a14">
             <p:sp>
               <p:nvSpPr>
                 <p:cNvPr id="8" name="正方形/長方形 7"/>
@@ -8377,7 +9107,7 @@
                             <a:latin typeface="Cambria Math" panose="02040503050406030204" pitchFamily="18" charset="0"/>
                             <a:ea typeface="Cambria Math" panose="02040503050406030204" pitchFamily="18" charset="0"/>
                           </a:rPr>
-                          <m:t>𝐺𝑟𝑒𝑒𝑑𝑦𝑆</m:t>
+                          <m:t>𝐺𝑟𝑒𝑒𝑑𝑦𝑆𝑒</m:t>
                         </m:r>
                         <m:r>
                           <a:rPr lang="en-US" altLang="ja-JP" sz="1400" b="0" i="1" smtClean="0">
@@ -8389,7 +9119,7 @@
                             <a:latin typeface="Cambria Math" panose="02040503050406030204" pitchFamily="18" charset="0"/>
                             <a:ea typeface="Cambria Math" panose="02040503050406030204" pitchFamily="18" charset="0"/>
                           </a:rPr>
-                          <m:t>𝑒𝑙𝑒𝑐𝑡𝑖𝑜𝑛</m:t>
+                          <m:t>𝑙𝑒𝑐𝑡𝑖𝑜𝑛</m:t>
                         </m:r>
                         <m:r>
                           <a:rPr lang="en-US" altLang="ja-JP" sz="1400" i="1">
@@ -8544,7 +9274,7 @@
               </p:txBody>
             </p:sp>
           </mc:Choice>
-          <mc:Fallback>
+          <mc:Fallback xmlns="">
             <p:sp>
               <p:nvSpPr>
                 <p:cNvPr id="8" name="正方形/長方形 7"/>
@@ -8590,8 +9320,8 @@
             </p:sp>
           </mc:Fallback>
         </mc:AlternateContent>
-        <mc:AlternateContent xmlns:mc="http://schemas.openxmlformats.org/markup-compatibility/2006">
-          <mc:Choice xmlns:a14="http://schemas.microsoft.com/office/drawing/2010/main" Requires="a14">
+        <mc:AlternateContent xmlns:mc="http://schemas.openxmlformats.org/markup-compatibility/2006" xmlns:a14="http://schemas.microsoft.com/office/drawing/2010/main">
+          <mc:Choice Requires="a14">
             <p:sp>
               <p:nvSpPr>
                 <p:cNvPr id="9" name="正方形/長方形 8"/>
@@ -8900,7 +9630,7 @@
               </p:txBody>
             </p:sp>
           </mc:Choice>
-          <mc:Fallback>
+          <mc:Fallback xmlns="">
             <p:sp>
               <p:nvSpPr>
                 <p:cNvPr id="9" name="正方形/長方形 8"/>
@@ -8944,8 +9674,8 @@
             </p:sp>
           </mc:Fallback>
         </mc:AlternateContent>
-        <mc:AlternateContent xmlns:mc="http://schemas.openxmlformats.org/markup-compatibility/2006">
-          <mc:Choice xmlns:a14="http://schemas.microsoft.com/office/drawing/2010/main" Requires="a14">
+        <mc:AlternateContent xmlns:mc="http://schemas.openxmlformats.org/markup-compatibility/2006" xmlns:a14="http://schemas.microsoft.com/office/drawing/2010/main">
+          <mc:Choice Requires="a14">
             <p:sp>
               <p:nvSpPr>
                 <p:cNvPr id="11" name="正方形/長方形 10"/>
@@ -9168,17 +9898,7 @@
                       <a:latin typeface="メイリオ" panose="020B0604030504040204" pitchFamily="50" charset="-128"/>
                       <a:ea typeface="メイリオ" panose="020B0604030504040204" pitchFamily="50" charset="-128"/>
                     </a:rPr>
-                    <a:t>：初期の</a:t>
-                  </a:r>
-                  <a:r>
-                    <a:rPr kumimoji="1" lang="ja-JP" altLang="en-US" sz="1100" dirty="0" smtClean="0">
-                      <a:solidFill>
-                        <a:schemeClr val="tx1"/>
-                      </a:solidFill>
-                      <a:latin typeface="メイリオ" panose="020B0604030504040204" pitchFamily="50" charset="-128"/>
-                      <a:ea typeface="メイリオ" panose="020B0604030504040204" pitchFamily="50" charset="-128"/>
-                    </a:rPr>
-                    <a:t>コアセット（教師なし）</a:t>
+                    <a:t>：初期のコアセット（教師なし）</a:t>
                   </a:r>
                   <a:endParaRPr kumimoji="1" lang="en-US" altLang="ja-JP" sz="1100" dirty="0" smtClean="0">
                     <a:solidFill>
@@ -9191,7 +9911,7 @@
               </p:txBody>
             </p:sp>
           </mc:Choice>
-          <mc:Fallback>
+          <mc:Fallback xmlns="">
             <p:sp>
               <p:nvSpPr>
                 <p:cNvPr id="11" name="正方形/長方形 10"/>
@@ -9469,8 +10189,8 @@
           </p:txBody>
         </p:sp>
       </p:grpSp>
-      <mc:AlternateContent xmlns:mc="http://schemas.openxmlformats.org/markup-compatibility/2006">
-        <mc:Choice xmlns:a14="http://schemas.microsoft.com/office/drawing/2010/main" Requires="a14">
+      <mc:AlternateContent xmlns:mc="http://schemas.openxmlformats.org/markup-compatibility/2006" xmlns:a14="http://schemas.microsoft.com/office/drawing/2010/main">
+        <mc:Choice Requires="a14">
           <p:sp>
             <p:nvSpPr>
               <p:cNvPr id="34" name="正方形/長方形 33"/>
@@ -9563,7 +10283,7 @@
             </p:txBody>
           </p:sp>
         </mc:Choice>
-        <mc:Fallback>
+        <mc:Fallback xmlns="">
           <p:sp>
             <p:nvSpPr>
               <p:cNvPr id="34" name="正方形/長方形 33"/>
@@ -9602,8 +10322,8 @@
           </p:sp>
         </mc:Fallback>
       </mc:AlternateContent>
-      <mc:AlternateContent xmlns:mc="http://schemas.openxmlformats.org/markup-compatibility/2006">
-        <mc:Choice xmlns:a14="http://schemas.microsoft.com/office/drawing/2010/main" Requires="a14">
+      <mc:AlternateContent xmlns:mc="http://schemas.openxmlformats.org/markup-compatibility/2006" xmlns:a14="http://schemas.microsoft.com/office/drawing/2010/main">
+        <mc:Choice Requires="a14">
           <p:sp>
             <p:nvSpPr>
               <p:cNvPr id="35" name="正方形/長方形 34"/>
@@ -9677,7 +10397,7 @@
             </p:txBody>
           </p:sp>
         </mc:Choice>
-        <mc:Fallback>
+        <mc:Fallback xmlns="">
           <p:sp>
             <p:nvSpPr>
               <p:cNvPr id="35" name="正方形/長方形 34"/>
@@ -10552,46 +11272,6 @@
           <a:chExt cx="0" cy="0"/>
         </a:xfrm>
       </p:grpSpPr>
-      <p:pic>
-        <p:nvPicPr>
-          <p:cNvPr id="1032" name="Picture 4" descr="鉛筆（えんぴつ）・筆記用具02 | フリー素材ドットコム"/>
-          <p:cNvPicPr>
-            <a:picLocks noChangeAspect="1" noChangeArrowheads="1"/>
-          </p:cNvPicPr>
-          <p:nvPr/>
-        </p:nvPicPr>
-        <p:blipFill rotWithShape="1">
-          <a:blip r:embed="rId2">
-            <a:lum bright="20000"/>
-            <a:extLst>
-              <a:ext uri="{28A0092B-C50C-407E-A947-70E740481C1C}">
-                <a14:useLocalDpi xmlns:a14="http://schemas.microsoft.com/office/drawing/2010/main" val="0"/>
-              </a:ext>
-            </a:extLst>
-          </a:blip>
-          <a:srcRect l="28499" t="15943" b="27837"/>
-          <a:stretch/>
-        </p:blipFill>
-        <p:spPr bwMode="auto">
-          <a:xfrm>
-            <a:off x="6909683" y="5605670"/>
-            <a:ext cx="2234317" cy="1168841"/>
-          </a:xfrm>
-          <a:prstGeom prst="rect">
-            <a:avLst/>
-          </a:prstGeom>
-          <a:noFill/>
-          <a:extLst>
-            <a:ext uri="{909E8E84-426E-40DD-AFC4-6F175D3DCCD1}">
-              <a14:hiddenFill xmlns:a14="http://schemas.microsoft.com/office/drawing/2010/main">
-                <a:solidFill>
-                  <a:srgbClr val="FFFFFF"/>
-                </a:solidFill>
-              </a14:hiddenFill>
-            </a:ext>
-          </a:extLst>
-        </p:spPr>
-      </p:pic>
       <p:sp>
         <p:nvSpPr>
           <p:cNvPr id="2" name="タイトル 1"/>
@@ -10624,7 +11304,7 @@
                 <a:latin typeface="メイリオ" panose="020B0604030504040204" pitchFamily="50" charset="-128"/>
                 <a:ea typeface="メイリオ" panose="020B0604030504040204" pitchFamily="50" charset="-128"/>
               </a:rPr>
-              <a:t>３</a:t>
+              <a:t>５</a:t>
             </a:r>
             <a:r>
               <a:rPr lang="en-US" altLang="ja-JP" sz="3200" dirty="0" smtClean="0">
@@ -10638,3462 +11318,14 @@
                 <a:latin typeface="メイリオ" panose="020B0604030504040204" pitchFamily="50" charset="-128"/>
                 <a:ea typeface="メイリオ" panose="020B0604030504040204" pitchFamily="50" charset="-128"/>
               </a:rPr>
-              <a:t>１．コアセットの選択</a:t>
-            </a:r>
-            <a:endParaRPr lang="ja-JP" altLang="en-US" sz="3200" dirty="0">
-              <a:latin typeface="メイリオ" panose="020B0604030504040204" pitchFamily="50" charset="-128"/>
-              <a:ea typeface="メイリオ" panose="020B0604030504040204" pitchFamily="50" charset="-128"/>
-            </a:endParaRPr>
-          </a:p>
-        </p:txBody>
-      </p:sp>
-      <mc:AlternateContent xmlns:mc="http://schemas.openxmlformats.org/markup-compatibility/2006">
-        <mc:Choice xmlns:a14="http://schemas.microsoft.com/office/drawing/2010/main" Requires="a14">
-          <p:sp>
-            <p:nvSpPr>
-              <p:cNvPr id="1024" name="テキスト ボックス 1023"/>
-              <p:cNvSpPr txBox="1"/>
-              <p:nvPr/>
-            </p:nvSpPr>
-            <p:spPr>
-              <a:xfrm>
-                <a:off x="531636" y="3393227"/>
-                <a:ext cx="3661836" cy="494238"/>
-              </a:xfrm>
-              <a:prstGeom prst="rect">
-                <a:avLst/>
-              </a:prstGeom>
-              <a:noFill/>
-            </p:spPr>
-            <p:txBody>
-              <a:bodyPr wrap="none" lIns="0" tIns="0" rIns="0" bIns="0" rtlCol="0">
-                <a:spAutoFit/>
-              </a:bodyPr>
-              <a:lstStyle/>
-              <a:p>
-                <a:pPr/>
-                <a14:m>
-                  <m:oMathPara xmlns:m="http://schemas.openxmlformats.org/officeDocument/2006/math">
-                    <m:oMathParaPr>
-                      <m:jc m:val="centerGroup"/>
-                    </m:oMathParaPr>
-                    <m:oMath xmlns:m="http://schemas.openxmlformats.org/officeDocument/2006/math">
-                      <m:func>
-                        <m:funcPr>
-                          <m:ctrlPr>
-                            <a:rPr kumimoji="1" lang="en-US" altLang="ja-JP" sz="2000" i="1" smtClean="0">
-                              <a:solidFill>
-                                <a:schemeClr val="accent1">
-                                  <a:lumMod val="75000"/>
-                                </a:schemeClr>
-                              </a:solidFill>
-                              <a:latin typeface="Cambria Math" panose="02040503050406030204" pitchFamily="18" charset="0"/>
-                            </a:rPr>
-                          </m:ctrlPr>
-                        </m:funcPr>
-                        <m:fName>
-                          <m:limLow>
-                            <m:limLowPr>
-                              <m:ctrlPr>
-                                <a:rPr kumimoji="1" lang="en-US" altLang="ja-JP" sz="2000" i="1" smtClean="0">
-                                  <a:solidFill>
-                                    <a:schemeClr val="accent1">
-                                      <a:lumMod val="75000"/>
-                                    </a:schemeClr>
-                                  </a:solidFill>
-                                  <a:latin typeface="Cambria Math" panose="02040503050406030204" pitchFamily="18" charset="0"/>
-                                </a:rPr>
-                              </m:ctrlPr>
-                            </m:limLowPr>
-                            <m:e>
-                              <m:r>
-                                <m:rPr>
-                                  <m:sty m:val="p"/>
-                                </m:rPr>
-                                <a:rPr kumimoji="1" lang="en-US" altLang="ja-JP" sz="2000" b="0" i="0" smtClean="0">
-                                  <a:solidFill>
-                                    <a:schemeClr val="accent1">
-                                      <a:lumMod val="75000"/>
-                                    </a:schemeClr>
-                                  </a:solidFill>
-                                  <a:latin typeface="Cambria Math" panose="02040503050406030204" pitchFamily="18" charset="0"/>
-                                </a:rPr>
-                                <m:t>arg</m:t>
-                              </m:r>
-                              <m:r>
-                                <m:rPr>
-                                  <m:sty m:val="p"/>
-                                </m:rPr>
-                                <a:rPr kumimoji="1" lang="en-US" altLang="ja-JP" sz="2000" i="0" smtClean="0">
-                                  <a:solidFill>
-                                    <a:schemeClr val="accent1">
-                                      <a:lumMod val="75000"/>
-                                    </a:schemeClr>
-                                  </a:solidFill>
-                                  <a:latin typeface="Cambria Math" panose="02040503050406030204" pitchFamily="18" charset="0"/>
-                                </a:rPr>
-                                <m:t>m</m:t>
-                              </m:r>
-                              <m:r>
-                                <a:rPr kumimoji="1" lang="en-US" altLang="ja-JP" sz="2000" b="0" i="1" smtClean="0">
-                                  <a:solidFill>
-                                    <a:schemeClr val="accent1">
-                                      <a:lumMod val="75000"/>
-                                    </a:schemeClr>
-                                  </a:solidFill>
-                                  <a:latin typeface="Cambria Math" panose="02040503050406030204" pitchFamily="18" charset="0"/>
-                                </a:rPr>
-                                <m:t>𝑎𝑥</m:t>
-                              </m:r>
-                            </m:e>
-                            <m:lim>
-                              <m:r>
-                                <a:rPr kumimoji="1" lang="en-US" altLang="ja-JP" sz="2000" b="0" i="1" smtClean="0">
-                                  <a:solidFill>
-                                    <a:schemeClr val="accent1">
-                                      <a:lumMod val="75000"/>
-                                    </a:schemeClr>
-                                  </a:solidFill>
-                                  <a:latin typeface="Cambria Math" panose="02040503050406030204" pitchFamily="18" charset="0"/>
-                                </a:rPr>
-                                <m:t>𝑆</m:t>
-                              </m:r>
-                              <m:r>
-                                <a:rPr kumimoji="1" lang="en-US" altLang="ja-JP" sz="2000" b="0" i="1" smtClean="0">
-                                  <a:solidFill>
-                                    <a:schemeClr val="accent1">
-                                      <a:lumMod val="75000"/>
-                                    </a:schemeClr>
-                                  </a:solidFill>
-                                  <a:latin typeface="Cambria Math" panose="02040503050406030204" pitchFamily="18" charset="0"/>
-                                  <a:ea typeface="Cambria Math" panose="02040503050406030204" pitchFamily="18" charset="0"/>
-                                </a:rPr>
-                                <m:t>⊆</m:t>
-                              </m:r>
-                              <m:r>
-                                <a:rPr kumimoji="1" lang="ja-JP" altLang="en-US" sz="2000" b="0" i="1" smtClean="0">
-                                  <a:solidFill>
-                                    <a:schemeClr val="accent1">
-                                      <a:lumMod val="75000"/>
-                                    </a:schemeClr>
-                                  </a:solidFill>
-                                  <a:latin typeface="Cambria Math" panose="02040503050406030204" pitchFamily="18" charset="0"/>
-                                  <a:ea typeface="Cambria Math" panose="02040503050406030204" pitchFamily="18" charset="0"/>
-                                </a:rPr>
-                                <m:t>𝒰</m:t>
-                              </m:r>
-                              <m:r>
-                                <a:rPr kumimoji="1" lang="en-US" altLang="ja-JP" sz="2000" b="0" i="1" smtClean="0">
-                                  <a:solidFill>
-                                    <a:schemeClr val="accent1">
-                                      <a:lumMod val="75000"/>
-                                    </a:schemeClr>
-                                  </a:solidFill>
-                                  <a:latin typeface="Cambria Math" panose="02040503050406030204" pitchFamily="18" charset="0"/>
-                                  <a:ea typeface="Cambria Math" panose="02040503050406030204" pitchFamily="18" charset="0"/>
-                                </a:rPr>
-                                <m:t>, |</m:t>
-                              </m:r>
-                              <m:r>
-                                <a:rPr kumimoji="1" lang="en-US" altLang="ja-JP" sz="2000" b="0" i="1" smtClean="0">
-                                  <a:solidFill>
-                                    <a:schemeClr val="accent1">
-                                      <a:lumMod val="75000"/>
-                                    </a:schemeClr>
-                                  </a:solidFill>
-                                  <a:latin typeface="Cambria Math" panose="02040503050406030204" pitchFamily="18" charset="0"/>
-                                  <a:ea typeface="Cambria Math" panose="02040503050406030204" pitchFamily="18" charset="0"/>
-                                </a:rPr>
-                                <m:t>𝑆</m:t>
-                              </m:r>
-                              <m:r>
-                                <a:rPr kumimoji="1" lang="en-US" altLang="ja-JP" sz="2000" b="0" i="1" smtClean="0">
-                                  <a:solidFill>
-                                    <a:schemeClr val="accent1">
-                                      <a:lumMod val="75000"/>
-                                    </a:schemeClr>
-                                  </a:solidFill>
-                                  <a:latin typeface="Cambria Math" panose="02040503050406030204" pitchFamily="18" charset="0"/>
-                                  <a:ea typeface="Cambria Math" panose="02040503050406030204" pitchFamily="18" charset="0"/>
-                                </a:rPr>
-                                <m:t>|≤</m:t>
-                              </m:r>
-                              <m:r>
-                                <a:rPr kumimoji="1" lang="en-US" altLang="ja-JP" sz="2000" b="0" i="1" smtClean="0">
-                                  <a:solidFill>
-                                    <a:schemeClr val="accent1">
-                                      <a:lumMod val="75000"/>
-                                    </a:schemeClr>
-                                  </a:solidFill>
-                                  <a:latin typeface="Cambria Math" panose="02040503050406030204" pitchFamily="18" charset="0"/>
-                                  <a:ea typeface="Cambria Math" panose="02040503050406030204" pitchFamily="18" charset="0"/>
-                                </a:rPr>
-                                <m:t>𝑘</m:t>
-                              </m:r>
-                            </m:lim>
-                          </m:limLow>
-                        </m:fName>
-                        <m:e>
-                          <m:sSub>
-                            <m:sSubPr>
-                              <m:ctrlPr>
-                                <a:rPr kumimoji="1" lang="en-US" altLang="ja-JP" sz="2000" i="1" smtClean="0">
-                                  <a:solidFill>
-                                    <a:schemeClr val="accent1">
-                                      <a:lumMod val="75000"/>
-                                    </a:schemeClr>
-                                  </a:solidFill>
-                                  <a:latin typeface="Cambria Math" panose="02040503050406030204" pitchFamily="18" charset="0"/>
-                                </a:rPr>
-                              </m:ctrlPr>
-                            </m:sSubPr>
-                            <m:e>
-                              <m:r>
-                                <a:rPr kumimoji="1" lang="en-US" altLang="ja-JP" sz="2000" b="0" i="1" smtClean="0">
-                                  <a:solidFill>
-                                    <a:schemeClr val="accent1">
-                                      <a:lumMod val="75000"/>
-                                    </a:schemeClr>
-                                  </a:solidFill>
-                                  <a:latin typeface="Cambria Math" panose="02040503050406030204" pitchFamily="18" charset="0"/>
-                                </a:rPr>
-                                <m:t>𝐿</m:t>
-                              </m:r>
-                            </m:e>
-                            <m:sub>
-                              <m:r>
-                                <a:rPr kumimoji="1" lang="en-US" altLang="ja-JP" sz="2000" b="0" i="1" smtClean="0">
-                                  <a:solidFill>
-                                    <a:schemeClr val="accent1">
-                                      <a:lumMod val="75000"/>
-                                    </a:schemeClr>
-                                  </a:solidFill>
-                                  <a:latin typeface="Cambria Math" panose="02040503050406030204" pitchFamily="18" charset="0"/>
-                                </a:rPr>
-                                <m:t>𝑆</m:t>
-                              </m:r>
-                            </m:sub>
-                          </m:sSub>
-                          <m:r>
-                            <a:rPr kumimoji="1" lang="en-US" altLang="ja-JP" sz="2000" b="0" i="1" smtClean="0">
-                              <a:solidFill>
-                                <a:schemeClr val="accent1">
-                                  <a:lumMod val="75000"/>
-                                </a:schemeClr>
-                              </a:solidFill>
-                              <a:latin typeface="Cambria Math" panose="02040503050406030204" pitchFamily="18" charset="0"/>
-                            </a:rPr>
-                            <m:t>(</m:t>
-                          </m:r>
-                          <m:func>
-                            <m:funcPr>
-                              <m:ctrlPr>
-                                <a:rPr kumimoji="1" lang="en-US" altLang="ja-JP" sz="2000" b="0" i="1" smtClean="0">
-                                  <a:solidFill>
-                                    <a:schemeClr val="accent1">
-                                      <a:lumMod val="75000"/>
-                                    </a:schemeClr>
-                                  </a:solidFill>
-                                  <a:latin typeface="Cambria Math" panose="02040503050406030204" pitchFamily="18" charset="0"/>
-                                </a:rPr>
-                              </m:ctrlPr>
-                            </m:funcPr>
-                            <m:fName>
-                              <m:limLow>
-                                <m:limLowPr>
-                                  <m:ctrlPr>
-                                    <a:rPr kumimoji="1" lang="en-US" altLang="ja-JP" sz="2000" b="0" i="1" smtClean="0">
-                                      <a:solidFill>
-                                        <a:schemeClr val="accent1">
-                                          <a:lumMod val="75000"/>
-                                        </a:schemeClr>
-                                      </a:solidFill>
-                                      <a:latin typeface="Cambria Math" panose="02040503050406030204" pitchFamily="18" charset="0"/>
-                                    </a:rPr>
-                                  </m:ctrlPr>
-                                </m:limLowPr>
-                                <m:e>
-                                  <m:r>
-                                    <m:rPr>
-                                      <m:sty m:val="p"/>
-                                    </m:rPr>
-                                    <a:rPr kumimoji="1" lang="en-US" altLang="ja-JP" sz="2000" b="0" i="0" smtClean="0">
-                                      <a:solidFill>
-                                        <a:schemeClr val="accent1">
-                                          <a:lumMod val="75000"/>
-                                        </a:schemeClr>
-                                      </a:solidFill>
-                                      <a:latin typeface="Cambria Math" panose="02040503050406030204" pitchFamily="18" charset="0"/>
-                                    </a:rPr>
-                                    <m:t>argm</m:t>
-                                  </m:r>
-                                  <m:r>
-                                    <a:rPr kumimoji="1" lang="en-US" altLang="ja-JP" sz="2000" b="0" i="1" smtClean="0">
-                                      <a:solidFill>
-                                        <a:schemeClr val="accent1">
-                                          <a:lumMod val="75000"/>
-                                        </a:schemeClr>
-                                      </a:solidFill>
-                                      <a:latin typeface="Cambria Math" panose="02040503050406030204" pitchFamily="18" charset="0"/>
-                                    </a:rPr>
-                                    <m:t>𝑎𝑥</m:t>
-                                  </m:r>
-                                </m:e>
-                                <m:lim>
-                                  <m:r>
-                                    <a:rPr kumimoji="1" lang="ja-JP" altLang="en-US" sz="2000" b="0" i="1" smtClean="0">
-                                      <a:solidFill>
-                                        <a:schemeClr val="accent1">
-                                          <a:lumMod val="75000"/>
-                                        </a:schemeClr>
-                                      </a:solidFill>
-                                      <a:latin typeface="Cambria Math" panose="02040503050406030204" pitchFamily="18" charset="0"/>
-                                    </a:rPr>
-                                    <m:t>𝜃</m:t>
-                                  </m:r>
-                                </m:lim>
-                              </m:limLow>
-                            </m:fName>
-                            <m:e>
-                              <m:r>
-                                <a:rPr kumimoji="1" lang="en-US" altLang="ja-JP" sz="2000" b="0" i="1" smtClean="0">
-                                  <a:solidFill>
-                                    <a:schemeClr val="accent1">
-                                      <a:lumMod val="75000"/>
-                                    </a:schemeClr>
-                                  </a:solidFill>
-                                  <a:latin typeface="Cambria Math" panose="02040503050406030204" pitchFamily="18" charset="0"/>
-                                </a:rPr>
-                                <m:t>𝐿</m:t>
-                              </m:r>
-                              <m:d>
-                                <m:dPr>
-                                  <m:ctrlPr>
-                                    <a:rPr kumimoji="1" lang="en-US" altLang="ja-JP" sz="2000" b="0" i="1" smtClean="0">
-                                      <a:solidFill>
-                                        <a:schemeClr val="accent1">
-                                          <a:lumMod val="75000"/>
-                                        </a:schemeClr>
-                                      </a:solidFill>
-                                      <a:latin typeface="Cambria Math" panose="02040503050406030204" pitchFamily="18" charset="0"/>
-                                    </a:rPr>
-                                  </m:ctrlPr>
-                                </m:dPr>
-                                <m:e>
-                                  <m:r>
-                                    <a:rPr kumimoji="1" lang="ja-JP" altLang="en-US" sz="2000" b="0" i="1" smtClean="0">
-                                      <a:solidFill>
-                                        <a:schemeClr val="accent1">
-                                          <a:lumMod val="75000"/>
-                                        </a:schemeClr>
-                                      </a:solidFill>
-                                      <a:latin typeface="Cambria Math" panose="02040503050406030204" pitchFamily="18" charset="0"/>
-                                    </a:rPr>
-                                    <m:t>𝜃</m:t>
-                                  </m:r>
-                                  <m:r>
-                                    <a:rPr kumimoji="1" lang="en-US" altLang="ja-JP" sz="2000" b="0" i="1" smtClean="0">
-                                      <a:solidFill>
-                                        <a:schemeClr val="accent1">
-                                          <a:lumMod val="75000"/>
-                                        </a:schemeClr>
-                                      </a:solidFill>
-                                      <a:latin typeface="Cambria Math" panose="02040503050406030204" pitchFamily="18" charset="0"/>
-                                    </a:rPr>
-                                    <m:t>,</m:t>
-                                  </m:r>
-                                  <m:r>
-                                    <a:rPr kumimoji="1" lang="en-US" altLang="ja-JP" sz="2000" b="0" i="1" smtClean="0">
-                                      <a:solidFill>
-                                        <a:schemeClr val="accent1">
-                                          <a:lumMod val="75000"/>
-                                        </a:schemeClr>
-                                      </a:solidFill>
-                                      <a:latin typeface="Cambria Math" panose="02040503050406030204" pitchFamily="18" charset="0"/>
-                                    </a:rPr>
-                                    <m:t>𝑆</m:t>
-                                  </m:r>
-                                  <m:r>
-                                    <a:rPr kumimoji="1" lang="en-US" altLang="ja-JP" sz="2000" b="0" i="1" smtClean="0">
-                                      <a:solidFill>
-                                        <a:schemeClr val="accent1">
-                                          <a:lumMod val="75000"/>
-                                        </a:schemeClr>
-                                      </a:solidFill>
-                                      <a:latin typeface="Cambria Math" panose="02040503050406030204" pitchFamily="18" charset="0"/>
-                                    </a:rPr>
-                                    <m:t>,</m:t>
-                                  </m:r>
-                                  <m:r>
-                                    <a:rPr kumimoji="1" lang="en-US" altLang="ja-JP" sz="2000" b="0" i="1" smtClean="0">
-                                      <a:solidFill>
-                                        <a:schemeClr val="accent1">
-                                          <a:lumMod val="75000"/>
-                                        </a:schemeClr>
-                                      </a:solidFill>
-                                      <a:latin typeface="Cambria Math" panose="02040503050406030204" pitchFamily="18" charset="0"/>
-                                    </a:rPr>
-                                    <m:t>𝐷</m:t>
-                                  </m:r>
-                                </m:e>
-                              </m:d>
-                              <m:r>
-                                <a:rPr kumimoji="1" lang="en-US" altLang="ja-JP" sz="2000" b="0" i="1" smtClean="0">
-                                  <a:solidFill>
-                                    <a:schemeClr val="accent1">
-                                      <a:lumMod val="75000"/>
-                                    </a:schemeClr>
-                                  </a:solidFill>
-                                  <a:latin typeface="Cambria Math" panose="02040503050406030204" pitchFamily="18" charset="0"/>
-                                </a:rPr>
-                                <m:t>, </m:t>
-                              </m:r>
-                              <m:r>
-                                <a:rPr kumimoji="1" lang="en-US" altLang="ja-JP" sz="2000" b="0" i="1" smtClean="0">
-                                  <a:solidFill>
-                                    <a:schemeClr val="accent1">
-                                      <a:lumMod val="75000"/>
-                                    </a:schemeClr>
-                                  </a:solidFill>
-                                  <a:latin typeface="Cambria Math" panose="02040503050406030204" pitchFamily="18" charset="0"/>
-                                </a:rPr>
-                                <m:t>𝐷</m:t>
-                              </m:r>
-                            </m:e>
-                          </m:func>
-                          <m:r>
-                            <a:rPr kumimoji="1" lang="en-US" altLang="ja-JP" sz="2000" b="0" i="1" smtClean="0">
-                              <a:solidFill>
-                                <a:schemeClr val="accent1">
-                                  <a:lumMod val="75000"/>
-                                </a:schemeClr>
-                              </a:solidFill>
-                              <a:latin typeface="Cambria Math" panose="02040503050406030204" pitchFamily="18" charset="0"/>
-                            </a:rPr>
-                            <m:t>)</m:t>
-                          </m:r>
-                        </m:e>
-                      </m:func>
-                    </m:oMath>
-                  </m:oMathPara>
-                </a14:m>
-                <a:endParaRPr kumimoji="1" lang="ja-JP" altLang="en-US" sz="2000" dirty="0">
-                  <a:solidFill>
-                    <a:schemeClr val="accent1">
-                      <a:lumMod val="75000"/>
-                    </a:schemeClr>
-                  </a:solidFill>
-                </a:endParaRPr>
-              </a:p>
-            </p:txBody>
-          </p:sp>
-        </mc:Choice>
-        <mc:Fallback>
-          <p:sp>
-            <p:nvSpPr>
-              <p:cNvPr id="1024" name="テキスト ボックス 1023"/>
-              <p:cNvSpPr txBox="1">
-                <a:spLocks noRot="1" noChangeAspect="1" noMove="1" noResize="1" noEditPoints="1" noAdjustHandles="1" noChangeArrowheads="1" noChangeShapeType="1" noTextEdit="1"/>
-              </p:cNvSpPr>
-              <p:nvPr/>
-            </p:nvSpPr>
-            <p:spPr>
-              <a:xfrm>
-                <a:off x="531636" y="3393227"/>
-                <a:ext cx="3661836" cy="494238"/>
-              </a:xfrm>
-              <a:prstGeom prst="rect">
-                <a:avLst/>
-              </a:prstGeom>
-              <a:blipFill rotWithShape="0">
-                <a:blip r:embed="rId3"/>
-                <a:stretch>
-                  <a:fillRect l="-499" t="-1235" r="-1997" b="-18519"/>
-                </a:stretch>
-              </a:blipFill>
-            </p:spPr>
-            <p:txBody>
-              <a:bodyPr/>
-              <a:lstStyle/>
-              <a:p>
-                <a:r>
-                  <a:rPr lang="ja-JP" altLang="en-US">
-                    <a:noFill/>
-                  </a:rPr>
-                  <a:t> </a:t>
-                </a:r>
-              </a:p>
-            </p:txBody>
-          </p:sp>
-        </mc:Fallback>
-      </mc:AlternateContent>
-      <mc:AlternateContent xmlns:mc="http://schemas.openxmlformats.org/markup-compatibility/2006">
-        <mc:Choice xmlns:a14="http://schemas.microsoft.com/office/drawing/2010/main" Requires="a14">
-          <p:sp>
-            <p:nvSpPr>
-              <p:cNvPr id="1025" name="テキスト ボックス 1024"/>
-              <p:cNvSpPr txBox="1"/>
-              <p:nvPr/>
-            </p:nvSpPr>
-            <p:spPr>
-              <a:xfrm>
-                <a:off x="566247" y="4999890"/>
-                <a:ext cx="3059043" cy="262892"/>
-              </a:xfrm>
-              <a:prstGeom prst="rect">
-                <a:avLst/>
-              </a:prstGeom>
-              <a:noFill/>
-            </p:spPr>
-            <p:txBody>
-              <a:bodyPr wrap="none" lIns="0" tIns="0" rIns="0" bIns="0" rtlCol="0">
-                <a:spAutoFit/>
-              </a:bodyPr>
-              <a:lstStyle/>
-              <a:p>
-                <a:pPr/>
-                <a14:m>
-                  <m:oMathPara xmlns:m="http://schemas.openxmlformats.org/officeDocument/2006/math">
-                    <m:oMathParaPr>
-                      <m:jc m:val="centerGroup"/>
-                    </m:oMathParaPr>
-                    <m:oMath xmlns:m="http://schemas.openxmlformats.org/officeDocument/2006/math">
-                      <m:sSup>
-                        <m:sSupPr>
-                          <m:ctrlPr>
-                            <a:rPr kumimoji="1" lang="en-US" altLang="ja-JP" sz="1600" i="1" smtClean="0">
-                              <a:latin typeface="Cambria Math" panose="02040503050406030204" pitchFamily="18" charset="0"/>
-                            </a:rPr>
-                          </m:ctrlPr>
-                        </m:sSupPr>
-                        <m:e>
-                          <m:r>
-                            <a:rPr kumimoji="1" lang="ja-JP" altLang="en-US" sz="1600" i="1" smtClean="0">
-                              <a:latin typeface="Cambria Math" panose="02040503050406030204" pitchFamily="18" charset="0"/>
-                            </a:rPr>
-                            <m:t>𝜃</m:t>
-                          </m:r>
-                        </m:e>
-                        <m:sup>
-                          <m:d>
-                            <m:dPr>
-                              <m:ctrlPr>
-                                <a:rPr kumimoji="1" lang="en-US" altLang="ja-JP" sz="1600" b="0" i="1" smtClean="0">
-                                  <a:latin typeface="Cambria Math" panose="02040503050406030204" pitchFamily="18" charset="0"/>
-                                </a:rPr>
-                              </m:ctrlPr>
-                            </m:dPr>
-                            <m:e>
-                              <m:r>
-                                <a:rPr kumimoji="1" lang="en-US" altLang="ja-JP" sz="1600" b="0" i="1" smtClean="0">
-                                  <a:latin typeface="Cambria Math" panose="02040503050406030204" pitchFamily="18" charset="0"/>
-                                </a:rPr>
-                                <m:t>𝑡</m:t>
-                              </m:r>
-                              <m:r>
-                                <a:rPr kumimoji="1" lang="en-US" altLang="ja-JP" sz="1600" b="0" i="1" smtClean="0">
-                                  <a:latin typeface="Cambria Math" panose="02040503050406030204" pitchFamily="18" charset="0"/>
-                                </a:rPr>
-                                <m:t>+1</m:t>
-                              </m:r>
-                            </m:e>
-                          </m:d>
-                        </m:sup>
-                      </m:sSup>
-                      <m:d>
-                        <m:dPr>
-                          <m:ctrlPr>
-                            <a:rPr kumimoji="1" lang="en-US" altLang="ja-JP" sz="1600" b="0" i="1" smtClean="0">
-                              <a:latin typeface="Cambria Math" panose="02040503050406030204" pitchFamily="18" charset="0"/>
-                            </a:rPr>
-                          </m:ctrlPr>
-                        </m:dPr>
-                        <m:e>
-                          <m:r>
-                            <a:rPr kumimoji="1" lang="en-US" altLang="ja-JP" sz="1600" b="0" i="1" smtClean="0">
-                              <a:latin typeface="Cambria Math" panose="02040503050406030204" pitchFamily="18" charset="0"/>
-                            </a:rPr>
-                            <m:t>𝑆</m:t>
-                          </m:r>
-                        </m:e>
-                      </m:d>
-                      <m:r>
-                        <a:rPr kumimoji="1" lang="en-US" altLang="ja-JP" sz="1600" b="0" i="1" smtClean="0">
-                          <a:latin typeface="Cambria Math" panose="02040503050406030204" pitchFamily="18" charset="0"/>
-                        </a:rPr>
-                        <m:t>=</m:t>
-                      </m:r>
-                      <m:sSup>
-                        <m:sSupPr>
-                          <m:ctrlPr>
-                            <a:rPr kumimoji="1" lang="en-US" altLang="ja-JP" sz="1600" b="0" i="1" smtClean="0">
-                              <a:latin typeface="Cambria Math" panose="02040503050406030204" pitchFamily="18" charset="0"/>
-                            </a:rPr>
-                          </m:ctrlPr>
-                        </m:sSupPr>
-                        <m:e>
-                          <m:r>
-                            <a:rPr kumimoji="1" lang="ja-JP" altLang="en-US" sz="1600" b="0" i="1" smtClean="0">
-                              <a:latin typeface="Cambria Math" panose="02040503050406030204" pitchFamily="18" charset="0"/>
-                            </a:rPr>
-                            <m:t>𝜃</m:t>
-                          </m:r>
-                        </m:e>
-                        <m:sup>
-                          <m:r>
-                            <a:rPr kumimoji="1" lang="en-US" altLang="ja-JP" sz="1600" b="0" i="1" smtClean="0">
-                              <a:latin typeface="Cambria Math" panose="02040503050406030204" pitchFamily="18" charset="0"/>
-                            </a:rPr>
-                            <m:t>(</m:t>
-                          </m:r>
-                          <m:r>
-                            <a:rPr kumimoji="1" lang="en-US" altLang="ja-JP" sz="1600" b="0" i="1" smtClean="0">
-                              <a:latin typeface="Cambria Math" panose="02040503050406030204" pitchFamily="18" charset="0"/>
-                            </a:rPr>
-                            <m:t>𝑡</m:t>
-                          </m:r>
-                          <m:r>
-                            <a:rPr kumimoji="1" lang="en-US" altLang="ja-JP" sz="1600" b="0" i="1" smtClean="0">
-                              <a:latin typeface="Cambria Math" panose="02040503050406030204" pitchFamily="18" charset="0"/>
-                            </a:rPr>
-                            <m:t>)</m:t>
-                          </m:r>
-                        </m:sup>
-                      </m:sSup>
-                      <m:r>
-                        <a:rPr kumimoji="1" lang="en-US" altLang="ja-JP" sz="1600" b="0" i="1" smtClean="0">
-                          <a:latin typeface="Cambria Math" panose="02040503050406030204" pitchFamily="18" charset="0"/>
-                        </a:rPr>
-                        <m:t>+</m:t>
-                      </m:r>
-                      <m:r>
-                        <a:rPr kumimoji="1" lang="ja-JP" altLang="en-US" sz="1600" b="0" i="1" smtClean="0">
-                          <a:latin typeface="Cambria Math" panose="02040503050406030204" pitchFamily="18" charset="0"/>
-                        </a:rPr>
-                        <m:t>𝜂</m:t>
-                      </m:r>
-                      <m:sSub>
-                        <m:sSubPr>
-                          <m:ctrlPr>
-                            <a:rPr kumimoji="1" lang="en-US" altLang="ja-JP" sz="1600" b="0" i="1" smtClean="0">
-                              <a:latin typeface="Cambria Math" panose="02040503050406030204" pitchFamily="18" charset="0"/>
-                            </a:rPr>
-                          </m:ctrlPr>
-                        </m:sSubPr>
-                        <m:e>
-                          <m:r>
-                            <a:rPr kumimoji="1" lang="en-US" altLang="ja-JP" sz="1600" b="0" i="1" smtClean="0">
-                              <a:latin typeface="Cambria Math" panose="02040503050406030204" pitchFamily="18" charset="0"/>
-                              <a:ea typeface="Cambria Math" panose="02040503050406030204" pitchFamily="18" charset="0"/>
-                            </a:rPr>
-                            <m:t>𝛻</m:t>
-                          </m:r>
-                        </m:e>
-                        <m:sub>
-                          <m:r>
-                            <a:rPr kumimoji="1" lang="ja-JP" altLang="en-US" sz="1600" b="0" i="1" smtClean="0">
-                              <a:latin typeface="Cambria Math" panose="02040503050406030204" pitchFamily="18" charset="0"/>
-                            </a:rPr>
-                            <m:t>𝜃</m:t>
-                          </m:r>
-                        </m:sub>
-                      </m:sSub>
-                      <m:r>
-                        <a:rPr kumimoji="1" lang="en-US" altLang="ja-JP" sz="1600" b="0" i="1" smtClean="0">
-                          <a:latin typeface="Cambria Math" panose="02040503050406030204" pitchFamily="18" charset="0"/>
-                        </a:rPr>
-                        <m:t>𝐿</m:t>
-                      </m:r>
-                      <m:sSub>
-                        <m:sSubPr>
-                          <m:ctrlPr>
-                            <a:rPr kumimoji="1" lang="en-US" altLang="ja-JP" sz="1600" b="0" i="1" smtClean="0">
-                              <a:latin typeface="Cambria Math" panose="02040503050406030204" pitchFamily="18" charset="0"/>
-                            </a:rPr>
-                          </m:ctrlPr>
-                        </m:sSubPr>
-                        <m:e>
-                          <m:r>
-                            <a:rPr kumimoji="1" lang="en-US" altLang="ja-JP" sz="1600" b="0" i="1" smtClean="0">
-                              <a:latin typeface="Cambria Math" panose="02040503050406030204" pitchFamily="18" charset="0"/>
-                            </a:rPr>
-                            <m:t>𝐿</m:t>
-                          </m:r>
-                        </m:e>
-                        <m:sub>
-                          <m:r>
-                            <a:rPr kumimoji="1" lang="en-US" altLang="ja-JP" sz="1600" b="0" i="1" smtClean="0">
-                              <a:latin typeface="Cambria Math" panose="02040503050406030204" pitchFamily="18" charset="0"/>
-                            </a:rPr>
-                            <m:t>𝑇</m:t>
-                          </m:r>
-                        </m:sub>
-                      </m:sSub>
-                      <m:r>
-                        <a:rPr kumimoji="1" lang="en-US" altLang="ja-JP" sz="1600" b="0" i="1" smtClean="0">
-                          <a:latin typeface="Cambria Math" panose="02040503050406030204" pitchFamily="18" charset="0"/>
-                        </a:rPr>
-                        <m:t>(</m:t>
-                      </m:r>
-                      <m:sSup>
-                        <m:sSupPr>
-                          <m:ctrlPr>
-                            <a:rPr kumimoji="1" lang="en-US" altLang="ja-JP" sz="1600" b="0" i="1" smtClean="0">
-                              <a:latin typeface="Cambria Math" panose="02040503050406030204" pitchFamily="18" charset="0"/>
-                            </a:rPr>
-                          </m:ctrlPr>
-                        </m:sSupPr>
-                        <m:e>
-                          <m:r>
-                            <a:rPr kumimoji="1" lang="ja-JP" altLang="en-US" sz="1600" b="0" i="1" smtClean="0">
-                              <a:latin typeface="Cambria Math" panose="02040503050406030204" pitchFamily="18" charset="0"/>
-                            </a:rPr>
-                            <m:t>𝜃</m:t>
-                          </m:r>
-                        </m:e>
-                        <m:sup>
-                          <m:d>
-                            <m:dPr>
-                              <m:ctrlPr>
-                                <a:rPr kumimoji="1" lang="en-US" altLang="ja-JP" sz="1600" b="0" i="1" smtClean="0">
-                                  <a:latin typeface="Cambria Math" panose="02040503050406030204" pitchFamily="18" charset="0"/>
-                                </a:rPr>
-                              </m:ctrlPr>
-                            </m:dPr>
-                            <m:e>
-                              <m:r>
-                                <a:rPr kumimoji="1" lang="en-US" altLang="ja-JP" sz="1600" b="0" i="1" smtClean="0">
-                                  <a:latin typeface="Cambria Math" panose="02040503050406030204" pitchFamily="18" charset="0"/>
-                                </a:rPr>
-                                <m:t>𝑡</m:t>
-                              </m:r>
-                            </m:e>
-                          </m:d>
-                        </m:sup>
-                      </m:sSup>
-                      <m:r>
-                        <a:rPr kumimoji="1" lang="en-US" altLang="ja-JP" sz="1600" b="0" i="1" smtClean="0">
-                          <a:latin typeface="Cambria Math" panose="02040503050406030204" pitchFamily="18" charset="0"/>
-                        </a:rPr>
-                        <m:t>,</m:t>
-                      </m:r>
-                      <m:r>
-                        <a:rPr kumimoji="1" lang="en-US" altLang="ja-JP" sz="1600" b="0" i="1" smtClean="0">
-                          <a:latin typeface="Cambria Math" panose="02040503050406030204" pitchFamily="18" charset="0"/>
-                        </a:rPr>
-                        <m:t>𝑆</m:t>
-                      </m:r>
-                      <m:r>
-                        <a:rPr kumimoji="1" lang="en-US" altLang="ja-JP" sz="1600" b="0" i="1" smtClean="0">
-                          <a:latin typeface="Cambria Math" panose="02040503050406030204" pitchFamily="18" charset="0"/>
-                        </a:rPr>
-                        <m:t>)</m:t>
-                      </m:r>
-                    </m:oMath>
-                  </m:oMathPara>
-                </a14:m>
-                <a:endParaRPr kumimoji="1" lang="ja-JP" altLang="en-US" sz="1600" dirty="0"/>
-              </a:p>
-            </p:txBody>
-          </p:sp>
-        </mc:Choice>
-        <mc:Fallback>
-          <p:sp>
-            <p:nvSpPr>
-              <p:cNvPr id="1025" name="テキスト ボックス 1024"/>
-              <p:cNvSpPr txBox="1">
-                <a:spLocks noRot="1" noChangeAspect="1" noMove="1" noResize="1" noEditPoints="1" noAdjustHandles="1" noChangeArrowheads="1" noChangeShapeType="1" noTextEdit="1"/>
-              </p:cNvSpPr>
-              <p:nvPr/>
-            </p:nvSpPr>
-            <p:spPr>
-              <a:xfrm>
-                <a:off x="566247" y="4999890"/>
-                <a:ext cx="3059043" cy="262892"/>
-              </a:xfrm>
-              <a:prstGeom prst="rect">
-                <a:avLst/>
-              </a:prstGeom>
-              <a:blipFill rotWithShape="0">
-                <a:blip r:embed="rId4"/>
-                <a:stretch>
-                  <a:fillRect l="-996" t="-2326" r="-1394" b="-32558"/>
-                </a:stretch>
-              </a:blipFill>
-            </p:spPr>
-            <p:txBody>
-              <a:bodyPr/>
-              <a:lstStyle/>
-              <a:p>
-                <a:r>
-                  <a:rPr lang="ja-JP" altLang="en-US">
-                    <a:noFill/>
-                  </a:rPr>
-                  <a:t> </a:t>
-                </a:r>
-              </a:p>
-            </p:txBody>
-          </p:sp>
-        </mc:Fallback>
-      </mc:AlternateContent>
-      <mc:AlternateContent xmlns:mc="http://schemas.openxmlformats.org/markup-compatibility/2006">
-        <mc:Choice xmlns:a14="http://schemas.microsoft.com/office/drawing/2010/main" Requires="a14">
-          <p:sp>
-            <p:nvSpPr>
-              <p:cNvPr id="177" name="テキスト ボックス 176"/>
-              <p:cNvSpPr txBox="1"/>
-              <p:nvPr/>
-            </p:nvSpPr>
-            <p:spPr>
-              <a:xfrm>
-                <a:off x="828639" y="5454144"/>
-                <a:ext cx="3590855" cy="282641"/>
-              </a:xfrm>
-              <a:prstGeom prst="rect">
-                <a:avLst/>
-              </a:prstGeom>
-              <a:noFill/>
-            </p:spPr>
-            <p:txBody>
-              <a:bodyPr wrap="none" lIns="0" tIns="0" rIns="0" bIns="0" rtlCol="0">
-                <a:spAutoFit/>
-              </a:bodyPr>
-              <a:lstStyle/>
-              <a:p>
-                <a:pPr/>
-                <a14:m>
-                  <m:oMathPara xmlns:m="http://schemas.openxmlformats.org/officeDocument/2006/math">
-                    <m:oMathParaPr>
-                      <m:jc m:val="centerGroup"/>
-                    </m:oMathParaPr>
-                    <m:oMath xmlns:m="http://schemas.openxmlformats.org/officeDocument/2006/math">
-                      <m:sSub>
-                        <m:sSubPr>
-                          <m:ctrlPr>
-                            <a:rPr kumimoji="1" lang="en-US" altLang="ja-JP" sz="1600" b="0" i="1" smtClean="0">
-                              <a:latin typeface="Cambria Math" panose="02040503050406030204" pitchFamily="18" charset="0"/>
-                            </a:rPr>
-                          </m:ctrlPr>
-                        </m:sSubPr>
-                        <m:e>
-                          <m:r>
-                            <a:rPr kumimoji="1" lang="en-US" altLang="ja-JP" sz="1600" b="0" i="1" smtClean="0">
-                              <a:latin typeface="Cambria Math" panose="02040503050406030204" pitchFamily="18" charset="0"/>
-                            </a:rPr>
-                            <m:t>𝐺</m:t>
-                          </m:r>
-                        </m:e>
-                        <m:sub>
-                          <m:r>
-                            <a:rPr kumimoji="1" lang="ja-JP" altLang="en-US" sz="1600" b="0" i="1" smtClean="0">
-                              <a:latin typeface="Cambria Math" panose="02040503050406030204" pitchFamily="18" charset="0"/>
-                            </a:rPr>
-                            <m:t>𝜃</m:t>
-                          </m:r>
-                        </m:sub>
-                      </m:sSub>
-                      <m:d>
-                        <m:dPr>
-                          <m:ctrlPr>
-                            <a:rPr kumimoji="1" lang="en-US" altLang="ja-JP" sz="1600" b="0" i="1" smtClean="0">
-                              <a:latin typeface="Cambria Math" panose="02040503050406030204" pitchFamily="18" charset="0"/>
-                            </a:rPr>
-                          </m:ctrlPr>
-                        </m:dPr>
-                        <m:e>
-                          <m:r>
-                            <a:rPr kumimoji="1" lang="en-US" altLang="ja-JP" sz="1600" b="0" i="1" smtClean="0">
-                              <a:latin typeface="Cambria Math" panose="02040503050406030204" pitchFamily="18" charset="0"/>
-                            </a:rPr>
-                            <m:t>𝑆</m:t>
-                          </m:r>
-                        </m:e>
-                      </m:d>
-                      <m:r>
-                        <a:rPr kumimoji="1" lang="en-US" altLang="ja-JP" sz="1600" b="0" i="1" smtClean="0">
-                          <a:latin typeface="Cambria Math" panose="02040503050406030204" pitchFamily="18" charset="0"/>
-                        </a:rPr>
-                        <m:t>=</m:t>
-                      </m:r>
-                      <m:sSub>
-                        <m:sSubPr>
-                          <m:ctrlPr>
-                            <a:rPr kumimoji="1" lang="en-US" altLang="ja-JP" sz="1600" b="0" i="1" smtClean="0">
-                              <a:latin typeface="Cambria Math" panose="02040503050406030204" pitchFamily="18" charset="0"/>
-                            </a:rPr>
-                          </m:ctrlPr>
-                        </m:sSubPr>
-                        <m:e>
-                          <m:r>
-                            <a:rPr kumimoji="1" lang="en-US" altLang="ja-JP" sz="1600" b="0" i="1" smtClean="0">
-                              <a:latin typeface="Cambria Math" panose="02040503050406030204" pitchFamily="18" charset="0"/>
-                            </a:rPr>
-                            <m:t>𝐿𝐿</m:t>
-                          </m:r>
-                        </m:e>
-                        <m:sub>
-                          <m:r>
-                            <a:rPr kumimoji="1" lang="en-US" altLang="ja-JP" sz="1600" b="0" i="1" smtClean="0">
-                              <a:latin typeface="Cambria Math" panose="02040503050406030204" pitchFamily="18" charset="0"/>
-                            </a:rPr>
-                            <m:t>𝑉</m:t>
-                          </m:r>
-                        </m:sub>
-                      </m:sSub>
-                      <m:r>
-                        <a:rPr kumimoji="1" lang="en-US" altLang="ja-JP" sz="1600" b="0" i="1" smtClean="0">
-                          <a:latin typeface="Cambria Math" panose="02040503050406030204" pitchFamily="18" charset="0"/>
-                        </a:rPr>
-                        <m:t>(</m:t>
-                      </m:r>
-                      <m:sSup>
-                        <m:sSupPr>
-                          <m:ctrlPr>
-                            <a:rPr kumimoji="1" lang="en-US" altLang="ja-JP" sz="1600" b="0" i="1" smtClean="0">
-                              <a:latin typeface="Cambria Math" panose="02040503050406030204" pitchFamily="18" charset="0"/>
-                            </a:rPr>
-                          </m:ctrlPr>
-                        </m:sSupPr>
-                        <m:e>
-                          <m:r>
-                            <a:rPr kumimoji="1" lang="ja-JP" altLang="en-US" sz="1600" b="0" i="1" smtClean="0">
-                              <a:latin typeface="Cambria Math" panose="02040503050406030204" pitchFamily="18" charset="0"/>
-                            </a:rPr>
-                            <m:t>𝜃</m:t>
-                          </m:r>
-                        </m:e>
-                        <m:sup>
-                          <m:d>
-                            <m:dPr>
-                              <m:ctrlPr>
-                                <a:rPr kumimoji="1" lang="en-US" altLang="ja-JP" sz="1600" b="0" i="1" smtClean="0">
-                                  <a:latin typeface="Cambria Math" panose="02040503050406030204" pitchFamily="18" charset="0"/>
-                                </a:rPr>
-                              </m:ctrlPr>
-                            </m:dPr>
-                            <m:e>
-                              <m:r>
-                                <a:rPr kumimoji="1" lang="en-US" altLang="ja-JP" sz="1600" b="0" i="1" smtClean="0">
-                                  <a:latin typeface="Cambria Math" panose="02040503050406030204" pitchFamily="18" charset="0"/>
-                                </a:rPr>
-                                <m:t>𝑡</m:t>
-                              </m:r>
-                            </m:e>
-                          </m:d>
-                        </m:sup>
-                      </m:sSup>
-                      <m:r>
-                        <a:rPr kumimoji="1" lang="en-US" altLang="ja-JP" sz="1600" b="0" i="1" smtClean="0">
-                          <a:latin typeface="Cambria Math" panose="02040503050406030204" pitchFamily="18" charset="0"/>
-                        </a:rPr>
-                        <m:t>+</m:t>
-                      </m:r>
-                      <m:r>
-                        <a:rPr kumimoji="1" lang="ja-JP" altLang="en-US" sz="1600" b="0" i="1" smtClean="0">
-                          <a:latin typeface="Cambria Math" panose="02040503050406030204" pitchFamily="18" charset="0"/>
-                        </a:rPr>
-                        <m:t>𝜂</m:t>
-                      </m:r>
-                      <m:sSub>
-                        <m:sSubPr>
-                          <m:ctrlPr>
-                            <a:rPr kumimoji="1" lang="en-US" altLang="ja-JP" sz="1600" b="0" i="1" smtClean="0">
-                              <a:latin typeface="Cambria Math" panose="02040503050406030204" pitchFamily="18" charset="0"/>
-                            </a:rPr>
-                          </m:ctrlPr>
-                        </m:sSubPr>
-                        <m:e>
-                          <m:r>
-                            <a:rPr kumimoji="1" lang="en-US" altLang="ja-JP" sz="1600" b="0" i="1" smtClean="0">
-                              <a:latin typeface="Cambria Math" panose="02040503050406030204" pitchFamily="18" charset="0"/>
-                              <a:ea typeface="Cambria Math" panose="02040503050406030204" pitchFamily="18" charset="0"/>
-                            </a:rPr>
-                            <m:t>𝛻</m:t>
-                          </m:r>
-                        </m:e>
-                        <m:sub>
-                          <m:r>
-                            <a:rPr kumimoji="1" lang="ja-JP" altLang="en-US" sz="1600" b="0" i="1" smtClean="0">
-                              <a:latin typeface="Cambria Math" panose="02040503050406030204" pitchFamily="18" charset="0"/>
-                            </a:rPr>
-                            <m:t>𝜃</m:t>
-                          </m:r>
-                        </m:sub>
-                      </m:sSub>
-                      <m:r>
-                        <a:rPr kumimoji="1" lang="en-US" altLang="ja-JP" sz="1600" b="0" i="1" smtClean="0">
-                          <a:latin typeface="Cambria Math" panose="02040503050406030204" pitchFamily="18" charset="0"/>
-                        </a:rPr>
-                        <m:t>𝐿</m:t>
-                      </m:r>
-                      <m:sSub>
-                        <m:sSubPr>
-                          <m:ctrlPr>
-                            <a:rPr kumimoji="1" lang="en-US" altLang="ja-JP" sz="1600" b="0" i="1" smtClean="0">
-                              <a:latin typeface="Cambria Math" panose="02040503050406030204" pitchFamily="18" charset="0"/>
-                            </a:rPr>
-                          </m:ctrlPr>
-                        </m:sSubPr>
-                        <m:e>
-                          <m:r>
-                            <a:rPr kumimoji="1" lang="en-US" altLang="ja-JP" sz="1600" b="0" i="1" smtClean="0">
-                              <a:latin typeface="Cambria Math" panose="02040503050406030204" pitchFamily="18" charset="0"/>
-                            </a:rPr>
-                            <m:t>𝐿</m:t>
-                          </m:r>
-                        </m:e>
-                        <m:sub>
-                          <m:r>
-                            <a:rPr kumimoji="1" lang="en-US" altLang="ja-JP" sz="1600" b="0" i="1" smtClean="0">
-                              <a:latin typeface="Cambria Math" panose="02040503050406030204" pitchFamily="18" charset="0"/>
-                            </a:rPr>
-                            <m:t>𝑇</m:t>
-                          </m:r>
-                        </m:sub>
-                      </m:sSub>
-                      <m:d>
-                        <m:dPr>
-                          <m:ctrlPr>
-                            <a:rPr kumimoji="1" lang="en-US" altLang="ja-JP" sz="1600" b="0" i="1" smtClean="0">
-                              <a:latin typeface="Cambria Math" panose="02040503050406030204" pitchFamily="18" charset="0"/>
-                            </a:rPr>
-                          </m:ctrlPr>
-                        </m:dPr>
-                        <m:e>
-                          <m:sSup>
-                            <m:sSupPr>
-                              <m:ctrlPr>
-                                <a:rPr kumimoji="1" lang="en-US" altLang="ja-JP" sz="1600" b="0" i="1" smtClean="0">
-                                  <a:latin typeface="Cambria Math" panose="02040503050406030204" pitchFamily="18" charset="0"/>
-                                </a:rPr>
-                              </m:ctrlPr>
-                            </m:sSupPr>
-                            <m:e>
-                              <m:r>
-                                <a:rPr kumimoji="1" lang="ja-JP" altLang="en-US" sz="1600" b="0" i="1" smtClean="0">
-                                  <a:latin typeface="Cambria Math" panose="02040503050406030204" pitchFamily="18" charset="0"/>
-                                </a:rPr>
-                                <m:t>𝜃</m:t>
-                              </m:r>
-                            </m:e>
-                            <m:sup>
-                              <m:d>
-                                <m:dPr>
-                                  <m:ctrlPr>
-                                    <a:rPr kumimoji="1" lang="en-US" altLang="ja-JP" sz="1600" b="0" i="1" smtClean="0">
-                                      <a:latin typeface="Cambria Math" panose="02040503050406030204" pitchFamily="18" charset="0"/>
-                                    </a:rPr>
-                                  </m:ctrlPr>
-                                </m:dPr>
-                                <m:e>
-                                  <m:r>
-                                    <a:rPr kumimoji="1" lang="en-US" altLang="ja-JP" sz="1600" b="0" i="1" smtClean="0">
-                                      <a:latin typeface="Cambria Math" panose="02040503050406030204" pitchFamily="18" charset="0"/>
-                                    </a:rPr>
-                                    <m:t>𝑡</m:t>
-                                  </m:r>
-                                </m:e>
-                              </m:d>
-                            </m:sup>
-                          </m:sSup>
-                          <m:r>
-                            <a:rPr kumimoji="1" lang="en-US" altLang="ja-JP" sz="1600" b="0" i="1" smtClean="0">
-                              <a:latin typeface="Cambria Math" panose="02040503050406030204" pitchFamily="18" charset="0"/>
-                            </a:rPr>
-                            <m:t>,</m:t>
-                          </m:r>
-                          <m:r>
-                            <a:rPr kumimoji="1" lang="en-US" altLang="ja-JP" sz="1600" b="0" i="1" smtClean="0">
-                              <a:latin typeface="Cambria Math" panose="02040503050406030204" pitchFamily="18" charset="0"/>
-                            </a:rPr>
-                            <m:t>𝑆</m:t>
-                          </m:r>
-                        </m:e>
-                      </m:d>
-                      <m:r>
-                        <a:rPr kumimoji="1" lang="en-US" altLang="ja-JP" sz="1600" b="0" i="1" smtClean="0">
-                          <a:latin typeface="Cambria Math" panose="02040503050406030204" pitchFamily="18" charset="0"/>
-                        </a:rPr>
-                        <m:t>,</m:t>
-                      </m:r>
-                      <m:r>
-                        <a:rPr kumimoji="1" lang="ja-JP" altLang="en-US" sz="1600" b="0" i="1" smtClean="0">
-                          <a:latin typeface="Cambria Math" panose="02040503050406030204" pitchFamily="18" charset="0"/>
-                        </a:rPr>
-                        <m:t>𝒱</m:t>
-                      </m:r>
-                      <m:r>
-                        <a:rPr kumimoji="1" lang="en-US" altLang="ja-JP" sz="1600" b="0" i="1" smtClean="0">
-                          <a:latin typeface="Cambria Math" panose="02040503050406030204" pitchFamily="18" charset="0"/>
-                        </a:rPr>
-                        <m:t>)  </m:t>
-                      </m:r>
-                    </m:oMath>
-                  </m:oMathPara>
-                </a14:m>
-                <a:endParaRPr kumimoji="1" lang="ja-JP" altLang="en-US" sz="1600" dirty="0"/>
-              </a:p>
-            </p:txBody>
-          </p:sp>
-        </mc:Choice>
-        <mc:Fallback>
-          <p:sp>
-            <p:nvSpPr>
-              <p:cNvPr id="177" name="テキスト ボックス 176"/>
-              <p:cNvSpPr txBox="1">
-                <a:spLocks noRot="1" noChangeAspect="1" noMove="1" noResize="1" noEditPoints="1" noAdjustHandles="1" noChangeArrowheads="1" noChangeShapeType="1" noTextEdit="1"/>
-              </p:cNvSpPr>
-              <p:nvPr/>
-            </p:nvSpPr>
-            <p:spPr>
-              <a:xfrm>
-                <a:off x="828639" y="5454144"/>
-                <a:ext cx="3590855" cy="282641"/>
-              </a:xfrm>
-              <a:prstGeom prst="rect">
-                <a:avLst/>
-              </a:prstGeom>
-              <a:blipFill rotWithShape="0">
-                <a:blip r:embed="rId5"/>
-                <a:stretch>
-                  <a:fillRect l="-679" b="-23913"/>
-                </a:stretch>
-              </a:blipFill>
-            </p:spPr>
-            <p:txBody>
-              <a:bodyPr/>
-              <a:lstStyle/>
-              <a:p>
-                <a:r>
-                  <a:rPr lang="ja-JP" altLang="en-US">
-                    <a:noFill/>
-                  </a:rPr>
-                  <a:t> </a:t>
-                </a:r>
-              </a:p>
-            </p:txBody>
-          </p:sp>
-        </mc:Fallback>
-      </mc:AlternateContent>
-      <mc:AlternateContent xmlns:mc="http://schemas.openxmlformats.org/markup-compatibility/2006">
-        <mc:Choice xmlns:a14="http://schemas.microsoft.com/office/drawing/2010/main" Requires="a14">
-          <p:sp>
-            <p:nvSpPr>
-              <p:cNvPr id="178" name="テキスト ボックス 177"/>
-              <p:cNvSpPr txBox="1"/>
-              <p:nvPr/>
-            </p:nvSpPr>
-            <p:spPr>
-              <a:xfrm>
-                <a:off x="678106" y="5996328"/>
-                <a:ext cx="2835327" cy="514180"/>
-              </a:xfrm>
-              <a:prstGeom prst="rect">
-                <a:avLst/>
-              </a:prstGeom>
-              <a:noFill/>
-            </p:spPr>
-            <p:txBody>
-              <a:bodyPr wrap="none" lIns="0" tIns="0" rIns="0" bIns="0" rtlCol="0">
-                <a:spAutoFit/>
-              </a:bodyPr>
-              <a:lstStyle/>
-              <a:p>
-                <a:pPr/>
-                <a14:m>
-                  <m:oMathPara xmlns:m="http://schemas.openxmlformats.org/officeDocument/2006/math">
-                    <m:oMathParaPr>
-                      <m:jc m:val="centerGroup"/>
-                    </m:oMathParaPr>
-                    <m:oMath xmlns:m="http://schemas.openxmlformats.org/officeDocument/2006/math">
-                      <m:func>
-                        <m:funcPr>
-                          <m:ctrlPr>
-                            <a:rPr kumimoji="1" lang="en-US" altLang="ja-JP" sz="2000" i="1" smtClean="0">
-                              <a:solidFill>
-                                <a:schemeClr val="accent2">
-                                  <a:lumMod val="75000"/>
-                                </a:schemeClr>
-                              </a:solidFill>
-                              <a:latin typeface="Cambria Math" panose="02040503050406030204" pitchFamily="18" charset="0"/>
-                            </a:rPr>
-                          </m:ctrlPr>
-                        </m:funcPr>
-                        <m:fName>
-                          <m:sSup>
-                            <m:sSupPr>
-                              <m:ctrlPr>
-                                <a:rPr kumimoji="1" lang="en-US" altLang="ja-JP" sz="2000" i="1" smtClean="0">
-                                  <a:solidFill>
-                                    <a:schemeClr val="accent2">
-                                      <a:lumMod val="75000"/>
-                                    </a:schemeClr>
-                                  </a:solidFill>
-                                  <a:latin typeface="Cambria Math" panose="02040503050406030204" pitchFamily="18" charset="0"/>
-                                </a:rPr>
-                              </m:ctrlPr>
-                            </m:sSupPr>
-                            <m:e>
-                              <m:r>
-                                <a:rPr kumimoji="1" lang="en-US" altLang="ja-JP" sz="2000" b="0" i="1" smtClean="0">
-                                  <a:solidFill>
-                                    <a:schemeClr val="accent2">
-                                      <a:lumMod val="75000"/>
-                                    </a:schemeClr>
-                                  </a:solidFill>
-                                  <a:latin typeface="Cambria Math" panose="02040503050406030204" pitchFamily="18" charset="0"/>
-                                </a:rPr>
-                                <m:t>𝑆</m:t>
-                              </m:r>
-                            </m:e>
-                            <m:sup>
-                              <m:r>
-                                <a:rPr kumimoji="1" lang="en-US" altLang="ja-JP" sz="2000" b="0" i="1" smtClean="0">
-                                  <a:solidFill>
-                                    <a:schemeClr val="accent2">
-                                      <a:lumMod val="75000"/>
-                                    </a:schemeClr>
-                                  </a:solidFill>
-                                  <a:latin typeface="Cambria Math" panose="02040503050406030204" pitchFamily="18" charset="0"/>
-                                </a:rPr>
-                                <m:t>(</m:t>
-                              </m:r>
-                              <m:r>
-                                <a:rPr kumimoji="1" lang="en-US" altLang="ja-JP" sz="2000" b="0" i="1" smtClean="0">
-                                  <a:solidFill>
-                                    <a:schemeClr val="accent2">
-                                      <a:lumMod val="75000"/>
-                                    </a:schemeClr>
-                                  </a:solidFill>
-                                  <a:latin typeface="Cambria Math" panose="02040503050406030204" pitchFamily="18" charset="0"/>
-                                </a:rPr>
-                                <m:t>𝑡</m:t>
-                              </m:r>
-                              <m:r>
-                                <a:rPr kumimoji="1" lang="en-US" altLang="ja-JP" sz="2000" b="0" i="1" smtClean="0">
-                                  <a:solidFill>
-                                    <a:schemeClr val="accent2">
-                                      <a:lumMod val="75000"/>
-                                    </a:schemeClr>
-                                  </a:solidFill>
-                                  <a:latin typeface="Cambria Math" panose="02040503050406030204" pitchFamily="18" charset="0"/>
-                                </a:rPr>
-                                <m:t>+1)</m:t>
-                              </m:r>
-                            </m:sup>
-                          </m:sSup>
-                          <m:r>
-                            <a:rPr kumimoji="1" lang="en-US" altLang="ja-JP" sz="2000" b="0" i="1" smtClean="0">
-                              <a:solidFill>
-                                <a:schemeClr val="accent2">
-                                  <a:lumMod val="75000"/>
-                                </a:schemeClr>
-                              </a:solidFill>
-                              <a:latin typeface="Cambria Math" panose="02040503050406030204" pitchFamily="18" charset="0"/>
-                            </a:rPr>
-                            <m:t>=</m:t>
-                          </m:r>
-                          <m:limLow>
-                            <m:limLowPr>
-                              <m:ctrlPr>
-                                <a:rPr kumimoji="1" lang="en-US" altLang="ja-JP" sz="2000" i="1" smtClean="0">
-                                  <a:solidFill>
-                                    <a:schemeClr val="accent2">
-                                      <a:lumMod val="75000"/>
-                                    </a:schemeClr>
-                                  </a:solidFill>
-                                  <a:latin typeface="Cambria Math" panose="02040503050406030204" pitchFamily="18" charset="0"/>
-                                </a:rPr>
-                              </m:ctrlPr>
-                            </m:limLowPr>
-                            <m:e>
-                              <m:r>
-                                <m:rPr>
-                                  <m:sty m:val="p"/>
-                                </m:rPr>
-                                <a:rPr kumimoji="1" lang="en-US" altLang="ja-JP" sz="2000" b="0" i="0" smtClean="0">
-                                  <a:solidFill>
-                                    <a:schemeClr val="accent2">
-                                      <a:lumMod val="75000"/>
-                                    </a:schemeClr>
-                                  </a:solidFill>
-                                  <a:latin typeface="Cambria Math" panose="02040503050406030204" pitchFamily="18" charset="0"/>
-                                </a:rPr>
-                                <m:t>arg</m:t>
-                              </m:r>
-                              <m:r>
-                                <m:rPr>
-                                  <m:sty m:val="p"/>
-                                </m:rPr>
-                                <a:rPr kumimoji="1" lang="en-US" altLang="ja-JP" sz="2000" i="0" smtClean="0">
-                                  <a:solidFill>
-                                    <a:schemeClr val="accent2">
-                                      <a:lumMod val="75000"/>
-                                    </a:schemeClr>
-                                  </a:solidFill>
-                                  <a:latin typeface="Cambria Math" panose="02040503050406030204" pitchFamily="18" charset="0"/>
-                                </a:rPr>
-                                <m:t>m</m:t>
-                              </m:r>
-                              <m:r>
-                                <a:rPr kumimoji="1" lang="en-US" altLang="ja-JP" sz="2000" b="0" i="1" smtClean="0">
-                                  <a:solidFill>
-                                    <a:schemeClr val="accent2">
-                                      <a:lumMod val="75000"/>
-                                    </a:schemeClr>
-                                  </a:solidFill>
-                                  <a:latin typeface="Cambria Math" panose="02040503050406030204" pitchFamily="18" charset="0"/>
-                                </a:rPr>
-                                <m:t>𝑎𝑥</m:t>
-                              </m:r>
-                            </m:e>
-                            <m:lim>
-                              <m:r>
-                                <a:rPr kumimoji="1" lang="en-US" altLang="ja-JP" sz="2000" b="0" i="1" smtClean="0">
-                                  <a:solidFill>
-                                    <a:schemeClr val="accent2">
-                                      <a:lumMod val="75000"/>
-                                    </a:schemeClr>
-                                  </a:solidFill>
-                                  <a:latin typeface="Cambria Math" panose="02040503050406030204" pitchFamily="18" charset="0"/>
-                                </a:rPr>
-                                <m:t>𝑆</m:t>
-                              </m:r>
-                              <m:r>
-                                <a:rPr kumimoji="1" lang="en-US" altLang="ja-JP" sz="2000" b="0" i="1" smtClean="0">
-                                  <a:solidFill>
-                                    <a:schemeClr val="accent2">
-                                      <a:lumMod val="75000"/>
-                                    </a:schemeClr>
-                                  </a:solidFill>
-                                  <a:latin typeface="Cambria Math" panose="02040503050406030204" pitchFamily="18" charset="0"/>
-                                  <a:ea typeface="Cambria Math" panose="02040503050406030204" pitchFamily="18" charset="0"/>
-                                </a:rPr>
-                                <m:t>⊆</m:t>
-                              </m:r>
-                              <m:r>
-                                <a:rPr kumimoji="1" lang="ja-JP" altLang="en-US" sz="2000" b="0" i="1" smtClean="0">
-                                  <a:solidFill>
-                                    <a:schemeClr val="accent2">
-                                      <a:lumMod val="75000"/>
-                                    </a:schemeClr>
-                                  </a:solidFill>
-                                  <a:latin typeface="Cambria Math" panose="02040503050406030204" pitchFamily="18" charset="0"/>
-                                  <a:ea typeface="Cambria Math" panose="02040503050406030204" pitchFamily="18" charset="0"/>
-                                </a:rPr>
-                                <m:t>𝒰</m:t>
-                              </m:r>
-                              <m:r>
-                                <a:rPr kumimoji="1" lang="en-US" altLang="ja-JP" sz="2000" b="0" i="1" smtClean="0">
-                                  <a:solidFill>
-                                    <a:schemeClr val="accent2">
-                                      <a:lumMod val="75000"/>
-                                    </a:schemeClr>
-                                  </a:solidFill>
-                                  <a:latin typeface="Cambria Math" panose="02040503050406030204" pitchFamily="18" charset="0"/>
-                                  <a:ea typeface="Cambria Math" panose="02040503050406030204" pitchFamily="18" charset="0"/>
-                                </a:rPr>
-                                <m:t>, |</m:t>
-                              </m:r>
-                              <m:r>
-                                <a:rPr kumimoji="1" lang="en-US" altLang="ja-JP" sz="2000" b="0" i="1" smtClean="0">
-                                  <a:solidFill>
-                                    <a:schemeClr val="accent2">
-                                      <a:lumMod val="75000"/>
-                                    </a:schemeClr>
-                                  </a:solidFill>
-                                  <a:latin typeface="Cambria Math" panose="02040503050406030204" pitchFamily="18" charset="0"/>
-                                  <a:ea typeface="Cambria Math" panose="02040503050406030204" pitchFamily="18" charset="0"/>
-                                </a:rPr>
-                                <m:t>𝑆</m:t>
-                              </m:r>
-                              <m:r>
-                                <a:rPr kumimoji="1" lang="en-US" altLang="ja-JP" sz="2000" b="0" i="1" smtClean="0">
-                                  <a:solidFill>
-                                    <a:schemeClr val="accent2">
-                                      <a:lumMod val="75000"/>
-                                    </a:schemeClr>
-                                  </a:solidFill>
-                                  <a:latin typeface="Cambria Math" panose="02040503050406030204" pitchFamily="18" charset="0"/>
-                                  <a:ea typeface="Cambria Math" panose="02040503050406030204" pitchFamily="18" charset="0"/>
-                                </a:rPr>
-                                <m:t>|≤</m:t>
-                              </m:r>
-                              <m:r>
-                                <a:rPr kumimoji="1" lang="en-US" altLang="ja-JP" sz="2000" b="0" i="1" smtClean="0">
-                                  <a:solidFill>
-                                    <a:schemeClr val="accent2">
-                                      <a:lumMod val="75000"/>
-                                    </a:schemeClr>
-                                  </a:solidFill>
-                                  <a:latin typeface="Cambria Math" panose="02040503050406030204" pitchFamily="18" charset="0"/>
-                                  <a:ea typeface="Cambria Math" panose="02040503050406030204" pitchFamily="18" charset="0"/>
-                                </a:rPr>
-                                <m:t>𝑘</m:t>
-                              </m:r>
-                            </m:lim>
-                          </m:limLow>
-                        </m:fName>
-                        <m:e>
-                          <m:sSub>
-                            <m:sSubPr>
-                              <m:ctrlPr>
-                                <a:rPr kumimoji="1" lang="en-US" altLang="ja-JP" sz="2000" b="0" i="1" smtClean="0">
-                                  <a:solidFill>
-                                    <a:schemeClr val="accent2">
-                                      <a:lumMod val="75000"/>
-                                    </a:schemeClr>
-                                  </a:solidFill>
-                                  <a:latin typeface="Cambria Math" panose="02040503050406030204" pitchFamily="18" charset="0"/>
-                                </a:rPr>
-                              </m:ctrlPr>
-                            </m:sSubPr>
-                            <m:e>
-                              <m:r>
-                                <a:rPr kumimoji="1" lang="en-US" altLang="ja-JP" sz="2000" b="0" i="1" smtClean="0">
-                                  <a:solidFill>
-                                    <a:schemeClr val="accent2">
-                                      <a:lumMod val="75000"/>
-                                    </a:schemeClr>
-                                  </a:solidFill>
-                                  <a:latin typeface="Cambria Math" panose="02040503050406030204" pitchFamily="18" charset="0"/>
-                                </a:rPr>
-                                <m:t>𝐺</m:t>
-                              </m:r>
-                            </m:e>
-                            <m:sub>
-                              <m:sSup>
-                                <m:sSupPr>
-                                  <m:ctrlPr>
-                                    <a:rPr kumimoji="1" lang="en-US" altLang="ja-JP" sz="2000" b="0" i="1" smtClean="0">
-                                      <a:solidFill>
-                                        <a:schemeClr val="accent2">
-                                          <a:lumMod val="75000"/>
-                                        </a:schemeClr>
-                                      </a:solidFill>
-                                      <a:latin typeface="Cambria Math" panose="02040503050406030204" pitchFamily="18" charset="0"/>
-                                    </a:rPr>
-                                  </m:ctrlPr>
-                                </m:sSupPr>
-                                <m:e>
-                                  <m:r>
-                                    <a:rPr kumimoji="1" lang="ja-JP" altLang="en-US" sz="2000" b="0" i="1" smtClean="0">
-                                      <a:solidFill>
-                                        <a:schemeClr val="accent2">
-                                          <a:lumMod val="75000"/>
-                                        </a:schemeClr>
-                                      </a:solidFill>
-                                      <a:latin typeface="Cambria Math" panose="02040503050406030204" pitchFamily="18" charset="0"/>
-                                    </a:rPr>
-                                    <m:t>𝜃</m:t>
-                                  </m:r>
-                                </m:e>
-                                <m:sup>
-                                  <m:d>
-                                    <m:dPr>
-                                      <m:ctrlPr>
-                                        <a:rPr kumimoji="1" lang="en-US" altLang="ja-JP" sz="2000" b="0" i="1" smtClean="0">
-                                          <a:solidFill>
-                                            <a:schemeClr val="accent2">
-                                              <a:lumMod val="75000"/>
-                                            </a:schemeClr>
-                                          </a:solidFill>
-                                          <a:latin typeface="Cambria Math" panose="02040503050406030204" pitchFamily="18" charset="0"/>
-                                        </a:rPr>
-                                      </m:ctrlPr>
-                                    </m:dPr>
-                                    <m:e>
-                                      <m:r>
-                                        <a:rPr kumimoji="1" lang="en-US" altLang="ja-JP" sz="2000" b="0" i="1" smtClean="0">
-                                          <a:solidFill>
-                                            <a:schemeClr val="accent2">
-                                              <a:lumMod val="75000"/>
-                                            </a:schemeClr>
-                                          </a:solidFill>
-                                          <a:latin typeface="Cambria Math" panose="02040503050406030204" pitchFamily="18" charset="0"/>
-                                        </a:rPr>
-                                        <m:t>𝑡</m:t>
-                                      </m:r>
-                                    </m:e>
-                                  </m:d>
-                                </m:sup>
-                              </m:sSup>
-                            </m:sub>
-                          </m:sSub>
-                          <m:r>
-                            <a:rPr kumimoji="1" lang="en-US" altLang="ja-JP" sz="2000" b="0" i="1" smtClean="0">
-                              <a:solidFill>
-                                <a:schemeClr val="accent2">
-                                  <a:lumMod val="75000"/>
-                                </a:schemeClr>
-                              </a:solidFill>
-                              <a:latin typeface="Cambria Math" panose="02040503050406030204" pitchFamily="18" charset="0"/>
-                            </a:rPr>
-                            <m:t>(</m:t>
-                          </m:r>
-                          <m:r>
-                            <a:rPr kumimoji="1" lang="en-US" altLang="ja-JP" sz="2000" b="0" i="1" smtClean="0">
-                              <a:solidFill>
-                                <a:schemeClr val="accent2">
-                                  <a:lumMod val="75000"/>
-                                </a:schemeClr>
-                              </a:solidFill>
-                              <a:latin typeface="Cambria Math" panose="02040503050406030204" pitchFamily="18" charset="0"/>
-                            </a:rPr>
-                            <m:t>𝑆</m:t>
-                          </m:r>
-                          <m:r>
-                            <a:rPr kumimoji="1" lang="en-US" altLang="ja-JP" sz="2000" b="0" i="1" smtClean="0">
-                              <a:solidFill>
-                                <a:schemeClr val="accent2">
-                                  <a:lumMod val="75000"/>
-                                </a:schemeClr>
-                              </a:solidFill>
-                              <a:latin typeface="Cambria Math" panose="02040503050406030204" pitchFamily="18" charset="0"/>
-                            </a:rPr>
-                            <m:t>)</m:t>
-                          </m:r>
-                        </m:e>
-                      </m:func>
-                    </m:oMath>
-                  </m:oMathPara>
-                </a14:m>
-                <a:endParaRPr kumimoji="1" lang="ja-JP" altLang="en-US" sz="2000" dirty="0">
-                  <a:solidFill>
-                    <a:schemeClr val="accent2">
-                      <a:lumMod val="75000"/>
-                    </a:schemeClr>
-                  </a:solidFill>
-                </a:endParaRPr>
-              </a:p>
-            </p:txBody>
-          </p:sp>
-        </mc:Choice>
-        <mc:Fallback>
-          <p:sp>
-            <p:nvSpPr>
-              <p:cNvPr id="178" name="テキスト ボックス 177"/>
-              <p:cNvSpPr txBox="1">
-                <a:spLocks noRot="1" noChangeAspect="1" noMove="1" noResize="1" noEditPoints="1" noAdjustHandles="1" noChangeArrowheads="1" noChangeShapeType="1" noTextEdit="1"/>
-              </p:cNvSpPr>
-              <p:nvPr/>
-            </p:nvSpPr>
-            <p:spPr>
-              <a:xfrm>
-                <a:off x="678106" y="5996328"/>
-                <a:ext cx="2835327" cy="514180"/>
-              </a:xfrm>
-              <a:prstGeom prst="rect">
-                <a:avLst/>
-              </a:prstGeom>
-              <a:blipFill rotWithShape="0">
-                <a:blip r:embed="rId6"/>
-                <a:stretch>
-                  <a:fillRect l="-1505" t="-2381" r="-2796" b="-17857"/>
-                </a:stretch>
-              </a:blipFill>
-            </p:spPr>
-            <p:txBody>
-              <a:bodyPr/>
-              <a:lstStyle/>
-              <a:p>
-                <a:r>
-                  <a:rPr lang="ja-JP" altLang="en-US">
-                    <a:noFill/>
-                  </a:rPr>
-                  <a:t> </a:t>
-                </a:r>
-              </a:p>
-            </p:txBody>
-          </p:sp>
-        </mc:Fallback>
-      </mc:AlternateContent>
-      <mc:AlternateContent xmlns:mc="http://schemas.openxmlformats.org/markup-compatibility/2006" xmlns:a14="http://schemas.microsoft.com/office/drawing/2010/main">
-        <mc:Choice Requires="a14">
-          <p:sp>
-            <p:nvSpPr>
-              <p:cNvPr id="179" name="テキスト ボックス 178"/>
-              <p:cNvSpPr txBox="1"/>
-              <p:nvPr/>
-            </p:nvSpPr>
-            <p:spPr>
-              <a:xfrm>
-                <a:off x="4658875" y="3793041"/>
-                <a:ext cx="4339458" cy="1109278"/>
-              </a:xfrm>
-              <a:prstGeom prst="rect">
-                <a:avLst/>
-              </a:prstGeom>
-              <a:noFill/>
-            </p:spPr>
-            <p:txBody>
-              <a:bodyPr wrap="square" lIns="0" tIns="0" rIns="0" bIns="0" rtlCol="0">
-                <a:spAutoFit/>
-              </a:bodyPr>
-              <a:lstStyle/>
-              <a:p>
-                <a:pPr>
-                  <a:lnSpc>
-                    <a:spcPct val="150000"/>
-                  </a:lnSpc>
-                </a:pPr>
-                <a14:m>
-                  <m:oMathPara xmlns:m="http://schemas.openxmlformats.org/officeDocument/2006/math">
-                    <m:oMathParaPr>
-                      <m:jc m:val="centerGroup"/>
-                    </m:oMathParaPr>
-                    <m:oMath xmlns:m="http://schemas.openxmlformats.org/officeDocument/2006/math">
-                      <m:sSub>
-                        <m:sSubPr>
-                          <m:ctrlPr>
-                            <a:rPr kumimoji="1" lang="en-US" altLang="ja-JP" sz="1600" b="0" i="1" smtClean="0">
-                              <a:latin typeface="Cambria Math" panose="02040503050406030204" pitchFamily="18" charset="0"/>
-                            </a:rPr>
-                          </m:ctrlPr>
-                        </m:sSubPr>
-                        <m:e>
-                          <m:r>
-                            <a:rPr kumimoji="1" lang="en-US" altLang="ja-JP" sz="1600" b="0" i="1" smtClean="0">
-                              <a:latin typeface="Cambria Math" panose="02040503050406030204" pitchFamily="18" charset="0"/>
-                            </a:rPr>
-                            <m:t>𝐺</m:t>
-                          </m:r>
-                        </m:e>
-                        <m:sub>
-                          <m:r>
-                            <a:rPr kumimoji="1" lang="ja-JP" altLang="en-US" sz="1600" b="0" i="1" smtClean="0">
-                              <a:latin typeface="Cambria Math" panose="02040503050406030204" pitchFamily="18" charset="0"/>
-                            </a:rPr>
-                            <m:t>𝜃</m:t>
-                          </m:r>
-                        </m:sub>
-                      </m:sSub>
-                      <m:d>
-                        <m:dPr>
-                          <m:ctrlPr>
-                            <a:rPr kumimoji="1" lang="en-US" altLang="ja-JP" sz="1600" b="0" i="1" smtClean="0">
-                              <a:latin typeface="Cambria Math" panose="02040503050406030204" pitchFamily="18" charset="0"/>
-                            </a:rPr>
-                          </m:ctrlPr>
-                        </m:dPr>
-                        <m:e>
-                          <m:r>
-                            <a:rPr kumimoji="1" lang="en-US" altLang="ja-JP" sz="1600" b="0" i="1" smtClean="0">
-                              <a:latin typeface="Cambria Math" panose="02040503050406030204" pitchFamily="18" charset="0"/>
-                            </a:rPr>
-                            <m:t>𝑆</m:t>
-                          </m:r>
-                          <m:r>
-                            <a:rPr kumimoji="1" lang="en-US" altLang="ja-JP" sz="1600" b="0" i="1" smtClean="0">
-                              <a:latin typeface="Cambria Math" panose="02040503050406030204" pitchFamily="18" charset="0"/>
-                              <a:ea typeface="Cambria Math" panose="02040503050406030204" pitchFamily="18" charset="0"/>
-                            </a:rPr>
-                            <m:t>∪</m:t>
-                          </m:r>
-                          <m:r>
-                            <a:rPr kumimoji="1" lang="en-US" altLang="ja-JP" sz="1600" b="0" i="1" smtClean="0">
-                              <a:latin typeface="Cambria Math" panose="02040503050406030204" pitchFamily="18" charset="0"/>
-                              <a:ea typeface="Cambria Math" panose="02040503050406030204" pitchFamily="18" charset="0"/>
-                            </a:rPr>
-                            <m:t>𝑒</m:t>
-                          </m:r>
-                        </m:e>
-                      </m:d>
-                    </m:oMath>
-                    <m:oMath xmlns:m="http://schemas.openxmlformats.org/officeDocument/2006/math">
-                      <m:r>
-                        <a:rPr kumimoji="1" lang="en-US" altLang="ja-JP" sz="1600" b="0" i="1" smtClean="0">
-                          <a:latin typeface="Cambria Math" panose="02040503050406030204" pitchFamily="18" charset="0"/>
-                        </a:rPr>
-                        <m:t>=</m:t>
-                      </m:r>
-                      <m:sSub>
-                        <m:sSubPr>
-                          <m:ctrlPr>
-                            <a:rPr kumimoji="1" lang="en-US" altLang="ja-JP" sz="1600" b="0" i="1" smtClean="0">
-                              <a:latin typeface="Cambria Math" panose="02040503050406030204" pitchFamily="18" charset="0"/>
-                            </a:rPr>
-                          </m:ctrlPr>
-                        </m:sSubPr>
-                        <m:e>
-                          <m:r>
-                            <a:rPr kumimoji="1" lang="en-US" altLang="ja-JP" sz="1600" b="0" i="1" smtClean="0">
-                              <a:latin typeface="Cambria Math" panose="02040503050406030204" pitchFamily="18" charset="0"/>
-                            </a:rPr>
-                            <m:t>𝐿𝐿</m:t>
-                          </m:r>
-                        </m:e>
-                        <m:sub>
-                          <m:r>
-                            <a:rPr kumimoji="1" lang="en-US" altLang="ja-JP" sz="1600" b="0" i="1" smtClean="0">
-                              <a:latin typeface="Cambria Math" panose="02040503050406030204" pitchFamily="18" charset="0"/>
-                            </a:rPr>
-                            <m:t>𝑉</m:t>
-                          </m:r>
-                        </m:sub>
-                      </m:sSub>
-                      <m:d>
-                        <m:dPr>
-                          <m:ctrlPr>
-                            <a:rPr kumimoji="1" lang="en-US" altLang="ja-JP" sz="1600" b="0" i="1" smtClean="0">
-                              <a:latin typeface="Cambria Math" panose="02040503050406030204" pitchFamily="18" charset="0"/>
-                            </a:rPr>
-                          </m:ctrlPr>
-                        </m:dPr>
-                        <m:e>
-                          <m:r>
-                            <a:rPr kumimoji="1" lang="ja-JP" altLang="en-US" sz="1600" b="0" i="1" smtClean="0">
-                              <a:latin typeface="Cambria Math" panose="02040503050406030204" pitchFamily="18" charset="0"/>
-                            </a:rPr>
-                            <m:t>𝜃</m:t>
-                          </m:r>
-                          <m:r>
-                            <a:rPr kumimoji="1" lang="en-US" altLang="ja-JP" sz="1600" b="0" i="1" smtClean="0">
-                              <a:latin typeface="Cambria Math" panose="02040503050406030204" pitchFamily="18" charset="0"/>
-                            </a:rPr>
-                            <m:t>+</m:t>
-                          </m:r>
-                          <m:r>
-                            <a:rPr kumimoji="1" lang="ja-JP" altLang="en-US" sz="1600" b="0" i="1" smtClean="0">
-                              <a:latin typeface="Cambria Math" panose="02040503050406030204" pitchFamily="18" charset="0"/>
-                            </a:rPr>
-                            <m:t>𝜂</m:t>
-                          </m:r>
-                          <m:sSub>
-                            <m:sSubPr>
-                              <m:ctrlPr>
-                                <a:rPr kumimoji="1" lang="en-US" altLang="ja-JP" sz="1600" b="0" i="1" smtClean="0">
-                                  <a:latin typeface="Cambria Math" panose="02040503050406030204" pitchFamily="18" charset="0"/>
-                                </a:rPr>
-                              </m:ctrlPr>
-                            </m:sSubPr>
-                            <m:e>
-                              <m:r>
-                                <a:rPr kumimoji="1" lang="en-US" altLang="ja-JP" sz="1600" b="0" i="1" smtClean="0">
-                                  <a:latin typeface="Cambria Math" panose="02040503050406030204" pitchFamily="18" charset="0"/>
-                                  <a:ea typeface="Cambria Math" panose="02040503050406030204" pitchFamily="18" charset="0"/>
-                                </a:rPr>
-                                <m:t>𝛻</m:t>
-                              </m:r>
-                            </m:e>
-                            <m:sub>
-                              <m:r>
-                                <a:rPr kumimoji="1" lang="ja-JP" altLang="en-US" sz="1600" b="0" i="1" smtClean="0">
-                                  <a:latin typeface="Cambria Math" panose="02040503050406030204" pitchFamily="18" charset="0"/>
-                                </a:rPr>
-                                <m:t>𝜃</m:t>
-                              </m:r>
-                            </m:sub>
-                          </m:sSub>
-                          <m:r>
-                            <a:rPr kumimoji="1" lang="en-US" altLang="ja-JP" sz="1600" b="0" i="1" smtClean="0">
-                              <a:latin typeface="Cambria Math" panose="02040503050406030204" pitchFamily="18" charset="0"/>
-                            </a:rPr>
-                            <m:t>𝐿</m:t>
-                          </m:r>
-                          <m:sSub>
-                            <m:sSubPr>
-                              <m:ctrlPr>
-                                <a:rPr kumimoji="1" lang="en-US" altLang="ja-JP" sz="1600" b="0" i="1" smtClean="0">
-                                  <a:latin typeface="Cambria Math" panose="02040503050406030204" pitchFamily="18" charset="0"/>
-                                </a:rPr>
-                              </m:ctrlPr>
-                            </m:sSubPr>
-                            <m:e>
-                              <m:r>
-                                <a:rPr kumimoji="1" lang="en-US" altLang="ja-JP" sz="1600" b="0" i="1" smtClean="0">
-                                  <a:latin typeface="Cambria Math" panose="02040503050406030204" pitchFamily="18" charset="0"/>
-                                </a:rPr>
-                                <m:t>𝐿</m:t>
-                              </m:r>
-                            </m:e>
-                            <m:sub>
-                              <m:r>
-                                <a:rPr kumimoji="1" lang="en-US" altLang="ja-JP" sz="1600" b="0" i="1" smtClean="0">
-                                  <a:latin typeface="Cambria Math" panose="02040503050406030204" pitchFamily="18" charset="0"/>
-                                </a:rPr>
-                                <m:t>𝑇</m:t>
-                              </m:r>
-                            </m:sub>
-                          </m:sSub>
-                          <m:d>
-                            <m:dPr>
-                              <m:ctrlPr>
-                                <a:rPr kumimoji="1" lang="en-US" altLang="ja-JP" sz="1600" b="0" i="1" smtClean="0">
-                                  <a:latin typeface="Cambria Math" panose="02040503050406030204" pitchFamily="18" charset="0"/>
-                                </a:rPr>
-                              </m:ctrlPr>
-                            </m:dPr>
-                            <m:e>
-                              <m:r>
-                                <a:rPr kumimoji="1" lang="ja-JP" altLang="en-US" sz="1600" b="0" i="1" smtClean="0">
-                                  <a:latin typeface="Cambria Math" panose="02040503050406030204" pitchFamily="18" charset="0"/>
-                                </a:rPr>
-                                <m:t>𝜃</m:t>
-                              </m:r>
-                              <m:r>
-                                <a:rPr kumimoji="1" lang="en-US" altLang="ja-JP" sz="1600" b="0" i="1" smtClean="0">
-                                  <a:latin typeface="Cambria Math" panose="02040503050406030204" pitchFamily="18" charset="0"/>
-                                </a:rPr>
-                                <m:t>,</m:t>
-                              </m:r>
-                              <m:r>
-                                <a:rPr kumimoji="1" lang="en-US" altLang="ja-JP" sz="1600" b="0" i="1" smtClean="0">
-                                  <a:latin typeface="Cambria Math" panose="02040503050406030204" pitchFamily="18" charset="0"/>
-                                </a:rPr>
-                                <m:t>𝑆</m:t>
-                              </m:r>
-                              <m:r>
-                                <a:rPr kumimoji="1" lang="en-US" altLang="ja-JP" sz="1600" b="0" i="1" smtClean="0">
-                                  <a:latin typeface="Cambria Math" panose="02040503050406030204" pitchFamily="18" charset="0"/>
-                                  <a:ea typeface="Cambria Math" panose="02040503050406030204" pitchFamily="18" charset="0"/>
-                                </a:rPr>
-                                <m:t>∪</m:t>
-                              </m:r>
-                              <m:r>
-                                <a:rPr kumimoji="1" lang="en-US" altLang="ja-JP" sz="1600" b="0" i="1" smtClean="0">
-                                  <a:latin typeface="Cambria Math" panose="02040503050406030204" pitchFamily="18" charset="0"/>
-                                  <a:ea typeface="Cambria Math" panose="02040503050406030204" pitchFamily="18" charset="0"/>
-                                </a:rPr>
-                                <m:t>𝑒</m:t>
-                              </m:r>
-                            </m:e>
-                          </m:d>
-                          <m:r>
-                            <a:rPr kumimoji="1" lang="en-US" altLang="ja-JP" sz="1600" b="0" i="1" smtClean="0">
-                              <a:latin typeface="Cambria Math" panose="02040503050406030204" pitchFamily="18" charset="0"/>
-                            </a:rPr>
-                            <m:t>,</m:t>
-                          </m:r>
-                          <m:r>
-                            <a:rPr kumimoji="1" lang="ja-JP" altLang="en-US" sz="1600" b="0" i="1" smtClean="0">
-                              <a:latin typeface="Cambria Math" panose="02040503050406030204" pitchFamily="18" charset="0"/>
-                            </a:rPr>
-                            <m:t>𝒱</m:t>
-                          </m:r>
-                        </m:e>
-                      </m:d>
-                    </m:oMath>
-                  </m:oMathPara>
-                </a14:m>
-                <a:endParaRPr kumimoji="1" lang="en-US" altLang="ja-JP" sz="1600" b="0" i="1" dirty="0" smtClean="0">
-                  <a:latin typeface="Cambria Math" panose="02040503050406030204" pitchFamily="18" charset="0"/>
-                </a:endParaRPr>
-              </a:p>
-              <a:p>
-                <a:pPr>
-                  <a:lnSpc>
-                    <a:spcPct val="150000"/>
-                  </a:lnSpc>
-                </a:pPr>
-                <a14:m>
-                  <m:oMathPara xmlns:m="http://schemas.openxmlformats.org/officeDocument/2006/math">
-                    <m:oMathParaPr>
-                      <m:jc m:val="centerGroup"/>
-                    </m:oMathParaPr>
-                    <m:oMath xmlns:m="http://schemas.openxmlformats.org/officeDocument/2006/math">
-                      <m:r>
-                        <a:rPr kumimoji="1" lang="en-US" altLang="ja-JP" sz="1600" b="0" i="1" smtClean="0">
-                          <a:latin typeface="Cambria Math" panose="02040503050406030204" pitchFamily="18" charset="0"/>
-                        </a:rPr>
-                        <m:t>=</m:t>
-                      </m:r>
-                      <m:sSub>
-                        <m:sSubPr>
-                          <m:ctrlPr>
-                            <a:rPr kumimoji="1" lang="en-US" altLang="ja-JP" sz="1600" b="0" i="1" smtClean="0">
-                              <a:latin typeface="Cambria Math" panose="02040503050406030204" pitchFamily="18" charset="0"/>
-                            </a:rPr>
-                          </m:ctrlPr>
-                        </m:sSubPr>
-                        <m:e>
-                          <m:r>
-                            <a:rPr kumimoji="1" lang="en-US" altLang="ja-JP" sz="1600" b="0" i="1" smtClean="0">
-                              <a:latin typeface="Cambria Math" panose="02040503050406030204" pitchFamily="18" charset="0"/>
-                            </a:rPr>
-                            <m:t>𝐿𝐿</m:t>
-                          </m:r>
-                        </m:e>
-                        <m:sub>
-                          <m:r>
-                            <a:rPr kumimoji="1" lang="en-US" altLang="ja-JP" sz="1600" b="0" i="1" smtClean="0">
-                              <a:latin typeface="Cambria Math" panose="02040503050406030204" pitchFamily="18" charset="0"/>
-                            </a:rPr>
-                            <m:t>𝑉</m:t>
-                          </m:r>
-                        </m:sub>
-                      </m:sSub>
-                      <m:d>
-                        <m:dPr>
-                          <m:ctrlPr>
-                            <a:rPr kumimoji="1" lang="en-US" altLang="ja-JP" sz="1600" b="0" i="1" smtClean="0">
-                              <a:latin typeface="Cambria Math" panose="02040503050406030204" pitchFamily="18" charset="0"/>
-                            </a:rPr>
-                          </m:ctrlPr>
-                        </m:dPr>
-                        <m:e>
-                          <m:sSup>
-                            <m:sSupPr>
-                              <m:ctrlPr>
-                                <a:rPr kumimoji="1" lang="en-US" altLang="ja-JP" sz="1600" b="0" i="1" smtClean="0">
-                                  <a:latin typeface="Cambria Math" panose="02040503050406030204" pitchFamily="18" charset="0"/>
-                                </a:rPr>
-                              </m:ctrlPr>
-                            </m:sSupPr>
-                            <m:e>
-                              <m:r>
-                                <a:rPr kumimoji="1" lang="ja-JP" altLang="en-US" sz="1600" b="0" i="1" smtClean="0">
-                                  <a:latin typeface="Cambria Math" panose="02040503050406030204" pitchFamily="18" charset="0"/>
-                                </a:rPr>
-                                <m:t>𝜃</m:t>
-                              </m:r>
-                            </m:e>
-                            <m:sup>
-                              <m:r>
-                                <a:rPr kumimoji="1" lang="en-US" altLang="ja-JP" sz="1600" b="0" i="1" smtClean="0">
-                                  <a:latin typeface="Cambria Math" panose="02040503050406030204" pitchFamily="18" charset="0"/>
-                                </a:rPr>
-                                <m:t>𝑆</m:t>
-                              </m:r>
-                            </m:sup>
-                          </m:sSup>
-                        </m:e>
-                      </m:d>
-                      <m:r>
-                        <a:rPr kumimoji="1" lang="en-US" altLang="ja-JP" sz="1600" b="0" i="1" smtClean="0">
-                          <a:latin typeface="Cambria Math" panose="02040503050406030204" pitchFamily="18" charset="0"/>
-                        </a:rPr>
-                        <m:t>+</m:t>
-                      </m:r>
-                      <m:r>
-                        <a:rPr kumimoji="1" lang="ja-JP" altLang="en-US" sz="1600" b="0" i="1" smtClean="0">
-                          <a:latin typeface="Cambria Math" panose="02040503050406030204" pitchFamily="18" charset="0"/>
-                        </a:rPr>
-                        <m:t>𝜂</m:t>
-                      </m:r>
-                      <m:sSub>
-                        <m:sSubPr>
-                          <m:ctrlPr>
-                            <a:rPr kumimoji="1" lang="en-US" altLang="ja-JP" sz="1600" b="0" i="1" smtClean="0">
-                              <a:latin typeface="Cambria Math" panose="02040503050406030204" pitchFamily="18" charset="0"/>
-                            </a:rPr>
-                          </m:ctrlPr>
-                        </m:sSubPr>
-                        <m:e>
-                          <m:r>
-                            <a:rPr kumimoji="1" lang="en-US" altLang="ja-JP" sz="1600" b="0" i="1" smtClean="0">
-                              <a:latin typeface="Cambria Math" panose="02040503050406030204" pitchFamily="18" charset="0"/>
-                              <a:ea typeface="Cambria Math" panose="02040503050406030204" pitchFamily="18" charset="0"/>
-                            </a:rPr>
-                            <m:t>𝛻</m:t>
-                          </m:r>
-                        </m:e>
-                        <m:sub>
-                          <m:r>
-                            <a:rPr kumimoji="1" lang="ja-JP" altLang="en-US" sz="1600" b="0" i="1" smtClean="0">
-                              <a:latin typeface="Cambria Math" panose="02040503050406030204" pitchFamily="18" charset="0"/>
-                            </a:rPr>
-                            <m:t>𝜃</m:t>
-                          </m:r>
-                        </m:sub>
-                      </m:sSub>
-                      <m:sSub>
-                        <m:sSubPr>
-                          <m:ctrlPr>
-                            <a:rPr kumimoji="1" lang="en-US" altLang="ja-JP" sz="1600" b="0" i="1" smtClean="0">
-                              <a:latin typeface="Cambria Math" panose="02040503050406030204" pitchFamily="18" charset="0"/>
-                            </a:rPr>
-                          </m:ctrlPr>
-                        </m:sSubPr>
-                        <m:e>
-                          <m:r>
-                            <a:rPr kumimoji="1" lang="en-US" altLang="ja-JP" sz="1600" b="0" i="1" smtClean="0">
-                              <a:latin typeface="Cambria Math" panose="02040503050406030204" pitchFamily="18" charset="0"/>
-                            </a:rPr>
-                            <m:t>𝐿𝐿</m:t>
-                          </m:r>
-                        </m:e>
-                        <m:sub>
-                          <m:r>
-                            <a:rPr kumimoji="1" lang="en-US" altLang="ja-JP" sz="1600" b="0" i="1" smtClean="0">
-                              <a:latin typeface="Cambria Math" panose="02040503050406030204" pitchFamily="18" charset="0"/>
-                            </a:rPr>
-                            <m:t>𝑇</m:t>
-                          </m:r>
-                        </m:sub>
-                      </m:sSub>
-                      <m:sSup>
-                        <m:sSupPr>
-                          <m:ctrlPr>
-                            <a:rPr kumimoji="1" lang="en-US" altLang="ja-JP" sz="1600" b="0" i="1" smtClean="0">
-                              <a:latin typeface="Cambria Math" panose="02040503050406030204" pitchFamily="18" charset="0"/>
-                            </a:rPr>
-                          </m:ctrlPr>
-                        </m:sSupPr>
-                        <m:e>
-                          <m:d>
-                            <m:dPr>
-                              <m:ctrlPr>
-                                <a:rPr kumimoji="1" lang="en-US" altLang="ja-JP" sz="1600" b="0" i="1" smtClean="0">
-                                  <a:latin typeface="Cambria Math" panose="02040503050406030204" pitchFamily="18" charset="0"/>
-                                </a:rPr>
-                              </m:ctrlPr>
-                            </m:dPr>
-                            <m:e>
-                              <m:r>
-                                <a:rPr kumimoji="1" lang="ja-JP" altLang="en-US" sz="1600" b="0" i="1" smtClean="0">
-                                  <a:latin typeface="Cambria Math" panose="02040503050406030204" pitchFamily="18" charset="0"/>
-                                </a:rPr>
-                                <m:t>𝜃</m:t>
-                              </m:r>
-                              <m:r>
-                                <a:rPr kumimoji="1" lang="en-US" altLang="ja-JP" sz="1600" b="0" i="1" smtClean="0">
-                                  <a:latin typeface="Cambria Math" panose="02040503050406030204" pitchFamily="18" charset="0"/>
-                                </a:rPr>
-                                <m:t>,</m:t>
-                              </m:r>
-                              <m:r>
-                                <a:rPr kumimoji="1" lang="en-US" altLang="ja-JP" sz="1600" b="0" i="1" smtClean="0">
-                                  <a:latin typeface="Cambria Math" panose="02040503050406030204" pitchFamily="18" charset="0"/>
-                                </a:rPr>
-                                <m:t>𝑒</m:t>
-                              </m:r>
-                            </m:e>
-                          </m:d>
-                        </m:e>
-                        <m:sup>
-                          <m:r>
-                            <a:rPr kumimoji="1" lang="en-US" altLang="ja-JP" sz="1600" b="0" i="1" smtClean="0">
-                              <a:latin typeface="Cambria Math" panose="02040503050406030204" pitchFamily="18" charset="0"/>
-                            </a:rPr>
-                            <m:t>𝑇</m:t>
-                          </m:r>
-                        </m:sup>
-                      </m:sSup>
-                      <m:sSub>
-                        <m:sSubPr>
-                          <m:ctrlPr>
-                            <a:rPr kumimoji="1" lang="en-US" altLang="ja-JP" sz="1600" b="0" i="1" smtClean="0">
-                              <a:latin typeface="Cambria Math" panose="02040503050406030204" pitchFamily="18" charset="0"/>
-                            </a:rPr>
-                          </m:ctrlPr>
-                        </m:sSubPr>
-                        <m:e>
-                          <m:r>
-                            <a:rPr kumimoji="1" lang="en-US" altLang="ja-JP" sz="1600" b="0" i="1" smtClean="0">
-                              <a:latin typeface="Cambria Math" panose="02040503050406030204" pitchFamily="18" charset="0"/>
-                            </a:rPr>
-                            <m:t>𝐿𝐿</m:t>
-                          </m:r>
-                        </m:e>
-                        <m:sub>
-                          <m:r>
-                            <a:rPr kumimoji="1" lang="en-US" altLang="ja-JP" sz="1600" b="0" i="1" smtClean="0">
-                              <a:latin typeface="Cambria Math" panose="02040503050406030204" pitchFamily="18" charset="0"/>
-                            </a:rPr>
-                            <m:t>𝑉</m:t>
-                          </m:r>
-                        </m:sub>
-                      </m:sSub>
-                      <m:r>
-                        <a:rPr kumimoji="1" lang="en-US" altLang="ja-JP" sz="1600" b="0" i="1" smtClean="0">
-                          <a:latin typeface="Cambria Math" panose="02040503050406030204" pitchFamily="18" charset="0"/>
-                        </a:rPr>
-                        <m:t>(</m:t>
-                      </m:r>
-                      <m:sSup>
-                        <m:sSupPr>
-                          <m:ctrlPr>
-                            <a:rPr kumimoji="1" lang="en-US" altLang="ja-JP" sz="1600" b="0" i="1" smtClean="0">
-                              <a:latin typeface="Cambria Math" panose="02040503050406030204" pitchFamily="18" charset="0"/>
-                            </a:rPr>
-                          </m:ctrlPr>
-                        </m:sSupPr>
-                        <m:e>
-                          <m:r>
-                            <a:rPr kumimoji="1" lang="ja-JP" altLang="en-US" sz="1600" b="0" i="1" smtClean="0">
-                              <a:latin typeface="Cambria Math" panose="02040503050406030204" pitchFamily="18" charset="0"/>
-                            </a:rPr>
-                            <m:t>𝜃</m:t>
-                          </m:r>
-                        </m:e>
-                        <m:sup>
-                          <m:r>
-                            <a:rPr kumimoji="1" lang="en-US" altLang="ja-JP" sz="1600" b="0" i="1" smtClean="0">
-                              <a:latin typeface="Cambria Math" panose="02040503050406030204" pitchFamily="18" charset="0"/>
-                            </a:rPr>
-                            <m:t>𝑆</m:t>
-                          </m:r>
-                        </m:sup>
-                      </m:sSup>
-                      <m:r>
-                        <a:rPr kumimoji="1" lang="en-US" altLang="ja-JP" sz="1600" b="0" i="1" smtClean="0">
-                          <a:latin typeface="Cambria Math" panose="02040503050406030204" pitchFamily="18" charset="0"/>
-                        </a:rPr>
-                        <m:t>,</m:t>
-                      </m:r>
-                      <m:r>
-                        <a:rPr kumimoji="1" lang="ja-JP" altLang="en-US" sz="1600" b="0" i="1" smtClean="0">
-                          <a:latin typeface="Cambria Math" panose="02040503050406030204" pitchFamily="18" charset="0"/>
-                        </a:rPr>
-                        <m:t>𝒱</m:t>
-                      </m:r>
-                      <m:r>
-                        <a:rPr kumimoji="1" lang="en-US" altLang="ja-JP" sz="1600" b="0" i="1" smtClean="0">
-                          <a:latin typeface="Cambria Math" panose="02040503050406030204" pitchFamily="18" charset="0"/>
-                        </a:rPr>
-                        <m:t>)  </m:t>
-                      </m:r>
-                    </m:oMath>
-                  </m:oMathPara>
-                </a14:m>
-                <a:endParaRPr kumimoji="1" lang="ja-JP" altLang="en-US" sz="1600" dirty="0"/>
-              </a:p>
-            </p:txBody>
-          </p:sp>
-        </mc:Choice>
-        <mc:Fallback xmlns="">
-          <p:sp>
-            <p:nvSpPr>
-              <p:cNvPr id="179" name="テキスト ボックス 178"/>
-              <p:cNvSpPr txBox="1">
-                <a:spLocks noRot="1" noChangeAspect="1" noMove="1" noResize="1" noEditPoints="1" noAdjustHandles="1" noChangeArrowheads="1" noChangeShapeType="1" noTextEdit="1"/>
-              </p:cNvSpPr>
-              <p:nvPr/>
-            </p:nvSpPr>
-            <p:spPr>
-              <a:xfrm>
-                <a:off x="4658875" y="3793041"/>
-                <a:ext cx="4339458" cy="1109278"/>
-              </a:xfrm>
-              <a:prstGeom prst="rect">
-                <a:avLst/>
-              </a:prstGeom>
-              <a:blipFill rotWithShape="0">
-                <a:blip r:embed="rId8"/>
-                <a:stretch>
-                  <a:fillRect/>
-                </a:stretch>
-              </a:blipFill>
-            </p:spPr>
-            <p:txBody>
-              <a:bodyPr/>
-              <a:lstStyle/>
-              <a:p>
-                <a:r>
-                  <a:rPr lang="ja-JP" altLang="en-US">
-                    <a:noFill/>
-                  </a:rPr>
-                  <a:t> </a:t>
-                </a:r>
-              </a:p>
-            </p:txBody>
-          </p:sp>
-        </mc:Fallback>
-      </mc:AlternateContent>
-      <mc:AlternateContent xmlns:mc="http://schemas.openxmlformats.org/markup-compatibility/2006" xmlns:a14="http://schemas.microsoft.com/office/drawing/2010/main">
-        <mc:Choice Requires="a14">
-          <p:sp>
-            <p:nvSpPr>
-              <p:cNvPr id="180" name="テキスト ボックス 179"/>
-              <p:cNvSpPr txBox="1"/>
-              <p:nvPr/>
-            </p:nvSpPr>
-            <p:spPr>
-              <a:xfrm>
-                <a:off x="5403556" y="3081562"/>
-                <a:ext cx="2281907" cy="625364"/>
-              </a:xfrm>
-              <a:prstGeom prst="rect">
-                <a:avLst/>
-              </a:prstGeom>
-              <a:noFill/>
-            </p:spPr>
-            <p:txBody>
-              <a:bodyPr wrap="none" lIns="0" tIns="0" rIns="0" bIns="0" rtlCol="0">
-                <a:spAutoFit/>
-              </a:bodyPr>
-              <a:lstStyle/>
-              <a:p>
-                <a:pPr/>
-                <a14:m>
-                  <m:oMathPara xmlns:m="http://schemas.openxmlformats.org/officeDocument/2006/math">
-                    <m:oMathParaPr>
-                      <m:jc m:val="centerGroup"/>
-                    </m:oMathParaPr>
-                    <m:oMath xmlns:m="http://schemas.openxmlformats.org/officeDocument/2006/math">
-                      <m:sSub>
-                        <m:sSubPr>
-                          <m:ctrlPr>
-                            <a:rPr kumimoji="1" lang="en-US" altLang="ja-JP" sz="1600" b="0" i="1" smtClean="0">
-                              <a:latin typeface="Cambria Math" panose="02040503050406030204" pitchFamily="18" charset="0"/>
-                            </a:rPr>
-                          </m:ctrlPr>
-                        </m:sSubPr>
-                        <m:e>
-                          <m:r>
-                            <a:rPr kumimoji="1" lang="ja-JP" altLang="en-US" sz="1600" b="0" i="1" smtClean="0">
-                              <a:latin typeface="Cambria Math" panose="02040503050406030204" pitchFamily="18" charset="0"/>
-                            </a:rPr>
-                            <m:t>𝜃</m:t>
-                          </m:r>
-                        </m:e>
-                        <m:sub>
-                          <m:r>
-                            <a:rPr kumimoji="1" lang="en-US" altLang="ja-JP" sz="1600" b="0" i="1" smtClean="0">
-                              <a:latin typeface="Cambria Math" panose="02040503050406030204" pitchFamily="18" charset="0"/>
-                            </a:rPr>
-                            <m:t>𝑆</m:t>
-                          </m:r>
-                        </m:sub>
-                      </m:sSub>
-                      <m:r>
-                        <a:rPr kumimoji="1" lang="en-US" altLang="ja-JP" sz="1600" b="0" i="1" smtClean="0">
-                          <a:latin typeface="Cambria Math" panose="02040503050406030204" pitchFamily="18" charset="0"/>
-                        </a:rPr>
-                        <m:t>=</m:t>
-                      </m:r>
-                      <m:r>
-                        <a:rPr kumimoji="1" lang="ja-JP" altLang="en-US" sz="1600" b="0" i="1" smtClean="0">
-                          <a:latin typeface="Cambria Math" panose="02040503050406030204" pitchFamily="18" charset="0"/>
-                        </a:rPr>
-                        <m:t>𝜃</m:t>
-                      </m:r>
-                      <m:r>
-                        <a:rPr kumimoji="1" lang="en-US" altLang="ja-JP" sz="1600" b="0" i="1" smtClean="0">
-                          <a:latin typeface="Cambria Math" panose="02040503050406030204" pitchFamily="18" charset="0"/>
-                        </a:rPr>
-                        <m:t>+</m:t>
-                      </m:r>
-                      <m:r>
-                        <a:rPr kumimoji="1" lang="ja-JP" altLang="en-US" sz="1600" b="0" i="1" smtClean="0">
-                          <a:latin typeface="Cambria Math" panose="02040503050406030204" pitchFamily="18" charset="0"/>
-                        </a:rPr>
-                        <m:t>𝜂</m:t>
-                      </m:r>
-                      <m:nary>
-                        <m:naryPr>
-                          <m:chr m:val="∑"/>
-                          <m:supHide m:val="on"/>
-                          <m:ctrlPr>
-                            <a:rPr lang="en-US" altLang="ja-JP" sz="1600" i="1">
-                              <a:latin typeface="Cambria Math" panose="02040503050406030204" pitchFamily="18" charset="0"/>
-                            </a:rPr>
-                          </m:ctrlPr>
-                        </m:naryPr>
-                        <m:sub>
-                          <m:r>
-                            <m:rPr>
-                              <m:brk m:alnAt="7"/>
-                            </m:rPr>
-                            <a:rPr lang="en-US" altLang="ja-JP" sz="1600" i="1">
-                              <a:latin typeface="Cambria Math" panose="02040503050406030204" pitchFamily="18" charset="0"/>
-                            </a:rPr>
-                            <m:t>𝑗</m:t>
-                          </m:r>
-                          <m:r>
-                            <a:rPr lang="ja-JP" altLang="en-US" sz="1600" i="1">
-                              <a:latin typeface="Cambria Math" panose="02040503050406030204" pitchFamily="18" charset="0"/>
-                            </a:rPr>
-                            <m:t>𝜖</m:t>
-                          </m:r>
-                          <m:r>
-                            <a:rPr lang="en-US" altLang="ja-JP" sz="1600" i="1">
-                              <a:latin typeface="Cambria Math" panose="02040503050406030204" pitchFamily="18" charset="0"/>
-                            </a:rPr>
-                            <m:t>𝑆</m:t>
-                          </m:r>
-                        </m:sub>
-                        <m:sup/>
-                        <m:e>
-                          <m:r>
-                            <a:rPr lang="en-US" altLang="ja-JP" sz="1600" i="1">
-                              <a:latin typeface="Cambria Math" panose="02040503050406030204" pitchFamily="18" charset="0"/>
-                              <a:ea typeface="Cambria Math" panose="02040503050406030204" pitchFamily="18" charset="0"/>
-                            </a:rPr>
-                            <m:t>𝛻</m:t>
-                          </m:r>
-                          <m:r>
-                            <a:rPr lang="en-US" altLang="ja-JP" sz="1600" i="1">
-                              <a:latin typeface="Cambria Math" panose="02040503050406030204" pitchFamily="18" charset="0"/>
-                            </a:rPr>
-                            <m:t>𝐿</m:t>
-                          </m:r>
-                          <m:sSub>
-                            <m:sSubPr>
-                              <m:ctrlPr>
-                                <a:rPr lang="en-US" altLang="ja-JP" sz="1600" i="1">
-                                  <a:latin typeface="Cambria Math" panose="02040503050406030204" pitchFamily="18" charset="0"/>
-                                </a:rPr>
-                              </m:ctrlPr>
-                            </m:sSubPr>
-                            <m:e>
-                              <m:r>
-                                <a:rPr lang="en-US" altLang="ja-JP" sz="1600" i="1">
-                                  <a:latin typeface="Cambria Math" panose="02040503050406030204" pitchFamily="18" charset="0"/>
-                                </a:rPr>
-                                <m:t>𝐿</m:t>
-                              </m:r>
-                            </m:e>
-                            <m:sub>
-                              <m:r>
-                                <a:rPr lang="en-US" altLang="ja-JP" sz="1600" i="1">
-                                  <a:latin typeface="Cambria Math" panose="02040503050406030204" pitchFamily="18" charset="0"/>
-                                </a:rPr>
-                                <m:t>𝑇</m:t>
-                              </m:r>
-                            </m:sub>
-                          </m:sSub>
-                          <m:r>
-                            <a:rPr lang="en-US" altLang="ja-JP" sz="1600" i="1">
-                              <a:latin typeface="Cambria Math" panose="02040503050406030204" pitchFamily="18" charset="0"/>
-                            </a:rPr>
-                            <m:t>(</m:t>
-                          </m:r>
-                          <m:r>
-                            <a:rPr lang="ja-JP" altLang="en-US" sz="1600" i="1" smtClean="0">
-                              <a:latin typeface="Cambria Math" panose="02040503050406030204" pitchFamily="18" charset="0"/>
-                            </a:rPr>
-                            <m:t>𝜃</m:t>
-                          </m:r>
-                          <m:r>
-                            <a:rPr lang="en-US" altLang="ja-JP" sz="1600" i="1">
-                              <a:latin typeface="Cambria Math" panose="02040503050406030204" pitchFamily="18" charset="0"/>
-                            </a:rPr>
-                            <m:t>,</m:t>
-                          </m:r>
-                          <m:r>
-                            <a:rPr lang="en-US" altLang="ja-JP" sz="1600" b="0" i="1" smtClean="0">
-                              <a:latin typeface="Cambria Math" panose="02040503050406030204" pitchFamily="18" charset="0"/>
-                            </a:rPr>
-                            <m:t>𝑗</m:t>
-                          </m:r>
-                          <m:r>
-                            <a:rPr lang="en-US" altLang="ja-JP" sz="1600" i="1">
-                              <a:latin typeface="Cambria Math" panose="02040503050406030204" pitchFamily="18" charset="0"/>
-                            </a:rPr>
-                            <m:t>)</m:t>
-                          </m:r>
-                          <m:r>
-                            <m:rPr>
-                              <m:nor/>
-                            </m:rPr>
-                            <a:rPr lang="ja-JP" altLang="en-US" sz="1600" dirty="0"/>
-                            <m:t> </m:t>
-                          </m:r>
-                        </m:e>
-                      </m:nary>
-                    </m:oMath>
-                  </m:oMathPara>
-                </a14:m>
-                <a:endParaRPr kumimoji="1" lang="ja-JP" altLang="en-US" sz="1600" dirty="0"/>
-              </a:p>
-            </p:txBody>
-          </p:sp>
-        </mc:Choice>
-        <mc:Fallback xmlns="">
-          <p:sp>
-            <p:nvSpPr>
-              <p:cNvPr id="180" name="テキスト ボックス 179"/>
-              <p:cNvSpPr txBox="1">
-                <a:spLocks noRot="1" noChangeAspect="1" noMove="1" noResize="1" noEditPoints="1" noAdjustHandles="1" noChangeArrowheads="1" noChangeShapeType="1" noTextEdit="1"/>
-              </p:cNvSpPr>
-              <p:nvPr/>
-            </p:nvSpPr>
-            <p:spPr>
-              <a:xfrm>
-                <a:off x="5403556" y="3081562"/>
-                <a:ext cx="2281907" cy="625364"/>
-              </a:xfrm>
-              <a:prstGeom prst="rect">
-                <a:avLst/>
-              </a:prstGeom>
-              <a:blipFill rotWithShape="0">
-                <a:blip r:embed="rId9"/>
-                <a:stretch>
-                  <a:fillRect/>
-                </a:stretch>
-              </a:blipFill>
-            </p:spPr>
-            <p:txBody>
-              <a:bodyPr/>
-              <a:lstStyle/>
-              <a:p>
-                <a:r>
-                  <a:rPr lang="ja-JP" altLang="en-US">
-                    <a:noFill/>
-                  </a:rPr>
-                  <a:t> </a:t>
-                </a:r>
-              </a:p>
-            </p:txBody>
-          </p:sp>
-        </mc:Fallback>
-      </mc:AlternateContent>
-      <p:sp>
-        <p:nvSpPr>
-          <p:cNvPr id="1027" name="正方形/長方形 1026"/>
-          <p:cNvSpPr/>
-          <p:nvPr/>
-        </p:nvSpPr>
-        <p:spPr>
-          <a:xfrm>
-            <a:off x="297849" y="2881728"/>
-            <a:ext cx="3595856" cy="523220"/>
-          </a:xfrm>
-          <a:prstGeom prst="rect">
-            <a:avLst/>
-          </a:prstGeom>
-        </p:spPr>
-        <p:txBody>
-          <a:bodyPr wrap="none">
-            <a:spAutoFit/>
-          </a:bodyPr>
-          <a:lstStyle/>
-          <a:p>
-            <a:r>
-              <a:rPr lang="ja-JP" altLang="en-US" sz="1400" dirty="0" smtClean="0">
-                <a:solidFill>
-                  <a:schemeClr val="accent1">
-                    <a:lumMod val="75000"/>
-                  </a:schemeClr>
-                </a:solidFill>
-                <a:latin typeface="メイリオ" panose="020B0604030504040204" pitchFamily="50" charset="-128"/>
-                <a:ea typeface="メイリオ" panose="020B0604030504040204" pitchFamily="50" charset="-128"/>
-              </a:rPr>
-              <a:t>ラベル有りデータ</a:t>
-            </a:r>
-            <a:r>
-              <a:rPr lang="ja-JP" altLang="en-US" sz="1400" dirty="0" smtClean="0">
-                <a:solidFill>
-                  <a:schemeClr val="accent1">
-                    <a:lumMod val="75000"/>
-                  </a:schemeClr>
-                </a:solidFill>
-                <a:latin typeface="メイリオ" panose="020B0604030504040204" pitchFamily="50" charset="-128"/>
-                <a:ea typeface="メイリオ" panose="020B0604030504040204" pitchFamily="50" charset="-128"/>
-              </a:rPr>
-              <a:t>の損失関数が最小になる</a:t>
-            </a:r>
-            <a:endParaRPr lang="en-US" altLang="ja-JP" sz="1400" dirty="0" smtClean="0">
-              <a:solidFill>
-                <a:schemeClr val="accent1">
-                  <a:lumMod val="75000"/>
-                </a:schemeClr>
-              </a:solidFill>
-              <a:latin typeface="メイリオ" panose="020B0604030504040204" pitchFamily="50" charset="-128"/>
-              <a:ea typeface="メイリオ" panose="020B0604030504040204" pitchFamily="50" charset="-128"/>
-            </a:endParaRPr>
-          </a:p>
-          <a:p>
-            <a:r>
-              <a:rPr lang="ja-JP" altLang="en-US" sz="1400" dirty="0" smtClean="0">
-                <a:solidFill>
-                  <a:schemeClr val="accent1">
-                    <a:lumMod val="75000"/>
-                  </a:schemeClr>
-                </a:solidFill>
-                <a:latin typeface="メイリオ" panose="020B0604030504040204" pitchFamily="50" charset="-128"/>
-                <a:ea typeface="メイリオ" panose="020B0604030504040204" pitchFamily="50" charset="-128"/>
-              </a:rPr>
-              <a:t>コアセットを探す</a:t>
-            </a:r>
-            <a:endParaRPr lang="ja-JP" altLang="en-US" sz="1400" dirty="0">
-              <a:solidFill>
-                <a:schemeClr val="accent1">
-                  <a:lumMod val="75000"/>
-                </a:schemeClr>
-              </a:solidFill>
-            </a:endParaRPr>
-          </a:p>
-        </p:txBody>
-      </p:sp>
-      <p:sp>
-        <p:nvSpPr>
-          <p:cNvPr id="1028" name="正方形/長方形 1027"/>
-          <p:cNvSpPr/>
-          <p:nvPr/>
-        </p:nvSpPr>
-        <p:spPr>
-          <a:xfrm>
-            <a:off x="297849" y="1001747"/>
-            <a:ext cx="3057247" cy="307777"/>
-          </a:xfrm>
-          <a:prstGeom prst="rect">
-            <a:avLst/>
-          </a:prstGeom>
-        </p:spPr>
-        <p:txBody>
-          <a:bodyPr wrap="none">
-            <a:spAutoFit/>
-          </a:bodyPr>
-          <a:lstStyle/>
-          <a:p>
-            <a:r>
-              <a:rPr lang="ja-JP" altLang="en-US" sz="1400" dirty="0" smtClean="0">
-                <a:latin typeface="メイリオ" panose="020B0604030504040204" pitchFamily="50" charset="-128"/>
-                <a:ea typeface="メイリオ" panose="020B0604030504040204" pitchFamily="50" charset="-128"/>
-              </a:rPr>
-              <a:t>一般的な半教師有り学習の損失関数</a:t>
-            </a:r>
-            <a:endParaRPr lang="ja-JP" altLang="en-US" sz="1400" dirty="0"/>
-          </a:p>
-        </p:txBody>
-      </p:sp>
-      <p:sp>
-        <p:nvSpPr>
-          <p:cNvPr id="183" name="正方形/長方形 182"/>
-          <p:cNvSpPr/>
-          <p:nvPr/>
-        </p:nvSpPr>
-        <p:spPr>
-          <a:xfrm>
-            <a:off x="245960" y="4022640"/>
-            <a:ext cx="4134465" cy="738664"/>
-          </a:xfrm>
-          <a:prstGeom prst="rect">
-            <a:avLst/>
-          </a:prstGeom>
-        </p:spPr>
-        <p:txBody>
-          <a:bodyPr wrap="none">
-            <a:spAutoFit/>
-          </a:bodyPr>
-          <a:lstStyle/>
-          <a:p>
-            <a:r>
-              <a:rPr lang="ja-JP" altLang="en-US" sz="1400" dirty="0" smtClean="0">
-                <a:latin typeface="メイリオ" panose="020B0604030504040204" pitchFamily="50" charset="-128"/>
-                <a:ea typeface="メイリオ" panose="020B0604030504040204" pitchFamily="50" charset="-128"/>
-              </a:rPr>
-              <a:t>モデルの最良のパラメータは、一気に取得</a:t>
-            </a:r>
-            <a:endParaRPr lang="en-US" altLang="ja-JP" sz="1400" dirty="0" smtClean="0">
-              <a:latin typeface="メイリオ" panose="020B0604030504040204" pitchFamily="50" charset="-128"/>
-              <a:ea typeface="メイリオ" panose="020B0604030504040204" pitchFamily="50" charset="-128"/>
-            </a:endParaRPr>
-          </a:p>
-          <a:p>
-            <a:r>
-              <a:rPr lang="ja-JP" altLang="en-US" sz="1400" dirty="0">
-                <a:latin typeface="メイリオ" panose="020B0604030504040204" pitchFamily="50" charset="-128"/>
-                <a:ea typeface="メイリオ" panose="020B0604030504040204" pitchFamily="50" charset="-128"/>
-              </a:rPr>
-              <a:t>できないので</a:t>
-            </a:r>
-            <a:r>
-              <a:rPr lang="ja-JP" altLang="en-US" sz="1400" dirty="0" smtClean="0">
-                <a:latin typeface="メイリオ" panose="020B0604030504040204" pitchFamily="50" charset="-128"/>
-                <a:ea typeface="メイリオ" panose="020B0604030504040204" pitchFamily="50" charset="-128"/>
-              </a:rPr>
-              <a:t>、ステップごとによいパラメータを</a:t>
-            </a:r>
-            <a:endParaRPr lang="en-US" altLang="ja-JP" sz="1400" dirty="0" smtClean="0">
-              <a:latin typeface="メイリオ" panose="020B0604030504040204" pitchFamily="50" charset="-128"/>
-              <a:ea typeface="メイリオ" panose="020B0604030504040204" pitchFamily="50" charset="-128"/>
-            </a:endParaRPr>
-          </a:p>
-          <a:p>
-            <a:r>
-              <a:rPr lang="ja-JP" altLang="en-US" sz="1400" dirty="0">
-                <a:latin typeface="メイリオ" panose="020B0604030504040204" pitchFamily="50" charset="-128"/>
-                <a:ea typeface="メイリオ" panose="020B0604030504040204" pitchFamily="50" charset="-128"/>
-              </a:rPr>
-              <a:t>逐次的</a:t>
-            </a:r>
-            <a:r>
-              <a:rPr lang="ja-JP" altLang="en-US" sz="1400" dirty="0" smtClean="0">
-                <a:latin typeface="メイリオ" panose="020B0604030504040204" pitchFamily="50" charset="-128"/>
-                <a:ea typeface="メイリオ" panose="020B0604030504040204" pitchFamily="50" charset="-128"/>
-              </a:rPr>
-              <a:t>に求めていく（近似）</a:t>
-            </a:r>
-            <a:endParaRPr lang="ja-JP" altLang="en-US" sz="1400" dirty="0">
-              <a:latin typeface="メイリオ" panose="020B0604030504040204" pitchFamily="50" charset="-128"/>
-              <a:ea typeface="メイリオ" panose="020B0604030504040204" pitchFamily="50" charset="-128"/>
-            </a:endParaRPr>
-          </a:p>
-        </p:txBody>
-      </p:sp>
-      <p:cxnSp>
-        <p:nvCxnSpPr>
-          <p:cNvPr id="1030" name="直線コネクタ 1029"/>
-          <p:cNvCxnSpPr/>
-          <p:nvPr/>
-        </p:nvCxnSpPr>
-        <p:spPr>
-          <a:xfrm>
-            <a:off x="4645516" y="988328"/>
-            <a:ext cx="0" cy="5510253"/>
-          </a:xfrm>
-          <a:prstGeom prst="line">
-            <a:avLst/>
-          </a:prstGeom>
-          <a:ln w="12700">
-            <a:prstDash val="dashDot"/>
-          </a:ln>
-        </p:spPr>
-        <p:style>
-          <a:lnRef idx="1">
-            <a:schemeClr val="dk1"/>
-          </a:lnRef>
-          <a:fillRef idx="0">
-            <a:schemeClr val="dk1"/>
-          </a:fillRef>
-          <a:effectRef idx="0">
-            <a:schemeClr val="dk1"/>
-          </a:effectRef>
-          <a:fontRef idx="minor">
-            <a:schemeClr val="tx1"/>
-          </a:fontRef>
-        </p:style>
-      </p:cxnSp>
-      <p:sp>
-        <p:nvSpPr>
-          <p:cNvPr id="186" name="正方形/長方形 185"/>
-          <p:cNvSpPr/>
-          <p:nvPr/>
-        </p:nvSpPr>
-        <p:spPr>
-          <a:xfrm>
-            <a:off x="4859871" y="1783038"/>
-            <a:ext cx="4138462" cy="1169551"/>
-          </a:xfrm>
-          <a:prstGeom prst="rect">
-            <a:avLst/>
-          </a:prstGeom>
-        </p:spPr>
-        <p:txBody>
-          <a:bodyPr wrap="square">
-            <a:spAutoFit/>
-          </a:bodyPr>
-          <a:lstStyle/>
-          <a:p>
-            <a:r>
-              <a:rPr lang="ja-JP" altLang="en-US" sz="1400" dirty="0" smtClean="0">
-                <a:latin typeface="メイリオ" panose="020B0604030504040204" pitchFamily="50" charset="-128"/>
-                <a:ea typeface="メイリオ" panose="020B0604030504040204" pitchFamily="50" charset="-128"/>
-              </a:rPr>
-              <a:t>最良のコアセットもまた、一気に取得</a:t>
-            </a:r>
-            <a:endParaRPr lang="en-US" altLang="ja-JP" sz="1400" dirty="0" smtClean="0">
-              <a:latin typeface="メイリオ" panose="020B0604030504040204" pitchFamily="50" charset="-128"/>
-              <a:ea typeface="メイリオ" panose="020B0604030504040204" pitchFamily="50" charset="-128"/>
-            </a:endParaRPr>
-          </a:p>
-          <a:p>
-            <a:r>
-              <a:rPr lang="ja-JP" altLang="en-US" sz="1400" dirty="0">
-                <a:latin typeface="メイリオ" panose="020B0604030504040204" pitchFamily="50" charset="-128"/>
-                <a:ea typeface="メイリオ" panose="020B0604030504040204" pitchFamily="50" charset="-128"/>
-              </a:rPr>
-              <a:t>できないので</a:t>
-            </a:r>
-            <a:r>
-              <a:rPr lang="ja-JP" altLang="en-US" sz="1400" dirty="0" smtClean="0">
-                <a:latin typeface="メイリオ" panose="020B0604030504040204" pitchFamily="50" charset="-128"/>
-                <a:ea typeface="メイリオ" panose="020B0604030504040204" pitchFamily="50" charset="-128"/>
-              </a:rPr>
-              <a:t>、ステップごとによいコアセットを</a:t>
-            </a:r>
-            <a:endParaRPr lang="en-US" altLang="ja-JP" sz="1400" dirty="0" smtClean="0">
-              <a:latin typeface="メイリオ" panose="020B0604030504040204" pitchFamily="50" charset="-128"/>
-              <a:ea typeface="メイリオ" panose="020B0604030504040204" pitchFamily="50" charset="-128"/>
-            </a:endParaRPr>
-          </a:p>
-          <a:p>
-            <a:r>
-              <a:rPr lang="ja-JP" altLang="en-US" sz="1400" dirty="0">
-                <a:latin typeface="メイリオ" panose="020B0604030504040204" pitchFamily="50" charset="-128"/>
-                <a:ea typeface="メイリオ" panose="020B0604030504040204" pitchFamily="50" charset="-128"/>
-              </a:rPr>
-              <a:t>逐次的</a:t>
-            </a:r>
-            <a:r>
-              <a:rPr lang="ja-JP" altLang="en-US" sz="1400" dirty="0" smtClean="0">
-                <a:latin typeface="メイリオ" panose="020B0604030504040204" pitchFamily="50" charset="-128"/>
-                <a:ea typeface="メイリオ" panose="020B0604030504040204" pitchFamily="50" charset="-128"/>
-              </a:rPr>
-              <a:t>に求めていく（近似）</a:t>
-            </a:r>
-            <a:endParaRPr lang="en-US" altLang="ja-JP" sz="1400" dirty="0" smtClean="0">
-              <a:latin typeface="メイリオ" panose="020B0604030504040204" pitchFamily="50" charset="-128"/>
-              <a:ea typeface="メイリオ" panose="020B0604030504040204" pitchFamily="50" charset="-128"/>
-            </a:endParaRPr>
-          </a:p>
-          <a:p>
-            <a:r>
-              <a:rPr lang="ja-JP" altLang="en-US" sz="1400" dirty="0">
-                <a:latin typeface="メイリオ" panose="020B0604030504040204" pitchFamily="50" charset="-128"/>
-                <a:ea typeface="メイリオ" panose="020B0604030504040204" pitchFamily="50" charset="-128"/>
-              </a:rPr>
-              <a:t>ここで</a:t>
-            </a:r>
-            <a:r>
-              <a:rPr lang="ja-JP" altLang="en-US" sz="1400" dirty="0" smtClean="0">
-                <a:latin typeface="メイリオ" panose="020B0604030504040204" pitchFamily="50" charset="-128"/>
-                <a:ea typeface="メイリオ" panose="020B0604030504040204" pitchFamily="50" charset="-128"/>
-              </a:rPr>
-              <a:t>は、関数</a:t>
-            </a:r>
-            <a:r>
-              <a:rPr lang="en-US" altLang="ja-JP" sz="1400" dirty="0" smtClean="0">
-                <a:latin typeface="メイリオ" panose="020B0604030504040204" pitchFamily="50" charset="-128"/>
-                <a:ea typeface="メイリオ" panose="020B0604030504040204" pitchFamily="50" charset="-128"/>
-              </a:rPr>
-              <a:t>G</a:t>
-            </a:r>
-            <a:r>
-              <a:rPr lang="ja-JP" altLang="en-US" sz="1400" dirty="0" smtClean="0">
-                <a:latin typeface="メイリオ" panose="020B0604030504040204" pitchFamily="50" charset="-128"/>
-                <a:ea typeface="メイリオ" panose="020B0604030504040204" pitchFamily="50" charset="-128"/>
-              </a:rPr>
-              <a:t>の計算量を減らすために、テイラー展開の近似式を利用する。</a:t>
-            </a:r>
-            <a:endParaRPr lang="ja-JP" altLang="en-US" sz="1400" dirty="0">
-              <a:latin typeface="メイリオ" panose="020B0604030504040204" pitchFamily="50" charset="-128"/>
-              <a:ea typeface="メイリオ" panose="020B0604030504040204" pitchFamily="50" charset="-128"/>
-            </a:endParaRPr>
-          </a:p>
-        </p:txBody>
-      </p:sp>
-      <p:sp>
-        <p:nvSpPr>
-          <p:cNvPr id="1031" name="正方形/長方形 1030"/>
-          <p:cNvSpPr/>
-          <p:nvPr/>
-        </p:nvSpPr>
-        <p:spPr>
-          <a:xfrm>
-            <a:off x="4910608" y="5213565"/>
-            <a:ext cx="4087725" cy="523220"/>
-          </a:xfrm>
-          <a:prstGeom prst="rect">
-            <a:avLst/>
-          </a:prstGeom>
-        </p:spPr>
-        <p:txBody>
-          <a:bodyPr wrap="square">
-            <a:spAutoFit/>
-          </a:bodyPr>
-          <a:lstStyle/>
-          <a:p>
-            <a:r>
-              <a:rPr lang="ja-JP" altLang="en-US" sz="1400" dirty="0" smtClean="0">
-                <a:latin typeface="メイリオ" panose="020B0604030504040204" pitchFamily="50" charset="-128"/>
-                <a:ea typeface="メイリオ" panose="020B0604030504040204" pitchFamily="50" charset="-128"/>
-              </a:rPr>
-              <a:t>最良のコアセットを逐次的に求める方法として、</a:t>
-            </a:r>
-            <a:r>
-              <a:rPr lang="ja-JP" altLang="en-US" sz="1400" u="sng" dirty="0" smtClean="0">
-                <a:latin typeface="メイリオ" panose="020B0604030504040204" pitchFamily="50" charset="-128"/>
-                <a:ea typeface="メイリオ" panose="020B0604030504040204" pitchFamily="50" charset="-128"/>
-              </a:rPr>
-              <a:t>貪欲法（</a:t>
-            </a:r>
-            <a:r>
-              <a:rPr lang="en-US" altLang="ja-JP" sz="1400" u="sng" dirty="0" smtClean="0">
-                <a:latin typeface="メイリオ" panose="020B0604030504040204" pitchFamily="50" charset="-128"/>
-                <a:ea typeface="メイリオ" panose="020B0604030504040204" pitchFamily="50" charset="-128"/>
-              </a:rPr>
-              <a:t>Greedy</a:t>
-            </a:r>
-            <a:r>
-              <a:rPr lang="ja-JP" altLang="en-US" sz="1400" u="sng" dirty="0" smtClean="0">
-                <a:latin typeface="メイリオ" panose="020B0604030504040204" pitchFamily="50" charset="-128"/>
-                <a:ea typeface="メイリオ" panose="020B0604030504040204" pitchFamily="50" charset="-128"/>
-              </a:rPr>
-              <a:t>法）</a:t>
-            </a:r>
-            <a:r>
-              <a:rPr lang="ja-JP" altLang="en-US" sz="1400" dirty="0" smtClean="0">
-                <a:latin typeface="メイリオ" panose="020B0604030504040204" pitchFamily="50" charset="-128"/>
-                <a:ea typeface="メイリオ" panose="020B0604030504040204" pitchFamily="50" charset="-128"/>
-              </a:rPr>
-              <a:t>を採用する。</a:t>
-            </a:r>
-            <a:endParaRPr lang="ja-JP" altLang="en-US" sz="1400" dirty="0">
-              <a:latin typeface="メイリオ" panose="020B0604030504040204" pitchFamily="50" charset="-128"/>
-              <a:ea typeface="メイリオ" panose="020B0604030504040204" pitchFamily="50" charset="-128"/>
-            </a:endParaRPr>
-          </a:p>
-        </p:txBody>
-      </p:sp>
-      <mc:AlternateContent xmlns:mc="http://schemas.openxmlformats.org/markup-compatibility/2006">
-        <mc:Choice xmlns:a14="http://schemas.microsoft.com/office/drawing/2010/main" Requires="a14">
-          <p:sp>
-            <p:nvSpPr>
-              <p:cNvPr id="3" name="テキスト ボックス 2"/>
-              <p:cNvSpPr txBox="1"/>
-              <p:nvPr/>
-            </p:nvSpPr>
-            <p:spPr>
-              <a:xfrm>
-                <a:off x="600056" y="1497038"/>
-                <a:ext cx="2824299" cy="276999"/>
-              </a:xfrm>
-              <a:prstGeom prst="rect">
-                <a:avLst/>
-              </a:prstGeom>
-              <a:noFill/>
-            </p:spPr>
-            <p:txBody>
-              <a:bodyPr wrap="none" lIns="0" tIns="0" rIns="0" bIns="0" rtlCol="0">
-                <a:spAutoFit/>
-              </a:bodyPr>
-              <a:lstStyle/>
-              <a:p>
-                <a14:m>
-                  <m:oMathPara xmlns:m="http://schemas.openxmlformats.org/officeDocument/2006/math">
-                    <m:oMathParaPr>
-                      <m:jc m:val="centerGroup"/>
-                    </m:oMathParaPr>
-                    <m:oMath xmlns:m="http://schemas.openxmlformats.org/officeDocument/2006/math">
-                      <m:r>
-                        <a:rPr kumimoji="1" lang="en-US" altLang="ja-JP" b="0" i="1" smtClean="0">
-                          <a:latin typeface="Cambria Math" panose="02040503050406030204" pitchFamily="18" charset="0"/>
-                        </a:rPr>
-                        <m:t>𝐿</m:t>
-                      </m:r>
-                      <m:r>
-                        <a:rPr kumimoji="1" lang="en-US" altLang="ja-JP" b="0" i="1" smtClean="0">
-                          <a:latin typeface="Cambria Math" panose="02040503050406030204" pitchFamily="18" charset="0"/>
-                        </a:rPr>
-                        <m:t>=</m:t>
-                      </m:r>
-                      <m:sSub>
-                        <m:sSubPr>
-                          <m:ctrlPr>
-                            <a:rPr kumimoji="1" lang="en-US" altLang="ja-JP" b="0" i="1" smtClean="0">
-                              <a:latin typeface="Cambria Math" panose="02040503050406030204" pitchFamily="18" charset="0"/>
-                            </a:rPr>
-                          </m:ctrlPr>
-                        </m:sSubPr>
-                        <m:e>
-                          <m:r>
-                            <a:rPr kumimoji="1" lang="en-US" altLang="ja-JP" b="0" i="1" smtClean="0">
-                              <a:latin typeface="Cambria Math" panose="02040503050406030204" pitchFamily="18" charset="0"/>
-                            </a:rPr>
-                            <m:t>𝐿</m:t>
-                          </m:r>
-                        </m:e>
-                        <m:sub>
-                          <m:r>
-                            <a:rPr kumimoji="1" lang="en-US" altLang="ja-JP" b="0" i="1" smtClean="0">
-                              <a:latin typeface="Cambria Math" panose="02040503050406030204" pitchFamily="18" charset="0"/>
-                            </a:rPr>
-                            <m:t>𝑠</m:t>
-                          </m:r>
-                        </m:sub>
-                      </m:sSub>
-                      <m:d>
-                        <m:dPr>
-                          <m:ctrlPr>
-                            <a:rPr kumimoji="1" lang="en-US" altLang="ja-JP" b="0" i="1" smtClean="0">
-                              <a:latin typeface="Cambria Math" panose="02040503050406030204" pitchFamily="18" charset="0"/>
-                            </a:rPr>
-                          </m:ctrlPr>
-                        </m:dPr>
-                        <m:e>
-                          <m:r>
-                            <a:rPr kumimoji="1" lang="en-US" altLang="ja-JP" b="0" i="1" smtClean="0">
-                              <a:latin typeface="Cambria Math" panose="02040503050406030204" pitchFamily="18" charset="0"/>
-                            </a:rPr>
-                            <m:t>𝐷</m:t>
-                          </m:r>
-                          <m:r>
-                            <a:rPr kumimoji="1" lang="en-US" altLang="ja-JP" b="0" i="1" smtClean="0">
-                              <a:latin typeface="Cambria Math" panose="02040503050406030204" pitchFamily="18" charset="0"/>
-                            </a:rPr>
-                            <m:t>, </m:t>
-                          </m:r>
-                          <m:r>
-                            <a:rPr kumimoji="1" lang="ja-JP" altLang="en-US" b="0" i="1" smtClean="0">
-                              <a:latin typeface="Cambria Math" panose="02040503050406030204" pitchFamily="18" charset="0"/>
-                            </a:rPr>
-                            <m:t>𝜃</m:t>
-                          </m:r>
-                        </m:e>
-                      </m:d>
-                      <m:r>
-                        <a:rPr kumimoji="1" lang="en-US" altLang="ja-JP" b="0" i="1" smtClean="0">
-                          <a:latin typeface="Cambria Math" panose="02040503050406030204" pitchFamily="18" charset="0"/>
-                        </a:rPr>
-                        <m:t>+</m:t>
-                      </m:r>
-                      <m:r>
-                        <a:rPr kumimoji="1" lang="ja-JP" altLang="en-US" b="0" i="1" smtClean="0">
-                          <a:latin typeface="Cambria Math" panose="02040503050406030204" pitchFamily="18" charset="0"/>
-                        </a:rPr>
-                        <m:t>𝜆</m:t>
-                      </m:r>
-                      <m:sSub>
-                        <m:sSubPr>
-                          <m:ctrlPr>
-                            <a:rPr kumimoji="1" lang="en-US" altLang="ja-JP" b="0" i="1" smtClean="0">
-                              <a:latin typeface="Cambria Math" panose="02040503050406030204" pitchFamily="18" charset="0"/>
-                            </a:rPr>
-                          </m:ctrlPr>
-                        </m:sSubPr>
-                        <m:e>
-                          <m:r>
-                            <a:rPr kumimoji="1" lang="en-US" altLang="ja-JP" b="0" i="1" smtClean="0">
-                              <a:latin typeface="Cambria Math" panose="02040503050406030204" pitchFamily="18" charset="0"/>
-                            </a:rPr>
-                            <m:t>𝐿</m:t>
-                          </m:r>
-                        </m:e>
-                        <m:sub>
-                          <m:r>
-                            <a:rPr kumimoji="1" lang="en-US" altLang="ja-JP" b="0" i="1" smtClean="0">
-                              <a:latin typeface="Cambria Math" panose="02040503050406030204" pitchFamily="18" charset="0"/>
-                            </a:rPr>
-                            <m:t>𝑈</m:t>
-                          </m:r>
-                        </m:sub>
-                      </m:sSub>
-                      <m:r>
-                        <a:rPr kumimoji="1" lang="en-US" altLang="ja-JP" b="0" i="1" smtClean="0">
-                          <a:latin typeface="Cambria Math" panose="02040503050406030204" pitchFamily="18" charset="0"/>
-                        </a:rPr>
-                        <m:t>(</m:t>
-                      </m:r>
-                      <m:r>
-                        <a:rPr kumimoji="1" lang="ja-JP" altLang="en-US" b="0" i="1" smtClean="0">
-                          <a:latin typeface="Cambria Math" panose="02040503050406030204" pitchFamily="18" charset="0"/>
-                        </a:rPr>
-                        <m:t>𝒰</m:t>
-                      </m:r>
-                      <m:r>
-                        <a:rPr kumimoji="1" lang="en-US" altLang="ja-JP" b="0" i="1" smtClean="0">
-                          <a:latin typeface="Cambria Math" panose="02040503050406030204" pitchFamily="18" charset="0"/>
-                        </a:rPr>
-                        <m:t>,</m:t>
-                      </m:r>
-                      <m:r>
-                        <a:rPr kumimoji="1" lang="ja-JP" altLang="en-US" b="0" i="1" smtClean="0">
-                          <a:latin typeface="Cambria Math" panose="02040503050406030204" pitchFamily="18" charset="0"/>
-                        </a:rPr>
-                        <m:t>𝜃</m:t>
-                      </m:r>
-                      <m:r>
-                        <a:rPr kumimoji="1" lang="en-US" altLang="ja-JP" b="0" i="1" smtClean="0">
-                          <a:latin typeface="Cambria Math" panose="02040503050406030204" pitchFamily="18" charset="0"/>
-                        </a:rPr>
-                        <m:t>,</m:t>
-                      </m:r>
-                      <m:r>
-                        <a:rPr kumimoji="1" lang="en-US" altLang="ja-JP" b="1" i="1" smtClean="0">
-                          <a:latin typeface="Cambria Math" panose="02040503050406030204" pitchFamily="18" charset="0"/>
-                        </a:rPr>
-                        <m:t>𝒎</m:t>
-                      </m:r>
-                      <m:r>
-                        <a:rPr kumimoji="1" lang="en-US" altLang="ja-JP" b="0" i="1" smtClean="0">
-                          <a:latin typeface="Cambria Math" panose="02040503050406030204" pitchFamily="18" charset="0"/>
-                        </a:rPr>
-                        <m:t>)</m:t>
-                      </m:r>
-                    </m:oMath>
-                  </m:oMathPara>
-                </a14:m>
-                <a:endParaRPr kumimoji="1" lang="ja-JP" altLang="en-US" dirty="0"/>
-              </a:p>
-            </p:txBody>
-          </p:sp>
-        </mc:Choice>
-        <mc:Fallback>
-          <p:sp>
-            <p:nvSpPr>
-              <p:cNvPr id="3" name="テキスト ボックス 2"/>
-              <p:cNvSpPr txBox="1">
-                <a:spLocks noRot="1" noChangeAspect="1" noMove="1" noResize="1" noEditPoints="1" noAdjustHandles="1" noChangeArrowheads="1" noChangeShapeType="1" noTextEdit="1"/>
-              </p:cNvSpPr>
-              <p:nvPr/>
-            </p:nvSpPr>
-            <p:spPr>
-              <a:xfrm>
-                <a:off x="600056" y="1497038"/>
-                <a:ext cx="2824299" cy="276999"/>
-              </a:xfrm>
-              <a:prstGeom prst="rect">
-                <a:avLst/>
-              </a:prstGeom>
-              <a:blipFill rotWithShape="0">
-                <a:blip r:embed="rId10"/>
-                <a:stretch>
-                  <a:fillRect l="-1724" t="-4444" r="-2802" b="-35556"/>
-                </a:stretch>
-              </a:blipFill>
-            </p:spPr>
-            <p:txBody>
-              <a:bodyPr/>
-              <a:lstStyle/>
-              <a:p>
-                <a:r>
-                  <a:rPr lang="ja-JP" altLang="en-US">
-                    <a:noFill/>
-                  </a:rPr>
-                  <a:t> </a:t>
-                </a:r>
-              </a:p>
-            </p:txBody>
-          </p:sp>
-        </mc:Fallback>
-      </mc:AlternateContent>
-      <mc:AlternateContent xmlns:mc="http://schemas.openxmlformats.org/markup-compatibility/2006">
-        <mc:Choice xmlns:a14="http://schemas.microsoft.com/office/drawing/2010/main" Requires="a14">
-          <p:sp>
-            <p:nvSpPr>
-              <p:cNvPr id="18" name="テキスト ボックス 17"/>
-              <p:cNvSpPr txBox="1"/>
-              <p:nvPr/>
-            </p:nvSpPr>
-            <p:spPr>
-              <a:xfrm>
-                <a:off x="783372" y="1867746"/>
-                <a:ext cx="3572773" cy="703526"/>
-              </a:xfrm>
-              <a:prstGeom prst="rect">
-                <a:avLst/>
-              </a:prstGeom>
-              <a:noFill/>
-            </p:spPr>
-            <p:txBody>
-              <a:bodyPr wrap="none" lIns="0" tIns="0" rIns="0" bIns="0" rtlCol="0">
-                <a:spAutoFit/>
-              </a:bodyPr>
-              <a:lstStyle/>
-              <a:p>
-                <a14:m>
-                  <m:oMathPara xmlns:m="http://schemas.openxmlformats.org/officeDocument/2006/math">
-                    <m:oMathParaPr>
-                      <m:jc m:val="centerGroup"/>
-                    </m:oMathParaPr>
-                    <m:oMath xmlns:m="http://schemas.openxmlformats.org/officeDocument/2006/math">
-                      <m:r>
-                        <a:rPr kumimoji="1" lang="en-US" altLang="ja-JP" b="0" i="1" smtClean="0">
-                          <a:latin typeface="Cambria Math" panose="02040503050406030204" pitchFamily="18" charset="0"/>
-                        </a:rPr>
-                        <m:t>=</m:t>
-                      </m:r>
-                      <m:nary>
-                        <m:naryPr>
-                          <m:chr m:val="∑"/>
-                          <m:supHide m:val="on"/>
-                          <m:ctrlPr>
-                            <a:rPr kumimoji="1" lang="en-US" altLang="ja-JP" b="0" i="1" smtClean="0">
-                              <a:latin typeface="Cambria Math" panose="02040503050406030204" pitchFamily="18" charset="0"/>
-                            </a:rPr>
-                          </m:ctrlPr>
-                        </m:naryPr>
-                        <m:sub>
-                          <m:r>
-                            <m:rPr>
-                              <m:brk m:alnAt="7"/>
-                            </m:rPr>
-                            <a:rPr kumimoji="1" lang="en-US" altLang="ja-JP" b="0" i="1" smtClean="0">
-                              <a:latin typeface="Cambria Math" panose="02040503050406030204" pitchFamily="18" charset="0"/>
-                            </a:rPr>
-                            <m:t>𝑖</m:t>
-                          </m:r>
-                          <m:r>
-                            <a:rPr kumimoji="1" lang="en-US" altLang="ja-JP" b="0" i="1" smtClean="0">
-                              <a:latin typeface="Cambria Math" panose="02040503050406030204" pitchFamily="18" charset="0"/>
-                              <a:ea typeface="Cambria Math" panose="02040503050406030204" pitchFamily="18" charset="0"/>
-                            </a:rPr>
-                            <m:t>∈</m:t>
-                          </m:r>
-                          <m:r>
-                            <a:rPr kumimoji="1" lang="en-US" altLang="ja-JP" b="0" i="1" smtClean="0">
-                              <a:latin typeface="Cambria Math" panose="02040503050406030204" pitchFamily="18" charset="0"/>
-                              <a:ea typeface="Cambria Math" panose="02040503050406030204" pitchFamily="18" charset="0"/>
-                            </a:rPr>
-                            <m:t>𝐷</m:t>
-                          </m:r>
-                        </m:sub>
-                        <m:sup/>
-                        <m:e>
-                          <m:sSub>
-                            <m:sSubPr>
-                              <m:ctrlPr>
-                                <a:rPr kumimoji="1" lang="en-US" altLang="ja-JP" b="0" i="1" smtClean="0">
-                                  <a:latin typeface="Cambria Math" panose="02040503050406030204" pitchFamily="18" charset="0"/>
-                                </a:rPr>
-                              </m:ctrlPr>
-                            </m:sSubPr>
-                            <m:e>
-                              <m:r>
-                                <a:rPr kumimoji="1" lang="en-US" altLang="ja-JP" b="0" i="1" smtClean="0">
-                                  <a:latin typeface="Cambria Math" panose="02040503050406030204" pitchFamily="18" charset="0"/>
-                                </a:rPr>
-                                <m:t>𝑙</m:t>
-                              </m:r>
-                            </m:e>
-                            <m:sub>
-                              <m:r>
-                                <a:rPr kumimoji="1" lang="en-US" altLang="ja-JP" b="0" i="1" smtClean="0">
-                                  <a:latin typeface="Cambria Math" panose="02040503050406030204" pitchFamily="18" charset="0"/>
-                                </a:rPr>
-                                <m:t>𝑠</m:t>
-                              </m:r>
-                            </m:sub>
-                          </m:sSub>
-                          <m:r>
-                            <a:rPr kumimoji="1" lang="en-US" altLang="ja-JP" b="0" i="1" smtClean="0">
-                              <a:latin typeface="Cambria Math" panose="02040503050406030204" pitchFamily="18" charset="0"/>
-                            </a:rPr>
-                            <m:t>(</m:t>
-                          </m:r>
-                          <m:sSub>
-                            <m:sSubPr>
-                              <m:ctrlPr>
-                                <a:rPr kumimoji="1" lang="en-US" altLang="ja-JP" b="0" i="1" smtClean="0">
-                                  <a:latin typeface="Cambria Math" panose="02040503050406030204" pitchFamily="18" charset="0"/>
-                                </a:rPr>
-                              </m:ctrlPr>
-                            </m:sSubPr>
-                            <m:e>
-                              <m:r>
-                                <a:rPr kumimoji="1" lang="en-US" altLang="ja-JP" b="0" i="1" smtClean="0">
-                                  <a:latin typeface="Cambria Math" panose="02040503050406030204" pitchFamily="18" charset="0"/>
-                                </a:rPr>
-                                <m:t>𝑥</m:t>
-                              </m:r>
-                            </m:e>
-                            <m:sub>
-                              <m:r>
-                                <a:rPr kumimoji="1" lang="en-US" altLang="ja-JP" b="0" i="1" smtClean="0">
-                                  <a:latin typeface="Cambria Math" panose="02040503050406030204" pitchFamily="18" charset="0"/>
-                                </a:rPr>
-                                <m:t>𝑖</m:t>
-                              </m:r>
-                            </m:sub>
-                          </m:sSub>
-                          <m:r>
-                            <a:rPr kumimoji="1" lang="en-US" altLang="ja-JP" b="0" i="1" smtClean="0">
-                              <a:latin typeface="Cambria Math" panose="02040503050406030204" pitchFamily="18" charset="0"/>
-                            </a:rPr>
-                            <m:t>,</m:t>
-                          </m:r>
-                          <m:sSub>
-                            <m:sSubPr>
-                              <m:ctrlPr>
-                                <a:rPr kumimoji="1" lang="en-US" altLang="ja-JP" b="0" i="1" smtClean="0">
-                                  <a:latin typeface="Cambria Math" panose="02040503050406030204" pitchFamily="18" charset="0"/>
-                                </a:rPr>
-                              </m:ctrlPr>
-                            </m:sSubPr>
-                            <m:e>
-                              <m:r>
-                                <a:rPr kumimoji="1" lang="en-US" altLang="ja-JP" b="0" i="1" smtClean="0">
-                                  <a:latin typeface="Cambria Math" panose="02040503050406030204" pitchFamily="18" charset="0"/>
-                                </a:rPr>
-                                <m:t>𝑦</m:t>
-                              </m:r>
-                            </m:e>
-                            <m:sub>
-                              <m:r>
-                                <a:rPr kumimoji="1" lang="en-US" altLang="ja-JP" b="0" i="1" smtClean="0">
-                                  <a:latin typeface="Cambria Math" panose="02040503050406030204" pitchFamily="18" charset="0"/>
-                                </a:rPr>
-                                <m:t>𝑖</m:t>
-                              </m:r>
-                            </m:sub>
-                          </m:sSub>
-                          <m:r>
-                            <a:rPr kumimoji="1" lang="en-US" altLang="ja-JP" b="0" i="1" smtClean="0">
-                              <a:latin typeface="Cambria Math" panose="02040503050406030204" pitchFamily="18" charset="0"/>
-                            </a:rPr>
-                            <m:t>, </m:t>
-                          </m:r>
-                          <m:r>
-                            <a:rPr kumimoji="1" lang="ja-JP" altLang="en-US" b="0" i="1" smtClean="0">
-                              <a:latin typeface="Cambria Math" panose="02040503050406030204" pitchFamily="18" charset="0"/>
-                            </a:rPr>
-                            <m:t>𝜃</m:t>
-                          </m:r>
-                          <m:r>
-                            <a:rPr kumimoji="1" lang="en-US" altLang="ja-JP" b="0" i="1" smtClean="0">
-                              <a:latin typeface="Cambria Math" panose="02040503050406030204" pitchFamily="18" charset="0"/>
-                            </a:rPr>
-                            <m:t>)</m:t>
-                          </m:r>
-                        </m:e>
-                      </m:nary>
-                      <m:r>
-                        <a:rPr kumimoji="1" lang="en-US" altLang="ja-JP" b="0" i="1" smtClean="0">
-                          <a:latin typeface="Cambria Math" panose="02040503050406030204" pitchFamily="18" charset="0"/>
-                        </a:rPr>
-                        <m:t>+</m:t>
-                      </m:r>
-                      <m:r>
-                        <a:rPr lang="ja-JP" altLang="en-US" i="1">
-                          <a:latin typeface="Cambria Math" panose="02040503050406030204" pitchFamily="18" charset="0"/>
-                        </a:rPr>
-                        <m:t>𝜆</m:t>
-                      </m:r>
-                      <m:nary>
-                        <m:naryPr>
-                          <m:chr m:val="∑"/>
-                          <m:supHide m:val="on"/>
-                          <m:ctrlPr>
-                            <a:rPr kumimoji="1" lang="en-US" altLang="ja-JP" b="0" i="1" smtClean="0">
-                              <a:latin typeface="Cambria Math" panose="02040503050406030204" pitchFamily="18" charset="0"/>
-                            </a:rPr>
-                          </m:ctrlPr>
-                        </m:naryPr>
-                        <m:sub>
-                          <m:r>
-                            <m:rPr>
-                              <m:brk m:alnAt="7"/>
-                            </m:rPr>
-                            <a:rPr kumimoji="1" lang="en-US" altLang="ja-JP" b="0" i="1" smtClean="0">
-                              <a:latin typeface="Cambria Math" panose="02040503050406030204" pitchFamily="18" charset="0"/>
-                            </a:rPr>
-                            <m:t>𝑗</m:t>
-                          </m:r>
-                          <m:r>
-                            <a:rPr kumimoji="1" lang="ja-JP" altLang="en-US" b="0" i="1" smtClean="0">
-                              <a:latin typeface="Cambria Math" panose="02040503050406030204" pitchFamily="18" charset="0"/>
-                            </a:rPr>
-                            <m:t>𝜖</m:t>
-                          </m:r>
-                          <m:r>
-                            <a:rPr kumimoji="1" lang="ja-JP" altLang="en-US" b="0" i="1" smtClean="0">
-                              <a:latin typeface="Cambria Math" panose="02040503050406030204" pitchFamily="18" charset="0"/>
-                            </a:rPr>
-                            <m:t>𝒰</m:t>
-                          </m:r>
-                        </m:sub>
-                        <m:sup/>
-                        <m:e>
-                          <m:sSub>
-                            <m:sSubPr>
-                              <m:ctrlPr>
-                                <a:rPr kumimoji="1" lang="en-US" altLang="ja-JP" b="0" i="1" smtClean="0">
-                                  <a:latin typeface="Cambria Math" panose="02040503050406030204" pitchFamily="18" charset="0"/>
-                                </a:rPr>
-                              </m:ctrlPr>
-                            </m:sSubPr>
-                            <m:e>
-                              <m:sSub>
-                                <m:sSubPr>
-                                  <m:ctrlPr>
-                                    <a:rPr kumimoji="1" lang="en-US" altLang="ja-JP" b="0" i="1" smtClean="0">
-                                      <a:latin typeface="Cambria Math" panose="02040503050406030204" pitchFamily="18" charset="0"/>
-                                    </a:rPr>
-                                  </m:ctrlPr>
-                                </m:sSubPr>
-                                <m:e>
-                                  <m:r>
-                                    <a:rPr kumimoji="1" lang="en-US" altLang="ja-JP" b="1" i="1" smtClean="0">
-                                      <a:latin typeface="Cambria Math" panose="02040503050406030204" pitchFamily="18" charset="0"/>
-                                    </a:rPr>
-                                    <m:t>𝒎</m:t>
-                                  </m:r>
-                                </m:e>
-                                <m:sub>
-                                  <m:r>
-                                    <a:rPr kumimoji="1" lang="en-US" altLang="ja-JP" b="0" i="1" smtClean="0">
-                                      <a:latin typeface="Cambria Math" panose="02040503050406030204" pitchFamily="18" charset="0"/>
-                                    </a:rPr>
-                                    <m:t>𝑖</m:t>
-                                  </m:r>
-                                </m:sub>
-                              </m:sSub>
-                              <m:r>
-                                <a:rPr kumimoji="1" lang="en-US" altLang="ja-JP" b="0" i="1" smtClean="0">
-                                  <a:latin typeface="Cambria Math" panose="02040503050406030204" pitchFamily="18" charset="0"/>
-                                </a:rPr>
-                                <m:t>𝑙</m:t>
-                              </m:r>
-                            </m:e>
-                            <m:sub>
-                              <m:r>
-                                <a:rPr kumimoji="1" lang="en-US" altLang="ja-JP" b="0" i="1" smtClean="0">
-                                  <a:latin typeface="Cambria Math" panose="02040503050406030204" pitchFamily="18" charset="0"/>
-                                </a:rPr>
-                                <m:t>𝑢</m:t>
-                              </m:r>
-                            </m:sub>
-                          </m:sSub>
-                          <m:r>
-                            <a:rPr kumimoji="1" lang="en-US" altLang="ja-JP" b="0" i="1" smtClean="0">
-                              <a:latin typeface="Cambria Math" panose="02040503050406030204" pitchFamily="18" charset="0"/>
-                            </a:rPr>
-                            <m:t>(</m:t>
-                          </m:r>
-                          <m:sSub>
-                            <m:sSubPr>
-                              <m:ctrlPr>
-                                <a:rPr kumimoji="1" lang="en-US" altLang="ja-JP" b="0" i="1" smtClean="0">
-                                  <a:latin typeface="Cambria Math" panose="02040503050406030204" pitchFamily="18" charset="0"/>
-                                </a:rPr>
-                              </m:ctrlPr>
-                            </m:sSubPr>
-                            <m:e>
-                              <m:r>
-                                <a:rPr kumimoji="1" lang="en-US" altLang="ja-JP" b="0" i="1" smtClean="0">
-                                  <a:latin typeface="Cambria Math" panose="02040503050406030204" pitchFamily="18" charset="0"/>
-                                </a:rPr>
-                                <m:t>𝑥</m:t>
-                              </m:r>
-                            </m:e>
-                            <m:sub>
-                              <m:r>
-                                <a:rPr kumimoji="1" lang="en-US" altLang="ja-JP" b="0" i="1" smtClean="0">
-                                  <a:latin typeface="Cambria Math" panose="02040503050406030204" pitchFamily="18" charset="0"/>
-                                </a:rPr>
-                                <m:t>𝑗</m:t>
-                              </m:r>
-                            </m:sub>
-                          </m:sSub>
-                          <m:r>
-                            <a:rPr kumimoji="1" lang="en-US" altLang="ja-JP" b="0" i="1" smtClean="0">
-                              <a:latin typeface="Cambria Math" panose="02040503050406030204" pitchFamily="18" charset="0"/>
-                            </a:rPr>
-                            <m:t>,</m:t>
-                          </m:r>
-                          <m:r>
-                            <a:rPr kumimoji="1" lang="ja-JP" altLang="en-US" b="0" i="1" smtClean="0">
-                              <a:latin typeface="Cambria Math" panose="02040503050406030204" pitchFamily="18" charset="0"/>
-                            </a:rPr>
-                            <m:t>𝜃</m:t>
-                          </m:r>
-                          <m:r>
-                            <a:rPr kumimoji="1" lang="en-US" altLang="ja-JP" b="0" i="1" smtClean="0">
-                              <a:latin typeface="Cambria Math" panose="02040503050406030204" pitchFamily="18" charset="0"/>
-                            </a:rPr>
-                            <m:t>)</m:t>
-                          </m:r>
-                        </m:e>
-                      </m:nary>
-                    </m:oMath>
-                  </m:oMathPara>
-                </a14:m>
-                <a:endParaRPr kumimoji="1" lang="ja-JP" altLang="en-US" dirty="0"/>
-              </a:p>
-            </p:txBody>
-          </p:sp>
-        </mc:Choice>
-        <mc:Fallback>
-          <p:sp>
-            <p:nvSpPr>
-              <p:cNvPr id="18" name="テキスト ボックス 17"/>
-              <p:cNvSpPr txBox="1">
-                <a:spLocks noRot="1" noChangeAspect="1" noMove="1" noResize="1" noEditPoints="1" noAdjustHandles="1" noChangeArrowheads="1" noChangeShapeType="1" noTextEdit="1"/>
-              </p:cNvSpPr>
-              <p:nvPr/>
-            </p:nvSpPr>
-            <p:spPr>
-              <a:xfrm>
-                <a:off x="783372" y="1867746"/>
-                <a:ext cx="3572773" cy="703526"/>
-              </a:xfrm>
-              <a:prstGeom prst="rect">
-                <a:avLst/>
-              </a:prstGeom>
-              <a:blipFill rotWithShape="0">
-                <a:blip r:embed="rId11"/>
-                <a:stretch>
-                  <a:fillRect/>
-                </a:stretch>
-              </a:blipFill>
-            </p:spPr>
-            <p:txBody>
-              <a:bodyPr/>
-              <a:lstStyle/>
-              <a:p>
-                <a:r>
-                  <a:rPr lang="ja-JP" altLang="en-US">
-                    <a:noFill/>
-                  </a:rPr>
-                  <a:t> </a:t>
-                </a:r>
-              </a:p>
-            </p:txBody>
-          </p:sp>
-        </mc:Fallback>
-      </mc:AlternateContent>
-    </p:spTree>
-    <p:extLst>
-      <p:ext uri="{BB962C8B-B14F-4D97-AF65-F5344CB8AC3E}">
-        <p14:creationId xmlns:p14="http://schemas.microsoft.com/office/powerpoint/2010/main" val="1074246708"/>
-      </p:ext>
-    </p:extLst>
-  </p:cSld>
-  <p:clrMapOvr>
-    <a:masterClrMapping/>
-  </p:clrMapOvr>
-</p:sld>
-</file>
-
-<file path=ppt/slides/slide7.xml><?xml version="1.0" encoding="utf-8"?>
-<p:sld xmlns:a="http://schemas.openxmlformats.org/drawingml/2006/main" xmlns:r="http://schemas.openxmlformats.org/officeDocument/2006/relationships" xmlns:p="http://schemas.openxmlformats.org/presentationml/2006/main">
-  <p:cSld>
-    <p:spTree>
-      <p:nvGrpSpPr>
-        <p:cNvPr id="1" name=""/>
-        <p:cNvGrpSpPr/>
-        <p:nvPr/>
-      </p:nvGrpSpPr>
-      <p:grpSpPr>
-        <a:xfrm>
-          <a:off x="0" y="0"/>
-          <a:ext cx="0" cy="0"/>
-          <a:chOff x="0" y="0"/>
-          <a:chExt cx="0" cy="0"/>
-        </a:xfrm>
-      </p:grpSpPr>
-      <p:sp>
-        <p:nvSpPr>
-          <p:cNvPr id="2" name="タイトル 1"/>
-          <p:cNvSpPr>
-            <a:spLocks noGrp="1"/>
-          </p:cNvSpPr>
-          <p:nvPr>
-            <p:ph type="ctrTitle"/>
-          </p:nvPr>
-        </p:nvSpPr>
-        <p:spPr>
-          <a:xfrm>
-            <a:off x="0" y="0"/>
-            <a:ext cx="9144000" cy="727305"/>
-          </a:xfrm>
-        </p:spPr>
-        <p:txBody>
-          <a:bodyPr anchor="b">
-            <a:noAutofit/>
-          </a:bodyPr>
-          <a:lstStyle/>
-          <a:p>
-            <a:pPr algn="l">
-              <a:lnSpc>
-                <a:spcPct val="100000"/>
-              </a:lnSpc>
-            </a:pPr>
+              <a:t>１</a:t>
+            </a:r>
             <a:r>
               <a:rPr lang="ja-JP" altLang="en-US" sz="3200" dirty="0" smtClean="0">
                 <a:latin typeface="メイリオ" panose="020B0604030504040204" pitchFamily="50" charset="-128"/>
                 <a:ea typeface="メイリオ" panose="020B0604030504040204" pitchFamily="50" charset="-128"/>
               </a:rPr>
-              <a:t>４</a:t>
-            </a:r>
-            <a:r>
-              <a:rPr lang="en-US" altLang="ja-JP" sz="3200" dirty="0" smtClean="0">
-                <a:latin typeface="メイリオ" panose="020B0604030504040204" pitchFamily="50" charset="-128"/>
-                <a:ea typeface="メイリオ" panose="020B0604030504040204" pitchFamily="50" charset="-128"/>
-              </a:rPr>
-              <a:t>-</a:t>
-            </a:r>
-            <a:r>
-              <a:rPr lang="ja-JP" altLang="en-US" sz="3200" dirty="0" smtClean="0">
-                <a:latin typeface="メイリオ" panose="020B0604030504040204" pitchFamily="50" charset="-128"/>
-                <a:ea typeface="メイリオ" panose="020B0604030504040204" pitchFamily="50" charset="-128"/>
-              </a:rPr>
-              <a:t>１．教師ありデータの実験</a:t>
+              <a:t>．通常の半教師あり学習の実験</a:t>
             </a:r>
             <a:endParaRPr lang="ja-JP" altLang="en-US" sz="3200" dirty="0">
               <a:latin typeface="メイリオ" panose="020B0604030504040204" pitchFamily="50" charset="-128"/>
@@ -14111,14 +11343,14 @@
           <p:nvPr>
             <p:extLst>
               <p:ext uri="{D42A27DB-BD31-4B8C-83A1-F6EECF244321}">
-                <p14:modId xmlns:p14="http://schemas.microsoft.com/office/powerpoint/2010/main" val="2777273999"/>
+                <p14:modId xmlns:p14="http://schemas.microsoft.com/office/powerpoint/2010/main" val="2937917551"/>
               </p:ext>
             </p:extLst>
           </p:nvPr>
         </p:nvGraphicFramePr>
         <p:xfrm>
-          <a:off x="720916" y="3320775"/>
-          <a:ext cx="7476877" cy="2560320"/>
+          <a:off x="705152" y="3880451"/>
+          <a:ext cx="7476877" cy="2189480"/>
         </p:xfrm>
         <a:graphic>
           <a:graphicData uri="http://schemas.openxmlformats.org/drawingml/2006/table">
@@ -14244,64 +11476,6 @@
                           <a:latin typeface="メイリオ" panose="020B0604030504040204" pitchFamily="50" charset="-128"/>
                           <a:ea typeface="メイリオ" panose="020B0604030504040204" pitchFamily="50" charset="-128"/>
                         </a:rPr>
-                        <a:t>SS + FNN</a:t>
-                      </a:r>
-                      <a:endParaRPr kumimoji="1" lang="ja-JP" altLang="en-US" sz="1600" dirty="0">
-                        <a:latin typeface="メイリオ" panose="020B0604030504040204" pitchFamily="50" charset="-128"/>
-                        <a:ea typeface="メイリオ" panose="020B0604030504040204" pitchFamily="50" charset="-128"/>
-                      </a:endParaRPr>
-                    </a:p>
-                  </a:txBody>
-                  <a:tcPr anchor="ctr"/>
-                </a:tc>
-                <a:tc>
-                  <a:txBody>
-                    <a:bodyPr/>
-                    <a:lstStyle/>
-                    <a:p>
-                      <a:pPr algn="l"/>
-                      <a:r>
-                        <a:rPr kumimoji="1" lang="en-US" altLang="ja-JP" sz="1600" dirty="0" smtClean="0">
-                          <a:latin typeface="メイリオ" panose="020B0604030504040204" pitchFamily="50" charset="-128"/>
-                          <a:ea typeface="メイリオ" panose="020B0604030504040204" pitchFamily="50" charset="-128"/>
-                        </a:rPr>
-                        <a:t>KNN</a:t>
-                      </a:r>
-                      <a:r>
-                        <a:rPr kumimoji="1" lang="ja-JP" altLang="en-US" sz="1600" dirty="0" smtClean="0">
-                          <a:latin typeface="メイリオ" panose="020B0604030504040204" pitchFamily="50" charset="-128"/>
-                          <a:ea typeface="メイリオ" panose="020B0604030504040204" pitchFamily="50" charset="-128"/>
-                        </a:rPr>
-                        <a:t>劣モジュラ関数の使用</a:t>
-                      </a:r>
-                      <a:r>
-                        <a:rPr kumimoji="1" lang="en-US" altLang="ja-JP" sz="1600" dirty="0" smtClean="0">
-                          <a:latin typeface="メイリオ" panose="020B0604030504040204" pitchFamily="50" charset="-128"/>
-                          <a:ea typeface="メイリオ" panose="020B0604030504040204" pitchFamily="50" charset="-128"/>
-                        </a:rPr>
-                        <a:t>(2015)</a:t>
-                      </a:r>
-                      <a:endParaRPr kumimoji="1" lang="ja-JP" altLang="en-US" sz="1600" dirty="0">
-                        <a:latin typeface="メイリオ" panose="020B0604030504040204" pitchFamily="50" charset="-128"/>
-                        <a:ea typeface="メイリオ" panose="020B0604030504040204" pitchFamily="50" charset="-128"/>
-                      </a:endParaRPr>
-                    </a:p>
-                  </a:txBody>
-                  <a:tcPr anchor="ctr"/>
-                </a:tc>
-              </a:tr>
-              <a:tr h="370840">
-                <a:tc>
-                  <a:txBody>
-                    <a:bodyPr/>
-                    <a:lstStyle/>
-                    <a:p>
-                      <a:pPr algn="ctr"/>
-                      <a:r>
-                        <a:rPr kumimoji="1" lang="en-US" altLang="ja-JP" sz="1600" dirty="0" smtClean="0">
-                          <a:latin typeface="メイリオ" panose="020B0604030504040204" pitchFamily="50" charset="-128"/>
-                          <a:ea typeface="メイリオ" panose="020B0604030504040204" pitchFamily="50" charset="-128"/>
-                        </a:rPr>
                         <a:t>Random</a:t>
                       </a:r>
                       <a:endParaRPr kumimoji="1" lang="ja-JP" altLang="en-US" sz="1600" dirty="0">
@@ -14346,7 +11520,116 @@
                           <a:latin typeface="メイリオ" panose="020B0604030504040204" pitchFamily="50" charset="-128"/>
                           <a:ea typeface="メイリオ" panose="020B0604030504040204" pitchFamily="50" charset="-128"/>
                         </a:rPr>
-                        <a:t>F-GLISTER</a:t>
+                        <a:t>Grad-Match</a:t>
+                      </a:r>
+                      <a:endParaRPr kumimoji="1" lang="ja-JP" altLang="en-US" sz="1600" dirty="0">
+                        <a:latin typeface="メイリオ" panose="020B0604030504040204" pitchFamily="50" charset="-128"/>
+                        <a:ea typeface="メイリオ" panose="020B0604030504040204" pitchFamily="50" charset="-128"/>
+                      </a:endParaRPr>
+                    </a:p>
+                  </a:txBody>
+                  <a:tcPr anchor="ctr"/>
+                </a:tc>
+                <a:tc>
+                  <a:txBody>
+                    <a:bodyPr/>
+                    <a:lstStyle/>
+                    <a:p>
+                      <a:pPr algn="l"/>
+                      <a:r>
+                        <a:rPr kumimoji="1" lang="ja-JP" altLang="en-US" sz="1600" dirty="0" smtClean="0">
+                          <a:latin typeface="メイリオ" panose="020B0604030504040204" pitchFamily="50" charset="-128"/>
+                          <a:ea typeface="メイリオ" panose="020B0604030504040204" pitchFamily="50" charset="-128"/>
+                        </a:rPr>
+                        <a:t>直交マッチング追跡アルゴリズム（</a:t>
+                      </a:r>
+                      <a:r>
+                        <a:rPr kumimoji="1" lang="en-US" altLang="ja-JP" sz="1600" dirty="0" smtClean="0">
+                          <a:latin typeface="メイリオ" panose="020B0604030504040204" pitchFamily="50" charset="-128"/>
+                          <a:ea typeface="メイリオ" panose="020B0604030504040204" pitchFamily="50" charset="-128"/>
+                        </a:rPr>
+                        <a:t>2021</a:t>
+                      </a:r>
+                      <a:r>
+                        <a:rPr kumimoji="1" lang="ja-JP" altLang="en-US" sz="1600" dirty="0" smtClean="0">
+                          <a:latin typeface="メイリオ" panose="020B0604030504040204" pitchFamily="50" charset="-128"/>
+                          <a:ea typeface="メイリオ" panose="020B0604030504040204" pitchFamily="50" charset="-128"/>
+                        </a:rPr>
+                        <a:t>）</a:t>
+                      </a:r>
+                      <a:endParaRPr kumimoji="1" lang="en-US" altLang="ja-JP" sz="1600" dirty="0" smtClean="0">
+                        <a:latin typeface="メイリオ" panose="020B0604030504040204" pitchFamily="50" charset="-128"/>
+                        <a:ea typeface="メイリオ" panose="020B0604030504040204" pitchFamily="50" charset="-128"/>
+                      </a:endParaRPr>
+                    </a:p>
+                  </a:txBody>
+                  <a:tcPr anchor="ctr"/>
+                </a:tc>
+              </a:tr>
+              <a:tr h="370840">
+                <a:tc>
+                  <a:txBody>
+                    <a:bodyPr/>
+                    <a:lstStyle/>
+                    <a:p>
+                      <a:pPr algn="ctr"/>
+                      <a:r>
+                        <a:rPr kumimoji="1" lang="en-US" altLang="ja-JP" sz="1600" dirty="0" smtClean="0">
+                          <a:latin typeface="メイリオ" panose="020B0604030504040204" pitchFamily="50" charset="-128"/>
+                          <a:ea typeface="メイリオ" panose="020B0604030504040204" pitchFamily="50" charset="-128"/>
+                        </a:rPr>
+                        <a:t>Full-</a:t>
+                      </a:r>
+                      <a:r>
+                        <a:rPr kumimoji="1" lang="en-US" altLang="ja-JP" sz="1600" dirty="0" err="1" smtClean="0">
+                          <a:latin typeface="メイリオ" panose="020B0604030504040204" pitchFamily="50" charset="-128"/>
+                          <a:ea typeface="メイリオ" panose="020B0604030504040204" pitchFamily="50" charset="-128"/>
+                        </a:rPr>
+                        <a:t>Earlystop</a:t>
+                      </a:r>
+                      <a:endParaRPr kumimoji="1" lang="ja-JP" altLang="en-US" sz="1600" dirty="0">
+                        <a:latin typeface="メイリオ" panose="020B0604030504040204" pitchFamily="50" charset="-128"/>
+                        <a:ea typeface="メイリオ" panose="020B0604030504040204" pitchFamily="50" charset="-128"/>
+                      </a:endParaRPr>
+                    </a:p>
+                  </a:txBody>
+                  <a:tcPr anchor="ctr"/>
+                </a:tc>
+                <a:tc>
+                  <a:txBody>
+                    <a:bodyPr/>
+                    <a:lstStyle/>
+                    <a:p>
+                      <a:pPr algn="l"/>
+                      <a:r>
+                        <a:rPr kumimoji="1" lang="ja-JP" altLang="en-US" sz="1600" dirty="0" smtClean="0">
+                          <a:latin typeface="メイリオ" panose="020B0604030504040204" pitchFamily="50" charset="-128"/>
+                          <a:ea typeface="メイリオ" panose="020B0604030504040204" pitchFamily="50" charset="-128"/>
+                        </a:rPr>
+                        <a:t>早期打ち切り（コアセット手法ではない。）</a:t>
+                      </a:r>
+                      <a:endParaRPr kumimoji="1" lang="en-US" altLang="ja-JP" sz="1600" dirty="0" smtClean="0">
+                        <a:latin typeface="メイリオ" panose="020B0604030504040204" pitchFamily="50" charset="-128"/>
+                        <a:ea typeface="メイリオ" panose="020B0604030504040204" pitchFamily="50" charset="-128"/>
+                      </a:endParaRPr>
+                    </a:p>
+                  </a:txBody>
+                  <a:tcPr anchor="ctr"/>
+                </a:tc>
+              </a:tr>
+              <a:tr h="370840">
+                <a:tc>
+                  <a:txBody>
+                    <a:bodyPr/>
+                    <a:lstStyle/>
+                    <a:p>
+                      <a:pPr algn="ctr"/>
+                      <a:r>
+                        <a:rPr kumimoji="1" lang="en-US" altLang="ja-JP" sz="1600" dirty="0" smtClean="0">
+                          <a:latin typeface="メイリオ" panose="020B0604030504040204" pitchFamily="50" charset="-128"/>
+                          <a:ea typeface="メイリオ" panose="020B0604030504040204" pitchFamily="50" charset="-128"/>
+                        </a:rPr>
+                        <a:t>RETRIEVE</a:t>
                       </a:r>
                       <a:endParaRPr kumimoji="1" lang="ja-JP" altLang="en-US" sz="1600" dirty="0">
                         <a:latin typeface="メイリオ" panose="020B0604030504040204" pitchFamily="50" charset="-128"/>
@@ -14367,116 +11650,33 @@
                           <a:latin typeface="メイリオ" panose="020B0604030504040204" pitchFamily="50" charset="-128"/>
                           <a:ea typeface="メイリオ" panose="020B0604030504040204" pitchFamily="50" charset="-128"/>
                         </a:rPr>
-                        <a:t>Facility location</a:t>
+                        <a:t>GLISTER</a:t>
                       </a:r>
                       <a:r>
                         <a:rPr kumimoji="1" lang="ja-JP" altLang="en-US" sz="1600" dirty="0" smtClean="0">
                           <a:latin typeface="メイリオ" panose="020B0604030504040204" pitchFamily="50" charset="-128"/>
                           <a:ea typeface="メイリオ" panose="020B0604030504040204" pitchFamily="50" charset="-128"/>
                         </a:rPr>
-                        <a:t>で正則化された</a:t>
+                        <a:t>を半教師有り学習に適用（</a:t>
                       </a:r>
                       <a:r>
                         <a:rPr kumimoji="1" lang="en-US" altLang="ja-JP" sz="1600" dirty="0" smtClean="0">
                           <a:latin typeface="メイリオ" panose="020B0604030504040204" pitchFamily="50" charset="-128"/>
                           <a:ea typeface="メイリオ" panose="020B0604030504040204" pitchFamily="50" charset="-128"/>
                         </a:rPr>
-                        <a:t>GLISTER</a:t>
+                        <a:t>2022</a:t>
                       </a:r>
-                    </a:p>
-                  </a:txBody>
-                  <a:tcPr anchor="ctr"/>
-                </a:tc>
-              </a:tr>
-              <a:tr h="370840">
-                <a:tc>
-                  <a:txBody>
-                    <a:bodyPr/>
-                    <a:lstStyle/>
-                    <a:p>
-                      <a:pPr algn="ctr"/>
-                      <a:r>
-                        <a:rPr kumimoji="1" lang="en-US" altLang="ja-JP" sz="1600" dirty="0" smtClean="0">
-                          <a:latin typeface="メイリオ" panose="020B0604030504040204" pitchFamily="50" charset="-128"/>
-                          <a:ea typeface="メイリオ" panose="020B0604030504040204" pitchFamily="50" charset="-128"/>
-                        </a:rPr>
-                        <a:t>R-GLISTER</a:t>
-                      </a:r>
-                      <a:endParaRPr kumimoji="1" lang="ja-JP" altLang="en-US" sz="1600" dirty="0">
-                        <a:latin typeface="メイリオ" panose="020B0604030504040204" pitchFamily="50" charset="-128"/>
-                        <a:ea typeface="メイリオ" panose="020B0604030504040204" pitchFamily="50" charset="-128"/>
-                      </a:endParaRPr>
-                    </a:p>
-                  </a:txBody>
-                  <a:tcPr anchor="ctr"/>
-                </a:tc>
-                <a:tc>
-                  <a:txBody>
-                    <a:bodyPr/>
-                    <a:lstStyle/>
-                    <a:p>
-                      <a:pPr algn="l"/>
                       <a:r>
                         <a:rPr kumimoji="1" lang="ja-JP" altLang="en-US" sz="1600" dirty="0" smtClean="0">
                           <a:latin typeface="メイリオ" panose="020B0604030504040204" pitchFamily="50" charset="-128"/>
                           <a:ea typeface="メイリオ" panose="020B0604030504040204" pitchFamily="50" charset="-128"/>
                         </a:rPr>
-                        <a:t>ランダムで正則化された</a:t>
+                        <a:t>）</a:t>
                       </a:r>
-                      <a:r>
-                        <a:rPr kumimoji="1" lang="en-US" altLang="ja-JP" sz="1600" dirty="0" smtClean="0">
-                          <a:latin typeface="メイリオ" panose="020B0604030504040204" pitchFamily="50" charset="-128"/>
-                          <a:ea typeface="メイリオ" panose="020B0604030504040204" pitchFamily="50" charset="-128"/>
-                        </a:rPr>
-                        <a:t>GLISTER</a:t>
-                      </a:r>
-                    </a:p>
-                  </a:txBody>
-                  <a:tcPr anchor="ctr"/>
-                </a:tc>
-              </a:tr>
-              <a:tr h="370840">
-                <a:tc>
-                  <a:txBody>
-                    <a:bodyPr/>
-                    <a:lstStyle/>
-                    <a:p>
-                      <a:pPr algn="ctr"/>
-                      <a:r>
-                        <a:rPr kumimoji="1" lang="en-US" altLang="ja-JP" sz="1600" dirty="0" smtClean="0">
-                          <a:latin typeface="メイリオ" panose="020B0604030504040204" pitchFamily="50" charset="-128"/>
-                          <a:ea typeface="メイリオ" panose="020B0604030504040204" pitchFamily="50" charset="-128"/>
-                        </a:rPr>
-                        <a:t>D-GLISTER</a:t>
-                      </a:r>
-                      <a:endParaRPr kumimoji="1" lang="ja-JP" altLang="en-US" sz="1600" dirty="0">
+                      <a:endParaRPr kumimoji="1" lang="en-US" altLang="ja-JP" sz="1600" dirty="0" smtClean="0">
                         <a:latin typeface="メイリオ" panose="020B0604030504040204" pitchFamily="50" charset="-128"/>
                         <a:ea typeface="メイリオ" panose="020B0604030504040204" pitchFamily="50" charset="-128"/>
                       </a:endParaRPr>
-                    </a:p>
-                  </a:txBody>
-                  <a:tcPr anchor="ctr"/>
-                </a:tc>
-                <a:tc>
-                  <a:txBody>
-                    <a:bodyPr/>
-                    <a:lstStyle/>
-                    <a:p>
-                      <a:pPr algn="l"/>
-                      <a:r>
-                        <a:rPr kumimoji="1" lang="ja-JP" altLang="en-US" sz="1600" dirty="0" smtClean="0">
-                          <a:latin typeface="メイリオ" panose="020B0604030504040204" pitchFamily="50" charset="-128"/>
-                          <a:ea typeface="メイリオ" panose="020B0604030504040204" pitchFamily="50" charset="-128"/>
-                        </a:rPr>
-                        <a:t>多様性で正則化された</a:t>
-                      </a:r>
-                      <a:r>
-                        <a:rPr kumimoji="1" lang="en-US" altLang="ja-JP" sz="1600" dirty="0" smtClean="0">
-                          <a:latin typeface="メイリオ" panose="020B0604030504040204" pitchFamily="50" charset="-128"/>
-                          <a:ea typeface="メイリオ" panose="020B0604030504040204" pitchFamily="50" charset="-128"/>
-                        </a:rPr>
-                        <a:t>GLISTER</a:t>
-                      </a:r>
                     </a:p>
                   </a:txBody>
                   <a:tcPr anchor="ctr"/>
@@ -14548,6 +11748,24 @@
               </a:rPr>
               <a:t>Caifar10</a:t>
             </a:r>
+            <a:r>
+              <a:rPr lang="ja-JP" altLang="en-US" sz="2000" dirty="0" err="1" smtClean="0">
+                <a:latin typeface="メイリオ" panose="020B0604030504040204" pitchFamily="50" charset="-128"/>
+                <a:ea typeface="メイリオ" panose="020B0604030504040204" pitchFamily="50" charset="-128"/>
+              </a:rPr>
+              <a:t>、</a:t>
+            </a:r>
+            <a:r>
+              <a:rPr lang="en-US" altLang="ja-JP" sz="2000" dirty="0" smtClean="0">
+                <a:latin typeface="メイリオ" panose="020B0604030504040204" pitchFamily="50" charset="-128"/>
+                <a:ea typeface="メイリオ" panose="020B0604030504040204" pitchFamily="50" charset="-128"/>
+              </a:rPr>
+              <a:t>SVHN</a:t>
+            </a:r>
+            <a:endParaRPr lang="en-US" altLang="ja-JP" sz="2000" dirty="0" smtClean="0">
+              <a:latin typeface="メイリオ" panose="020B0604030504040204" pitchFamily="50" charset="-128"/>
+              <a:ea typeface="メイリオ" panose="020B0604030504040204" pitchFamily="50" charset="-128"/>
+            </a:endParaRPr>
           </a:p>
           <a:p>
             <a:pPr marL="285750" indent="-285750" algn="l">
@@ -14562,7 +11780,35 @@
                 <a:latin typeface="メイリオ" panose="020B0604030504040204" pitchFamily="50" charset="-128"/>
                 <a:ea typeface="メイリオ" panose="020B0604030504040204" pitchFamily="50" charset="-128"/>
               </a:rPr>
-              <a:t>全ての教師有りのデータから、コアセットを</a:t>
+              <a:t>全て</a:t>
+            </a:r>
+            <a:r>
+              <a:rPr lang="ja-JP" altLang="en-US" sz="2000" dirty="0" smtClean="0">
+                <a:latin typeface="メイリオ" panose="020B0604030504040204" pitchFamily="50" charset="-128"/>
+                <a:ea typeface="メイリオ" panose="020B0604030504040204" pitchFamily="50" charset="-128"/>
+              </a:rPr>
+              <a:t>の</a:t>
+            </a:r>
+            <a:r>
+              <a:rPr lang="ja-JP" altLang="en-US" sz="2000" dirty="0">
+                <a:latin typeface="メイリオ" panose="020B0604030504040204" pitchFamily="50" charset="-128"/>
+                <a:ea typeface="メイリオ" panose="020B0604030504040204" pitchFamily="50" charset="-128"/>
+              </a:rPr>
+              <a:t>教師無し</a:t>
+            </a:r>
+            <a:r>
+              <a:rPr lang="ja-JP" altLang="en-US" sz="2000" dirty="0" smtClean="0">
+                <a:latin typeface="メイリオ" panose="020B0604030504040204" pitchFamily="50" charset="-128"/>
+                <a:ea typeface="メイリオ" panose="020B0604030504040204" pitchFamily="50" charset="-128"/>
+              </a:rPr>
+              <a:t>の</a:t>
+            </a:r>
+            <a:r>
+              <a:rPr lang="ja-JP" altLang="en-US" sz="2000" dirty="0" smtClean="0">
+                <a:latin typeface="メイリオ" panose="020B0604030504040204" pitchFamily="50" charset="-128"/>
+                <a:ea typeface="メイリオ" panose="020B0604030504040204" pitchFamily="50" charset="-128"/>
+              </a:rPr>
+              <a:t>データから、コアセットを</a:t>
             </a:r>
             <a:r>
               <a:rPr lang="en-US" altLang="ja-JP" sz="2000" dirty="0" smtClean="0">
@@ -14576,7 +11822,59 @@
                 <a:latin typeface="メイリオ" panose="020B0604030504040204" pitchFamily="50" charset="-128"/>
                 <a:ea typeface="メイリオ" panose="020B0604030504040204" pitchFamily="50" charset="-128"/>
               </a:rPr>
-              <a:t>ごとに定数個選択し、コアセットを訓練データとして学習を行う。</a:t>
+              <a:t>ごとに定数個選択し、コアセットを訓練</a:t>
+            </a:r>
+            <a:r>
+              <a:rPr lang="ja-JP" altLang="en-US" sz="2000" dirty="0" smtClean="0">
+                <a:latin typeface="メイリオ" panose="020B0604030504040204" pitchFamily="50" charset="-128"/>
+                <a:ea typeface="メイリオ" panose="020B0604030504040204" pitchFamily="50" charset="-128"/>
+              </a:rPr>
+              <a:t>データに含めて半教師有り学習</a:t>
+            </a:r>
+            <a:r>
+              <a:rPr lang="ja-JP" altLang="en-US" sz="2000" dirty="0" smtClean="0">
+                <a:latin typeface="メイリオ" panose="020B0604030504040204" pitchFamily="50" charset="-128"/>
+                <a:ea typeface="メイリオ" panose="020B0604030504040204" pitchFamily="50" charset="-128"/>
+              </a:rPr>
+              <a:t>を行う</a:t>
+            </a:r>
+            <a:r>
+              <a:rPr lang="ja-JP" altLang="en-US" sz="2000" dirty="0" smtClean="0">
+                <a:latin typeface="メイリオ" panose="020B0604030504040204" pitchFamily="50" charset="-128"/>
+                <a:ea typeface="メイリオ" panose="020B0604030504040204" pitchFamily="50" charset="-128"/>
+              </a:rPr>
+              <a:t>。</a:t>
+            </a:r>
+            <a:endParaRPr lang="en-US" altLang="ja-JP" sz="2000" dirty="0" smtClean="0">
+              <a:latin typeface="メイリオ" panose="020B0604030504040204" pitchFamily="50" charset="-128"/>
+              <a:ea typeface="メイリオ" panose="020B0604030504040204" pitchFamily="50" charset="-128"/>
+            </a:endParaRPr>
+          </a:p>
+          <a:p>
+            <a:pPr algn="l">
+              <a:lnSpc>
+                <a:spcPct val="150000"/>
+              </a:lnSpc>
+            </a:pPr>
+            <a:endParaRPr lang="en-US" altLang="ja-JP" sz="2000" dirty="0" smtClean="0">
+              <a:latin typeface="メイリオ" panose="020B0604030504040204" pitchFamily="50" charset="-128"/>
+              <a:ea typeface="メイリオ" panose="020B0604030504040204" pitchFamily="50" charset="-128"/>
+            </a:endParaRPr>
+          </a:p>
+          <a:p>
+            <a:pPr marL="285750" indent="-285750" algn="l">
+              <a:lnSpc>
+                <a:spcPct val="150000"/>
+              </a:lnSpc>
+              <a:buFont typeface="Arial" panose="020B0604020202020204" pitchFamily="34" charset="0"/>
+              <a:buChar char="•"/>
+            </a:pPr>
+            <a:r>
+              <a:rPr lang="ja-JP" altLang="en-US" sz="2000" dirty="0" smtClean="0">
+                <a:latin typeface="メイリオ" panose="020B0604030504040204" pitchFamily="50" charset="-128"/>
+                <a:ea typeface="メイリオ" panose="020B0604030504040204" pitchFamily="50" charset="-128"/>
+              </a:rPr>
+              <a:t>結果は、コアセットを使用しない通常の半教師あり学習と比較する。</a:t>
             </a:r>
             <a:endParaRPr lang="en-US" altLang="ja-JP" sz="2000" dirty="0" smtClean="0">
               <a:latin typeface="メイリオ" panose="020B0604030504040204" pitchFamily="50" charset="-128"/>
@@ -14589,6 +11887,856 @@
     <p:extLst>
       <p:ext uri="{BB962C8B-B14F-4D97-AF65-F5344CB8AC3E}">
         <p14:creationId xmlns:p14="http://schemas.microsoft.com/office/powerpoint/2010/main" val="3524620924"/>
+      </p:ext>
+    </p:extLst>
+  </p:cSld>
+  <p:clrMapOvr>
+    <a:masterClrMapping/>
+  </p:clrMapOvr>
+</p:sld>
+</file>
+
+<file path=ppt/slides/slide7.xml><?xml version="1.0" encoding="utf-8"?>
+<p:sld xmlns:a="http://schemas.openxmlformats.org/drawingml/2006/main" xmlns:r="http://schemas.openxmlformats.org/officeDocument/2006/relationships" xmlns:p="http://schemas.openxmlformats.org/presentationml/2006/main">
+  <p:cSld>
+    <p:spTree>
+      <p:nvGrpSpPr>
+        <p:cNvPr id="1" name=""/>
+        <p:cNvGrpSpPr/>
+        <p:nvPr/>
+      </p:nvGrpSpPr>
+      <p:grpSpPr>
+        <a:xfrm>
+          <a:off x="0" y="0"/>
+          <a:ext cx="0" cy="0"/>
+          <a:chOff x="0" y="0"/>
+          <a:chExt cx="0" cy="0"/>
+        </a:xfrm>
+      </p:grpSpPr>
+      <p:pic>
+        <p:nvPicPr>
+          <p:cNvPr id="9" name="図 8"/>
+          <p:cNvPicPr>
+            <a:picLocks noChangeAspect="1"/>
+          </p:cNvPicPr>
+          <p:nvPr/>
+        </p:nvPicPr>
+        <p:blipFill rotWithShape="1">
+          <a:blip r:embed="rId2"/>
+          <a:srcRect b="15921"/>
+          <a:stretch/>
+        </p:blipFill>
+        <p:spPr>
+          <a:xfrm>
+            <a:off x="510429" y="1097037"/>
+            <a:ext cx="5166155" cy="2866470"/>
+          </a:xfrm>
+          <a:prstGeom prst="rect">
+            <a:avLst/>
+          </a:prstGeom>
+        </p:spPr>
+      </p:pic>
+      <p:sp>
+        <p:nvSpPr>
+          <p:cNvPr id="2" name="タイトル 1"/>
+          <p:cNvSpPr>
+            <a:spLocks noGrp="1"/>
+          </p:cNvSpPr>
+          <p:nvPr>
+            <p:ph type="ctrTitle"/>
+          </p:nvPr>
+        </p:nvSpPr>
+        <p:spPr>
+          <a:xfrm>
+            <a:off x="0" y="-8068"/>
+            <a:ext cx="9144000" cy="727305"/>
+          </a:xfrm>
+        </p:spPr>
+        <p:txBody>
+          <a:bodyPr anchor="b">
+            <a:noAutofit/>
+          </a:bodyPr>
+          <a:lstStyle/>
+          <a:p>
+            <a:pPr algn="l">
+              <a:lnSpc>
+                <a:spcPct val="100000"/>
+              </a:lnSpc>
+            </a:pPr>
+            <a:r>
+              <a:rPr lang="ja-JP" altLang="en-US" sz="3200" dirty="0">
+                <a:latin typeface="メイリオ" panose="020B0604030504040204" pitchFamily="50" charset="-128"/>
+                <a:ea typeface="メイリオ" panose="020B0604030504040204" pitchFamily="50" charset="-128"/>
+              </a:rPr>
+              <a:t>５</a:t>
+            </a:r>
+            <a:r>
+              <a:rPr lang="en-US" altLang="ja-JP" sz="3200" dirty="0" smtClean="0">
+                <a:latin typeface="メイリオ" panose="020B0604030504040204" pitchFamily="50" charset="-128"/>
+                <a:ea typeface="メイリオ" panose="020B0604030504040204" pitchFamily="50" charset="-128"/>
+              </a:rPr>
+              <a:t>-</a:t>
+            </a:r>
+            <a:r>
+              <a:rPr lang="ja-JP" altLang="en-US" sz="3200" dirty="0">
+                <a:latin typeface="メイリオ" panose="020B0604030504040204" pitchFamily="50" charset="-128"/>
+                <a:ea typeface="メイリオ" panose="020B0604030504040204" pitchFamily="50" charset="-128"/>
+              </a:rPr>
+              <a:t>２</a:t>
+            </a:r>
+            <a:r>
+              <a:rPr lang="ja-JP" altLang="en-US" sz="3200" dirty="0" smtClean="0">
+                <a:latin typeface="メイリオ" panose="020B0604030504040204" pitchFamily="50" charset="-128"/>
+                <a:ea typeface="メイリオ" panose="020B0604030504040204" pitchFamily="50" charset="-128"/>
+              </a:rPr>
+              <a:t>．通常の半教師あり学習の実験結果</a:t>
+            </a:r>
+            <a:endParaRPr lang="ja-JP" altLang="en-US" sz="3200" dirty="0">
+              <a:latin typeface="メイリオ" panose="020B0604030504040204" pitchFamily="50" charset="-128"/>
+              <a:ea typeface="メイリオ" panose="020B0604030504040204" pitchFamily="50" charset="-128"/>
+            </a:endParaRPr>
+          </a:p>
+        </p:txBody>
+      </p:sp>
+      <p:sp>
+        <p:nvSpPr>
+          <p:cNvPr id="7" name="円/楕円 6"/>
+          <p:cNvSpPr/>
+          <p:nvPr/>
+        </p:nvSpPr>
+        <p:spPr>
+          <a:xfrm>
+            <a:off x="2835920" y="1971360"/>
+            <a:ext cx="532695" cy="373711"/>
+          </a:xfrm>
+          <a:prstGeom prst="ellipse">
+            <a:avLst/>
+          </a:prstGeom>
+          <a:noFill/>
+          <a:ln w="31750">
+            <a:solidFill>
+              <a:srgbClr val="FF0000"/>
+            </a:solidFill>
+            <a:prstDash val="sysDot"/>
+          </a:ln>
+        </p:spPr>
+        <p:style>
+          <a:lnRef idx="2">
+            <a:schemeClr val="accent1">
+              <a:shade val="50000"/>
+            </a:schemeClr>
+          </a:lnRef>
+          <a:fillRef idx="1">
+            <a:schemeClr val="accent1"/>
+          </a:fillRef>
+          <a:effectRef idx="0">
+            <a:schemeClr val="accent1"/>
+          </a:effectRef>
+          <a:fontRef idx="minor">
+            <a:schemeClr val="lt1"/>
+          </a:fontRef>
+        </p:style>
+        <p:txBody>
+          <a:bodyPr rtlCol="0" anchor="ctr"/>
+          <a:lstStyle/>
+          <a:p>
+            <a:pPr algn="ctr"/>
+            <a:endParaRPr kumimoji="1" lang="ja-JP" altLang="en-US"/>
+          </a:p>
+        </p:txBody>
+      </p:sp>
+      <p:sp>
+        <p:nvSpPr>
+          <p:cNvPr id="12" name="タイトル 1"/>
+          <p:cNvSpPr txBox="1">
+            <a:spLocks/>
+          </p:cNvSpPr>
+          <p:nvPr/>
+        </p:nvSpPr>
+        <p:spPr>
+          <a:xfrm>
+            <a:off x="5886181" y="1176806"/>
+            <a:ext cx="3013544" cy="2371472"/>
+          </a:xfrm>
+          <a:prstGeom prst="rect">
+            <a:avLst/>
+          </a:prstGeom>
+        </p:spPr>
+        <p:txBody>
+          <a:bodyPr vert="horz" lIns="91440" tIns="45720" rIns="91440" bIns="45720" rtlCol="0" anchor="t">
+            <a:noAutofit/>
+          </a:bodyPr>
+          <a:lstStyle>
+            <a:lvl1pPr algn="ctr" defTabSz="914400" rtl="0" eaLnBrk="1" latinLnBrk="0" hangingPunct="1">
+              <a:lnSpc>
+                <a:spcPct val="90000"/>
+              </a:lnSpc>
+              <a:spcBef>
+                <a:spcPct val="0"/>
+              </a:spcBef>
+              <a:buNone/>
+              <a:defRPr kumimoji="1" sz="6000" kern="1200">
+                <a:solidFill>
+                  <a:schemeClr val="tx1"/>
+                </a:solidFill>
+                <a:latin typeface="+mj-lt"/>
+                <a:ea typeface="+mj-ea"/>
+                <a:cs typeface="+mj-cs"/>
+              </a:defRPr>
+            </a:lvl1pPr>
+          </a:lstStyle>
+          <a:p>
+            <a:pPr algn="l">
+              <a:lnSpc>
+                <a:spcPct val="150000"/>
+              </a:lnSpc>
+            </a:pPr>
+            <a:r>
+              <a:rPr lang="ja-JP" altLang="en-US" sz="1400" dirty="0" smtClean="0">
+                <a:solidFill>
+                  <a:srgbClr val="FF0000"/>
+                </a:solidFill>
+                <a:latin typeface="メイリオ" panose="020B0604030504040204" pitchFamily="50" charset="-128"/>
+                <a:ea typeface="メイリオ" panose="020B0604030504040204" pitchFamily="50" charset="-128"/>
+              </a:rPr>
+              <a:t>コアセットを使用しない</a:t>
+            </a:r>
+            <a:endParaRPr lang="en-US" altLang="ja-JP" sz="1400" dirty="0" smtClean="0">
+              <a:solidFill>
+                <a:srgbClr val="FF0000"/>
+              </a:solidFill>
+              <a:latin typeface="メイリオ" panose="020B0604030504040204" pitchFamily="50" charset="-128"/>
+              <a:ea typeface="メイリオ" panose="020B0604030504040204" pitchFamily="50" charset="-128"/>
+            </a:endParaRPr>
+          </a:p>
+          <a:p>
+            <a:pPr algn="l">
+              <a:lnSpc>
+                <a:spcPct val="150000"/>
+              </a:lnSpc>
+            </a:pPr>
+            <a:r>
+              <a:rPr lang="en-US" altLang="ja-JP" sz="1400" dirty="0" err="1" smtClean="0">
+                <a:solidFill>
+                  <a:srgbClr val="FF0000"/>
+                </a:solidFill>
+                <a:latin typeface="メイリオ" panose="020B0604030504040204" pitchFamily="50" charset="-128"/>
+                <a:ea typeface="メイリオ" panose="020B0604030504040204" pitchFamily="50" charset="-128"/>
+              </a:rPr>
+              <a:t>FixMatch</a:t>
+            </a:r>
+            <a:r>
+              <a:rPr lang="ja-JP" altLang="en-US" sz="1400" dirty="0" smtClean="0">
+                <a:solidFill>
+                  <a:srgbClr val="FF0000"/>
+                </a:solidFill>
+                <a:latin typeface="メイリオ" panose="020B0604030504040204" pitchFamily="50" charset="-128"/>
+                <a:ea typeface="メイリオ" panose="020B0604030504040204" pitchFamily="50" charset="-128"/>
+              </a:rPr>
+              <a:t>と比較して、</a:t>
+            </a:r>
+            <a:endParaRPr lang="en-US" altLang="ja-JP" sz="1400" dirty="0" smtClean="0">
+              <a:solidFill>
+                <a:srgbClr val="FF0000"/>
+              </a:solidFill>
+              <a:latin typeface="メイリオ" panose="020B0604030504040204" pitchFamily="50" charset="-128"/>
+              <a:ea typeface="メイリオ" panose="020B0604030504040204" pitchFamily="50" charset="-128"/>
+            </a:endParaRPr>
+          </a:p>
+          <a:p>
+            <a:pPr algn="l">
+              <a:lnSpc>
+                <a:spcPct val="150000"/>
+              </a:lnSpc>
+            </a:pPr>
+            <a:r>
+              <a:rPr lang="ja-JP" altLang="en-US" sz="1400" dirty="0" smtClean="0">
+                <a:solidFill>
+                  <a:srgbClr val="FF0000"/>
+                </a:solidFill>
+                <a:latin typeface="メイリオ" panose="020B0604030504040204" pitchFamily="50" charset="-128"/>
+                <a:ea typeface="メイリオ" panose="020B0604030504040204" pitchFamily="50" charset="-128"/>
+              </a:rPr>
+              <a:t>コアセットを使用し</a:t>
+            </a:r>
+            <a:r>
+              <a:rPr lang="ja-JP" altLang="en-US" sz="1400" dirty="0" smtClean="0">
+                <a:solidFill>
+                  <a:srgbClr val="FF0000"/>
+                </a:solidFill>
+                <a:latin typeface="メイリオ" panose="020B0604030504040204" pitchFamily="50" charset="-128"/>
+                <a:ea typeface="メイリオ" panose="020B0604030504040204" pitchFamily="50" charset="-128"/>
+              </a:rPr>
+              <a:t>た</a:t>
+            </a:r>
+            <a:endParaRPr lang="en-US" altLang="ja-JP" sz="1400" dirty="0" smtClean="0">
+              <a:solidFill>
+                <a:srgbClr val="FF0000"/>
+              </a:solidFill>
+              <a:latin typeface="メイリオ" panose="020B0604030504040204" pitchFamily="50" charset="-128"/>
+              <a:ea typeface="メイリオ" panose="020B0604030504040204" pitchFamily="50" charset="-128"/>
+            </a:endParaRPr>
+          </a:p>
+          <a:p>
+            <a:pPr algn="l">
+              <a:lnSpc>
+                <a:spcPct val="150000"/>
+              </a:lnSpc>
+            </a:pPr>
+            <a:r>
+              <a:rPr lang="en-US" altLang="ja-JP" sz="1400" dirty="0" smtClean="0">
+                <a:solidFill>
+                  <a:srgbClr val="FF0000"/>
+                </a:solidFill>
+                <a:latin typeface="メイリオ" panose="020B0604030504040204" pitchFamily="50" charset="-128"/>
+                <a:ea typeface="メイリオ" panose="020B0604030504040204" pitchFamily="50" charset="-128"/>
+              </a:rPr>
+              <a:t>RETRIEVE</a:t>
+            </a:r>
+            <a:r>
+              <a:rPr lang="ja-JP" altLang="en-US" sz="1400" dirty="0" smtClean="0">
+                <a:solidFill>
+                  <a:srgbClr val="FF0000"/>
+                </a:solidFill>
+                <a:latin typeface="メイリオ" panose="020B0604030504040204" pitchFamily="50" charset="-128"/>
+                <a:ea typeface="メイリオ" panose="020B0604030504040204" pitchFamily="50" charset="-128"/>
+              </a:rPr>
+              <a:t>では、</a:t>
+            </a:r>
+            <a:endParaRPr lang="en-US" altLang="ja-JP" sz="1400" dirty="0" smtClean="0">
+              <a:solidFill>
+                <a:srgbClr val="FF0000"/>
+              </a:solidFill>
+              <a:latin typeface="メイリオ" panose="020B0604030504040204" pitchFamily="50" charset="-128"/>
+              <a:ea typeface="メイリオ" panose="020B0604030504040204" pitchFamily="50" charset="-128"/>
+            </a:endParaRPr>
+          </a:p>
+          <a:p>
+            <a:pPr algn="l">
+              <a:lnSpc>
+                <a:spcPct val="150000"/>
+              </a:lnSpc>
+            </a:pPr>
+            <a:r>
+              <a:rPr lang="en-US" altLang="ja-JP" sz="1400" dirty="0" smtClean="0">
+                <a:solidFill>
+                  <a:srgbClr val="FF0000"/>
+                </a:solidFill>
+                <a:latin typeface="メイリオ" panose="020B0604030504040204" pitchFamily="50" charset="-128"/>
+                <a:ea typeface="メイリオ" panose="020B0604030504040204" pitchFamily="50" charset="-128"/>
+              </a:rPr>
+              <a:t>4.22</a:t>
+            </a:r>
+            <a:r>
+              <a:rPr lang="ja-JP" altLang="en-US" sz="1400" dirty="0" smtClean="0">
+                <a:solidFill>
+                  <a:srgbClr val="FF0000"/>
+                </a:solidFill>
+                <a:latin typeface="メイリオ" panose="020B0604030504040204" pitchFamily="50" charset="-128"/>
+                <a:ea typeface="メイリオ" panose="020B0604030504040204" pitchFamily="50" charset="-128"/>
+              </a:rPr>
+              <a:t>倍のスピードアップを実現（ただし</a:t>
+            </a:r>
+            <a:r>
+              <a:rPr lang="en-US" altLang="ja-JP" sz="1400" dirty="0" err="1" smtClean="0">
+                <a:solidFill>
+                  <a:srgbClr val="FF0000"/>
+                </a:solidFill>
+                <a:latin typeface="メイリオ" panose="020B0604030504040204" pitchFamily="50" charset="-128"/>
+                <a:ea typeface="メイリオ" panose="020B0604030504040204" pitchFamily="50" charset="-128"/>
+              </a:rPr>
+              <a:t>Acc</a:t>
+            </a:r>
+            <a:r>
+              <a:rPr lang="ja-JP" altLang="en-US" sz="1400" dirty="0" smtClean="0">
+                <a:solidFill>
+                  <a:srgbClr val="FF0000"/>
+                </a:solidFill>
+                <a:latin typeface="メイリオ" panose="020B0604030504040204" pitchFamily="50" charset="-128"/>
+                <a:ea typeface="メイリオ" panose="020B0604030504040204" pitchFamily="50" charset="-128"/>
+              </a:rPr>
+              <a:t>は</a:t>
+            </a:r>
+            <a:r>
+              <a:rPr lang="en-US" altLang="ja-JP" sz="1400" dirty="0" smtClean="0">
+                <a:solidFill>
+                  <a:srgbClr val="FF0000"/>
+                </a:solidFill>
+                <a:latin typeface="メイリオ" panose="020B0604030504040204" pitchFamily="50" charset="-128"/>
+                <a:ea typeface="メイリオ" panose="020B0604030504040204" pitchFamily="50" charset="-128"/>
+              </a:rPr>
+              <a:t>0.8%</a:t>
+            </a:r>
+            <a:r>
+              <a:rPr lang="ja-JP" altLang="en-US" sz="1400" dirty="0" smtClean="0">
+                <a:solidFill>
+                  <a:srgbClr val="FF0000"/>
+                </a:solidFill>
+                <a:latin typeface="メイリオ" panose="020B0604030504040204" pitchFamily="50" charset="-128"/>
+                <a:ea typeface="メイリオ" panose="020B0604030504040204" pitchFamily="50" charset="-128"/>
+              </a:rPr>
+              <a:t>低下）</a:t>
+            </a:r>
+            <a:endParaRPr lang="en-US" altLang="ja-JP" sz="1400" dirty="0" smtClean="0">
+              <a:solidFill>
+                <a:srgbClr val="FF0000"/>
+              </a:solidFill>
+              <a:latin typeface="メイリオ" panose="020B0604030504040204" pitchFamily="50" charset="-128"/>
+              <a:ea typeface="メイリオ" panose="020B0604030504040204" pitchFamily="50" charset="-128"/>
+            </a:endParaRPr>
+          </a:p>
+        </p:txBody>
+      </p:sp>
+      <p:pic>
+        <p:nvPicPr>
+          <p:cNvPr id="19" name="図 18"/>
+          <p:cNvPicPr>
+            <a:picLocks noChangeAspect="1"/>
+          </p:cNvPicPr>
+          <p:nvPr/>
+        </p:nvPicPr>
+        <p:blipFill>
+          <a:blip r:embed="rId3"/>
+          <a:stretch>
+            <a:fillRect/>
+          </a:stretch>
+        </p:blipFill>
+        <p:spPr>
+          <a:xfrm>
+            <a:off x="4270204" y="4183234"/>
+            <a:ext cx="3105583" cy="2534004"/>
+          </a:xfrm>
+          <a:prstGeom prst="rect">
+            <a:avLst/>
+          </a:prstGeom>
+        </p:spPr>
+      </p:pic>
+      <p:grpSp>
+        <p:nvGrpSpPr>
+          <p:cNvPr id="26" name="グループ化 25"/>
+          <p:cNvGrpSpPr/>
+          <p:nvPr/>
+        </p:nvGrpSpPr>
+        <p:grpSpPr>
+          <a:xfrm>
+            <a:off x="7413799" y="4230262"/>
+            <a:ext cx="1447792" cy="1503678"/>
+            <a:chOff x="1117932" y="3538664"/>
+            <a:chExt cx="2622340" cy="2574613"/>
+          </a:xfrm>
+        </p:grpSpPr>
+        <p:pic>
+          <p:nvPicPr>
+            <p:cNvPr id="20" name="図 19"/>
+            <p:cNvPicPr>
+              <a:picLocks noChangeAspect="1"/>
+            </p:cNvPicPr>
+            <p:nvPr/>
+          </p:nvPicPr>
+          <p:blipFill>
+            <a:blip r:embed="rId4"/>
+            <a:stretch>
+              <a:fillRect/>
+            </a:stretch>
+          </p:blipFill>
+          <p:spPr>
+            <a:xfrm>
+              <a:off x="1117932" y="3936090"/>
+              <a:ext cx="1924319" cy="600159"/>
+            </a:xfrm>
+            <a:prstGeom prst="rect">
+              <a:avLst/>
+            </a:prstGeom>
+          </p:spPr>
+        </p:pic>
+        <p:pic>
+          <p:nvPicPr>
+            <p:cNvPr id="21" name="図 20"/>
+            <p:cNvPicPr>
+              <a:picLocks noChangeAspect="1"/>
+            </p:cNvPicPr>
+            <p:nvPr/>
+          </p:nvPicPr>
+          <p:blipFill>
+            <a:blip r:embed="rId5"/>
+            <a:stretch>
+              <a:fillRect/>
+            </a:stretch>
+          </p:blipFill>
+          <p:spPr>
+            <a:xfrm>
+              <a:off x="1201337" y="5475013"/>
+              <a:ext cx="1991002" cy="638264"/>
+            </a:xfrm>
+            <a:prstGeom prst="rect">
+              <a:avLst/>
+            </a:prstGeom>
+          </p:spPr>
+        </p:pic>
+        <p:pic>
+          <p:nvPicPr>
+            <p:cNvPr id="23" name="図 22"/>
+            <p:cNvPicPr>
+              <a:picLocks noChangeAspect="1"/>
+            </p:cNvPicPr>
+            <p:nvPr/>
+          </p:nvPicPr>
+          <p:blipFill>
+            <a:blip r:embed="rId6"/>
+            <a:stretch>
+              <a:fillRect/>
+            </a:stretch>
+          </p:blipFill>
+          <p:spPr>
+            <a:xfrm>
+              <a:off x="1177689" y="4541864"/>
+              <a:ext cx="2562583" cy="428684"/>
+            </a:xfrm>
+            <a:prstGeom prst="rect">
+              <a:avLst/>
+            </a:prstGeom>
+          </p:spPr>
+        </p:pic>
+        <p:pic>
+          <p:nvPicPr>
+            <p:cNvPr id="24" name="図 23"/>
+            <p:cNvPicPr>
+              <a:picLocks noChangeAspect="1"/>
+            </p:cNvPicPr>
+            <p:nvPr/>
+          </p:nvPicPr>
+          <p:blipFill>
+            <a:blip r:embed="rId7"/>
+            <a:stretch>
+              <a:fillRect/>
+            </a:stretch>
+          </p:blipFill>
+          <p:spPr>
+            <a:xfrm>
+              <a:off x="1201337" y="5036023"/>
+              <a:ext cx="1428950" cy="457265"/>
+            </a:xfrm>
+            <a:prstGeom prst="rect">
+              <a:avLst/>
+            </a:prstGeom>
+          </p:spPr>
+        </p:pic>
+        <p:pic>
+          <p:nvPicPr>
+            <p:cNvPr id="25" name="図 24"/>
+            <p:cNvPicPr>
+              <a:picLocks noChangeAspect="1"/>
+            </p:cNvPicPr>
+            <p:nvPr/>
+          </p:nvPicPr>
+          <p:blipFill>
+            <a:blip r:embed="rId8"/>
+            <a:stretch>
+              <a:fillRect/>
+            </a:stretch>
+          </p:blipFill>
+          <p:spPr>
+            <a:xfrm>
+              <a:off x="1256076" y="3538664"/>
+              <a:ext cx="1867161" cy="485843"/>
+            </a:xfrm>
+            <a:prstGeom prst="rect">
+              <a:avLst/>
+            </a:prstGeom>
+          </p:spPr>
+        </p:pic>
+      </p:grpSp>
+      <p:sp>
+        <p:nvSpPr>
+          <p:cNvPr id="27" name="タイトル 1"/>
+          <p:cNvSpPr txBox="1">
+            <a:spLocks/>
+          </p:cNvSpPr>
+          <p:nvPr/>
+        </p:nvSpPr>
+        <p:spPr>
+          <a:xfrm>
+            <a:off x="823367" y="4293884"/>
+            <a:ext cx="3013544" cy="1255741"/>
+          </a:xfrm>
+          <a:prstGeom prst="rect">
+            <a:avLst/>
+          </a:prstGeom>
+        </p:spPr>
+        <p:txBody>
+          <a:bodyPr vert="horz" lIns="91440" tIns="45720" rIns="91440" bIns="45720" rtlCol="0" anchor="t">
+            <a:noAutofit/>
+          </a:bodyPr>
+          <a:lstStyle>
+            <a:lvl1pPr algn="ctr" defTabSz="914400" rtl="0" eaLnBrk="1" latinLnBrk="0" hangingPunct="1">
+              <a:lnSpc>
+                <a:spcPct val="90000"/>
+              </a:lnSpc>
+              <a:spcBef>
+                <a:spcPct val="0"/>
+              </a:spcBef>
+              <a:buNone/>
+              <a:defRPr kumimoji="1" sz="6000" kern="1200">
+                <a:solidFill>
+                  <a:schemeClr val="tx1"/>
+                </a:solidFill>
+                <a:latin typeface="+mj-lt"/>
+                <a:ea typeface="+mj-ea"/>
+                <a:cs typeface="+mj-cs"/>
+              </a:defRPr>
+            </a:lvl1pPr>
+          </a:lstStyle>
+          <a:p>
+            <a:pPr algn="l">
+              <a:lnSpc>
+                <a:spcPct val="150000"/>
+              </a:lnSpc>
+            </a:pPr>
+            <a:r>
+              <a:rPr lang="en-US" altLang="ja-JP" sz="1400" dirty="0" smtClean="0">
+                <a:solidFill>
+                  <a:srgbClr val="FF0000"/>
+                </a:solidFill>
+                <a:latin typeface="メイリオ" panose="020B0604030504040204" pitchFamily="50" charset="-128"/>
+                <a:ea typeface="メイリオ" panose="020B0604030504040204" pitchFamily="50" charset="-128"/>
+              </a:rPr>
+              <a:t>RETRIEVE</a:t>
+            </a:r>
+            <a:r>
+              <a:rPr lang="ja-JP" altLang="en-US" sz="1400" dirty="0" smtClean="0">
+                <a:solidFill>
+                  <a:srgbClr val="FF0000"/>
+                </a:solidFill>
+                <a:latin typeface="メイリオ" panose="020B0604030504040204" pitchFamily="50" charset="-128"/>
+                <a:ea typeface="メイリオ" panose="020B0604030504040204" pitchFamily="50" charset="-128"/>
+              </a:rPr>
+              <a:t>は、</a:t>
+            </a:r>
+            <a:r>
+              <a:rPr lang="en-US" altLang="ja-JP" sz="1400" dirty="0" smtClean="0">
+                <a:solidFill>
+                  <a:srgbClr val="FF0000"/>
+                </a:solidFill>
+                <a:latin typeface="メイリオ" panose="020B0604030504040204" pitchFamily="50" charset="-128"/>
+                <a:ea typeface="メイリオ" panose="020B0604030504040204" pitchFamily="50" charset="-128"/>
+              </a:rPr>
+              <a:t>RAMDOM</a:t>
+            </a:r>
+            <a:r>
+              <a:rPr lang="ja-JP" altLang="en-US" sz="1400" dirty="0" smtClean="0">
+                <a:solidFill>
+                  <a:srgbClr val="FF0000"/>
+                </a:solidFill>
+                <a:latin typeface="メイリオ" panose="020B0604030504040204" pitchFamily="50" charset="-128"/>
+                <a:ea typeface="メイリオ" panose="020B0604030504040204" pitchFamily="50" charset="-128"/>
+              </a:rPr>
+              <a:t>でコアセットを選択するよりも高い精度で、</a:t>
+            </a:r>
+            <a:r>
+              <a:rPr lang="ja-JP" altLang="en-US" sz="1400" dirty="0" smtClean="0">
+                <a:solidFill>
+                  <a:srgbClr val="FF0000"/>
+                </a:solidFill>
+                <a:latin typeface="メイリオ" panose="020B0604030504040204" pitchFamily="50" charset="-128"/>
+                <a:ea typeface="メイリオ" panose="020B0604030504040204" pitchFamily="50" charset="-128"/>
+              </a:rPr>
+              <a:t>高速化を実現する</a:t>
+            </a:r>
+            <a:endParaRPr lang="en-US" altLang="ja-JP" sz="1400" dirty="0" smtClean="0">
+              <a:solidFill>
+                <a:srgbClr val="FF0000"/>
+              </a:solidFill>
+              <a:latin typeface="メイリオ" panose="020B0604030504040204" pitchFamily="50" charset="-128"/>
+              <a:ea typeface="メイリオ" panose="020B0604030504040204" pitchFamily="50" charset="-128"/>
+            </a:endParaRPr>
+          </a:p>
+        </p:txBody>
+      </p:sp>
+      <p:sp>
+        <p:nvSpPr>
+          <p:cNvPr id="28" name="円/楕円 27"/>
+          <p:cNvSpPr/>
+          <p:nvPr/>
+        </p:nvSpPr>
+        <p:spPr>
+          <a:xfrm>
+            <a:off x="3093507" y="2855084"/>
+            <a:ext cx="532695" cy="373711"/>
+          </a:xfrm>
+          <a:prstGeom prst="ellipse">
+            <a:avLst/>
+          </a:prstGeom>
+          <a:noFill/>
+          <a:ln w="31750">
+            <a:solidFill>
+              <a:srgbClr val="FF0000"/>
+            </a:solidFill>
+            <a:prstDash val="sysDot"/>
+          </a:ln>
+        </p:spPr>
+        <p:style>
+          <a:lnRef idx="2">
+            <a:schemeClr val="accent1">
+              <a:shade val="50000"/>
+            </a:schemeClr>
+          </a:lnRef>
+          <a:fillRef idx="1">
+            <a:schemeClr val="accent1"/>
+          </a:fillRef>
+          <a:effectRef idx="0">
+            <a:schemeClr val="accent1"/>
+          </a:effectRef>
+          <a:fontRef idx="minor">
+            <a:schemeClr val="lt1"/>
+          </a:fontRef>
+        </p:style>
+        <p:txBody>
+          <a:bodyPr rtlCol="0" anchor="ctr"/>
+          <a:lstStyle/>
+          <a:p>
+            <a:pPr algn="ctr"/>
+            <a:endParaRPr kumimoji="1" lang="ja-JP" altLang="en-US"/>
+          </a:p>
+        </p:txBody>
+      </p:sp>
+      <p:sp>
+        <p:nvSpPr>
+          <p:cNvPr id="29" name="正方形/長方形 28"/>
+          <p:cNvSpPr/>
+          <p:nvPr/>
+        </p:nvSpPr>
+        <p:spPr>
+          <a:xfrm rot="16200000">
+            <a:off x="3365148" y="4957503"/>
+            <a:ext cx="1620957" cy="388568"/>
+          </a:xfrm>
+          <a:prstGeom prst="rect">
+            <a:avLst/>
+          </a:prstGeom>
+        </p:spPr>
+        <p:txBody>
+          <a:bodyPr wrap="none">
+            <a:spAutoFit/>
+          </a:bodyPr>
+          <a:lstStyle/>
+          <a:p>
+            <a:pPr>
+              <a:lnSpc>
+                <a:spcPct val="150000"/>
+              </a:lnSpc>
+            </a:pPr>
+            <a:r>
+              <a:rPr lang="ja-JP" altLang="en-US" sz="1400" dirty="0" smtClean="0">
+                <a:latin typeface="メイリオ" panose="020B0604030504040204" pitchFamily="50" charset="-128"/>
+                <a:ea typeface="メイリオ" panose="020B0604030504040204" pitchFamily="50" charset="-128"/>
+              </a:rPr>
+              <a:t>精度低下率（％）</a:t>
+            </a:r>
+            <a:endParaRPr lang="en-US" altLang="ja-JP" sz="1400" dirty="0">
+              <a:latin typeface="メイリオ" panose="020B0604030504040204" pitchFamily="50" charset="-128"/>
+              <a:ea typeface="メイリオ" panose="020B0604030504040204" pitchFamily="50" charset="-128"/>
+            </a:endParaRPr>
+          </a:p>
+        </p:txBody>
+      </p:sp>
+      <p:sp>
+        <p:nvSpPr>
+          <p:cNvPr id="30" name="正方形/長方形 29"/>
+          <p:cNvSpPr/>
+          <p:nvPr/>
+        </p:nvSpPr>
+        <p:spPr>
+          <a:xfrm>
+            <a:off x="4953045" y="3862085"/>
+            <a:ext cx="2225481" cy="507831"/>
+          </a:xfrm>
+          <a:prstGeom prst="rect">
+            <a:avLst/>
+          </a:prstGeom>
+        </p:spPr>
+        <p:txBody>
+          <a:bodyPr wrap="none">
+            <a:spAutoFit/>
+          </a:bodyPr>
+          <a:lstStyle/>
+          <a:p>
+            <a:pPr>
+              <a:lnSpc>
+                <a:spcPct val="150000"/>
+              </a:lnSpc>
+            </a:pPr>
+            <a:r>
+              <a:rPr lang="en-US" altLang="ja-JP" dirty="0" smtClean="0">
+                <a:latin typeface="メイリオ" panose="020B0604030504040204" pitchFamily="50" charset="-128"/>
+                <a:ea typeface="メイリオ" panose="020B0604030504040204" pitchFamily="50" charset="-128"/>
+              </a:rPr>
+              <a:t>CIFAR10 </a:t>
+            </a:r>
+            <a:r>
+              <a:rPr lang="en-US" altLang="ja-JP" dirty="0" err="1" smtClean="0">
+                <a:latin typeface="メイリオ" panose="020B0604030504040204" pitchFamily="50" charset="-128"/>
+                <a:ea typeface="メイリオ" panose="020B0604030504040204" pitchFamily="50" charset="-128"/>
+              </a:rPr>
+              <a:t>FixMatch</a:t>
+            </a:r>
+            <a:endParaRPr lang="en-US" altLang="ja-JP" dirty="0">
+              <a:latin typeface="メイリオ" panose="020B0604030504040204" pitchFamily="50" charset="-128"/>
+              <a:ea typeface="メイリオ" panose="020B0604030504040204" pitchFamily="50" charset="-128"/>
+            </a:endParaRPr>
+          </a:p>
+        </p:txBody>
+      </p:sp>
+      <p:sp>
+        <p:nvSpPr>
+          <p:cNvPr id="31" name="正方形/長方形 30"/>
+          <p:cNvSpPr/>
+          <p:nvPr/>
+        </p:nvSpPr>
+        <p:spPr>
+          <a:xfrm>
+            <a:off x="1979684" y="766660"/>
+            <a:ext cx="2245166" cy="507831"/>
+          </a:xfrm>
+          <a:prstGeom prst="rect">
+            <a:avLst/>
+          </a:prstGeom>
+        </p:spPr>
+        <p:txBody>
+          <a:bodyPr wrap="none">
+            <a:spAutoFit/>
+          </a:bodyPr>
+          <a:lstStyle/>
+          <a:p>
+            <a:pPr>
+              <a:lnSpc>
+                <a:spcPct val="150000"/>
+              </a:lnSpc>
+            </a:pPr>
+            <a:r>
+              <a:rPr lang="en-US" altLang="ja-JP" dirty="0" smtClean="0">
+                <a:latin typeface="メイリオ" panose="020B0604030504040204" pitchFamily="50" charset="-128"/>
+                <a:ea typeface="メイリオ" panose="020B0604030504040204" pitchFamily="50" charset="-128"/>
+              </a:rPr>
+              <a:t>RETRIEVE</a:t>
+            </a:r>
+            <a:r>
+              <a:rPr lang="ja-JP" altLang="en-US" dirty="0" smtClean="0">
+                <a:latin typeface="メイリオ" panose="020B0604030504040204" pitchFamily="50" charset="-128"/>
+                <a:ea typeface="メイリオ" panose="020B0604030504040204" pitchFamily="50" charset="-128"/>
+              </a:rPr>
+              <a:t>検証結果</a:t>
+            </a:r>
+            <a:endParaRPr lang="en-US" altLang="ja-JP" dirty="0">
+              <a:latin typeface="メイリオ" panose="020B0604030504040204" pitchFamily="50" charset="-128"/>
+              <a:ea typeface="メイリオ" panose="020B0604030504040204" pitchFamily="50" charset="-128"/>
+            </a:endParaRPr>
+          </a:p>
+        </p:txBody>
+      </p:sp>
+    </p:spTree>
+    <p:extLst>
+      <p:ext uri="{BB962C8B-B14F-4D97-AF65-F5344CB8AC3E}">
+        <p14:creationId xmlns:p14="http://schemas.microsoft.com/office/powerpoint/2010/main" val="322852658"/>
       </p:ext>
     </p:extLst>
   </p:cSld>
@@ -14647,7 +12795,7 @@
                 <a:latin typeface="メイリオ" panose="020B0604030504040204" pitchFamily="50" charset="-128"/>
                 <a:ea typeface="メイリオ" panose="020B0604030504040204" pitchFamily="50" charset="-128"/>
               </a:rPr>
-              <a:t>４</a:t>
+              <a:t>６</a:t>
             </a:r>
             <a:r>
               <a:rPr lang="en-US" altLang="ja-JP" sz="3200" dirty="0" smtClean="0">
@@ -14657,18 +12805,39 @@
               <a:t>-</a:t>
             </a:r>
             <a:r>
-              <a:rPr lang="ja-JP" altLang="en-US" sz="3200" dirty="0">
-                <a:latin typeface="メイリオ" panose="020B0604030504040204" pitchFamily="50" charset="-128"/>
-                <a:ea typeface="メイリオ" panose="020B0604030504040204" pitchFamily="50" charset="-128"/>
-              </a:rPr>
-              <a:t>２</a:t>
-            </a:r>
-            <a:r>
               <a:rPr lang="ja-JP" altLang="en-US" sz="3200" dirty="0" smtClean="0">
                 <a:latin typeface="メイリオ" panose="020B0604030504040204" pitchFamily="50" charset="-128"/>
                 <a:ea typeface="メイリオ" panose="020B0604030504040204" pitchFamily="50" charset="-128"/>
               </a:rPr>
-              <a:t>．教師ありデータの実験結果</a:t>
+              <a:t>１</a:t>
+            </a:r>
+            <a:r>
+              <a:rPr lang="ja-JP" altLang="en-US" sz="3200" dirty="0" smtClean="0">
+                <a:latin typeface="メイリオ" panose="020B0604030504040204" pitchFamily="50" charset="-128"/>
+                <a:ea typeface="メイリオ" panose="020B0604030504040204" pitchFamily="50" charset="-128"/>
+              </a:rPr>
+              <a:t>．</a:t>
+            </a:r>
+            <a:r>
+              <a:rPr lang="en-US" altLang="ja-JP" sz="3200" dirty="0" smtClean="0">
+                <a:latin typeface="メイリオ" panose="020B0604030504040204" pitchFamily="50" charset="-128"/>
+                <a:ea typeface="メイリオ" panose="020B0604030504040204" pitchFamily="50" charset="-128"/>
+              </a:rPr>
+              <a:t>OOD</a:t>
+            </a:r>
+            <a:r>
+              <a:rPr lang="ja-JP" altLang="en-US" sz="3200" dirty="0" smtClean="0">
+                <a:latin typeface="メイリオ" panose="020B0604030504040204" pitchFamily="50" charset="-128"/>
+                <a:ea typeface="メイリオ" panose="020B0604030504040204" pitchFamily="50" charset="-128"/>
+              </a:rPr>
+              <a:t>データの</a:t>
+            </a:r>
+            <a:r>
+              <a:rPr lang="ja-JP" altLang="en-US" sz="3200" dirty="0" smtClean="0">
+                <a:latin typeface="メイリオ" panose="020B0604030504040204" pitchFamily="50" charset="-128"/>
+                <a:ea typeface="メイリオ" panose="020B0604030504040204" pitchFamily="50" charset="-128"/>
+              </a:rPr>
+              <a:t>半教師有り学習の実験</a:t>
             </a:r>
             <a:endParaRPr lang="ja-JP" altLang="en-US" sz="3200" dirty="0">
               <a:latin typeface="メイリオ" panose="020B0604030504040204" pitchFamily="50" charset="-128"/>
@@ -14677,197 +12846,9 @@
           </a:p>
         </p:txBody>
       </p:sp>
-      <p:pic>
-        <p:nvPicPr>
-          <p:cNvPr id="4" name="図 3"/>
-          <p:cNvPicPr>
-            <a:picLocks noChangeAspect="1"/>
-          </p:cNvPicPr>
-          <p:nvPr/>
-        </p:nvPicPr>
-        <p:blipFill rotWithShape="1">
-          <a:blip r:embed="rId2"/>
-          <a:srcRect l="32521"/>
-          <a:stretch/>
-        </p:blipFill>
-        <p:spPr>
-          <a:xfrm>
-            <a:off x="2670258" y="3885506"/>
-            <a:ext cx="4000886" cy="2720112"/>
-          </a:xfrm>
-          <a:prstGeom prst="rect">
-            <a:avLst/>
-          </a:prstGeom>
-        </p:spPr>
-      </p:pic>
-      <p:pic>
-        <p:nvPicPr>
-          <p:cNvPr id="5" name="図 4"/>
-          <p:cNvPicPr>
-            <a:picLocks noChangeAspect="1"/>
-          </p:cNvPicPr>
-          <p:nvPr/>
-        </p:nvPicPr>
-        <p:blipFill>
-          <a:blip r:embed="rId3"/>
-          <a:stretch>
-            <a:fillRect/>
-          </a:stretch>
-        </p:blipFill>
-        <p:spPr>
-          <a:xfrm>
-            <a:off x="2487378" y="945819"/>
-            <a:ext cx="3120861" cy="2721172"/>
-          </a:xfrm>
-          <a:prstGeom prst="rect">
-            <a:avLst/>
-          </a:prstGeom>
-        </p:spPr>
-      </p:pic>
-      <p:pic>
-        <p:nvPicPr>
-          <p:cNvPr id="6" name="図 5"/>
-          <p:cNvPicPr>
-            <a:picLocks noChangeAspect="1"/>
-          </p:cNvPicPr>
-          <p:nvPr/>
-        </p:nvPicPr>
-        <p:blipFill>
-          <a:blip r:embed="rId4"/>
-          <a:stretch>
-            <a:fillRect/>
-          </a:stretch>
-        </p:blipFill>
-        <p:spPr>
-          <a:xfrm>
-            <a:off x="470798" y="1113182"/>
-            <a:ext cx="1644546" cy="2125187"/>
-          </a:xfrm>
-          <a:prstGeom prst="rect">
-            <a:avLst/>
-          </a:prstGeom>
-        </p:spPr>
-      </p:pic>
-      <p:pic>
-        <p:nvPicPr>
-          <p:cNvPr id="8" name="図 7"/>
-          <p:cNvPicPr>
-            <a:picLocks noChangeAspect="1"/>
-          </p:cNvPicPr>
-          <p:nvPr/>
-        </p:nvPicPr>
-        <p:blipFill rotWithShape="1">
-          <a:blip r:embed="rId2"/>
-          <a:srcRect l="-357" r="67725"/>
-          <a:stretch/>
-        </p:blipFill>
-        <p:spPr>
-          <a:xfrm>
-            <a:off x="470798" y="4107793"/>
-            <a:ext cx="1659855" cy="2142700"/>
-          </a:xfrm>
-          <a:prstGeom prst="rect">
-            <a:avLst/>
-          </a:prstGeom>
-        </p:spPr>
-      </p:pic>
       <p:sp>
         <p:nvSpPr>
-          <p:cNvPr id="7" name="円/楕円 6"/>
-          <p:cNvSpPr/>
-          <p:nvPr/>
-        </p:nvSpPr>
-        <p:spPr>
-          <a:xfrm>
-            <a:off x="2949934" y="1224500"/>
-            <a:ext cx="357809" cy="373711"/>
-          </a:xfrm>
-          <a:prstGeom prst="ellipse">
-            <a:avLst/>
-          </a:prstGeom>
-          <a:noFill/>
-          <a:ln w="31750">
-            <a:solidFill>
-              <a:srgbClr val="FF0000"/>
-            </a:solidFill>
-            <a:prstDash val="sysDot"/>
-          </a:ln>
-        </p:spPr>
-        <p:style>
-          <a:lnRef idx="2">
-            <a:schemeClr val="accent1">
-              <a:shade val="50000"/>
-            </a:schemeClr>
-          </a:lnRef>
-          <a:fillRef idx="1">
-            <a:schemeClr val="accent1"/>
-          </a:fillRef>
-          <a:effectRef idx="0">
-            <a:schemeClr val="accent1"/>
-          </a:effectRef>
-          <a:fontRef idx="minor">
-            <a:schemeClr val="lt1"/>
-          </a:fontRef>
-        </p:style>
-        <p:txBody>
-          <a:bodyPr rtlCol="0" anchor="ctr"/>
-          <a:lstStyle/>
-          <a:p>
-            <a:pPr algn="ctr"/>
-            <a:endParaRPr kumimoji="1" lang="ja-JP" altLang="en-US"/>
-          </a:p>
-        </p:txBody>
-      </p:sp>
-      <p:sp>
-        <p:nvSpPr>
-          <p:cNvPr id="10" name="円/楕円 9"/>
-          <p:cNvSpPr/>
-          <p:nvPr/>
-        </p:nvSpPr>
-        <p:spPr>
-          <a:xfrm>
-            <a:off x="3689999" y="4350688"/>
-            <a:ext cx="357809" cy="373711"/>
-          </a:xfrm>
-          <a:prstGeom prst="ellipse">
-            <a:avLst/>
-          </a:prstGeom>
-          <a:noFill/>
-          <a:ln w="31750">
-            <a:solidFill>
-              <a:srgbClr val="FF0000"/>
-            </a:solidFill>
-            <a:prstDash val="sysDot"/>
-          </a:ln>
-        </p:spPr>
-        <p:style>
-          <a:lnRef idx="2">
-            <a:schemeClr val="accent1">
-              <a:shade val="50000"/>
-            </a:schemeClr>
-          </a:lnRef>
-          <a:fillRef idx="1">
-            <a:schemeClr val="accent1"/>
-          </a:fillRef>
-          <a:effectRef idx="0">
-            <a:schemeClr val="accent1"/>
-          </a:effectRef>
-          <a:fontRef idx="minor">
-            <a:schemeClr val="lt1"/>
-          </a:fontRef>
-        </p:style>
-        <p:txBody>
-          <a:bodyPr rtlCol="0" anchor="ctr"/>
-          <a:lstStyle/>
-          <a:p>
-            <a:pPr algn="ctr"/>
-            <a:endParaRPr kumimoji="1" lang="ja-JP" altLang="en-US"/>
-          </a:p>
-        </p:txBody>
-      </p:sp>
-      <p:sp>
-        <p:nvSpPr>
-          <p:cNvPr id="12" name="タイトル 1"/>
+          <p:cNvPr id="14" name="タイトル 1"/>
           <p:cNvSpPr txBox="1">
             <a:spLocks/>
           </p:cNvSpPr>
@@ -14875,8 +12856,8 @@
         </p:nvSpPr>
         <p:spPr>
           <a:xfrm>
-            <a:off x="5709036" y="1065473"/>
-            <a:ext cx="3013544" cy="842724"/>
+            <a:off x="571167" y="877756"/>
+            <a:ext cx="8001665" cy="1984714"/>
           </a:xfrm>
           <a:prstGeom prst="rect">
             <a:avLst/>
@@ -14906,213 +12887,530 @@
             </a:lvl1pPr>
           </a:lstStyle>
           <a:p>
-            <a:pPr algn="l">
+            <a:pPr marL="285750" indent="-285750" algn="l">
               <a:lnSpc>
                 <a:spcPct val="150000"/>
               </a:lnSpc>
+              <a:buFont typeface="Arial" panose="020B0604020202020204" pitchFamily="34" charset="0"/>
+              <a:buChar char="•"/>
             </a:pPr>
             <a:r>
-              <a:rPr lang="en-US" altLang="ja-JP" sz="1600" dirty="0" smtClean="0">
-                <a:solidFill>
-                  <a:srgbClr val="FF0000"/>
-                </a:solidFill>
-                <a:latin typeface="メイリオ" panose="020B0604030504040204" pitchFamily="50" charset="-128"/>
-                <a:ea typeface="メイリオ" panose="020B0604030504040204" pitchFamily="50" charset="-128"/>
-              </a:rPr>
-              <a:t>10%</a:t>
-            </a:r>
-            <a:r>
-              <a:rPr lang="ja-JP" altLang="en-US" sz="1600" dirty="0" smtClean="0">
-                <a:solidFill>
-                  <a:srgbClr val="FF0000"/>
-                </a:solidFill>
-                <a:latin typeface="メイリオ" panose="020B0604030504040204" pitchFamily="50" charset="-128"/>
-                <a:ea typeface="メイリオ" panose="020B0604030504040204" pitchFamily="50" charset="-128"/>
-              </a:rPr>
-              <a:t>のラベルで</a:t>
-            </a:r>
-            <a:r>
-              <a:rPr lang="en-US" altLang="ja-JP" sz="1600" dirty="0" smtClean="0">
-                <a:solidFill>
-                  <a:srgbClr val="FF0000"/>
-                </a:solidFill>
-                <a:latin typeface="メイリオ" panose="020B0604030504040204" pitchFamily="50" charset="-128"/>
-                <a:ea typeface="メイリオ" panose="020B0604030504040204" pitchFamily="50" charset="-128"/>
-              </a:rPr>
-              <a:t>92%</a:t>
-            </a:r>
-            <a:r>
-              <a:rPr lang="ja-JP" altLang="en-US" sz="1600" dirty="0" smtClean="0">
-                <a:solidFill>
-                  <a:srgbClr val="FF0000"/>
-                </a:solidFill>
-                <a:latin typeface="メイリオ" panose="020B0604030504040204" pitchFamily="50" charset="-128"/>
-                <a:ea typeface="メイリオ" panose="020B0604030504040204" pitchFamily="50" charset="-128"/>
-              </a:rPr>
-              <a:t>程度の</a:t>
-            </a:r>
-            <a:r>
-              <a:rPr lang="en-US" altLang="ja-JP" sz="1600" dirty="0" smtClean="0">
-                <a:solidFill>
-                  <a:srgbClr val="FF0000"/>
-                </a:solidFill>
-                <a:latin typeface="メイリオ" panose="020B0604030504040204" pitchFamily="50" charset="-128"/>
-                <a:ea typeface="メイリオ" panose="020B0604030504040204" pitchFamily="50" charset="-128"/>
-              </a:rPr>
-              <a:t/>
-            </a:r>
-            <a:br>
-              <a:rPr lang="en-US" altLang="ja-JP" sz="1600" dirty="0" smtClean="0">
-                <a:solidFill>
-                  <a:srgbClr val="FF0000"/>
-                </a:solidFill>
-                <a:latin typeface="メイリオ" panose="020B0604030504040204" pitchFamily="50" charset="-128"/>
-                <a:ea typeface="メイリオ" panose="020B0604030504040204" pitchFamily="50" charset="-128"/>
-              </a:rPr>
-            </a:br>
-            <a:r>
-              <a:rPr lang="ja-JP" altLang="en-US" sz="1600" dirty="0" smtClean="0">
-                <a:solidFill>
-                  <a:srgbClr val="FF0000"/>
-                </a:solidFill>
-                <a:latin typeface="メイリオ" panose="020B0604030504040204" pitchFamily="50" charset="-128"/>
-                <a:ea typeface="メイリオ" panose="020B0604030504040204" pitchFamily="50" charset="-128"/>
-              </a:rPr>
-              <a:t>精度を達成</a:t>
-            </a:r>
-            <a:endParaRPr lang="en-US" altLang="ja-JP" sz="1600" dirty="0" smtClean="0">
-              <a:solidFill>
-                <a:srgbClr val="FF0000"/>
-              </a:solidFill>
+              <a:rPr lang="ja-JP" altLang="en-US" sz="2000" dirty="0" smtClean="0">
+                <a:latin typeface="メイリオ" panose="020B0604030504040204" pitchFamily="50" charset="-128"/>
+                <a:ea typeface="メイリオ" panose="020B0604030504040204" pitchFamily="50" charset="-128"/>
+              </a:rPr>
+              <a:t>データセットは</a:t>
+            </a:r>
+            <a:r>
+              <a:rPr lang="ja-JP" altLang="en-US" sz="2000" dirty="0" smtClean="0">
+                <a:latin typeface="メイリオ" panose="020B0604030504040204" pitchFamily="50" charset="-128"/>
+                <a:ea typeface="メイリオ" panose="020B0604030504040204" pitchFamily="50" charset="-128"/>
+              </a:rPr>
+              <a:t>、</a:t>
+            </a:r>
+            <a:r>
+              <a:rPr lang="en-US" altLang="ja-JP" sz="2000" dirty="0" smtClean="0">
+                <a:latin typeface="メイリオ" panose="020B0604030504040204" pitchFamily="50" charset="-128"/>
+                <a:ea typeface="メイリオ" panose="020B0604030504040204" pitchFamily="50" charset="-128"/>
+              </a:rPr>
+              <a:t>Cifar10</a:t>
+            </a:r>
+            <a:r>
+              <a:rPr lang="ja-JP" altLang="en-US" sz="2000" dirty="0" smtClean="0">
+                <a:latin typeface="メイリオ" panose="020B0604030504040204" pitchFamily="50" charset="-128"/>
+                <a:ea typeface="メイリオ" panose="020B0604030504040204" pitchFamily="50" charset="-128"/>
+              </a:rPr>
+              <a:t>と</a:t>
+            </a:r>
+            <a:r>
+              <a:rPr lang="en-US" altLang="ja-JP" sz="2000" dirty="0" smtClean="0">
+                <a:latin typeface="メイリオ" panose="020B0604030504040204" pitchFamily="50" charset="-128"/>
+                <a:ea typeface="メイリオ" panose="020B0604030504040204" pitchFamily="50" charset="-128"/>
+              </a:rPr>
+              <a:t>MNIST</a:t>
+            </a:r>
+          </a:p>
+          <a:p>
+            <a:pPr marL="285750" indent="-285750" algn="l">
+              <a:lnSpc>
+                <a:spcPct val="150000"/>
+              </a:lnSpc>
+              <a:buFont typeface="Arial" panose="020B0604020202020204" pitchFamily="34" charset="0"/>
+              <a:buChar char="•"/>
+            </a:pPr>
+            <a:r>
+              <a:rPr lang="en-US" altLang="ja-JP" sz="2000" dirty="0" smtClean="0">
+                <a:latin typeface="メイリオ" panose="020B0604030504040204" pitchFamily="50" charset="-128"/>
+                <a:ea typeface="メイリオ" panose="020B0604030504040204" pitchFamily="50" charset="-128"/>
+              </a:rPr>
+              <a:t>10</a:t>
+            </a:r>
+            <a:r>
+              <a:rPr lang="ja-JP" altLang="en-US" sz="2000" dirty="0" smtClean="0">
+                <a:latin typeface="メイリオ" panose="020B0604030504040204" pitchFamily="50" charset="-128"/>
+                <a:ea typeface="メイリオ" panose="020B0604030504040204" pitchFamily="50" charset="-128"/>
+              </a:rPr>
+              <a:t>クラス中、</a:t>
+            </a:r>
+            <a:r>
+              <a:rPr lang="en-US" altLang="ja-JP" sz="2000" dirty="0" smtClean="0">
+                <a:latin typeface="メイリオ" panose="020B0604030504040204" pitchFamily="50" charset="-128"/>
+                <a:ea typeface="メイリオ" panose="020B0604030504040204" pitchFamily="50" charset="-128"/>
+              </a:rPr>
+              <a:t>6</a:t>
+            </a:r>
+            <a:r>
+              <a:rPr lang="ja-JP" altLang="en-US" sz="2000" dirty="0" smtClean="0">
+                <a:latin typeface="メイリオ" panose="020B0604030504040204" pitchFamily="50" charset="-128"/>
+                <a:ea typeface="メイリオ" panose="020B0604030504040204" pitchFamily="50" charset="-128"/>
+              </a:rPr>
+              <a:t>クラスのみ</a:t>
+            </a:r>
+            <a:r>
+              <a:rPr lang="en-US" altLang="ja-JP" sz="2000" dirty="0" smtClean="0">
+                <a:latin typeface="メイリオ" panose="020B0604030504040204" pitchFamily="50" charset="-128"/>
+                <a:ea typeface="メイリオ" panose="020B0604030504040204" pitchFamily="50" charset="-128"/>
+              </a:rPr>
+              <a:t>ID</a:t>
+            </a:r>
+            <a:r>
+              <a:rPr lang="ja-JP" altLang="en-US" sz="2000" dirty="0" smtClean="0">
+                <a:latin typeface="メイリオ" panose="020B0604030504040204" pitchFamily="50" charset="-128"/>
+                <a:ea typeface="メイリオ" panose="020B0604030504040204" pitchFamily="50" charset="-128"/>
+              </a:rPr>
+              <a:t>とする。</a:t>
+            </a:r>
+            <a:endParaRPr lang="en-US" altLang="ja-JP" sz="2000" dirty="0">
               <a:latin typeface="メイリオ" panose="020B0604030504040204" pitchFamily="50" charset="-128"/>
               <a:ea typeface="メイリオ" panose="020B0604030504040204" pitchFamily="50" charset="-128"/>
             </a:endParaRPr>
           </a:p>
         </p:txBody>
       </p:sp>
-      <p:sp>
-        <p:nvSpPr>
-          <p:cNvPr id="13" name="タイトル 1"/>
-          <p:cNvSpPr txBox="1">
-            <a:spLocks/>
-          </p:cNvSpPr>
+      <p:pic>
+        <p:nvPicPr>
+          <p:cNvPr id="3" name="図 2"/>
+          <p:cNvPicPr>
+            <a:picLocks noChangeAspect="1"/>
+          </p:cNvPicPr>
           <p:nvPr/>
-        </p:nvSpPr>
+        </p:nvPicPr>
+        <p:blipFill>
+          <a:blip r:embed="rId2"/>
+          <a:stretch>
+            <a:fillRect/>
+          </a:stretch>
+        </p:blipFill>
         <p:spPr>
           <a:xfrm>
-            <a:off x="6671144" y="4105111"/>
-            <a:ext cx="2948609" cy="1176679"/>
+            <a:off x="5612388" y="877756"/>
+            <a:ext cx="2624819" cy="2260261"/>
           </a:xfrm>
           <a:prstGeom prst="rect">
             <a:avLst/>
           </a:prstGeom>
         </p:spPr>
-        <p:txBody>
-          <a:bodyPr vert="horz" lIns="91440" tIns="45720" rIns="91440" bIns="45720" rtlCol="0" anchor="t">
-            <a:noAutofit/>
-          </a:bodyPr>
-          <a:lstStyle>
-            <a:lvl1pPr algn="ctr" defTabSz="914400" rtl="0" eaLnBrk="1" latinLnBrk="0" hangingPunct="1">
-              <a:lnSpc>
-                <a:spcPct val="90000"/>
-              </a:lnSpc>
-              <a:spcBef>
-                <a:spcPct val="0"/>
-              </a:spcBef>
-              <a:buNone/>
-              <a:defRPr kumimoji="1" sz="6000" kern="1200">
-                <a:solidFill>
-                  <a:schemeClr val="tx1"/>
-                </a:solidFill>
-                <a:latin typeface="+mj-lt"/>
-                <a:ea typeface="+mj-ea"/>
-                <a:cs typeface="+mj-cs"/>
-              </a:defRPr>
-            </a:lvl1pPr>
-          </a:lstStyle>
-          <a:p>
-            <a:pPr algn="l">
-              <a:lnSpc>
-                <a:spcPct val="150000"/>
-              </a:lnSpc>
-            </a:pPr>
-            <a:r>
-              <a:rPr lang="ja-JP" altLang="en-US" sz="1600" dirty="0" smtClean="0">
-                <a:solidFill>
-                  <a:srgbClr val="FF0000"/>
-                </a:solidFill>
-                <a:latin typeface="メイリオ" panose="020B0604030504040204" pitchFamily="50" charset="-128"/>
-                <a:ea typeface="メイリオ" panose="020B0604030504040204" pitchFamily="50" charset="-128"/>
-              </a:rPr>
-              <a:t>効果的な訓練データを</a:t>
-            </a:r>
-            <a:endParaRPr lang="en-US" altLang="ja-JP" sz="1600" dirty="0" smtClean="0">
-              <a:solidFill>
-                <a:srgbClr val="FF0000"/>
-              </a:solidFill>
-              <a:latin typeface="メイリオ" panose="020B0604030504040204" pitchFamily="50" charset="-128"/>
-              <a:ea typeface="メイリオ" panose="020B0604030504040204" pitchFamily="50" charset="-128"/>
-            </a:endParaRPr>
-          </a:p>
-          <a:p>
-            <a:pPr algn="l">
-              <a:lnSpc>
-                <a:spcPct val="150000"/>
-              </a:lnSpc>
-            </a:pPr>
-            <a:r>
-              <a:rPr lang="ja-JP" altLang="en-US" sz="1600" dirty="0" smtClean="0">
-                <a:solidFill>
-                  <a:srgbClr val="FF0000"/>
-                </a:solidFill>
-                <a:latin typeface="メイリオ" panose="020B0604030504040204" pitchFamily="50" charset="-128"/>
-                <a:ea typeface="メイリオ" panose="020B0604030504040204" pitchFamily="50" charset="-128"/>
-              </a:rPr>
-              <a:t>選択・学習することで</a:t>
-            </a:r>
-            <a:r>
-              <a:rPr lang="en-US" altLang="ja-JP" sz="1600" dirty="0" smtClean="0">
-                <a:solidFill>
-                  <a:srgbClr val="FF0000"/>
-                </a:solidFill>
-                <a:latin typeface="メイリオ" panose="020B0604030504040204" pitchFamily="50" charset="-128"/>
-                <a:ea typeface="メイリオ" panose="020B0604030504040204" pitchFamily="50" charset="-128"/>
-              </a:rPr>
-              <a:t/>
-            </a:r>
-            <a:br>
-              <a:rPr lang="en-US" altLang="ja-JP" sz="1600" dirty="0" smtClean="0">
-                <a:solidFill>
-                  <a:srgbClr val="FF0000"/>
-                </a:solidFill>
-                <a:latin typeface="メイリオ" panose="020B0604030504040204" pitchFamily="50" charset="-128"/>
-                <a:ea typeface="メイリオ" panose="020B0604030504040204" pitchFamily="50" charset="-128"/>
-              </a:rPr>
-            </a:br>
-            <a:r>
-              <a:rPr lang="ja-JP" altLang="en-US" sz="1600" dirty="0" smtClean="0">
-                <a:solidFill>
-                  <a:srgbClr val="FF0000"/>
-                </a:solidFill>
-                <a:latin typeface="メイリオ" panose="020B0604030504040204" pitchFamily="50" charset="-128"/>
-                <a:ea typeface="メイリオ" panose="020B0604030504040204" pitchFamily="50" charset="-128"/>
-              </a:rPr>
-              <a:t>学習速度が速い</a:t>
-            </a:r>
-            <a:endParaRPr lang="en-US" altLang="ja-JP" sz="1600" dirty="0" smtClean="0">
-              <a:solidFill>
-                <a:srgbClr val="FF0000"/>
-              </a:solidFill>
-              <a:latin typeface="メイリオ" panose="020B0604030504040204" pitchFamily="50" charset="-128"/>
-              <a:ea typeface="メイリオ" panose="020B0604030504040204" pitchFamily="50" charset="-128"/>
-            </a:endParaRPr>
-          </a:p>
-        </p:txBody>
-      </p:sp>
+      </p:pic>
+      <p:graphicFrame>
+        <p:nvGraphicFramePr>
+          <p:cNvPr id="6" name="表 5"/>
+          <p:cNvGraphicFramePr>
+            <a:graphicFrameLocks noGrp="1"/>
+          </p:cNvGraphicFramePr>
+          <p:nvPr>
+            <p:extLst>
+              <p:ext uri="{D42A27DB-BD31-4B8C-83A1-F6EECF244321}">
+                <p14:modId xmlns:p14="http://schemas.microsoft.com/office/powerpoint/2010/main" val="1653451645"/>
+              </p:ext>
+            </p:extLst>
+          </p:nvPr>
+        </p:nvGraphicFramePr>
+        <p:xfrm>
+          <a:off x="720916" y="3462665"/>
+          <a:ext cx="7851916" cy="2768600"/>
+        </p:xfrm>
+        <a:graphic>
+          <a:graphicData uri="http://schemas.openxmlformats.org/drawingml/2006/table">
+            <a:tbl>
+              <a:tblPr firstRow="1" bandRow="1">
+                <a:tableStyleId>{7DF18680-E054-41AD-8BC1-D1AEF772440D}</a:tableStyleId>
+              </a:tblPr>
+              <a:tblGrid>
+                <a:gridCol w="3096385"/>
+                <a:gridCol w="4755531"/>
+              </a:tblGrid>
+              <a:tr h="0">
+                <a:tc>
+                  <a:txBody>
+                    <a:bodyPr/>
+                    <a:lstStyle/>
+                    <a:p>
+                      <a:pPr algn="ctr"/>
+                      <a:r>
+                        <a:rPr kumimoji="1" lang="ja-JP" altLang="en-US" sz="1600" dirty="0" smtClean="0">
+                          <a:latin typeface="メイリオ" panose="020B0604030504040204" pitchFamily="50" charset="-128"/>
+                          <a:ea typeface="メイリオ" panose="020B0604030504040204" pitchFamily="50" charset="-128"/>
+                        </a:rPr>
+                        <a:t>アルゴリズム名</a:t>
+                      </a:r>
+                      <a:endParaRPr kumimoji="1" lang="ja-JP" altLang="en-US" sz="1600" dirty="0">
+                        <a:latin typeface="メイリオ" panose="020B0604030504040204" pitchFamily="50" charset="-128"/>
+                        <a:ea typeface="メイリオ" panose="020B0604030504040204" pitchFamily="50" charset="-128"/>
+                      </a:endParaRPr>
+                    </a:p>
+                  </a:txBody>
+                  <a:tcPr anchor="ctr"/>
+                </a:tc>
+                <a:tc>
+                  <a:txBody>
+                    <a:bodyPr/>
+                    <a:lstStyle/>
+                    <a:p>
+                      <a:pPr algn="l"/>
+                      <a:r>
+                        <a:rPr kumimoji="1" lang="ja-JP" altLang="en-US" sz="1600" dirty="0" smtClean="0">
+                          <a:latin typeface="メイリオ" panose="020B0604030504040204" pitchFamily="50" charset="-128"/>
+                          <a:ea typeface="メイリオ" panose="020B0604030504040204" pitchFamily="50" charset="-128"/>
+                        </a:rPr>
+                        <a:t>説明</a:t>
+                      </a:r>
+                      <a:endParaRPr kumimoji="1" lang="ja-JP" altLang="en-US" sz="1600" dirty="0">
+                        <a:latin typeface="メイリオ" panose="020B0604030504040204" pitchFamily="50" charset="-128"/>
+                        <a:ea typeface="メイリオ" panose="020B0604030504040204" pitchFamily="50" charset="-128"/>
+                      </a:endParaRPr>
+                    </a:p>
+                  </a:txBody>
+                  <a:tcPr anchor="ctr"/>
+                </a:tc>
+              </a:tr>
+              <a:tr h="370840">
+                <a:tc>
+                  <a:txBody>
+                    <a:bodyPr/>
+                    <a:lstStyle/>
+                    <a:p>
+                      <a:pPr algn="ctr"/>
+                      <a:r>
+                        <a:rPr kumimoji="1" lang="en-US" altLang="ja-JP" sz="1600" dirty="0" smtClean="0">
+                          <a:latin typeface="メイリオ" panose="020B0604030504040204" pitchFamily="50" charset="-128"/>
+                          <a:ea typeface="メイリオ" panose="020B0604030504040204" pitchFamily="50" charset="-128"/>
+                        </a:rPr>
+                        <a:t>VAT</a:t>
+                      </a:r>
+                      <a:endParaRPr kumimoji="1" lang="ja-JP" altLang="en-US" sz="1600" dirty="0">
+                        <a:latin typeface="メイリオ" panose="020B0604030504040204" pitchFamily="50" charset="-128"/>
+                        <a:ea typeface="メイリオ" panose="020B0604030504040204" pitchFamily="50" charset="-128"/>
+                      </a:endParaRPr>
+                    </a:p>
+                  </a:txBody>
+                  <a:tcPr anchor="ctr"/>
+                </a:tc>
+                <a:tc>
+                  <a:txBody>
+                    <a:bodyPr/>
+                    <a:lstStyle/>
+                    <a:p>
+                      <a:pPr algn="l"/>
+                      <a:r>
+                        <a:rPr kumimoji="1" lang="ja-JP" altLang="en-US" sz="1600" dirty="0" smtClean="0">
+                          <a:latin typeface="メイリオ" panose="020B0604030504040204" pitchFamily="50" charset="-128"/>
+                          <a:ea typeface="メイリオ" panose="020B0604030504040204" pitchFamily="50" charset="-128"/>
+                        </a:rPr>
+                        <a:t>仮想敵対的学習（</a:t>
+                      </a:r>
+                      <a:r>
+                        <a:rPr kumimoji="1" lang="en-US" altLang="ja-JP" sz="1600" dirty="0" smtClean="0">
+                          <a:latin typeface="メイリオ" panose="020B0604030504040204" pitchFamily="50" charset="-128"/>
+                          <a:ea typeface="メイリオ" panose="020B0604030504040204" pitchFamily="50" charset="-128"/>
+                        </a:rPr>
+                        <a:t>2017</a:t>
+                      </a:r>
+                      <a:r>
+                        <a:rPr kumimoji="1" lang="ja-JP" altLang="en-US" sz="1600" dirty="0" smtClean="0">
+                          <a:latin typeface="メイリオ" panose="020B0604030504040204" pitchFamily="50" charset="-128"/>
+                          <a:ea typeface="メイリオ" panose="020B0604030504040204" pitchFamily="50" charset="-128"/>
+                        </a:rPr>
+                        <a:t>）</a:t>
+                      </a:r>
+                      <a:endParaRPr kumimoji="1" lang="ja-JP" altLang="en-US" sz="1600" dirty="0">
+                        <a:latin typeface="メイリオ" panose="020B0604030504040204" pitchFamily="50" charset="-128"/>
+                        <a:ea typeface="メイリオ" panose="020B0604030504040204" pitchFamily="50" charset="-128"/>
+                      </a:endParaRPr>
+                    </a:p>
+                  </a:txBody>
+                  <a:tcPr anchor="ctr"/>
+                </a:tc>
+              </a:tr>
+              <a:tr h="370840">
+                <a:tc>
+                  <a:txBody>
+                    <a:bodyPr/>
+                    <a:lstStyle/>
+                    <a:p>
+                      <a:pPr algn="ctr"/>
+                      <a:r>
+                        <a:rPr kumimoji="1" lang="en-US" altLang="ja-JP" sz="1600" dirty="0" smtClean="0">
+                          <a:latin typeface="メイリオ" panose="020B0604030504040204" pitchFamily="50" charset="-128"/>
+                          <a:ea typeface="メイリオ" panose="020B0604030504040204" pitchFamily="50" charset="-128"/>
+                        </a:rPr>
+                        <a:t>DS3L</a:t>
+                      </a:r>
+                      <a:endParaRPr kumimoji="1" lang="ja-JP" altLang="en-US" sz="1600" dirty="0">
+                        <a:latin typeface="メイリオ" panose="020B0604030504040204" pitchFamily="50" charset="-128"/>
+                        <a:ea typeface="メイリオ" panose="020B0604030504040204" pitchFamily="50" charset="-128"/>
+                      </a:endParaRPr>
+                    </a:p>
+                  </a:txBody>
+                  <a:tcPr anchor="ctr"/>
+                </a:tc>
+                <a:tc>
+                  <a:txBody>
+                    <a:bodyPr/>
+                    <a:lstStyle/>
+                    <a:p>
+                      <a:pPr algn="l"/>
+                      <a:r>
+                        <a:rPr kumimoji="1" lang="ja-JP" altLang="en-US" sz="1600" dirty="0" smtClean="0">
+                          <a:latin typeface="メイリオ" panose="020B0604030504040204" pitchFamily="50" charset="-128"/>
+                          <a:ea typeface="メイリオ" panose="020B0604030504040204" pitchFamily="50" charset="-128"/>
+                        </a:rPr>
+                        <a:t>教師ありの場合の再重み付けと同様に、ラベルなし集合の</a:t>
+                      </a:r>
+                      <a:r>
+                        <a:rPr kumimoji="1" lang="en-US" altLang="ja-JP" sz="1600" dirty="0" smtClean="0">
+                          <a:latin typeface="メイリオ" panose="020B0604030504040204" pitchFamily="50" charset="-128"/>
+                          <a:ea typeface="メイリオ" panose="020B0604030504040204" pitchFamily="50" charset="-128"/>
+                        </a:rPr>
+                        <a:t>OOD</a:t>
+                      </a:r>
+                      <a:r>
+                        <a:rPr kumimoji="1" lang="ja-JP" altLang="en-US" sz="1600" dirty="0" smtClean="0">
+                          <a:latin typeface="メイリオ" panose="020B0604030504040204" pitchFamily="50" charset="-128"/>
+                          <a:ea typeface="メイリオ" panose="020B0604030504040204" pitchFamily="50" charset="-128"/>
+                        </a:rPr>
+                        <a:t>データを扱う再重み付け </a:t>
+                      </a:r>
+                      <a:r>
+                        <a:rPr kumimoji="1" lang="en-US" altLang="ja-JP" sz="1600" dirty="0" smtClean="0">
+                          <a:latin typeface="メイリオ" panose="020B0604030504040204" pitchFamily="50" charset="-128"/>
+                          <a:ea typeface="メイリオ" panose="020B0604030504040204" pitchFamily="50" charset="-128"/>
+                        </a:rPr>
+                        <a:t>(2020)</a:t>
+                      </a:r>
+                      <a:endParaRPr kumimoji="1" lang="ja-JP" altLang="en-US" sz="1600" dirty="0">
+                        <a:latin typeface="メイリオ" panose="020B0604030504040204" pitchFamily="50" charset="-128"/>
+                        <a:ea typeface="メイリオ" panose="020B0604030504040204" pitchFamily="50" charset="-128"/>
+                      </a:endParaRPr>
+                    </a:p>
+                  </a:txBody>
+                  <a:tcPr anchor="ctr"/>
+                </a:tc>
+              </a:tr>
+              <a:tr h="370840">
+                <a:tc>
+                  <a:txBody>
+                    <a:bodyPr/>
+                    <a:lstStyle/>
+                    <a:p>
+                      <a:pPr algn="ctr"/>
+                      <a:r>
+                        <a:rPr kumimoji="1" lang="en-US" altLang="ja-JP" sz="1600" dirty="0" smtClean="0">
+                          <a:latin typeface="メイリオ" panose="020B0604030504040204" pitchFamily="50" charset="-128"/>
+                          <a:ea typeface="メイリオ" panose="020B0604030504040204" pitchFamily="50" charset="-128"/>
+                        </a:rPr>
+                        <a:t>L2RW</a:t>
+                      </a:r>
+                      <a:endParaRPr kumimoji="1" lang="ja-JP" altLang="en-US" sz="1600" dirty="0">
+                        <a:latin typeface="メイリオ" panose="020B0604030504040204" pitchFamily="50" charset="-128"/>
+                        <a:ea typeface="メイリオ" panose="020B0604030504040204" pitchFamily="50" charset="-128"/>
+                      </a:endParaRPr>
+                    </a:p>
+                  </a:txBody>
+                  <a:tcPr anchor="ctr"/>
+                </a:tc>
+                <a:tc>
+                  <a:txBody>
+                    <a:bodyPr/>
+                    <a:lstStyle/>
+                    <a:p>
+                      <a:pPr algn="l"/>
+                      <a:r>
+                        <a:rPr kumimoji="1" lang="ja-JP" altLang="en-US" sz="1600" dirty="0" smtClean="0">
+                          <a:latin typeface="メイリオ" panose="020B0604030504040204" pitchFamily="50" charset="-128"/>
+                          <a:ea typeface="メイリオ" panose="020B0604030504040204" pitchFamily="50" charset="-128"/>
+                        </a:rPr>
+                        <a:t>上と同じ</a:t>
+                      </a:r>
+                      <a:endParaRPr kumimoji="1" lang="en-US" altLang="ja-JP" sz="1600" dirty="0" smtClean="0">
+                        <a:latin typeface="メイリオ" panose="020B0604030504040204" pitchFamily="50" charset="-128"/>
+                        <a:ea typeface="メイリオ" panose="020B0604030504040204" pitchFamily="50" charset="-128"/>
+                      </a:endParaRPr>
+                    </a:p>
+                  </a:txBody>
+                  <a:tcPr anchor="ctr"/>
+                </a:tc>
+              </a:tr>
+              <a:tr h="370840">
+                <a:tc>
+                  <a:txBody>
+                    <a:bodyPr/>
+                    <a:lstStyle/>
+                    <a:p>
+                      <a:pPr algn="ctr"/>
+                      <a:r>
+                        <a:rPr kumimoji="1" lang="en-US" altLang="ja-JP" sz="1600" dirty="0" smtClean="0">
+                          <a:latin typeface="メイリオ" panose="020B0604030504040204" pitchFamily="50" charset="-128"/>
+                          <a:ea typeface="メイリオ" panose="020B0604030504040204" pitchFamily="50" charset="-128"/>
+                        </a:rPr>
+                        <a:t>SUPERVISED</a:t>
+                      </a:r>
+                      <a:endParaRPr kumimoji="1" lang="ja-JP" altLang="en-US" sz="1600" dirty="0">
+                        <a:latin typeface="メイリオ" panose="020B0604030504040204" pitchFamily="50" charset="-128"/>
+                        <a:ea typeface="メイリオ" panose="020B0604030504040204" pitchFamily="50" charset="-128"/>
+                      </a:endParaRPr>
+                    </a:p>
+                  </a:txBody>
+                  <a:tcPr anchor="ctr"/>
+                </a:tc>
+                <a:tc>
+                  <a:txBody>
+                    <a:bodyPr/>
+                    <a:lstStyle/>
+                    <a:p>
+                      <a:pPr algn="l"/>
+                      <a:r>
+                        <a:rPr kumimoji="1" lang="ja-JP" altLang="en-US" sz="1600" dirty="0" smtClean="0">
+                          <a:latin typeface="メイリオ" panose="020B0604030504040204" pitchFamily="50" charset="-128"/>
+                          <a:ea typeface="メイリオ" panose="020B0604030504040204" pitchFamily="50" charset="-128"/>
+                        </a:rPr>
+                        <a:t>教師有りの場合</a:t>
+                      </a:r>
+                      <a:endParaRPr kumimoji="1" lang="en-US" altLang="ja-JP" sz="1600" dirty="0" smtClean="0">
+                        <a:latin typeface="メイリオ" panose="020B0604030504040204" pitchFamily="50" charset="-128"/>
+                        <a:ea typeface="メイリオ" panose="020B0604030504040204" pitchFamily="50" charset="-128"/>
+                      </a:endParaRPr>
+                    </a:p>
+                  </a:txBody>
+                  <a:tcPr anchor="ctr"/>
+                </a:tc>
+              </a:tr>
+              <a:tr h="370840">
+                <a:tc>
+                  <a:txBody>
+                    <a:bodyPr/>
+                    <a:lstStyle/>
+                    <a:p>
+                      <a:pPr algn="ctr"/>
+                      <a:r>
+                        <a:rPr kumimoji="1" lang="en-US" altLang="ja-JP" sz="1600" dirty="0" smtClean="0">
+                          <a:latin typeface="メイリオ" panose="020B0604030504040204" pitchFamily="50" charset="-128"/>
+                          <a:ea typeface="メイリオ" panose="020B0604030504040204" pitchFamily="50" charset="-128"/>
+                        </a:rPr>
+                        <a:t>CRUST</a:t>
+                      </a:r>
+                      <a:endParaRPr kumimoji="1" lang="ja-JP" altLang="en-US" sz="1600" dirty="0">
+                        <a:latin typeface="メイリオ" panose="020B0604030504040204" pitchFamily="50" charset="-128"/>
+                        <a:ea typeface="メイリオ" panose="020B0604030504040204" pitchFamily="50" charset="-128"/>
+                      </a:endParaRPr>
+                    </a:p>
+                  </a:txBody>
+                  <a:tcPr anchor="ctr"/>
+                </a:tc>
+                <a:tc>
+                  <a:txBody>
+                    <a:bodyPr/>
+                    <a:lstStyle/>
+                    <a:p>
+                      <a:pPr algn="l"/>
+                      <a:r>
+                        <a:rPr kumimoji="1" lang="ja-JP" altLang="en-US" sz="1600" dirty="0" smtClean="0">
+                          <a:latin typeface="メイリオ" panose="020B0604030504040204" pitchFamily="50" charset="-128"/>
+                          <a:ea typeface="メイリオ" panose="020B0604030504040204" pitchFamily="50" charset="-128"/>
+                        </a:rPr>
+                        <a:t>ロバストなコアセット選択手法</a:t>
+                      </a:r>
+                      <a:endParaRPr kumimoji="1" lang="en-US" altLang="ja-JP" sz="1600" dirty="0" smtClean="0">
+                        <a:latin typeface="メイリオ" panose="020B0604030504040204" pitchFamily="50" charset="-128"/>
+                        <a:ea typeface="メイリオ" panose="020B0604030504040204" pitchFamily="50" charset="-128"/>
+                      </a:endParaRPr>
+                    </a:p>
+                  </a:txBody>
+                  <a:tcPr anchor="ctr"/>
+                </a:tc>
+              </a:tr>
+              <a:tr h="370840">
+                <a:tc>
+                  <a:txBody>
+                    <a:bodyPr/>
+                    <a:lstStyle/>
+                    <a:p>
+                      <a:pPr algn="ctr"/>
+                      <a:r>
+                        <a:rPr kumimoji="1" lang="en-US" altLang="ja-JP" sz="1600" dirty="0" smtClean="0">
+                          <a:latin typeface="メイリオ" panose="020B0604030504040204" pitchFamily="50" charset="-128"/>
+                          <a:ea typeface="メイリオ" panose="020B0604030504040204" pitchFamily="50" charset="-128"/>
+                        </a:rPr>
+                        <a:t>RETRIEVE</a:t>
+                      </a:r>
+                      <a:endParaRPr kumimoji="1" lang="ja-JP" altLang="en-US" sz="1600" dirty="0">
+                        <a:latin typeface="メイリオ" panose="020B0604030504040204" pitchFamily="50" charset="-128"/>
+                        <a:ea typeface="メイリオ" panose="020B0604030504040204" pitchFamily="50" charset="-128"/>
+                      </a:endParaRPr>
+                    </a:p>
+                  </a:txBody>
+                  <a:tcPr anchor="ctr"/>
+                </a:tc>
+                <a:tc>
+                  <a:txBody>
+                    <a:bodyPr/>
+                    <a:lstStyle/>
+                    <a:p>
+                      <a:pPr algn="l"/>
+                      <a:r>
+                        <a:rPr kumimoji="1" lang="en-US" altLang="ja-JP" sz="1600" dirty="0" smtClean="0">
+                          <a:latin typeface="メイリオ" panose="020B0604030504040204" pitchFamily="50" charset="-128"/>
+                          <a:ea typeface="メイリオ" panose="020B0604030504040204" pitchFamily="50" charset="-128"/>
+                        </a:rPr>
+                        <a:t>GLISTER</a:t>
+                      </a:r>
+                      <a:r>
+                        <a:rPr kumimoji="1" lang="ja-JP" altLang="en-US" sz="1600" dirty="0" smtClean="0">
+                          <a:latin typeface="メイリオ" panose="020B0604030504040204" pitchFamily="50" charset="-128"/>
+                          <a:ea typeface="メイリオ" panose="020B0604030504040204" pitchFamily="50" charset="-128"/>
+                        </a:rPr>
+                        <a:t>を半教師有り学習に適用（</a:t>
+                      </a:r>
+                      <a:r>
+                        <a:rPr kumimoji="1" lang="en-US" altLang="ja-JP" sz="1600" dirty="0" smtClean="0">
+                          <a:latin typeface="メイリオ" panose="020B0604030504040204" pitchFamily="50" charset="-128"/>
+                          <a:ea typeface="メイリオ" panose="020B0604030504040204" pitchFamily="50" charset="-128"/>
+                        </a:rPr>
+                        <a:t>2022</a:t>
+                      </a:r>
+                      <a:r>
+                        <a:rPr kumimoji="1" lang="ja-JP" altLang="en-US" sz="1600" dirty="0" smtClean="0">
+                          <a:latin typeface="メイリオ" panose="020B0604030504040204" pitchFamily="50" charset="-128"/>
+                          <a:ea typeface="メイリオ" panose="020B0604030504040204" pitchFamily="50" charset="-128"/>
+                        </a:rPr>
+                        <a:t>）</a:t>
+                      </a:r>
+                      <a:endParaRPr kumimoji="1" lang="en-US" altLang="ja-JP" sz="1600" dirty="0" smtClean="0">
+                        <a:latin typeface="メイリオ" panose="020B0604030504040204" pitchFamily="50" charset="-128"/>
+                        <a:ea typeface="メイリオ" panose="020B0604030504040204" pitchFamily="50" charset="-128"/>
+                      </a:endParaRPr>
+                    </a:p>
+                  </a:txBody>
+                  <a:tcPr anchor="ctr"/>
+                </a:tc>
+              </a:tr>
+            </a:tbl>
+          </a:graphicData>
+        </a:graphic>
+      </p:graphicFrame>
     </p:spTree>
     <p:extLst>
       <p:ext uri="{BB962C8B-B14F-4D97-AF65-F5344CB8AC3E}">
-        <p14:creationId xmlns:p14="http://schemas.microsoft.com/office/powerpoint/2010/main" val="322852658"/>
+        <p14:creationId xmlns:p14="http://schemas.microsoft.com/office/powerpoint/2010/main" val="2451210503"/>
       </p:ext>
     </p:extLst>
   </p:cSld>
@@ -15167,25 +13465,53 @@
               </a:lnSpc>
             </a:pPr>
             <a:r>
+              <a:rPr lang="ja-JP" altLang="en-US" sz="3200" dirty="0">
+                <a:latin typeface="メイリオ" panose="020B0604030504040204" pitchFamily="50" charset="-128"/>
+                <a:ea typeface="メイリオ" panose="020B0604030504040204" pitchFamily="50" charset="-128"/>
+              </a:rPr>
+              <a:t>６</a:t>
+            </a:r>
+            <a:r>
+              <a:rPr lang="en-US" altLang="ja-JP" sz="3200" dirty="0" smtClean="0">
+                <a:latin typeface="メイリオ" panose="020B0604030504040204" pitchFamily="50" charset="-128"/>
+                <a:ea typeface="メイリオ" panose="020B0604030504040204" pitchFamily="50" charset="-128"/>
+              </a:rPr>
+              <a:t>-</a:t>
+            </a:r>
+            <a:r>
+              <a:rPr lang="ja-JP" altLang="en-US" sz="3200" dirty="0">
+                <a:latin typeface="メイリオ" panose="020B0604030504040204" pitchFamily="50" charset="-128"/>
+                <a:ea typeface="メイリオ" panose="020B0604030504040204" pitchFamily="50" charset="-128"/>
+              </a:rPr>
+              <a:t>２</a:t>
+            </a:r>
+            <a:r>
               <a:rPr lang="ja-JP" altLang="en-US" sz="3200" dirty="0" smtClean="0">
                 <a:latin typeface="メイリオ" panose="020B0604030504040204" pitchFamily="50" charset="-128"/>
                 <a:ea typeface="メイリオ" panose="020B0604030504040204" pitchFamily="50" charset="-128"/>
               </a:rPr>
-              <a:t>５</a:t>
-            </a:r>
-            <a:r>
-              <a:rPr lang="en-US" altLang="ja-JP" sz="3200" dirty="0" smtClean="0">
-                <a:latin typeface="メイリオ" panose="020B0604030504040204" pitchFamily="50" charset="-128"/>
-                <a:ea typeface="メイリオ" panose="020B0604030504040204" pitchFamily="50" charset="-128"/>
-              </a:rPr>
-              <a:t>-</a:t>
+              <a:t>．</a:t>
+            </a:r>
+            <a:r>
+              <a:rPr lang="en-US" altLang="ja-JP" sz="3200" dirty="0">
+                <a:latin typeface="メイリオ" panose="020B0604030504040204" pitchFamily="50" charset="-128"/>
+                <a:ea typeface="メイリオ" panose="020B0604030504040204" pitchFamily="50" charset="-128"/>
+              </a:rPr>
+              <a:t>OOD</a:t>
+            </a:r>
+            <a:r>
+              <a:rPr lang="ja-JP" altLang="en-US" sz="3200" dirty="0">
+                <a:latin typeface="メイリオ" panose="020B0604030504040204" pitchFamily="50" charset="-128"/>
+                <a:ea typeface="メイリオ" panose="020B0604030504040204" pitchFamily="50" charset="-128"/>
+              </a:rPr>
+              <a:t>データの半教師有り学習の</a:t>
             </a:r>
             <a:r>
               <a:rPr lang="ja-JP" altLang="en-US" sz="3200" dirty="0" smtClean="0">
                 <a:latin typeface="メイリオ" panose="020B0604030504040204" pitchFamily="50" charset="-128"/>
                 <a:ea typeface="メイリオ" panose="020B0604030504040204" pitchFamily="50" charset="-128"/>
               </a:rPr>
-              <a:t>１．アクティブラーニングの実験</a:t>
+              <a:t>実験結果</a:t>
             </a:r>
             <a:endParaRPr lang="ja-JP" altLang="en-US" sz="3200" dirty="0">
               <a:latin typeface="メイリオ" panose="020B0604030504040204" pitchFamily="50" charset="-128"/>
@@ -15194,495 +13520,360 @@
           </a:p>
         </p:txBody>
       </p:sp>
-      <p:graphicFrame>
-        <p:nvGraphicFramePr>
-          <p:cNvPr id="11" name="表 10"/>
-          <p:cNvGraphicFramePr>
-            <a:graphicFrameLocks noGrp="1"/>
-          </p:cNvGraphicFramePr>
-          <p:nvPr>
-            <p:extLst>
-              <p:ext uri="{D42A27DB-BD31-4B8C-83A1-F6EECF244321}">
-                <p14:modId xmlns:p14="http://schemas.microsoft.com/office/powerpoint/2010/main" val="1278405251"/>
-              </p:ext>
-            </p:extLst>
-          </p:nvPr>
-        </p:nvGraphicFramePr>
-        <p:xfrm>
-          <a:off x="720916" y="2782333"/>
-          <a:ext cx="7476877" cy="3718560"/>
-        </p:xfrm>
-        <a:graphic>
-          <a:graphicData uri="http://schemas.openxmlformats.org/drawingml/2006/table">
-            <a:tbl>
-              <a:tblPr firstRow="1" bandRow="1">
-                <a:tableStyleId>{7DF18680-E054-41AD-8BC1-D1AEF772440D}</a:tableStyleId>
-              </a:tblPr>
-              <a:tblGrid>
-                <a:gridCol w="2948489"/>
-                <a:gridCol w="4528388"/>
-              </a:tblGrid>
-              <a:tr h="0">
-                <a:tc>
-                  <a:txBody>
-                    <a:bodyPr/>
-                    <a:lstStyle/>
-                    <a:p>
-                      <a:pPr algn="ctr"/>
-                      <a:r>
-                        <a:rPr kumimoji="1" lang="ja-JP" altLang="en-US" sz="1600" dirty="0" smtClean="0">
-                          <a:latin typeface="メイリオ" panose="020B0604030504040204" pitchFamily="50" charset="-128"/>
-                          <a:ea typeface="メイリオ" panose="020B0604030504040204" pitchFamily="50" charset="-128"/>
-                        </a:rPr>
-                        <a:t>アルゴリズム名</a:t>
-                      </a:r>
-                      <a:endParaRPr kumimoji="1" lang="ja-JP" altLang="en-US" sz="1600" dirty="0">
-                        <a:latin typeface="メイリオ" panose="020B0604030504040204" pitchFamily="50" charset="-128"/>
-                        <a:ea typeface="メイリオ" panose="020B0604030504040204" pitchFamily="50" charset="-128"/>
-                      </a:endParaRPr>
-                    </a:p>
-                  </a:txBody>
-                  <a:tcPr anchor="ctr"/>
-                </a:tc>
-                <a:tc>
-                  <a:txBody>
-                    <a:bodyPr/>
-                    <a:lstStyle/>
-                    <a:p>
-                      <a:pPr algn="l"/>
-                      <a:r>
-                        <a:rPr kumimoji="1" lang="ja-JP" altLang="en-US" sz="1600" dirty="0" smtClean="0">
-                          <a:latin typeface="メイリオ" panose="020B0604030504040204" pitchFamily="50" charset="-128"/>
-                          <a:ea typeface="メイリオ" panose="020B0604030504040204" pitchFamily="50" charset="-128"/>
-                        </a:rPr>
-                        <a:t>コアセット選択方法</a:t>
-                      </a:r>
-                      <a:endParaRPr kumimoji="1" lang="ja-JP" altLang="en-US" sz="1600" dirty="0">
-                        <a:latin typeface="メイリオ" panose="020B0604030504040204" pitchFamily="50" charset="-128"/>
-                        <a:ea typeface="メイリオ" panose="020B0604030504040204" pitchFamily="50" charset="-128"/>
-                      </a:endParaRPr>
-                    </a:p>
-                  </a:txBody>
-                  <a:tcPr anchor="ctr"/>
-                </a:tc>
-              </a:tr>
-              <a:tr h="370840">
-                <a:tc>
-                  <a:txBody>
-                    <a:bodyPr/>
-                    <a:lstStyle/>
-                    <a:p>
-                      <a:pPr algn="ctr"/>
-                      <a:r>
-                        <a:rPr kumimoji="1" lang="en-US" altLang="ja-JP" sz="1600" dirty="0" smtClean="0">
-                          <a:latin typeface="メイリオ" panose="020B0604030504040204" pitchFamily="50" charset="-128"/>
-                          <a:ea typeface="メイリオ" panose="020B0604030504040204" pitchFamily="50" charset="-128"/>
-                        </a:rPr>
-                        <a:t>FL</a:t>
-                      </a:r>
-                      <a:endParaRPr kumimoji="1" lang="ja-JP" altLang="en-US" sz="1600" dirty="0">
-                        <a:latin typeface="メイリオ" panose="020B0604030504040204" pitchFamily="50" charset="-128"/>
-                        <a:ea typeface="メイリオ" panose="020B0604030504040204" pitchFamily="50" charset="-128"/>
-                      </a:endParaRPr>
-                    </a:p>
-                  </a:txBody>
-                  <a:tcPr anchor="ctr"/>
-                </a:tc>
-                <a:tc>
-                  <a:txBody>
-                    <a:bodyPr/>
-                    <a:lstStyle/>
-                    <a:p>
-                      <a:pPr algn="l"/>
-                      <a:r>
-                        <a:rPr kumimoji="1" lang="ja-JP" altLang="en-US" sz="1600" dirty="0" smtClean="0">
-                          <a:latin typeface="メイリオ" panose="020B0604030504040204" pitchFamily="50" charset="-128"/>
-                          <a:ea typeface="メイリオ" panose="020B0604030504040204" pitchFamily="50" charset="-128"/>
-                        </a:rPr>
-                        <a:t>不明</a:t>
-                      </a:r>
-                      <a:endParaRPr kumimoji="1" lang="ja-JP" altLang="en-US" sz="1600" dirty="0">
-                        <a:latin typeface="メイリオ" panose="020B0604030504040204" pitchFamily="50" charset="-128"/>
-                        <a:ea typeface="メイリオ" panose="020B0604030504040204" pitchFamily="50" charset="-128"/>
-                      </a:endParaRPr>
-                    </a:p>
-                  </a:txBody>
-                  <a:tcPr anchor="ctr"/>
-                </a:tc>
-              </a:tr>
-              <a:tr h="370840">
-                <a:tc>
-                  <a:txBody>
-                    <a:bodyPr/>
-                    <a:lstStyle/>
-                    <a:p>
-                      <a:pPr algn="ctr"/>
-                      <a:r>
-                        <a:rPr kumimoji="1" lang="en-US" altLang="ja-JP" sz="1600" dirty="0" smtClean="0">
-                          <a:latin typeface="メイリオ" panose="020B0604030504040204" pitchFamily="50" charset="-128"/>
-                          <a:ea typeface="メイリオ" panose="020B0604030504040204" pitchFamily="50" charset="-128"/>
-                        </a:rPr>
-                        <a:t>FASS</a:t>
-                      </a:r>
-                      <a:endParaRPr kumimoji="1" lang="ja-JP" altLang="en-US" sz="1600" dirty="0">
-                        <a:latin typeface="メイリオ" panose="020B0604030504040204" pitchFamily="50" charset="-128"/>
-                        <a:ea typeface="メイリオ" panose="020B0604030504040204" pitchFamily="50" charset="-128"/>
-                      </a:endParaRPr>
-                    </a:p>
-                  </a:txBody>
-                  <a:tcPr anchor="ctr"/>
-                </a:tc>
-                <a:tc>
-                  <a:txBody>
-                    <a:bodyPr/>
-                    <a:lstStyle/>
-                    <a:p>
-                      <a:pPr algn="l"/>
-                      <a:r>
-                        <a:rPr kumimoji="1" lang="en-US" altLang="ja-JP" sz="1600" dirty="0" smtClean="0">
-                          <a:latin typeface="メイリオ" panose="020B0604030504040204" pitchFamily="50" charset="-128"/>
-                          <a:ea typeface="メイリオ" panose="020B0604030504040204" pitchFamily="50" charset="-128"/>
-                        </a:rPr>
-                        <a:t>KNN</a:t>
-                      </a:r>
-                      <a:r>
-                        <a:rPr kumimoji="1" lang="ja-JP" altLang="en-US" sz="1600" dirty="0" smtClean="0">
-                          <a:latin typeface="メイリオ" panose="020B0604030504040204" pitchFamily="50" charset="-128"/>
-                          <a:ea typeface="メイリオ" panose="020B0604030504040204" pitchFamily="50" charset="-128"/>
-                        </a:rPr>
-                        <a:t>劣モジュラ関数を用いて、予測に関する不確実性が低いデータを選択（</a:t>
-                      </a:r>
-                      <a:r>
-                        <a:rPr kumimoji="1" lang="en-US" altLang="ja-JP" sz="1600" dirty="0" smtClean="0">
-                          <a:latin typeface="メイリオ" panose="020B0604030504040204" pitchFamily="50" charset="-128"/>
-                          <a:ea typeface="メイリオ" panose="020B0604030504040204" pitchFamily="50" charset="-128"/>
-                        </a:rPr>
-                        <a:t>2015</a:t>
-                      </a:r>
-                      <a:r>
-                        <a:rPr kumimoji="1" lang="ja-JP" altLang="en-US" sz="1600" dirty="0" smtClean="0">
-                          <a:latin typeface="メイリオ" panose="020B0604030504040204" pitchFamily="50" charset="-128"/>
-                          <a:ea typeface="メイリオ" panose="020B0604030504040204" pitchFamily="50" charset="-128"/>
-                        </a:rPr>
-                        <a:t>）</a:t>
-                      </a:r>
-                      <a:endParaRPr kumimoji="1" lang="ja-JP" altLang="en-US" sz="1600" dirty="0">
-                        <a:latin typeface="メイリオ" panose="020B0604030504040204" pitchFamily="50" charset="-128"/>
-                        <a:ea typeface="メイリオ" panose="020B0604030504040204" pitchFamily="50" charset="-128"/>
-                      </a:endParaRPr>
-                    </a:p>
-                  </a:txBody>
-                  <a:tcPr anchor="ctr"/>
-                </a:tc>
-              </a:tr>
-              <a:tr h="370840">
-                <a:tc>
-                  <a:txBody>
-                    <a:bodyPr/>
-                    <a:lstStyle/>
-                    <a:p>
-                      <a:pPr algn="ctr"/>
-                      <a:r>
-                        <a:rPr kumimoji="1" lang="en-US" altLang="ja-JP" sz="1600" dirty="0" smtClean="0">
-                          <a:latin typeface="メイリオ" panose="020B0604030504040204" pitchFamily="50" charset="-128"/>
-                          <a:ea typeface="メイリオ" panose="020B0604030504040204" pitchFamily="50" charset="-128"/>
-                        </a:rPr>
-                        <a:t>BADGE</a:t>
-                      </a:r>
-                      <a:endParaRPr kumimoji="1" lang="ja-JP" altLang="en-US" sz="1600" dirty="0">
-                        <a:latin typeface="メイリオ" panose="020B0604030504040204" pitchFamily="50" charset="-128"/>
-                        <a:ea typeface="メイリオ" panose="020B0604030504040204" pitchFamily="50" charset="-128"/>
-                      </a:endParaRPr>
-                    </a:p>
-                  </a:txBody>
-                  <a:tcPr anchor="ctr"/>
-                </a:tc>
-                <a:tc>
-                  <a:txBody>
-                    <a:bodyPr/>
-                    <a:lstStyle/>
-                    <a:p>
-                      <a:pPr algn="l"/>
-                      <a:r>
-                        <a:rPr kumimoji="1" lang="ja-JP" altLang="en-US" sz="1600" dirty="0" smtClean="0">
-                          <a:latin typeface="メイリオ" panose="020B0604030504040204" pitchFamily="50" charset="-128"/>
-                          <a:ea typeface="メイリオ" panose="020B0604030504040204" pitchFamily="50" charset="-128"/>
-                        </a:rPr>
-                        <a:t>仮説サンプルを用いて得られた、多様な勾配埋め込みに基づき選択（</a:t>
-                      </a:r>
-                      <a:r>
-                        <a:rPr kumimoji="1" lang="en-US" altLang="ja-JP" sz="1600" dirty="0" smtClean="0">
-                          <a:latin typeface="メイリオ" panose="020B0604030504040204" pitchFamily="50" charset="-128"/>
-                          <a:ea typeface="メイリオ" panose="020B0604030504040204" pitchFamily="50" charset="-128"/>
-                        </a:rPr>
-                        <a:t>2020</a:t>
-                      </a:r>
-                      <a:r>
-                        <a:rPr kumimoji="1" lang="ja-JP" altLang="en-US" sz="1600" dirty="0" smtClean="0">
-                          <a:latin typeface="メイリオ" panose="020B0604030504040204" pitchFamily="50" charset="-128"/>
-                          <a:ea typeface="メイリオ" panose="020B0604030504040204" pitchFamily="50" charset="-128"/>
-                        </a:rPr>
-                        <a:t>）</a:t>
-                      </a:r>
-                      <a:endParaRPr kumimoji="1" lang="ja-JP" altLang="en-US" sz="1600" dirty="0">
-                        <a:latin typeface="メイリオ" panose="020B0604030504040204" pitchFamily="50" charset="-128"/>
-                        <a:ea typeface="メイリオ" panose="020B0604030504040204" pitchFamily="50" charset="-128"/>
-                      </a:endParaRPr>
-                    </a:p>
-                  </a:txBody>
-                  <a:tcPr anchor="ctr"/>
-                </a:tc>
-              </a:tr>
-              <a:tr h="370840">
-                <a:tc>
-                  <a:txBody>
-                    <a:bodyPr/>
-                    <a:lstStyle/>
-                    <a:p>
-                      <a:pPr algn="ctr"/>
-                      <a:r>
-                        <a:rPr kumimoji="1" lang="en-US" altLang="ja-JP" sz="1600" dirty="0" smtClean="0">
-                          <a:latin typeface="メイリオ" panose="020B0604030504040204" pitchFamily="50" charset="-128"/>
-                          <a:ea typeface="メイリオ" panose="020B0604030504040204" pitchFamily="50" charset="-128"/>
-                        </a:rPr>
-                        <a:t>Random</a:t>
-                      </a:r>
-                      <a:endParaRPr kumimoji="1" lang="ja-JP" altLang="en-US" sz="1600" dirty="0">
-                        <a:latin typeface="メイリオ" panose="020B0604030504040204" pitchFamily="50" charset="-128"/>
-                        <a:ea typeface="メイリオ" panose="020B0604030504040204" pitchFamily="50" charset="-128"/>
-                      </a:endParaRPr>
-                    </a:p>
-                  </a:txBody>
-                  <a:tcPr anchor="ctr"/>
-                </a:tc>
-                <a:tc>
-                  <a:txBody>
-                    <a:bodyPr/>
-                    <a:lstStyle/>
-                    <a:p>
-                      <a:pPr algn="l"/>
-                      <a:r>
-                        <a:rPr kumimoji="1" lang="ja-JP" altLang="en-US" sz="1600" dirty="0" smtClean="0">
-                          <a:latin typeface="メイリオ" panose="020B0604030504040204" pitchFamily="50" charset="-128"/>
-                          <a:ea typeface="メイリオ" panose="020B0604030504040204" pitchFamily="50" charset="-128"/>
-                        </a:rPr>
-                        <a:t>ランダムに選択</a:t>
-                      </a:r>
-                      <a:endParaRPr kumimoji="1" lang="ja-JP" altLang="en-US" sz="1600" dirty="0">
-                        <a:latin typeface="メイリオ" panose="020B0604030504040204" pitchFamily="50" charset="-128"/>
-                        <a:ea typeface="メイリオ" panose="020B0604030504040204" pitchFamily="50" charset="-128"/>
-                      </a:endParaRPr>
-                    </a:p>
-                  </a:txBody>
-                  <a:tcPr anchor="ctr"/>
-                </a:tc>
-              </a:tr>
-              <a:tr h="370840">
-                <a:tc>
-                  <a:txBody>
-                    <a:bodyPr/>
-                    <a:lstStyle/>
-                    <a:p>
-                      <a:pPr algn="ctr"/>
-                      <a:r>
-                        <a:rPr kumimoji="1" lang="en-US" altLang="ja-JP" sz="1600" dirty="0" smtClean="0">
-                          <a:latin typeface="メイリオ" panose="020B0604030504040204" pitchFamily="50" charset="-128"/>
-                          <a:ea typeface="メイリオ" panose="020B0604030504040204" pitchFamily="50" charset="-128"/>
-                        </a:rPr>
-                        <a:t>GLISTER</a:t>
-                      </a:r>
-                      <a:endParaRPr kumimoji="1" lang="ja-JP" altLang="en-US" sz="1600" dirty="0">
-                        <a:latin typeface="メイリオ" panose="020B0604030504040204" pitchFamily="50" charset="-128"/>
-                        <a:ea typeface="メイリオ" panose="020B0604030504040204" pitchFamily="50" charset="-128"/>
-                      </a:endParaRPr>
-                    </a:p>
-                  </a:txBody>
-                  <a:tcPr anchor="ctr"/>
-                </a:tc>
-                <a:tc>
-                  <a:txBody>
-                    <a:bodyPr/>
-                    <a:lstStyle/>
-                    <a:p>
-                      <a:pPr algn="l"/>
-                      <a:r>
-                        <a:rPr kumimoji="1" lang="ja-JP" altLang="en-US" sz="1600" dirty="0" smtClean="0">
-                          <a:latin typeface="メイリオ" panose="020B0604030504040204" pitchFamily="50" charset="-128"/>
-                          <a:ea typeface="メイリオ" panose="020B0604030504040204" pitchFamily="50" charset="-128"/>
-                        </a:rPr>
-                        <a:t>正則化なし</a:t>
-                      </a:r>
-                      <a:r>
-                        <a:rPr kumimoji="1" lang="en-US" altLang="ja-JP" sz="1600" dirty="0" smtClean="0">
-                          <a:latin typeface="メイリオ" panose="020B0604030504040204" pitchFamily="50" charset="-128"/>
-                          <a:ea typeface="メイリオ" panose="020B0604030504040204" pitchFamily="50" charset="-128"/>
-                        </a:rPr>
-                        <a:t>GLISTER</a:t>
-                      </a:r>
-                      <a:endParaRPr kumimoji="1" lang="ja-JP" altLang="en-US" sz="1600" dirty="0">
-                        <a:latin typeface="メイリオ" panose="020B0604030504040204" pitchFamily="50" charset="-128"/>
-                        <a:ea typeface="メイリオ" panose="020B0604030504040204" pitchFamily="50" charset="-128"/>
-                      </a:endParaRPr>
-                    </a:p>
-                  </a:txBody>
-                  <a:tcPr anchor="ctr"/>
-                </a:tc>
-              </a:tr>
-              <a:tr h="370840">
-                <a:tc>
-                  <a:txBody>
-                    <a:bodyPr/>
-                    <a:lstStyle/>
-                    <a:p>
-                      <a:pPr algn="ctr"/>
-                      <a:r>
-                        <a:rPr kumimoji="1" lang="en-US" altLang="ja-JP" sz="1600" dirty="0" smtClean="0">
-                          <a:latin typeface="メイリオ" panose="020B0604030504040204" pitchFamily="50" charset="-128"/>
-                          <a:ea typeface="メイリオ" panose="020B0604030504040204" pitchFamily="50" charset="-128"/>
-                        </a:rPr>
-                        <a:t>F-GLISTER</a:t>
-                      </a:r>
-                      <a:endParaRPr kumimoji="1" lang="ja-JP" altLang="en-US" sz="1600" dirty="0">
-                        <a:latin typeface="メイリオ" panose="020B0604030504040204" pitchFamily="50" charset="-128"/>
-                        <a:ea typeface="メイリオ" panose="020B0604030504040204" pitchFamily="50" charset="-128"/>
-                      </a:endParaRPr>
-                    </a:p>
-                  </a:txBody>
-                  <a:tcPr anchor="ctr"/>
-                </a:tc>
-                <a:tc>
-                  <a:txBody>
-                    <a:bodyPr/>
-                    <a:lstStyle/>
-                    <a:p>
-                      <a:pPr algn="l"/>
-                      <a:r>
-                        <a:rPr kumimoji="1" lang="en-US" altLang="ja-JP" sz="1600" dirty="0" smtClean="0">
-                          <a:latin typeface="メイリオ" panose="020B0604030504040204" pitchFamily="50" charset="-128"/>
-                          <a:ea typeface="メイリオ" panose="020B0604030504040204" pitchFamily="50" charset="-128"/>
-                        </a:rPr>
-                        <a:t>Facility location</a:t>
-                      </a:r>
-                      <a:r>
-                        <a:rPr kumimoji="1" lang="ja-JP" altLang="en-US" sz="1600" dirty="0" smtClean="0">
-                          <a:latin typeface="メイリオ" panose="020B0604030504040204" pitchFamily="50" charset="-128"/>
-                          <a:ea typeface="メイリオ" panose="020B0604030504040204" pitchFamily="50" charset="-128"/>
-                        </a:rPr>
-                        <a:t>で正則化された</a:t>
-                      </a:r>
-                      <a:r>
-                        <a:rPr kumimoji="1" lang="en-US" altLang="ja-JP" sz="1600" dirty="0" smtClean="0">
-                          <a:latin typeface="メイリオ" panose="020B0604030504040204" pitchFamily="50" charset="-128"/>
-                          <a:ea typeface="メイリオ" panose="020B0604030504040204" pitchFamily="50" charset="-128"/>
-                        </a:rPr>
-                        <a:t>GLISTER</a:t>
-                      </a:r>
-                    </a:p>
-                  </a:txBody>
-                  <a:tcPr anchor="ctr"/>
-                </a:tc>
-              </a:tr>
-              <a:tr h="370840">
-                <a:tc>
-                  <a:txBody>
-                    <a:bodyPr/>
-                    <a:lstStyle/>
-                    <a:p>
-                      <a:pPr algn="ctr"/>
-                      <a:r>
-                        <a:rPr kumimoji="1" lang="en-US" altLang="ja-JP" sz="1600" dirty="0" smtClean="0">
-                          <a:latin typeface="メイリオ" panose="020B0604030504040204" pitchFamily="50" charset="-128"/>
-                          <a:ea typeface="メイリオ" panose="020B0604030504040204" pitchFamily="50" charset="-128"/>
-                        </a:rPr>
-                        <a:t>R-GLISTER</a:t>
-                      </a:r>
-                      <a:endParaRPr kumimoji="1" lang="ja-JP" altLang="en-US" sz="1600" dirty="0">
-                        <a:latin typeface="メイリオ" panose="020B0604030504040204" pitchFamily="50" charset="-128"/>
-                        <a:ea typeface="メイリオ" panose="020B0604030504040204" pitchFamily="50" charset="-128"/>
-                      </a:endParaRPr>
-                    </a:p>
-                  </a:txBody>
-                  <a:tcPr anchor="ctr"/>
-                </a:tc>
-                <a:tc>
-                  <a:txBody>
-                    <a:bodyPr/>
-                    <a:lstStyle/>
-                    <a:p>
-                      <a:pPr algn="l"/>
-                      <a:r>
-                        <a:rPr kumimoji="1" lang="ja-JP" altLang="en-US" sz="1600" dirty="0" smtClean="0">
-                          <a:latin typeface="メイリオ" panose="020B0604030504040204" pitchFamily="50" charset="-128"/>
-                          <a:ea typeface="メイリオ" panose="020B0604030504040204" pitchFamily="50" charset="-128"/>
-                        </a:rPr>
-                        <a:t>ランダムで正則化された</a:t>
-                      </a:r>
-                      <a:r>
-                        <a:rPr kumimoji="1" lang="en-US" altLang="ja-JP" sz="1600" dirty="0" smtClean="0">
-                          <a:latin typeface="メイリオ" panose="020B0604030504040204" pitchFamily="50" charset="-128"/>
-                          <a:ea typeface="メイリオ" panose="020B0604030504040204" pitchFamily="50" charset="-128"/>
-                        </a:rPr>
-                        <a:t>GLISTER</a:t>
-                      </a:r>
-                    </a:p>
-                  </a:txBody>
-                  <a:tcPr anchor="ctr"/>
-                </a:tc>
-              </a:tr>
-              <a:tr h="370840">
-                <a:tc>
-                  <a:txBody>
-                    <a:bodyPr/>
-                    <a:lstStyle/>
-                    <a:p>
-                      <a:pPr algn="ctr"/>
-                      <a:r>
-                        <a:rPr kumimoji="1" lang="en-US" altLang="ja-JP" sz="1600" dirty="0" smtClean="0">
-                          <a:latin typeface="メイリオ" panose="020B0604030504040204" pitchFamily="50" charset="-128"/>
-                          <a:ea typeface="メイリオ" panose="020B0604030504040204" pitchFamily="50" charset="-128"/>
-                        </a:rPr>
-                        <a:t>D-GLISTER</a:t>
-                      </a:r>
-                      <a:endParaRPr kumimoji="1" lang="ja-JP" altLang="en-US" sz="1600" dirty="0">
-                        <a:latin typeface="メイリオ" panose="020B0604030504040204" pitchFamily="50" charset="-128"/>
-                        <a:ea typeface="メイリオ" panose="020B0604030504040204" pitchFamily="50" charset="-128"/>
-                      </a:endParaRPr>
-                    </a:p>
-                  </a:txBody>
-                  <a:tcPr anchor="ctr"/>
-                </a:tc>
-                <a:tc>
-                  <a:txBody>
-                    <a:bodyPr/>
-                    <a:lstStyle/>
-                    <a:p>
-                      <a:pPr algn="l"/>
-                      <a:r>
-                        <a:rPr kumimoji="1" lang="ja-JP" altLang="en-US" sz="1600" dirty="0" smtClean="0">
-                          <a:latin typeface="メイリオ" panose="020B0604030504040204" pitchFamily="50" charset="-128"/>
-                          <a:ea typeface="メイリオ" panose="020B0604030504040204" pitchFamily="50" charset="-128"/>
-                        </a:rPr>
-                        <a:t>多様性で正則化された</a:t>
-                      </a:r>
-                      <a:r>
-                        <a:rPr kumimoji="1" lang="en-US" altLang="ja-JP" sz="1600" dirty="0" smtClean="0">
-                          <a:latin typeface="メイリオ" panose="020B0604030504040204" pitchFamily="50" charset="-128"/>
-                          <a:ea typeface="メイリオ" panose="020B0604030504040204" pitchFamily="50" charset="-128"/>
-                        </a:rPr>
-                        <a:t>GLISTER</a:t>
-                      </a:r>
-                    </a:p>
-                  </a:txBody>
-                  <a:tcPr anchor="ctr"/>
-                </a:tc>
-              </a:tr>
-            </a:tbl>
-          </a:graphicData>
-        </a:graphic>
-      </p:graphicFrame>
+      <p:pic>
+        <p:nvPicPr>
+          <p:cNvPr id="3" name="図 2"/>
+          <p:cNvPicPr>
+            <a:picLocks noChangeAspect="1"/>
+          </p:cNvPicPr>
+          <p:nvPr/>
+        </p:nvPicPr>
+        <p:blipFill rotWithShape="1">
+          <a:blip r:embed="rId2"/>
+          <a:srcRect l="1" t="12207" r="75985"/>
+          <a:stretch/>
+        </p:blipFill>
+        <p:spPr>
+          <a:xfrm>
+            <a:off x="771962" y="1871077"/>
+            <a:ext cx="3209409" cy="3166320"/>
+          </a:xfrm>
+          <a:prstGeom prst="rect">
+            <a:avLst/>
+          </a:prstGeom>
+        </p:spPr>
+      </p:pic>
+      <p:pic>
+        <p:nvPicPr>
+          <p:cNvPr id="8" name="図 7"/>
+          <p:cNvPicPr>
+            <a:picLocks noChangeAspect="1"/>
+          </p:cNvPicPr>
+          <p:nvPr/>
+        </p:nvPicPr>
+        <p:blipFill rotWithShape="1">
+          <a:blip r:embed="rId2"/>
+          <a:srcRect l="4342" t="488" r="8795" b="86070"/>
+          <a:stretch/>
+        </p:blipFill>
+        <p:spPr>
+          <a:xfrm>
+            <a:off x="780278" y="1282512"/>
+            <a:ext cx="7382479" cy="332954"/>
+          </a:xfrm>
+          <a:prstGeom prst="rect">
+            <a:avLst/>
+          </a:prstGeom>
+        </p:spPr>
+      </p:pic>
+      <p:pic>
+        <p:nvPicPr>
+          <p:cNvPr id="9" name="図 8"/>
+          <p:cNvPicPr>
+            <a:picLocks noChangeAspect="1"/>
+          </p:cNvPicPr>
+          <p:nvPr/>
+        </p:nvPicPr>
+        <p:blipFill rotWithShape="1">
+          <a:blip r:embed="rId2"/>
+          <a:srcRect l="24436" t="10396" r="51550" b="1811"/>
+          <a:stretch/>
+        </p:blipFill>
+        <p:spPr>
+          <a:xfrm>
+            <a:off x="4975803" y="1784365"/>
+            <a:ext cx="3209409" cy="3166320"/>
+          </a:xfrm>
+          <a:prstGeom prst="rect">
+            <a:avLst/>
+          </a:prstGeom>
+        </p:spPr>
+      </p:pic>
       <p:sp>
         <p:nvSpPr>
-          <p:cNvPr id="14" name="タイトル 1"/>
+          <p:cNvPr id="5" name="円/楕円 4"/>
+          <p:cNvSpPr/>
+          <p:nvPr/>
+        </p:nvSpPr>
+        <p:spPr>
+          <a:xfrm>
+            <a:off x="2500379" y="1943905"/>
+            <a:ext cx="357809" cy="373711"/>
+          </a:xfrm>
+          <a:prstGeom prst="ellipse">
+            <a:avLst/>
+          </a:prstGeom>
+          <a:noFill/>
+          <a:ln w="31750">
+            <a:solidFill>
+              <a:srgbClr val="FF0000"/>
+            </a:solidFill>
+            <a:prstDash val="sysDot"/>
+          </a:ln>
+        </p:spPr>
+        <p:style>
+          <a:lnRef idx="2">
+            <a:schemeClr val="accent1">
+              <a:shade val="50000"/>
+            </a:schemeClr>
+          </a:lnRef>
+          <a:fillRef idx="1">
+            <a:schemeClr val="accent1"/>
+          </a:fillRef>
+          <a:effectRef idx="0">
+            <a:schemeClr val="accent1"/>
+          </a:effectRef>
+          <a:fontRef idx="minor">
+            <a:schemeClr val="lt1"/>
+          </a:fontRef>
+        </p:style>
+        <p:txBody>
+          <a:bodyPr rtlCol="0" anchor="ctr"/>
+          <a:lstStyle/>
+          <a:p>
+            <a:pPr algn="ctr"/>
+            <a:endParaRPr kumimoji="1" lang="ja-JP" altLang="en-US"/>
+          </a:p>
+        </p:txBody>
+      </p:sp>
+      <p:sp>
+        <p:nvSpPr>
+          <p:cNvPr id="10" name="円/楕円 9"/>
+          <p:cNvSpPr/>
+          <p:nvPr/>
+        </p:nvSpPr>
+        <p:spPr>
+          <a:xfrm>
+            <a:off x="3417405" y="2640215"/>
+            <a:ext cx="357809" cy="373711"/>
+          </a:xfrm>
+          <a:prstGeom prst="ellipse">
+            <a:avLst/>
+          </a:prstGeom>
+          <a:noFill/>
+          <a:ln w="31750">
+            <a:solidFill>
+              <a:srgbClr val="FF0000"/>
+            </a:solidFill>
+            <a:prstDash val="sysDot"/>
+          </a:ln>
+        </p:spPr>
+        <p:style>
+          <a:lnRef idx="2">
+            <a:schemeClr val="accent1">
+              <a:shade val="50000"/>
+            </a:schemeClr>
+          </a:lnRef>
+          <a:fillRef idx="1">
+            <a:schemeClr val="accent1"/>
+          </a:fillRef>
+          <a:effectRef idx="0">
+            <a:schemeClr val="accent1"/>
+          </a:effectRef>
+          <a:fontRef idx="minor">
+            <a:schemeClr val="lt1"/>
+          </a:fontRef>
+        </p:style>
+        <p:txBody>
+          <a:bodyPr rtlCol="0" anchor="ctr"/>
+          <a:lstStyle/>
+          <a:p>
+            <a:pPr algn="ctr"/>
+            <a:endParaRPr kumimoji="1" lang="ja-JP" altLang="en-US"/>
+          </a:p>
+        </p:txBody>
+      </p:sp>
+      <p:sp>
+        <p:nvSpPr>
+          <p:cNvPr id="11" name="円/楕円 10"/>
+          <p:cNvSpPr/>
+          <p:nvPr/>
+        </p:nvSpPr>
+        <p:spPr>
+          <a:xfrm>
+            <a:off x="1567584" y="1886843"/>
+            <a:ext cx="357809" cy="373711"/>
+          </a:xfrm>
+          <a:prstGeom prst="ellipse">
+            <a:avLst/>
+          </a:prstGeom>
+          <a:noFill/>
+          <a:ln w="31750">
+            <a:solidFill>
+              <a:srgbClr val="FF0000"/>
+            </a:solidFill>
+            <a:prstDash val="sysDot"/>
+          </a:ln>
+        </p:spPr>
+        <p:style>
+          <a:lnRef idx="2">
+            <a:schemeClr val="accent1">
+              <a:shade val="50000"/>
+            </a:schemeClr>
+          </a:lnRef>
+          <a:fillRef idx="1">
+            <a:schemeClr val="accent1"/>
+          </a:fillRef>
+          <a:effectRef idx="0">
+            <a:schemeClr val="accent1"/>
+          </a:effectRef>
+          <a:fontRef idx="minor">
+            <a:schemeClr val="lt1"/>
+          </a:fontRef>
+        </p:style>
+        <p:txBody>
+          <a:bodyPr rtlCol="0" anchor="ctr"/>
+          <a:lstStyle/>
+          <a:p>
+            <a:pPr algn="ctr"/>
+            <a:endParaRPr kumimoji="1" lang="ja-JP" altLang="en-US"/>
+          </a:p>
+        </p:txBody>
+      </p:sp>
+      <p:sp>
+        <p:nvSpPr>
+          <p:cNvPr id="12" name="円/楕円 11"/>
+          <p:cNvSpPr/>
+          <p:nvPr/>
+        </p:nvSpPr>
+        <p:spPr>
+          <a:xfrm>
+            <a:off x="5574653" y="1871077"/>
+            <a:ext cx="357809" cy="373711"/>
+          </a:xfrm>
+          <a:prstGeom prst="ellipse">
+            <a:avLst/>
+          </a:prstGeom>
+          <a:noFill/>
+          <a:ln w="31750">
+            <a:solidFill>
+              <a:srgbClr val="FF0000"/>
+            </a:solidFill>
+            <a:prstDash val="sysDot"/>
+          </a:ln>
+        </p:spPr>
+        <p:style>
+          <a:lnRef idx="2">
+            <a:schemeClr val="accent1">
+              <a:shade val="50000"/>
+            </a:schemeClr>
+          </a:lnRef>
+          <a:fillRef idx="1">
+            <a:schemeClr val="accent1"/>
+          </a:fillRef>
+          <a:effectRef idx="0">
+            <a:schemeClr val="accent1"/>
+          </a:effectRef>
+          <a:fontRef idx="minor">
+            <a:schemeClr val="lt1"/>
+          </a:fontRef>
+        </p:style>
+        <p:txBody>
+          <a:bodyPr rtlCol="0" anchor="ctr"/>
+          <a:lstStyle/>
+          <a:p>
+            <a:pPr algn="ctr"/>
+            <a:endParaRPr kumimoji="1" lang="ja-JP" altLang="en-US"/>
+          </a:p>
+        </p:txBody>
+      </p:sp>
+      <p:sp>
+        <p:nvSpPr>
+          <p:cNvPr id="13" name="円/楕円 12"/>
+          <p:cNvSpPr/>
+          <p:nvPr/>
+        </p:nvSpPr>
+        <p:spPr>
+          <a:xfrm>
+            <a:off x="6569085" y="2116557"/>
+            <a:ext cx="357809" cy="373711"/>
+          </a:xfrm>
+          <a:prstGeom prst="ellipse">
+            <a:avLst/>
+          </a:prstGeom>
+          <a:noFill/>
+          <a:ln w="31750">
+            <a:solidFill>
+              <a:srgbClr val="FF0000"/>
+            </a:solidFill>
+            <a:prstDash val="sysDot"/>
+          </a:ln>
+        </p:spPr>
+        <p:style>
+          <a:lnRef idx="2">
+            <a:schemeClr val="accent1">
+              <a:shade val="50000"/>
+            </a:schemeClr>
+          </a:lnRef>
+          <a:fillRef idx="1">
+            <a:schemeClr val="accent1"/>
+          </a:fillRef>
+          <a:effectRef idx="0">
+            <a:schemeClr val="accent1"/>
+          </a:effectRef>
+          <a:fontRef idx="minor">
+            <a:schemeClr val="lt1"/>
+          </a:fontRef>
+        </p:style>
+        <p:txBody>
+          <a:bodyPr rtlCol="0" anchor="ctr"/>
+          <a:lstStyle/>
+          <a:p>
+            <a:pPr algn="ctr"/>
+            <a:endParaRPr kumimoji="1" lang="ja-JP" altLang="en-US"/>
+          </a:p>
+        </p:txBody>
+      </p:sp>
+      <p:sp>
+        <p:nvSpPr>
+          <p:cNvPr id="14" name="円/楕円 13"/>
+          <p:cNvSpPr/>
+          <p:nvPr/>
+        </p:nvSpPr>
+        <p:spPr>
+          <a:xfrm>
+            <a:off x="7563517" y="2492774"/>
+            <a:ext cx="357809" cy="373711"/>
+          </a:xfrm>
+          <a:prstGeom prst="ellipse">
+            <a:avLst/>
+          </a:prstGeom>
+          <a:noFill/>
+          <a:ln w="31750">
+            <a:solidFill>
+              <a:srgbClr val="FF0000"/>
+            </a:solidFill>
+            <a:prstDash val="sysDot"/>
+          </a:ln>
+        </p:spPr>
+        <p:style>
+          <a:lnRef idx="2">
+            <a:schemeClr val="accent1">
+              <a:shade val="50000"/>
+            </a:schemeClr>
+          </a:lnRef>
+          <a:fillRef idx="1">
+            <a:schemeClr val="accent1"/>
+          </a:fillRef>
+          <a:effectRef idx="0">
+            <a:schemeClr val="accent1"/>
+          </a:effectRef>
+          <a:fontRef idx="minor">
+            <a:schemeClr val="lt1"/>
+          </a:fontRef>
+        </p:style>
+        <p:txBody>
+          <a:bodyPr rtlCol="0" anchor="ctr"/>
+          <a:lstStyle/>
+          <a:p>
+            <a:pPr algn="ctr"/>
+            <a:endParaRPr kumimoji="1" lang="ja-JP" altLang="en-US"/>
+          </a:p>
+        </p:txBody>
+      </p:sp>
+      <p:sp>
+        <p:nvSpPr>
+          <p:cNvPr id="7" name="タイトル 1"/>
           <p:cNvSpPr txBox="1">
             <a:spLocks/>
           </p:cNvSpPr>
@@ -15690,8 +13881,162 @@
         </p:nvSpPr>
         <p:spPr>
           <a:xfrm>
-            <a:off x="571167" y="877756"/>
-            <a:ext cx="8001665" cy="1984714"/>
+            <a:off x="1088910" y="4042520"/>
+            <a:ext cx="2892461" cy="584660"/>
+          </a:xfrm>
+          <a:prstGeom prst="rect">
+            <a:avLst/>
+          </a:prstGeom>
+          <a:solidFill>
+            <a:schemeClr val="bg1"/>
+          </a:solidFill>
+        </p:spPr>
+        <p:txBody>
+          <a:bodyPr vert="horz" lIns="91440" tIns="45720" rIns="91440" bIns="45720" rtlCol="0" anchor="t">
+            <a:noAutofit/>
+          </a:bodyPr>
+          <a:lstStyle>
+            <a:lvl1pPr algn="ctr" defTabSz="914400" rtl="0" eaLnBrk="1" latinLnBrk="0" hangingPunct="1">
+              <a:lnSpc>
+                <a:spcPct val="90000"/>
+              </a:lnSpc>
+              <a:spcBef>
+                <a:spcPct val="0"/>
+              </a:spcBef>
+              <a:buNone/>
+              <a:defRPr kumimoji="1" sz="6000" kern="1200">
+                <a:solidFill>
+                  <a:schemeClr val="tx1"/>
+                </a:solidFill>
+                <a:latin typeface="+mj-lt"/>
+                <a:ea typeface="+mj-ea"/>
+                <a:cs typeface="+mj-cs"/>
+              </a:defRPr>
+            </a:lvl1pPr>
+          </a:lstStyle>
+          <a:p>
+            <a:pPr algn="l">
+              <a:lnSpc>
+                <a:spcPct val="150000"/>
+              </a:lnSpc>
+            </a:pPr>
+            <a:r>
+              <a:rPr lang="ja-JP" altLang="en-US" sz="1600" dirty="0" smtClean="0">
+                <a:latin typeface="メイリオ" panose="020B0604030504040204" pitchFamily="50" charset="-128"/>
+                <a:ea typeface="メイリオ" panose="020B0604030504040204" pitchFamily="50" charset="-128"/>
+              </a:rPr>
+              <a:t>教師なしデータの</a:t>
+            </a:r>
+            <a:r>
+              <a:rPr lang="en-US" altLang="ja-JP" sz="1600" dirty="0" smtClean="0">
+                <a:latin typeface="メイリオ" panose="020B0604030504040204" pitchFamily="50" charset="-128"/>
+                <a:ea typeface="メイリオ" panose="020B0604030504040204" pitchFamily="50" charset="-128"/>
+              </a:rPr>
+              <a:t>OOD</a:t>
+            </a:r>
+            <a:r>
+              <a:rPr lang="ja-JP" altLang="en-US" sz="1600" dirty="0" smtClean="0">
+                <a:latin typeface="メイリオ" panose="020B0604030504040204" pitchFamily="50" charset="-128"/>
+                <a:ea typeface="メイリオ" panose="020B0604030504040204" pitchFamily="50" charset="-128"/>
+              </a:rPr>
+              <a:t>の割合</a:t>
+            </a:r>
+            <a:endParaRPr lang="en-US" altLang="ja-JP" sz="1600" dirty="0" smtClean="0">
+              <a:latin typeface="メイリオ" panose="020B0604030504040204" pitchFamily="50" charset="-128"/>
+              <a:ea typeface="メイリオ" panose="020B0604030504040204" pitchFamily="50" charset="-128"/>
+            </a:endParaRPr>
+          </a:p>
+        </p:txBody>
+      </p:sp>
+      <p:sp>
+        <p:nvSpPr>
+          <p:cNvPr id="15" name="タイトル 1"/>
+          <p:cNvSpPr txBox="1">
+            <a:spLocks/>
+          </p:cNvSpPr>
+          <p:nvPr/>
+        </p:nvSpPr>
+        <p:spPr>
+          <a:xfrm>
+            <a:off x="5270296" y="4018871"/>
+            <a:ext cx="2892461" cy="584660"/>
+          </a:xfrm>
+          <a:prstGeom prst="rect">
+            <a:avLst/>
+          </a:prstGeom>
+          <a:solidFill>
+            <a:schemeClr val="bg1"/>
+          </a:solidFill>
+        </p:spPr>
+        <p:txBody>
+          <a:bodyPr vert="horz" lIns="91440" tIns="45720" rIns="91440" bIns="45720" rtlCol="0" anchor="t">
+            <a:noAutofit/>
+          </a:bodyPr>
+          <a:lstStyle>
+            <a:lvl1pPr algn="ctr" defTabSz="914400" rtl="0" eaLnBrk="1" latinLnBrk="0" hangingPunct="1">
+              <a:lnSpc>
+                <a:spcPct val="90000"/>
+              </a:lnSpc>
+              <a:spcBef>
+                <a:spcPct val="0"/>
+              </a:spcBef>
+              <a:buNone/>
+              <a:defRPr kumimoji="1" sz="6000" kern="1200">
+                <a:solidFill>
+                  <a:schemeClr val="tx1"/>
+                </a:solidFill>
+                <a:latin typeface="+mj-lt"/>
+                <a:ea typeface="+mj-ea"/>
+                <a:cs typeface="+mj-cs"/>
+              </a:defRPr>
+            </a:lvl1pPr>
+          </a:lstStyle>
+          <a:p>
+            <a:pPr algn="l">
+              <a:lnSpc>
+                <a:spcPct val="150000"/>
+              </a:lnSpc>
+            </a:pPr>
+            <a:r>
+              <a:rPr lang="ja-JP" altLang="en-US" sz="1600" dirty="0" smtClean="0">
+                <a:latin typeface="メイリオ" panose="020B0604030504040204" pitchFamily="50" charset="-128"/>
+                <a:ea typeface="メイリオ" panose="020B0604030504040204" pitchFamily="50" charset="-128"/>
+              </a:rPr>
+              <a:t>教師なしデータの</a:t>
+            </a:r>
+            <a:r>
+              <a:rPr lang="en-US" altLang="ja-JP" sz="1600" dirty="0" smtClean="0">
+                <a:latin typeface="メイリオ" panose="020B0604030504040204" pitchFamily="50" charset="-128"/>
+                <a:ea typeface="メイリオ" panose="020B0604030504040204" pitchFamily="50" charset="-128"/>
+              </a:rPr>
+              <a:t>OOD</a:t>
+            </a:r>
+            <a:r>
+              <a:rPr lang="ja-JP" altLang="en-US" sz="1600" dirty="0" smtClean="0">
+                <a:latin typeface="メイリオ" panose="020B0604030504040204" pitchFamily="50" charset="-128"/>
+                <a:ea typeface="メイリオ" panose="020B0604030504040204" pitchFamily="50" charset="-128"/>
+              </a:rPr>
+              <a:t>の割合</a:t>
+            </a:r>
+            <a:endParaRPr lang="en-US" altLang="ja-JP" sz="1600" dirty="0" smtClean="0">
+              <a:latin typeface="メイリオ" panose="020B0604030504040204" pitchFamily="50" charset="-128"/>
+              <a:ea typeface="メイリオ" panose="020B0604030504040204" pitchFamily="50" charset="-128"/>
+            </a:endParaRPr>
+          </a:p>
+        </p:txBody>
+      </p:sp>
+      <p:sp>
+        <p:nvSpPr>
+          <p:cNvPr id="16" name="タイトル 1"/>
+          <p:cNvSpPr txBox="1">
+            <a:spLocks/>
+          </p:cNvSpPr>
+          <p:nvPr/>
+        </p:nvSpPr>
+        <p:spPr>
+          <a:xfrm>
+            <a:off x="874986" y="5369588"/>
+            <a:ext cx="7401911" cy="1217055"/>
           </a:xfrm>
           <a:prstGeom prst="rect">
             <a:avLst/>
@@ -15721,58 +14066,94 @@
             </a:lvl1pPr>
           </a:lstStyle>
           <a:p>
-            <a:pPr marL="285750" indent="-285750" algn="l">
+            <a:pPr algn="l">
               <a:lnSpc>
                 <a:spcPct val="150000"/>
               </a:lnSpc>
-              <a:buFont typeface="Arial" panose="020B0604020202020204" pitchFamily="34" charset="0"/>
-              <a:buChar char="•"/>
             </a:pPr>
             <a:r>
-              <a:rPr lang="ja-JP" altLang="en-US" sz="2000" dirty="0" smtClean="0">
-                <a:latin typeface="メイリオ" panose="020B0604030504040204" pitchFamily="50" charset="-128"/>
-                <a:ea typeface="メイリオ" panose="020B0604030504040204" pitchFamily="50" charset="-128"/>
-              </a:rPr>
-              <a:t>データセットは、</a:t>
-            </a:r>
-            <a:r>
-              <a:rPr lang="en-US" altLang="ja-JP" sz="2000" dirty="0" err="1" smtClean="0">
-                <a:latin typeface="メイリオ" panose="020B0604030504040204" pitchFamily="50" charset="-128"/>
-                <a:ea typeface="メイリオ" panose="020B0604030504040204" pitchFamily="50" charset="-128"/>
-              </a:rPr>
-              <a:t>SVMGuide</a:t>
-            </a:r>
-            <a:endParaRPr lang="en-US" altLang="ja-JP" sz="2000" dirty="0" smtClean="0">
+              <a:rPr lang="en-US" altLang="ja-JP" sz="1400" dirty="0" smtClean="0">
+                <a:solidFill>
+                  <a:srgbClr val="FF0000"/>
+                </a:solidFill>
+                <a:latin typeface="メイリオ" panose="020B0604030504040204" pitchFamily="50" charset="-128"/>
+                <a:ea typeface="メイリオ" panose="020B0604030504040204" pitchFamily="50" charset="-128"/>
+              </a:rPr>
+              <a:t>OOD</a:t>
+            </a:r>
+            <a:r>
+              <a:rPr lang="ja-JP" altLang="en-US" sz="1400" dirty="0" smtClean="0">
+                <a:solidFill>
+                  <a:srgbClr val="FF0000"/>
+                </a:solidFill>
+                <a:latin typeface="メイリオ" panose="020B0604030504040204" pitchFamily="50" charset="-128"/>
+                <a:ea typeface="メイリオ" panose="020B0604030504040204" pitchFamily="50" charset="-128"/>
+              </a:rPr>
+              <a:t>が教師無しデータに含まれている場合でも、他の</a:t>
+            </a:r>
+            <a:r>
+              <a:rPr lang="en-US" altLang="ja-JP" sz="1400" dirty="0" smtClean="0">
+                <a:solidFill>
+                  <a:srgbClr val="FF0000"/>
+                </a:solidFill>
+                <a:latin typeface="メイリオ" panose="020B0604030504040204" pitchFamily="50" charset="-128"/>
+                <a:ea typeface="メイリオ" panose="020B0604030504040204" pitchFamily="50" charset="-128"/>
+              </a:rPr>
+              <a:t>robust</a:t>
+            </a:r>
+            <a:r>
+              <a:rPr lang="ja-JP" altLang="en-US" sz="1400" dirty="0" smtClean="0">
+                <a:solidFill>
+                  <a:srgbClr val="FF0000"/>
+                </a:solidFill>
+                <a:latin typeface="メイリオ" panose="020B0604030504040204" pitchFamily="50" charset="-128"/>
+                <a:ea typeface="メイリオ" panose="020B0604030504040204" pitchFamily="50" charset="-128"/>
+              </a:rPr>
+              <a:t>な半教師有り学習手法よりも精度を落とすことなく学習できる。</a:t>
+            </a:r>
+            <a:endParaRPr lang="en-US" altLang="ja-JP" sz="1400" dirty="0" smtClean="0">
+              <a:solidFill>
+                <a:srgbClr val="FF0000"/>
+              </a:solidFill>
               <a:latin typeface="メイリオ" panose="020B0604030504040204" pitchFamily="50" charset="-128"/>
               <a:ea typeface="メイリオ" panose="020B0604030504040204" pitchFamily="50" charset="-128"/>
             </a:endParaRPr>
           </a:p>
-          <a:p>
-            <a:pPr marL="285750" indent="-285750" algn="l">
-              <a:lnSpc>
-                <a:spcPct val="150000"/>
-              </a:lnSpc>
-              <a:buFont typeface="Arial" panose="020B0604020202020204" pitchFamily="34" charset="0"/>
-              <a:buChar char="•"/>
-            </a:pPr>
-            <a:r>
-              <a:rPr lang="ja-JP" altLang="en-US" sz="2000" dirty="0" smtClean="0">
-                <a:latin typeface="メイリオ" panose="020B0604030504040204" pitchFamily="50" charset="-128"/>
-                <a:ea typeface="メイリオ" panose="020B0604030504040204" pitchFamily="50" charset="-128"/>
-              </a:rPr>
-              <a:t>アクティブラーニングを前提として、エポックごとにコアセットを拡張していく。</a:t>
-            </a:r>
-            <a:endParaRPr lang="en-US" altLang="ja-JP" sz="2000" dirty="0" smtClean="0">
-              <a:latin typeface="メイリオ" panose="020B0604030504040204" pitchFamily="50" charset="-128"/>
-              <a:ea typeface="メイリオ" panose="020B0604030504040204" pitchFamily="50" charset="-128"/>
-            </a:endParaRPr>
+        </p:txBody>
+      </p:sp>
+      <p:sp>
+        <p:nvSpPr>
+          <p:cNvPr id="6" name="正方形/長方形 5"/>
+          <p:cNvSpPr/>
+          <p:nvPr/>
+        </p:nvSpPr>
+        <p:spPr>
+          <a:xfrm>
+            <a:off x="3417068" y="3244334"/>
+            <a:ext cx="2309863" cy="369332"/>
+          </a:xfrm>
+          <a:prstGeom prst="rect">
+            <a:avLst/>
+          </a:prstGeom>
+        </p:spPr>
+        <p:txBody>
+          <a:bodyPr wrap="none">
+            <a:spAutoFit/>
+          </a:bodyPr>
+          <a:lstStyle/>
+          <a:p>
+            <a:r>
+              <a:rPr lang="en-US" altLang="ja-JP" dirty="0"/>
+              <a:t>(Learning to Reweight)</a:t>
+            </a:r>
+            <a:endParaRPr lang="ja-JP" altLang="en-US" dirty="0"/>
           </a:p>
         </p:txBody>
       </p:sp>
     </p:spTree>
     <p:extLst>
       <p:ext uri="{BB962C8B-B14F-4D97-AF65-F5344CB8AC3E}">
-        <p14:creationId xmlns:p14="http://schemas.microsoft.com/office/powerpoint/2010/main" val="2451210503"/>
+        <p14:creationId xmlns:p14="http://schemas.microsoft.com/office/powerpoint/2010/main" val="3499640904"/>
       </p:ext>
     </p:extLst>
   </p:cSld>
